--- a/units/2/lessons/1/resources/petascale-lesson-2.1-slides.pptx
+++ b/units/2/lessons/1/resources/petascale-lesson-2.1-slides.pptx
@@ -1,21 +1,23 @@
 
 <file path=ppt/presentation.xml><?xml version="1.0" encoding="utf-8"?>
-<p:presentation xmlns:a="http://schemas.openxmlformats.org/drawingml/2006/main" xmlns:r="http://schemas.openxmlformats.org/officeDocument/2006/relationships" xmlns:p="http://schemas.openxmlformats.org/presentationml/2006/main" xmlns:p15="http://schemas.microsoft.com/office/powerpoint/2012/main" autoCompressPictures="0" saveSubsetFonts="1">
+<p:presentation xmlns:a="http://schemas.openxmlformats.org/drawingml/2006/main" xmlns:r="http://schemas.openxmlformats.org/officeDocument/2006/relationships" xmlns:p="http://schemas.openxmlformats.org/presentationml/2006/main" saveSubsetFonts="1" autoCompressPictures="0">
   <p:sldMasterIdLst>
-    <p:sldMasterId r:id="rId1" id="2147483648"/>
+    <p:sldMasterId id="2147483648" r:id="rId1"/>
+    <p:sldMasterId id="2147483660" r:id="rId2"/>
   </p:sldMasterIdLst>
   <p:notesMasterIdLst>
-    <p:notesMasterId r:id="rId10"/>
+    <p:notesMasterId r:id="rId12"/>
   </p:notesMasterIdLst>
   <p:sldIdLst>
-    <p:sldId r:id="rId2" id="256"/>
-    <p:sldId r:id="rId3" id="257"/>
-    <p:sldId r:id="rId4" id="258"/>
-    <p:sldId r:id="rId5" id="259"/>
-    <p:sldId r:id="rId6" id="260"/>
-    <p:sldId r:id="rId7" id="261"/>
-    <p:sldId r:id="rId8" id="262"/>
-    <p:sldId r:id="rId9" id="263"/>
+    <p:sldId id="266" r:id="rId3"/>
+    <p:sldId id="267" r:id="rId4"/>
+    <p:sldId id="257" r:id="rId5"/>
+    <p:sldId id="258" r:id="rId6"/>
+    <p:sldId id="259" r:id="rId7"/>
+    <p:sldId id="260" r:id="rId8"/>
+    <p:sldId id="261" r:id="rId9"/>
+    <p:sldId id="262" r:id="rId10"/>
+    <p:sldId id="263" r:id="rId11"/>
   </p:sldIdLst>
   <p:sldSz cx="12192000" cy="6858000"/>
   <p:notesSz cx="6858000" cy="9144000"/>
@@ -23,8 +25,8 @@
     <a:defPPr>
       <a:defRPr lang="en-US"/>
     </a:defPPr>
-    <a:lvl1pPr eaLnBrk="1" defTabSz="914400" latinLnBrk="0" rtl="0" marL="0" hangingPunct="1" algn="l">
-      <a:defRPr kern="1200" sz="1800">
+    <a:lvl1pPr marL="0" algn="l" defTabSz="914400" rtl="0" eaLnBrk="1" latinLnBrk="0" hangingPunct="1">
+      <a:defRPr sz="1800" kern="1200">
         <a:solidFill>
           <a:schemeClr val="tx1"/>
         </a:solidFill>
@@ -33,8 +35,8 @@
         <a:cs typeface="+mn-cs"/>
       </a:defRPr>
     </a:lvl1pPr>
-    <a:lvl2pPr eaLnBrk="1" defTabSz="914400" latinLnBrk="0" rtl="0" marL="457200" hangingPunct="1" algn="l">
-      <a:defRPr kern="1200" sz="1800">
+    <a:lvl2pPr marL="457200" algn="l" defTabSz="914400" rtl="0" eaLnBrk="1" latinLnBrk="0" hangingPunct="1">
+      <a:defRPr sz="1800" kern="1200">
         <a:solidFill>
           <a:schemeClr val="tx1"/>
         </a:solidFill>
@@ -43,8 +45,8 @@
         <a:cs typeface="+mn-cs"/>
       </a:defRPr>
     </a:lvl2pPr>
-    <a:lvl3pPr eaLnBrk="1" defTabSz="914400" latinLnBrk="0" rtl="0" marL="914400" hangingPunct="1" algn="l">
-      <a:defRPr kern="1200" sz="1800">
+    <a:lvl3pPr marL="914400" algn="l" defTabSz="914400" rtl="0" eaLnBrk="1" latinLnBrk="0" hangingPunct="1">
+      <a:defRPr sz="1800" kern="1200">
         <a:solidFill>
           <a:schemeClr val="tx1"/>
         </a:solidFill>
@@ -53,8 +55,8 @@
         <a:cs typeface="+mn-cs"/>
       </a:defRPr>
     </a:lvl3pPr>
-    <a:lvl4pPr eaLnBrk="1" defTabSz="914400" latinLnBrk="0" rtl="0" marL="1371600" hangingPunct="1" algn="l">
-      <a:defRPr kern="1200" sz="1800">
+    <a:lvl4pPr marL="1371600" algn="l" defTabSz="914400" rtl="0" eaLnBrk="1" latinLnBrk="0" hangingPunct="1">
+      <a:defRPr sz="1800" kern="1200">
         <a:solidFill>
           <a:schemeClr val="tx1"/>
         </a:solidFill>
@@ -63,8 +65,8 @@
         <a:cs typeface="+mn-cs"/>
       </a:defRPr>
     </a:lvl4pPr>
-    <a:lvl5pPr eaLnBrk="1" defTabSz="914400" latinLnBrk="0" rtl="0" marL="1828800" hangingPunct="1" algn="l">
-      <a:defRPr kern="1200" sz="1800">
+    <a:lvl5pPr marL="1828800" algn="l" defTabSz="914400" rtl="0" eaLnBrk="1" latinLnBrk="0" hangingPunct="1">
+      <a:defRPr sz="1800" kern="1200">
         <a:solidFill>
           <a:schemeClr val="tx1"/>
         </a:solidFill>
@@ -73,8 +75,8 @@
         <a:cs typeface="+mn-cs"/>
       </a:defRPr>
     </a:lvl5pPr>
-    <a:lvl6pPr eaLnBrk="1" defTabSz="914400" latinLnBrk="0" rtl="0" marL="2286000" hangingPunct="1" algn="l">
-      <a:defRPr kern="1200" sz="1800">
+    <a:lvl6pPr marL="2286000" algn="l" defTabSz="914400" rtl="0" eaLnBrk="1" latinLnBrk="0" hangingPunct="1">
+      <a:defRPr sz="1800" kern="1200">
         <a:solidFill>
           <a:schemeClr val="tx1"/>
         </a:solidFill>
@@ -83,8 +85,8 @@
         <a:cs typeface="+mn-cs"/>
       </a:defRPr>
     </a:lvl6pPr>
-    <a:lvl7pPr eaLnBrk="1" defTabSz="914400" latinLnBrk="0" rtl="0" marL="2743200" hangingPunct="1" algn="l">
-      <a:defRPr kern="1200" sz="1800">
+    <a:lvl7pPr marL="2743200" algn="l" defTabSz="914400" rtl="0" eaLnBrk="1" latinLnBrk="0" hangingPunct="1">
+      <a:defRPr sz="1800" kern="1200">
         <a:solidFill>
           <a:schemeClr val="tx1"/>
         </a:solidFill>
@@ -93,8 +95,8 @@
         <a:cs typeface="+mn-cs"/>
       </a:defRPr>
     </a:lvl7pPr>
-    <a:lvl8pPr eaLnBrk="1" defTabSz="914400" latinLnBrk="0" rtl="0" marL="3200400" hangingPunct="1" algn="l">
-      <a:defRPr kern="1200" sz="1800">
+    <a:lvl8pPr marL="3200400" algn="l" defTabSz="914400" rtl="0" eaLnBrk="1" latinLnBrk="0" hangingPunct="1">
+      <a:defRPr sz="1800" kern="1200">
         <a:solidFill>
           <a:schemeClr val="tx1"/>
         </a:solidFill>
@@ -103,8 +105,8 @@
         <a:cs typeface="+mn-cs"/>
       </a:defRPr>
     </a:lvl8pPr>
-    <a:lvl9pPr eaLnBrk="1" defTabSz="914400" latinLnBrk="0" rtl="0" marL="3657600" hangingPunct="1" algn="l">
-      <a:defRPr kern="1200" sz="1800">
+    <a:lvl9pPr marL="3657600" algn="l" defTabSz="914400" rtl="0" eaLnBrk="1" latinLnBrk="0" hangingPunct="1">
+      <a:defRPr sz="1800" kern="1200">
         <a:solidFill>
           <a:schemeClr val="tx1"/>
         </a:solidFill>
@@ -119,7 +121,7 @@
       <p15:sldGuideLst xmlns:p15="http://schemas.microsoft.com/office/powerpoint/2012/main"/>
     </p:ext>
     <p:ext uri="http://customooxmlschemas.google.com/">
-      <go:slidesCustomData xmlns:go="http://customooxmlschemas.google.com/" roundtripDataSignature="AMtx7mhjSgRlE9C6u6EdzSfIjC8I+/qzYg==" r:id="rId16"/>
+      <go:slidesCustomData xmlns:go="http://customooxmlschemas.google.com/" xmlns:p15="http://schemas.microsoft.com/office/powerpoint/2012/main" xmlns="" roundtripDataSignature="AMtx7mhjSgRlE9C6u6EdzSfIjC8I+/qzYg==" r:id="rId16"/>
     </p:ext>
   </p:extLst>
 </p:presentation>
@@ -127,21 +129,21 @@
 
 <file path=ppt/commentAuthors.xml><?xml version="1.0" encoding="utf-8"?>
 <p:cmAuthorLst xmlns:a="http://schemas.openxmlformats.org/drawingml/2006/main" xmlns:r="http://schemas.openxmlformats.org/officeDocument/2006/relationships" xmlns:p="http://schemas.openxmlformats.org/presentationml/2006/main">
-  <p:cmAuthor clrIdx="0" initials="" lastIdx="3" name="Anonymous" id="0"/>
+  <p:cmAuthor id="0" name="Anonymous" initials="" lastIdx="3" clrIdx="0"/>
 </p:cmAuthorLst>
 </file>
 
 <file path=ppt/comments/comment1.xml><?xml version="1.0" encoding="utf-8"?>
-<p:cmLst xmlns:a="http://schemas.openxmlformats.org/drawingml/2006/main" xmlns:r="http://schemas.openxmlformats.org/officeDocument/2006/relationships" xmlns:p="http://schemas.openxmlformats.org/presentationml/2006/main" xmlns:p15="http://schemas.microsoft.com/office/powerpoint/2012/main">
-  <p:cm dt="2020-06-27T22:22:15.796" authorId="0" idx="1">
+<p:cmLst xmlns:a="http://schemas.openxmlformats.org/drawingml/2006/main" xmlns:r="http://schemas.openxmlformats.org/officeDocument/2006/relationships" xmlns:p="http://schemas.openxmlformats.org/presentationml/2006/main">
+  <p:cm authorId="0" dt="2020-06-27T22:22:15.796" idx="1">
     <p:pos x="2936" y="3480"/>
     <p:text>The symbol next to this term is showing as a question mark in a box. Is that what should be showing?</p:text>
     <p:extLst>
       <p:ext uri="{C676402C-5697-4E1C-873F-D02D1690AC5C}">
-        <p15:threadingInfo timeZoneBias="0"/>
+        <p15:threadingInfo xmlns:p15="http://schemas.microsoft.com/office/powerpoint/2012/main" timeZoneBias="0"/>
       </p:ext>
       <p:ext uri="http://customooxmlschemas.google.com/">
-        <go:slidesCustomData xmlns:go="http://customooxmlschemas.google.com/" commentPostId="AAAAGq7_CV0"/>
+        <go:slidesCustomData xmlns:go="http://customooxmlschemas.google.com/" xmlns:p15="http://schemas.microsoft.com/office/powerpoint/2012/main" xmlns="" commentPostId="AAAAGq7_CV0"/>
       </p:ext>
     </p:extLst>
   </p:cm>
@@ -149,16 +151,16 @@
 </file>
 
 <file path=ppt/comments/comment2.xml><?xml version="1.0" encoding="utf-8"?>
-<p:cmLst xmlns:a="http://schemas.openxmlformats.org/drawingml/2006/main" xmlns:r="http://schemas.openxmlformats.org/officeDocument/2006/relationships" xmlns:p="http://schemas.openxmlformats.org/presentationml/2006/main" xmlns:p15="http://schemas.microsoft.com/office/powerpoint/2012/main">
-  <p:cm dt="2020-06-27T22:24:34.952" authorId="0" idx="3">
-    <p:pos x="2333" y="470"/>
-    <p:text>I might suggest to write the summary slightly different, since it is basically just a copy of the outline slide. Summarize it in a reworded way.</p:text>
+<p:cmLst xmlns:a="http://schemas.openxmlformats.org/drawingml/2006/main" xmlns:r="http://schemas.openxmlformats.org/officeDocument/2006/relationships" xmlns:p="http://schemas.openxmlformats.org/presentationml/2006/main">
+  <p:cm authorId="0" dt="2020-06-27T22:25:39.723" idx="2">
+    <p:pos x="3677" y="1219"/>
+    <p:text>Maybe add a little more detail to this slide.</p:text>
     <p:extLst>
       <p:ext uri="{C676402C-5697-4E1C-873F-D02D1690AC5C}">
-        <p15:threadingInfo timeZoneBias="0"/>
+        <p15:threadingInfo xmlns:p15="http://schemas.microsoft.com/office/powerpoint/2012/main" timeZoneBias="0"/>
       </p:ext>
       <p:ext uri="http://customooxmlschemas.google.com/">
-        <go:slidesCustomData xmlns:go="http://customooxmlschemas.google.com/" commentPostId="AAAAGq7_CWE"/>
+        <go:slidesCustomData xmlns:go="http://customooxmlschemas.google.com/" xmlns:p15="http://schemas.microsoft.com/office/powerpoint/2012/main" xmlns="" commentPostId="AAAAGq7_CWM"/>
       </p:ext>
     </p:extLst>
   </p:cm>
@@ -166,16 +168,16 @@
 </file>
 
 <file path=ppt/comments/comment3.xml><?xml version="1.0" encoding="utf-8"?>
-<p:cmLst xmlns:a="http://schemas.openxmlformats.org/drawingml/2006/main" xmlns:r="http://schemas.openxmlformats.org/officeDocument/2006/relationships" xmlns:p="http://schemas.openxmlformats.org/presentationml/2006/main" xmlns:p15="http://schemas.microsoft.com/office/powerpoint/2012/main">
-  <p:cm dt="2020-06-27T22:25:39.723" authorId="0" idx="2">
-    <p:pos x="3677" y="1219"/>
-    <p:text>Maybe add a little more detail to this slide.</p:text>
+<p:cmLst xmlns:a="http://schemas.openxmlformats.org/drawingml/2006/main" xmlns:r="http://schemas.openxmlformats.org/officeDocument/2006/relationships" xmlns:p="http://schemas.openxmlformats.org/presentationml/2006/main">
+  <p:cm authorId="0" dt="2020-06-27T22:24:34.952" idx="3">
+    <p:pos x="2333" y="470"/>
+    <p:text>I might suggest to write the summary slightly different, since it is basically just a copy of the outline slide. Summarize it in a reworded way.</p:text>
     <p:extLst>
       <p:ext uri="{C676402C-5697-4E1C-873F-D02D1690AC5C}">
-        <p15:threadingInfo timeZoneBias="0"/>
+        <p15:threadingInfo xmlns:p15="http://schemas.microsoft.com/office/powerpoint/2012/main" timeZoneBias="0"/>
       </p:ext>
       <p:ext uri="http://customooxmlschemas.google.com/">
-        <go:slidesCustomData xmlns:go="http://customooxmlschemas.google.com/" commentPostId="AAAAGq7_CWM"/>
+        <go:slidesCustomData xmlns:go="http://customooxmlschemas.google.com/" xmlns:p15="http://schemas.microsoft.com/office/powerpoint/2012/main" xmlns="" commentPostId="AAAAGq7_CWE"/>
       </p:ext>
     </p:extLst>
   </p:cm>
@@ -264,7 +266,7 @@
           <a:p>
             <a:fld id="{5CBF2A87-9387-EB42-B173-5ABD7500A47C}" type="datetimeFigureOut">
               <a:rPr lang="en-US" smtClean="0"/>
-              <a:t>6/17/20</a:t>
+              <a:t>9/12/20</a:t>
             </a:fld>
             <a:endParaRPr lang="en-US"/>
           </a:p>
@@ -575,10 +577,7 @@
           <a:bodyPr/>
           <a:lstStyle/>
           <a:p>
-            <a:r>
-              <a:rPr lang="en-US" dirty="0"/>
-              <a:t>Module 2.1</a:t>
-            </a:r>
+            <a:endParaRPr lang="en-US" dirty="0"/>
           </a:p>
         </p:txBody>
       </p:sp>
@@ -589,7 +588,7 @@
             <a:spLocks noGrp="1"/>
           </p:cNvSpPr>
           <p:nvPr>
-            <p:ph type="sldNum" sz="quarter" idx="5"/>
+            <p:ph type="sldNum" sz="quarter" idx="10"/>
           </p:nvPr>
         </p:nvSpPr>
         <p:spPr/>
@@ -599,7 +598,7 @@
           <a:p>
             <a:fld id="{38195FFE-1145-2D49-895A-CD98CD11620F}" type="slidenum">
               <a:rPr lang="en-US" smtClean="0"/>
-              <a:t>1</a:t>
+              <a:t>3</a:t>
             </a:fld>
             <a:endParaRPr lang="en-US"/>
           </a:p>
@@ -608,7 +607,7 @@
     </p:spTree>
     <p:extLst>
       <p:ext uri="{BB962C8B-B14F-4D97-AF65-F5344CB8AC3E}">
-        <p14:creationId xmlns:p14="http://schemas.microsoft.com/office/powerpoint/2010/main" val="3145244484"/>
+        <p14:creationId xmlns:p14="http://schemas.microsoft.com/office/powerpoint/2010/main" val="1381695927"/>
       </p:ext>
     </p:extLst>
   </p:cSld>
@@ -686,7 +685,7 @@
           <a:p>
             <a:fld id="{38195FFE-1145-2D49-895A-CD98CD11620F}" type="slidenum">
               <a:rPr lang="en-US" smtClean="0"/>
-              <a:t>3</a:t>
+              <a:t>4</a:t>
             </a:fld>
             <a:endParaRPr lang="en-US"/>
           </a:p>
@@ -773,6 +772,10 @@
               </a:rPr>
               <a:t>David A. Joiner </a:t>
             </a:r>
+            <a:r>
+              <a:rPr lang="en-US" dirty="0"/>
+              <a:t/>
+            </a:r>
             <a:br>
               <a:rPr lang="en-US" dirty="0"/>
             </a:br>
@@ -916,7 +919,7 @@
           <a:p>
             <a:fld id="{38195FFE-1145-2D49-895A-CD98CD11620F}" type="slidenum">
               <a:rPr lang="en-US" smtClean="0"/>
-              <a:t>5</a:t>
+              <a:t>6</a:t>
             </a:fld>
             <a:endParaRPr lang="en-US"/>
           </a:p>
@@ -1033,7 +1036,7 @@
           <a:p>
             <a:fld id="{38195FFE-1145-2D49-895A-CD98CD11620F}" type="slidenum">
               <a:rPr lang="en-US" smtClean="0"/>
-              <a:t>6</a:t>
+              <a:t>7</a:t>
             </a:fld>
             <a:endParaRPr lang="en-US"/>
           </a:p>
@@ -1120,7 +1123,7 @@
           <a:p>
             <a:fld id="{38195FFE-1145-2D49-895A-CD98CD11620F}" type="slidenum">
               <a:rPr lang="en-US" smtClean="0"/>
-              <a:t>7</a:t>
+              <a:t>8</a:t>
             </a:fld>
             <a:endParaRPr lang="en-US"/>
           </a:p>
@@ -1161,7 +1164,7 @@
           <p:cNvPr id="2" name="Title 1">
             <a:extLst>
               <a:ext uri="{FF2B5EF4-FFF2-40B4-BE49-F238E27FC236}">
-                <a16:creationId xmlns:a16="http://schemas.microsoft.com/office/drawing/2014/main" id="{4154FF00-6C1D-4547-8A0C-5087ACDA336B}"/>
+                <a16:creationId xmlns:a16="http://schemas.microsoft.com/office/drawing/2014/main" xmlns="" id="{4154FF00-6C1D-4547-8A0C-5087ACDA336B}"/>
               </a:ext>
             </a:extLst>
           </p:cNvPr>
@@ -1198,7 +1201,7 @@
           <p:cNvPr id="3" name="Subtitle 2">
             <a:extLst>
               <a:ext uri="{FF2B5EF4-FFF2-40B4-BE49-F238E27FC236}">
-                <a16:creationId xmlns:a16="http://schemas.microsoft.com/office/drawing/2014/main" id="{750EE6CE-15DD-614F-AB4A-E3A06297484D}"/>
+                <a16:creationId xmlns:a16="http://schemas.microsoft.com/office/drawing/2014/main" xmlns="" id="{750EE6CE-15DD-614F-AB4A-E3A06297484D}"/>
               </a:ext>
             </a:extLst>
           </p:cNvPr>
@@ -1268,7 +1271,7 @@
           <p:cNvPr id="4" name="Date Placeholder 3">
             <a:extLst>
               <a:ext uri="{FF2B5EF4-FFF2-40B4-BE49-F238E27FC236}">
-                <a16:creationId xmlns:a16="http://schemas.microsoft.com/office/drawing/2014/main" id="{DB7DEBA0-59D7-3C47-98D9-71CBD5EF029A}"/>
+                <a16:creationId xmlns:a16="http://schemas.microsoft.com/office/drawing/2014/main" xmlns="" id="{DB7DEBA0-59D7-3C47-98D9-71CBD5EF029A}"/>
               </a:ext>
             </a:extLst>
           </p:cNvPr>
@@ -1286,7 +1289,7 @@
           <a:p>
             <a:fld id="{E389AA9D-A245-8245-B1FA-F343E2C3F01D}" type="datetimeFigureOut">
               <a:rPr lang="en-US" smtClean="0"/>
-              <a:t>6/17/20</a:t>
+              <a:t>9/12/20</a:t>
             </a:fld>
             <a:endParaRPr lang="en-US"/>
           </a:p>
@@ -1297,7 +1300,7 @@
           <p:cNvPr id="5" name="Footer Placeholder 4">
             <a:extLst>
               <a:ext uri="{FF2B5EF4-FFF2-40B4-BE49-F238E27FC236}">
-                <a16:creationId xmlns:a16="http://schemas.microsoft.com/office/drawing/2014/main" id="{41F018F2-98BE-4843-BCC2-987D23BDDACA}"/>
+                <a16:creationId xmlns:a16="http://schemas.microsoft.com/office/drawing/2014/main" xmlns="" id="{41F018F2-98BE-4843-BCC2-987D23BDDACA}"/>
               </a:ext>
             </a:extLst>
           </p:cNvPr>
@@ -1322,7 +1325,7 @@
           <p:cNvPr id="6" name="Slide Number Placeholder 5">
             <a:extLst>
               <a:ext uri="{FF2B5EF4-FFF2-40B4-BE49-F238E27FC236}">
-                <a16:creationId xmlns:a16="http://schemas.microsoft.com/office/drawing/2014/main" id="{2947633B-CED6-9042-BCE5-20D730690570}"/>
+                <a16:creationId xmlns:a16="http://schemas.microsoft.com/office/drawing/2014/main" xmlns="" id="{2947633B-CED6-9042-BCE5-20D730690570}"/>
               </a:ext>
             </a:extLst>
           </p:cNvPr>
@@ -1381,7 +1384,7 @@
           <p:cNvPr id="2" name="Title 1">
             <a:extLst>
               <a:ext uri="{FF2B5EF4-FFF2-40B4-BE49-F238E27FC236}">
-                <a16:creationId xmlns:a16="http://schemas.microsoft.com/office/drawing/2014/main" id="{1145828A-6EA7-9B49-AF1C-45BCA8F1DB23}"/>
+                <a16:creationId xmlns:a16="http://schemas.microsoft.com/office/drawing/2014/main" xmlns="" id="{1145828A-6EA7-9B49-AF1C-45BCA8F1DB23}"/>
               </a:ext>
             </a:extLst>
           </p:cNvPr>
@@ -1409,7 +1412,7 @@
           <p:cNvPr id="3" name="Vertical Text Placeholder 2">
             <a:extLst>
               <a:ext uri="{FF2B5EF4-FFF2-40B4-BE49-F238E27FC236}">
-                <a16:creationId xmlns:a16="http://schemas.microsoft.com/office/drawing/2014/main" id="{AEA57A97-638C-2D4C-B984-B944923DCB75}"/>
+                <a16:creationId xmlns:a16="http://schemas.microsoft.com/office/drawing/2014/main" xmlns="" id="{AEA57A97-638C-2D4C-B984-B944923DCB75}"/>
               </a:ext>
             </a:extLst>
           </p:cNvPr>
@@ -1466,7 +1469,7 @@
           <p:cNvPr id="4" name="Date Placeholder 3">
             <a:extLst>
               <a:ext uri="{FF2B5EF4-FFF2-40B4-BE49-F238E27FC236}">
-                <a16:creationId xmlns:a16="http://schemas.microsoft.com/office/drawing/2014/main" id="{EBE56020-F746-FF46-8F8F-76EB174B2866}"/>
+                <a16:creationId xmlns:a16="http://schemas.microsoft.com/office/drawing/2014/main" xmlns="" id="{EBE56020-F746-FF46-8F8F-76EB174B2866}"/>
               </a:ext>
             </a:extLst>
           </p:cNvPr>
@@ -1484,7 +1487,7 @@
           <a:p>
             <a:fld id="{E389AA9D-A245-8245-B1FA-F343E2C3F01D}" type="datetimeFigureOut">
               <a:rPr lang="en-US" smtClean="0"/>
-              <a:t>6/17/20</a:t>
+              <a:t>9/12/20</a:t>
             </a:fld>
             <a:endParaRPr lang="en-US"/>
           </a:p>
@@ -1495,7 +1498,7 @@
           <p:cNvPr id="5" name="Footer Placeholder 4">
             <a:extLst>
               <a:ext uri="{FF2B5EF4-FFF2-40B4-BE49-F238E27FC236}">
-                <a16:creationId xmlns:a16="http://schemas.microsoft.com/office/drawing/2014/main" id="{1F8B489C-E6A8-5349-B3AB-41D4DF239ECF}"/>
+                <a16:creationId xmlns:a16="http://schemas.microsoft.com/office/drawing/2014/main" xmlns="" id="{1F8B489C-E6A8-5349-B3AB-41D4DF239ECF}"/>
               </a:ext>
             </a:extLst>
           </p:cNvPr>
@@ -1520,7 +1523,7 @@
           <p:cNvPr id="6" name="Slide Number Placeholder 5">
             <a:extLst>
               <a:ext uri="{FF2B5EF4-FFF2-40B4-BE49-F238E27FC236}">
-                <a16:creationId xmlns:a16="http://schemas.microsoft.com/office/drawing/2014/main" id="{C6B8E5CF-9F22-7347-9597-A71F500254A6}"/>
+                <a16:creationId xmlns:a16="http://schemas.microsoft.com/office/drawing/2014/main" xmlns="" id="{C6B8E5CF-9F22-7347-9597-A71F500254A6}"/>
               </a:ext>
             </a:extLst>
           </p:cNvPr>
@@ -1579,7 +1582,7 @@
           <p:cNvPr id="2" name="Vertical Title 1">
             <a:extLst>
               <a:ext uri="{FF2B5EF4-FFF2-40B4-BE49-F238E27FC236}">
-                <a16:creationId xmlns:a16="http://schemas.microsoft.com/office/drawing/2014/main" id="{FDACEA32-B942-2248-B85F-572F92F0A9F0}"/>
+                <a16:creationId xmlns:a16="http://schemas.microsoft.com/office/drawing/2014/main" xmlns="" id="{FDACEA32-B942-2248-B85F-572F92F0A9F0}"/>
               </a:ext>
             </a:extLst>
           </p:cNvPr>
@@ -1612,7 +1615,7 @@
           <p:cNvPr id="3" name="Vertical Text Placeholder 2">
             <a:extLst>
               <a:ext uri="{FF2B5EF4-FFF2-40B4-BE49-F238E27FC236}">
-                <a16:creationId xmlns:a16="http://schemas.microsoft.com/office/drawing/2014/main" id="{4BB564C5-497A-744B-819E-B6649B83A81D}"/>
+                <a16:creationId xmlns:a16="http://schemas.microsoft.com/office/drawing/2014/main" xmlns="" id="{4BB564C5-497A-744B-819E-B6649B83A81D}"/>
               </a:ext>
             </a:extLst>
           </p:cNvPr>
@@ -1674,7 +1677,7 @@
           <p:cNvPr id="4" name="Date Placeholder 3">
             <a:extLst>
               <a:ext uri="{FF2B5EF4-FFF2-40B4-BE49-F238E27FC236}">
-                <a16:creationId xmlns:a16="http://schemas.microsoft.com/office/drawing/2014/main" id="{EE709782-4DE3-2347-BA98-0C3372D9F652}"/>
+                <a16:creationId xmlns:a16="http://schemas.microsoft.com/office/drawing/2014/main" xmlns="" id="{EE709782-4DE3-2347-BA98-0C3372D9F652}"/>
               </a:ext>
             </a:extLst>
           </p:cNvPr>
@@ -1692,7 +1695,7 @@
           <a:p>
             <a:fld id="{E389AA9D-A245-8245-B1FA-F343E2C3F01D}" type="datetimeFigureOut">
               <a:rPr lang="en-US" smtClean="0"/>
-              <a:t>6/17/20</a:t>
+              <a:t>9/12/20</a:t>
             </a:fld>
             <a:endParaRPr lang="en-US"/>
           </a:p>
@@ -1703,7 +1706,7 @@
           <p:cNvPr id="5" name="Footer Placeholder 4">
             <a:extLst>
               <a:ext uri="{FF2B5EF4-FFF2-40B4-BE49-F238E27FC236}">
-                <a16:creationId xmlns:a16="http://schemas.microsoft.com/office/drawing/2014/main" id="{8625CD21-2409-1440-980D-CF27E5CEB256}"/>
+                <a16:creationId xmlns:a16="http://schemas.microsoft.com/office/drawing/2014/main" xmlns="" id="{8625CD21-2409-1440-980D-CF27E5CEB256}"/>
               </a:ext>
             </a:extLst>
           </p:cNvPr>
@@ -1728,7 +1731,7 @@
           <p:cNvPr id="6" name="Slide Number Placeholder 5">
             <a:extLst>
               <a:ext uri="{FF2B5EF4-FFF2-40B4-BE49-F238E27FC236}">
-                <a16:creationId xmlns:a16="http://schemas.microsoft.com/office/drawing/2014/main" id="{E41D5F59-DA90-3B4B-838D-6B96648F8B90}"/>
+                <a16:creationId xmlns:a16="http://schemas.microsoft.com/office/drawing/2014/main" xmlns="" id="{E41D5F59-DA90-3B4B-838D-6B96648F8B90}"/>
               </a:ext>
             </a:extLst>
           </p:cNvPr>
@@ -1758,6 +1761,1927 @@
         <p14:creationId xmlns:p14="http://schemas.microsoft.com/office/powerpoint/2010/main" val="494029341"/>
       </p:ext>
     </p:extLst>
+  </p:cSld>
+  <p:clrMapOvr>
+    <a:masterClrMapping/>
+  </p:clrMapOvr>
+</p:sldLayout>
+</file>
+
+<file path=ppt/slideLayouts/slideLayout12.xml><?xml version="1.0" encoding="utf-8"?>
+<p:sldLayout xmlns:a="http://schemas.openxmlformats.org/drawingml/2006/main" xmlns:r="http://schemas.openxmlformats.org/officeDocument/2006/relationships" xmlns:p="http://schemas.openxmlformats.org/presentationml/2006/main" type="title" preserve="1">
+  <p:cSld name="Title Slide">
+    <p:spTree>
+      <p:nvGrpSpPr>
+        <p:cNvPr id="1" name=""/>
+        <p:cNvGrpSpPr/>
+        <p:nvPr/>
+      </p:nvGrpSpPr>
+      <p:grpSpPr>
+        <a:xfrm>
+          <a:off x="0" y="0"/>
+          <a:ext cx="0" cy="0"/>
+          <a:chOff x="0" y="0"/>
+          <a:chExt cx="0" cy="0"/>
+        </a:xfrm>
+      </p:grpSpPr>
+      <p:sp>
+        <p:nvSpPr>
+          <p:cNvPr id="2" name="Title 1"/>
+          <p:cNvSpPr>
+            <a:spLocks noGrp="1"/>
+          </p:cNvSpPr>
+          <p:nvPr>
+            <p:ph type="ctrTitle"/>
+          </p:nvPr>
+        </p:nvSpPr>
+        <p:spPr>
+          <a:xfrm>
+            <a:off x="1524000" y="1122363"/>
+            <a:ext cx="9144000" cy="2387600"/>
+          </a:xfrm>
+        </p:spPr>
+        <p:txBody>
+          <a:bodyPr anchor="b"/>
+          <a:lstStyle>
+            <a:lvl1pPr algn="ctr">
+              <a:defRPr sz="4500"/>
+            </a:lvl1pPr>
+          </a:lstStyle>
+          <a:p>
+            <a:r>
+              <a:rPr lang="en-US" smtClean="0"/>
+              <a:t>Click to edit Master title style</a:t>
+            </a:r>
+            <a:endParaRPr lang="en-US"/>
+          </a:p>
+        </p:txBody>
+      </p:sp>
+      <p:sp>
+        <p:nvSpPr>
+          <p:cNvPr id="3" name="Subtitle 2"/>
+          <p:cNvSpPr>
+            <a:spLocks noGrp="1"/>
+          </p:cNvSpPr>
+          <p:nvPr>
+            <p:ph type="subTitle" idx="1"/>
+          </p:nvPr>
+        </p:nvSpPr>
+        <p:spPr>
+          <a:xfrm>
+            <a:off x="1524000" y="3602038"/>
+            <a:ext cx="9144000" cy="1655763"/>
+          </a:xfrm>
+        </p:spPr>
+        <p:txBody>
+          <a:bodyPr/>
+          <a:lstStyle>
+            <a:lvl1pPr marL="0" indent="0" algn="ctr">
+              <a:buNone/>
+              <a:defRPr sz="1800"/>
+            </a:lvl1pPr>
+            <a:lvl2pPr marL="342900" indent="0" algn="ctr">
+              <a:buNone/>
+              <a:defRPr sz="1500"/>
+            </a:lvl2pPr>
+            <a:lvl3pPr marL="685800" indent="0" algn="ctr">
+              <a:buNone/>
+              <a:defRPr sz="1350"/>
+            </a:lvl3pPr>
+            <a:lvl4pPr marL="1028700" indent="0" algn="ctr">
+              <a:buNone/>
+              <a:defRPr sz="1200"/>
+            </a:lvl4pPr>
+            <a:lvl5pPr marL="1371600" indent="0" algn="ctr">
+              <a:buNone/>
+              <a:defRPr sz="1200"/>
+            </a:lvl5pPr>
+            <a:lvl6pPr marL="1714500" indent="0" algn="ctr">
+              <a:buNone/>
+              <a:defRPr sz="1200"/>
+            </a:lvl6pPr>
+            <a:lvl7pPr marL="2057400" indent="0" algn="ctr">
+              <a:buNone/>
+              <a:defRPr sz="1200"/>
+            </a:lvl7pPr>
+            <a:lvl8pPr marL="2400300" indent="0" algn="ctr">
+              <a:buNone/>
+              <a:defRPr sz="1200"/>
+            </a:lvl8pPr>
+            <a:lvl9pPr marL="2743200" indent="0" algn="ctr">
+              <a:buNone/>
+              <a:defRPr sz="1200"/>
+            </a:lvl9pPr>
+          </a:lstStyle>
+          <a:p>
+            <a:r>
+              <a:rPr lang="en-US" smtClean="0"/>
+              <a:t>Click to edit Master subtitle style</a:t>
+            </a:r>
+            <a:endParaRPr lang="en-US"/>
+          </a:p>
+        </p:txBody>
+      </p:sp>
+      <p:sp>
+        <p:nvSpPr>
+          <p:cNvPr id="4" name="Date Placeholder 3"/>
+          <p:cNvSpPr>
+            <a:spLocks noGrp="1"/>
+          </p:cNvSpPr>
+          <p:nvPr>
+            <p:ph type="dt" sz="half" idx="10"/>
+          </p:nvPr>
+        </p:nvSpPr>
+        <p:spPr/>
+        <p:txBody>
+          <a:bodyPr/>
+          <a:lstStyle/>
+          <a:p>
+            <a:fld id="{92CAA8A4-0ED2-3C42-8F86-06294E9F5717}" type="datetimeFigureOut">
+              <a:rPr lang="en-US" smtClean="0">
+                <a:solidFill>
+                  <a:prstClr val="black">
+                    <a:tint val="75000"/>
+                  </a:prstClr>
+                </a:solidFill>
+              </a:rPr>
+              <a:pPr/>
+              <a:t>9/12/20</a:t>
+            </a:fld>
+            <a:endParaRPr lang="en-US">
+              <a:solidFill>
+                <a:prstClr val="black">
+                  <a:tint val="75000"/>
+                </a:prstClr>
+              </a:solidFill>
+            </a:endParaRPr>
+          </a:p>
+        </p:txBody>
+      </p:sp>
+      <p:sp>
+        <p:nvSpPr>
+          <p:cNvPr id="5" name="Footer Placeholder 4"/>
+          <p:cNvSpPr>
+            <a:spLocks noGrp="1"/>
+          </p:cNvSpPr>
+          <p:nvPr>
+            <p:ph type="ftr" sz="quarter" idx="11"/>
+          </p:nvPr>
+        </p:nvSpPr>
+        <p:spPr/>
+        <p:txBody>
+          <a:bodyPr/>
+          <a:lstStyle/>
+          <a:p>
+            <a:endParaRPr lang="en-US">
+              <a:solidFill>
+                <a:prstClr val="black">
+                  <a:tint val="75000"/>
+                </a:prstClr>
+              </a:solidFill>
+            </a:endParaRPr>
+          </a:p>
+        </p:txBody>
+      </p:sp>
+      <p:sp>
+        <p:nvSpPr>
+          <p:cNvPr id="6" name="Slide Number Placeholder 5"/>
+          <p:cNvSpPr>
+            <a:spLocks noGrp="1"/>
+          </p:cNvSpPr>
+          <p:nvPr>
+            <p:ph type="sldNum" sz="quarter" idx="12"/>
+          </p:nvPr>
+        </p:nvSpPr>
+        <p:spPr/>
+        <p:txBody>
+          <a:bodyPr/>
+          <a:lstStyle/>
+          <a:p>
+            <a:fld id="{ADCF0D4B-B936-754B-BA5E-F482D12E455A}" type="slidenum">
+              <a:rPr lang="en-US" smtClean="0">
+                <a:solidFill>
+                  <a:prstClr val="black">
+                    <a:tint val="75000"/>
+                  </a:prstClr>
+                </a:solidFill>
+              </a:rPr>
+              <a:pPr/>
+              <a:t>‹#›</a:t>
+            </a:fld>
+            <a:endParaRPr lang="en-US">
+              <a:solidFill>
+                <a:prstClr val="black">
+                  <a:tint val="75000"/>
+                </a:prstClr>
+              </a:solidFill>
+            </a:endParaRPr>
+          </a:p>
+        </p:txBody>
+      </p:sp>
+    </p:spTree>
+    <p:extLst/>
+  </p:cSld>
+  <p:clrMapOvr>
+    <a:masterClrMapping/>
+  </p:clrMapOvr>
+</p:sldLayout>
+</file>
+
+<file path=ppt/slideLayouts/slideLayout13.xml><?xml version="1.0" encoding="utf-8"?>
+<p:sldLayout xmlns:a="http://schemas.openxmlformats.org/drawingml/2006/main" xmlns:r="http://schemas.openxmlformats.org/officeDocument/2006/relationships" xmlns:p="http://schemas.openxmlformats.org/presentationml/2006/main" type="obj" preserve="1">
+  <p:cSld name="Title and Content">
+    <p:spTree>
+      <p:nvGrpSpPr>
+        <p:cNvPr id="1" name=""/>
+        <p:cNvGrpSpPr/>
+        <p:nvPr/>
+      </p:nvGrpSpPr>
+      <p:grpSpPr>
+        <a:xfrm>
+          <a:off x="0" y="0"/>
+          <a:ext cx="0" cy="0"/>
+          <a:chOff x="0" y="0"/>
+          <a:chExt cx="0" cy="0"/>
+        </a:xfrm>
+      </p:grpSpPr>
+      <p:sp>
+        <p:nvSpPr>
+          <p:cNvPr id="2" name="Title 1"/>
+          <p:cNvSpPr>
+            <a:spLocks noGrp="1"/>
+          </p:cNvSpPr>
+          <p:nvPr>
+            <p:ph type="title"/>
+          </p:nvPr>
+        </p:nvSpPr>
+        <p:spPr/>
+        <p:txBody>
+          <a:bodyPr/>
+          <a:lstStyle/>
+          <a:p>
+            <a:r>
+              <a:rPr lang="en-US" smtClean="0"/>
+              <a:t>Click to edit Master title style</a:t>
+            </a:r>
+            <a:endParaRPr lang="en-US"/>
+          </a:p>
+        </p:txBody>
+      </p:sp>
+      <p:sp>
+        <p:nvSpPr>
+          <p:cNvPr id="3" name="Content Placeholder 2"/>
+          <p:cNvSpPr>
+            <a:spLocks noGrp="1"/>
+          </p:cNvSpPr>
+          <p:nvPr>
+            <p:ph idx="1"/>
+          </p:nvPr>
+        </p:nvSpPr>
+        <p:spPr/>
+        <p:txBody>
+          <a:bodyPr/>
+          <a:lstStyle/>
+          <a:p>
+            <a:pPr lvl="0"/>
+            <a:r>
+              <a:rPr lang="en-US" smtClean="0"/>
+              <a:t>Click to edit Master text styles</a:t>
+            </a:r>
+          </a:p>
+          <a:p>
+            <a:pPr lvl="1"/>
+            <a:r>
+              <a:rPr lang="en-US" smtClean="0"/>
+              <a:t>Second level</a:t>
+            </a:r>
+          </a:p>
+          <a:p>
+            <a:pPr lvl="2"/>
+            <a:r>
+              <a:rPr lang="en-US" smtClean="0"/>
+              <a:t>Third level</a:t>
+            </a:r>
+          </a:p>
+          <a:p>
+            <a:pPr lvl="3"/>
+            <a:r>
+              <a:rPr lang="en-US" smtClean="0"/>
+              <a:t>Fourth level</a:t>
+            </a:r>
+          </a:p>
+          <a:p>
+            <a:pPr lvl="4"/>
+            <a:r>
+              <a:rPr lang="en-US" smtClean="0"/>
+              <a:t>Fifth level</a:t>
+            </a:r>
+            <a:endParaRPr lang="en-US"/>
+          </a:p>
+        </p:txBody>
+      </p:sp>
+      <p:sp>
+        <p:nvSpPr>
+          <p:cNvPr id="4" name="Date Placeholder 3"/>
+          <p:cNvSpPr>
+            <a:spLocks noGrp="1"/>
+          </p:cNvSpPr>
+          <p:nvPr>
+            <p:ph type="dt" sz="half" idx="10"/>
+          </p:nvPr>
+        </p:nvSpPr>
+        <p:spPr/>
+        <p:txBody>
+          <a:bodyPr/>
+          <a:lstStyle/>
+          <a:p>
+            <a:fld id="{92CAA8A4-0ED2-3C42-8F86-06294E9F5717}" type="datetimeFigureOut">
+              <a:rPr lang="en-US" smtClean="0">
+                <a:solidFill>
+                  <a:prstClr val="black">
+                    <a:tint val="75000"/>
+                  </a:prstClr>
+                </a:solidFill>
+              </a:rPr>
+              <a:pPr/>
+              <a:t>9/12/20</a:t>
+            </a:fld>
+            <a:endParaRPr lang="en-US">
+              <a:solidFill>
+                <a:prstClr val="black">
+                  <a:tint val="75000"/>
+                </a:prstClr>
+              </a:solidFill>
+            </a:endParaRPr>
+          </a:p>
+        </p:txBody>
+      </p:sp>
+      <p:sp>
+        <p:nvSpPr>
+          <p:cNvPr id="5" name="Footer Placeholder 4"/>
+          <p:cNvSpPr>
+            <a:spLocks noGrp="1"/>
+          </p:cNvSpPr>
+          <p:nvPr>
+            <p:ph type="ftr" sz="quarter" idx="11"/>
+          </p:nvPr>
+        </p:nvSpPr>
+        <p:spPr/>
+        <p:txBody>
+          <a:bodyPr/>
+          <a:lstStyle/>
+          <a:p>
+            <a:endParaRPr lang="en-US">
+              <a:solidFill>
+                <a:prstClr val="black">
+                  <a:tint val="75000"/>
+                </a:prstClr>
+              </a:solidFill>
+            </a:endParaRPr>
+          </a:p>
+        </p:txBody>
+      </p:sp>
+      <p:sp>
+        <p:nvSpPr>
+          <p:cNvPr id="6" name="Slide Number Placeholder 5"/>
+          <p:cNvSpPr>
+            <a:spLocks noGrp="1"/>
+          </p:cNvSpPr>
+          <p:nvPr>
+            <p:ph type="sldNum" sz="quarter" idx="12"/>
+          </p:nvPr>
+        </p:nvSpPr>
+        <p:spPr/>
+        <p:txBody>
+          <a:bodyPr/>
+          <a:lstStyle/>
+          <a:p>
+            <a:fld id="{ADCF0D4B-B936-754B-BA5E-F482D12E455A}" type="slidenum">
+              <a:rPr lang="en-US" smtClean="0">
+                <a:solidFill>
+                  <a:prstClr val="black">
+                    <a:tint val="75000"/>
+                  </a:prstClr>
+                </a:solidFill>
+              </a:rPr>
+              <a:pPr/>
+              <a:t>‹#›</a:t>
+            </a:fld>
+            <a:endParaRPr lang="en-US">
+              <a:solidFill>
+                <a:prstClr val="black">
+                  <a:tint val="75000"/>
+                </a:prstClr>
+              </a:solidFill>
+            </a:endParaRPr>
+          </a:p>
+        </p:txBody>
+      </p:sp>
+    </p:spTree>
+    <p:extLst/>
+  </p:cSld>
+  <p:clrMapOvr>
+    <a:masterClrMapping/>
+  </p:clrMapOvr>
+</p:sldLayout>
+</file>
+
+<file path=ppt/slideLayouts/slideLayout14.xml><?xml version="1.0" encoding="utf-8"?>
+<p:sldLayout xmlns:a="http://schemas.openxmlformats.org/drawingml/2006/main" xmlns:r="http://schemas.openxmlformats.org/officeDocument/2006/relationships" xmlns:p="http://schemas.openxmlformats.org/presentationml/2006/main" type="secHead" preserve="1">
+  <p:cSld name="Section Header">
+    <p:spTree>
+      <p:nvGrpSpPr>
+        <p:cNvPr id="1" name=""/>
+        <p:cNvGrpSpPr/>
+        <p:nvPr/>
+      </p:nvGrpSpPr>
+      <p:grpSpPr>
+        <a:xfrm>
+          <a:off x="0" y="0"/>
+          <a:ext cx="0" cy="0"/>
+          <a:chOff x="0" y="0"/>
+          <a:chExt cx="0" cy="0"/>
+        </a:xfrm>
+      </p:grpSpPr>
+      <p:sp>
+        <p:nvSpPr>
+          <p:cNvPr id="2" name="Title 1"/>
+          <p:cNvSpPr>
+            <a:spLocks noGrp="1"/>
+          </p:cNvSpPr>
+          <p:nvPr>
+            <p:ph type="title"/>
+          </p:nvPr>
+        </p:nvSpPr>
+        <p:spPr>
+          <a:xfrm>
+            <a:off x="831851" y="1709741"/>
+            <a:ext cx="10515600" cy="2852737"/>
+          </a:xfrm>
+        </p:spPr>
+        <p:txBody>
+          <a:bodyPr anchor="b"/>
+          <a:lstStyle>
+            <a:lvl1pPr>
+              <a:defRPr sz="4500"/>
+            </a:lvl1pPr>
+          </a:lstStyle>
+          <a:p>
+            <a:r>
+              <a:rPr lang="en-US" smtClean="0"/>
+              <a:t>Click to edit Master title style</a:t>
+            </a:r>
+            <a:endParaRPr lang="en-US"/>
+          </a:p>
+        </p:txBody>
+      </p:sp>
+      <p:sp>
+        <p:nvSpPr>
+          <p:cNvPr id="3" name="Text Placeholder 2"/>
+          <p:cNvSpPr>
+            <a:spLocks noGrp="1"/>
+          </p:cNvSpPr>
+          <p:nvPr>
+            <p:ph type="body" idx="1"/>
+          </p:nvPr>
+        </p:nvSpPr>
+        <p:spPr>
+          <a:xfrm>
+            <a:off x="831851" y="4589465"/>
+            <a:ext cx="10515600" cy="1500187"/>
+          </a:xfrm>
+        </p:spPr>
+        <p:txBody>
+          <a:bodyPr/>
+          <a:lstStyle>
+            <a:lvl1pPr marL="0" indent="0">
+              <a:buNone/>
+              <a:defRPr sz="1800">
+                <a:solidFill>
+                  <a:schemeClr val="tx1">
+                    <a:tint val="75000"/>
+                  </a:schemeClr>
+                </a:solidFill>
+              </a:defRPr>
+            </a:lvl1pPr>
+            <a:lvl2pPr marL="342900" indent="0">
+              <a:buNone/>
+              <a:defRPr sz="1500">
+                <a:solidFill>
+                  <a:schemeClr val="tx1">
+                    <a:tint val="75000"/>
+                  </a:schemeClr>
+                </a:solidFill>
+              </a:defRPr>
+            </a:lvl2pPr>
+            <a:lvl3pPr marL="685800" indent="0">
+              <a:buNone/>
+              <a:defRPr sz="1350">
+                <a:solidFill>
+                  <a:schemeClr val="tx1">
+                    <a:tint val="75000"/>
+                  </a:schemeClr>
+                </a:solidFill>
+              </a:defRPr>
+            </a:lvl3pPr>
+            <a:lvl4pPr marL="1028700" indent="0">
+              <a:buNone/>
+              <a:defRPr sz="1200">
+                <a:solidFill>
+                  <a:schemeClr val="tx1">
+                    <a:tint val="75000"/>
+                  </a:schemeClr>
+                </a:solidFill>
+              </a:defRPr>
+            </a:lvl4pPr>
+            <a:lvl5pPr marL="1371600" indent="0">
+              <a:buNone/>
+              <a:defRPr sz="1200">
+                <a:solidFill>
+                  <a:schemeClr val="tx1">
+                    <a:tint val="75000"/>
+                  </a:schemeClr>
+                </a:solidFill>
+              </a:defRPr>
+            </a:lvl5pPr>
+            <a:lvl6pPr marL="1714500" indent="0">
+              <a:buNone/>
+              <a:defRPr sz="1200">
+                <a:solidFill>
+                  <a:schemeClr val="tx1">
+                    <a:tint val="75000"/>
+                  </a:schemeClr>
+                </a:solidFill>
+              </a:defRPr>
+            </a:lvl6pPr>
+            <a:lvl7pPr marL="2057400" indent="0">
+              <a:buNone/>
+              <a:defRPr sz="1200">
+                <a:solidFill>
+                  <a:schemeClr val="tx1">
+                    <a:tint val="75000"/>
+                  </a:schemeClr>
+                </a:solidFill>
+              </a:defRPr>
+            </a:lvl7pPr>
+            <a:lvl8pPr marL="2400300" indent="0">
+              <a:buNone/>
+              <a:defRPr sz="1200">
+                <a:solidFill>
+                  <a:schemeClr val="tx1">
+                    <a:tint val="75000"/>
+                  </a:schemeClr>
+                </a:solidFill>
+              </a:defRPr>
+            </a:lvl8pPr>
+            <a:lvl9pPr marL="2743200" indent="0">
+              <a:buNone/>
+              <a:defRPr sz="1200">
+                <a:solidFill>
+                  <a:schemeClr val="tx1">
+                    <a:tint val="75000"/>
+                  </a:schemeClr>
+                </a:solidFill>
+              </a:defRPr>
+            </a:lvl9pPr>
+          </a:lstStyle>
+          <a:p>
+            <a:pPr lvl="0"/>
+            <a:r>
+              <a:rPr lang="en-US" smtClean="0"/>
+              <a:t>Click to edit Master text styles</a:t>
+            </a:r>
+          </a:p>
+        </p:txBody>
+      </p:sp>
+      <p:sp>
+        <p:nvSpPr>
+          <p:cNvPr id="4" name="Date Placeholder 3"/>
+          <p:cNvSpPr>
+            <a:spLocks noGrp="1"/>
+          </p:cNvSpPr>
+          <p:nvPr>
+            <p:ph type="dt" sz="half" idx="10"/>
+          </p:nvPr>
+        </p:nvSpPr>
+        <p:spPr/>
+        <p:txBody>
+          <a:bodyPr/>
+          <a:lstStyle/>
+          <a:p>
+            <a:fld id="{92CAA8A4-0ED2-3C42-8F86-06294E9F5717}" type="datetimeFigureOut">
+              <a:rPr lang="en-US" smtClean="0">
+                <a:solidFill>
+                  <a:prstClr val="black">
+                    <a:tint val="75000"/>
+                  </a:prstClr>
+                </a:solidFill>
+              </a:rPr>
+              <a:pPr/>
+              <a:t>9/12/20</a:t>
+            </a:fld>
+            <a:endParaRPr lang="en-US">
+              <a:solidFill>
+                <a:prstClr val="black">
+                  <a:tint val="75000"/>
+                </a:prstClr>
+              </a:solidFill>
+            </a:endParaRPr>
+          </a:p>
+        </p:txBody>
+      </p:sp>
+      <p:sp>
+        <p:nvSpPr>
+          <p:cNvPr id="5" name="Footer Placeholder 4"/>
+          <p:cNvSpPr>
+            <a:spLocks noGrp="1"/>
+          </p:cNvSpPr>
+          <p:nvPr>
+            <p:ph type="ftr" sz="quarter" idx="11"/>
+          </p:nvPr>
+        </p:nvSpPr>
+        <p:spPr/>
+        <p:txBody>
+          <a:bodyPr/>
+          <a:lstStyle/>
+          <a:p>
+            <a:endParaRPr lang="en-US">
+              <a:solidFill>
+                <a:prstClr val="black">
+                  <a:tint val="75000"/>
+                </a:prstClr>
+              </a:solidFill>
+            </a:endParaRPr>
+          </a:p>
+        </p:txBody>
+      </p:sp>
+      <p:sp>
+        <p:nvSpPr>
+          <p:cNvPr id="6" name="Slide Number Placeholder 5"/>
+          <p:cNvSpPr>
+            <a:spLocks noGrp="1"/>
+          </p:cNvSpPr>
+          <p:nvPr>
+            <p:ph type="sldNum" sz="quarter" idx="12"/>
+          </p:nvPr>
+        </p:nvSpPr>
+        <p:spPr/>
+        <p:txBody>
+          <a:bodyPr/>
+          <a:lstStyle/>
+          <a:p>
+            <a:fld id="{ADCF0D4B-B936-754B-BA5E-F482D12E455A}" type="slidenum">
+              <a:rPr lang="en-US" smtClean="0">
+                <a:solidFill>
+                  <a:prstClr val="black">
+                    <a:tint val="75000"/>
+                  </a:prstClr>
+                </a:solidFill>
+              </a:rPr>
+              <a:pPr/>
+              <a:t>‹#›</a:t>
+            </a:fld>
+            <a:endParaRPr lang="en-US">
+              <a:solidFill>
+                <a:prstClr val="black">
+                  <a:tint val="75000"/>
+                </a:prstClr>
+              </a:solidFill>
+            </a:endParaRPr>
+          </a:p>
+        </p:txBody>
+      </p:sp>
+    </p:spTree>
+    <p:extLst/>
+  </p:cSld>
+  <p:clrMapOvr>
+    <a:masterClrMapping/>
+  </p:clrMapOvr>
+</p:sldLayout>
+</file>
+
+<file path=ppt/slideLayouts/slideLayout15.xml><?xml version="1.0" encoding="utf-8"?>
+<p:sldLayout xmlns:a="http://schemas.openxmlformats.org/drawingml/2006/main" xmlns:r="http://schemas.openxmlformats.org/officeDocument/2006/relationships" xmlns:p="http://schemas.openxmlformats.org/presentationml/2006/main" type="twoObj" preserve="1">
+  <p:cSld name="Two Content">
+    <p:spTree>
+      <p:nvGrpSpPr>
+        <p:cNvPr id="1" name=""/>
+        <p:cNvGrpSpPr/>
+        <p:nvPr/>
+      </p:nvGrpSpPr>
+      <p:grpSpPr>
+        <a:xfrm>
+          <a:off x="0" y="0"/>
+          <a:ext cx="0" cy="0"/>
+          <a:chOff x="0" y="0"/>
+          <a:chExt cx="0" cy="0"/>
+        </a:xfrm>
+      </p:grpSpPr>
+      <p:sp>
+        <p:nvSpPr>
+          <p:cNvPr id="2" name="Title 1"/>
+          <p:cNvSpPr>
+            <a:spLocks noGrp="1"/>
+          </p:cNvSpPr>
+          <p:nvPr>
+            <p:ph type="title"/>
+          </p:nvPr>
+        </p:nvSpPr>
+        <p:spPr/>
+        <p:txBody>
+          <a:bodyPr/>
+          <a:lstStyle/>
+          <a:p>
+            <a:r>
+              <a:rPr lang="en-US" smtClean="0"/>
+              <a:t>Click to edit Master title style</a:t>
+            </a:r>
+            <a:endParaRPr lang="en-US"/>
+          </a:p>
+        </p:txBody>
+      </p:sp>
+      <p:sp>
+        <p:nvSpPr>
+          <p:cNvPr id="3" name="Content Placeholder 2"/>
+          <p:cNvSpPr>
+            <a:spLocks noGrp="1"/>
+          </p:cNvSpPr>
+          <p:nvPr>
+            <p:ph sz="half" idx="1"/>
+          </p:nvPr>
+        </p:nvSpPr>
+        <p:spPr>
+          <a:xfrm>
+            <a:off x="838200" y="1825625"/>
+            <a:ext cx="5181600" cy="4351339"/>
+          </a:xfrm>
+        </p:spPr>
+        <p:txBody>
+          <a:bodyPr/>
+          <a:lstStyle/>
+          <a:p>
+            <a:pPr lvl="0"/>
+            <a:r>
+              <a:rPr lang="en-US" smtClean="0"/>
+              <a:t>Click to edit Master text styles</a:t>
+            </a:r>
+          </a:p>
+          <a:p>
+            <a:pPr lvl="1"/>
+            <a:r>
+              <a:rPr lang="en-US" smtClean="0"/>
+              <a:t>Second level</a:t>
+            </a:r>
+          </a:p>
+          <a:p>
+            <a:pPr lvl="2"/>
+            <a:r>
+              <a:rPr lang="en-US" smtClean="0"/>
+              <a:t>Third level</a:t>
+            </a:r>
+          </a:p>
+          <a:p>
+            <a:pPr lvl="3"/>
+            <a:r>
+              <a:rPr lang="en-US" smtClean="0"/>
+              <a:t>Fourth level</a:t>
+            </a:r>
+          </a:p>
+          <a:p>
+            <a:pPr lvl="4"/>
+            <a:r>
+              <a:rPr lang="en-US" smtClean="0"/>
+              <a:t>Fifth level</a:t>
+            </a:r>
+            <a:endParaRPr lang="en-US"/>
+          </a:p>
+        </p:txBody>
+      </p:sp>
+      <p:sp>
+        <p:nvSpPr>
+          <p:cNvPr id="4" name="Content Placeholder 3"/>
+          <p:cNvSpPr>
+            <a:spLocks noGrp="1"/>
+          </p:cNvSpPr>
+          <p:nvPr>
+            <p:ph sz="half" idx="2"/>
+          </p:nvPr>
+        </p:nvSpPr>
+        <p:spPr>
+          <a:xfrm>
+            <a:off x="6172200" y="1825625"/>
+            <a:ext cx="5181600" cy="4351339"/>
+          </a:xfrm>
+        </p:spPr>
+        <p:txBody>
+          <a:bodyPr/>
+          <a:lstStyle/>
+          <a:p>
+            <a:pPr lvl="0"/>
+            <a:r>
+              <a:rPr lang="en-US" smtClean="0"/>
+              <a:t>Click to edit Master text styles</a:t>
+            </a:r>
+          </a:p>
+          <a:p>
+            <a:pPr lvl="1"/>
+            <a:r>
+              <a:rPr lang="en-US" smtClean="0"/>
+              <a:t>Second level</a:t>
+            </a:r>
+          </a:p>
+          <a:p>
+            <a:pPr lvl="2"/>
+            <a:r>
+              <a:rPr lang="en-US" smtClean="0"/>
+              <a:t>Third level</a:t>
+            </a:r>
+          </a:p>
+          <a:p>
+            <a:pPr lvl="3"/>
+            <a:r>
+              <a:rPr lang="en-US" smtClean="0"/>
+              <a:t>Fourth level</a:t>
+            </a:r>
+          </a:p>
+          <a:p>
+            <a:pPr lvl="4"/>
+            <a:r>
+              <a:rPr lang="en-US" smtClean="0"/>
+              <a:t>Fifth level</a:t>
+            </a:r>
+            <a:endParaRPr lang="en-US"/>
+          </a:p>
+        </p:txBody>
+      </p:sp>
+      <p:sp>
+        <p:nvSpPr>
+          <p:cNvPr id="5" name="Date Placeholder 4"/>
+          <p:cNvSpPr>
+            <a:spLocks noGrp="1"/>
+          </p:cNvSpPr>
+          <p:nvPr>
+            <p:ph type="dt" sz="half" idx="10"/>
+          </p:nvPr>
+        </p:nvSpPr>
+        <p:spPr/>
+        <p:txBody>
+          <a:bodyPr/>
+          <a:lstStyle/>
+          <a:p>
+            <a:fld id="{92CAA8A4-0ED2-3C42-8F86-06294E9F5717}" type="datetimeFigureOut">
+              <a:rPr lang="en-US" smtClean="0">
+                <a:solidFill>
+                  <a:prstClr val="black">
+                    <a:tint val="75000"/>
+                  </a:prstClr>
+                </a:solidFill>
+              </a:rPr>
+              <a:pPr/>
+              <a:t>9/12/20</a:t>
+            </a:fld>
+            <a:endParaRPr lang="en-US">
+              <a:solidFill>
+                <a:prstClr val="black">
+                  <a:tint val="75000"/>
+                </a:prstClr>
+              </a:solidFill>
+            </a:endParaRPr>
+          </a:p>
+        </p:txBody>
+      </p:sp>
+      <p:sp>
+        <p:nvSpPr>
+          <p:cNvPr id="6" name="Footer Placeholder 5"/>
+          <p:cNvSpPr>
+            <a:spLocks noGrp="1"/>
+          </p:cNvSpPr>
+          <p:nvPr>
+            <p:ph type="ftr" sz="quarter" idx="11"/>
+          </p:nvPr>
+        </p:nvSpPr>
+        <p:spPr/>
+        <p:txBody>
+          <a:bodyPr/>
+          <a:lstStyle/>
+          <a:p>
+            <a:endParaRPr lang="en-US">
+              <a:solidFill>
+                <a:prstClr val="black">
+                  <a:tint val="75000"/>
+                </a:prstClr>
+              </a:solidFill>
+            </a:endParaRPr>
+          </a:p>
+        </p:txBody>
+      </p:sp>
+      <p:sp>
+        <p:nvSpPr>
+          <p:cNvPr id="7" name="Slide Number Placeholder 6"/>
+          <p:cNvSpPr>
+            <a:spLocks noGrp="1"/>
+          </p:cNvSpPr>
+          <p:nvPr>
+            <p:ph type="sldNum" sz="quarter" idx="12"/>
+          </p:nvPr>
+        </p:nvSpPr>
+        <p:spPr/>
+        <p:txBody>
+          <a:bodyPr/>
+          <a:lstStyle/>
+          <a:p>
+            <a:fld id="{ADCF0D4B-B936-754B-BA5E-F482D12E455A}" type="slidenum">
+              <a:rPr lang="en-US" smtClean="0">
+                <a:solidFill>
+                  <a:prstClr val="black">
+                    <a:tint val="75000"/>
+                  </a:prstClr>
+                </a:solidFill>
+              </a:rPr>
+              <a:pPr/>
+              <a:t>‹#›</a:t>
+            </a:fld>
+            <a:endParaRPr lang="en-US">
+              <a:solidFill>
+                <a:prstClr val="black">
+                  <a:tint val="75000"/>
+                </a:prstClr>
+              </a:solidFill>
+            </a:endParaRPr>
+          </a:p>
+        </p:txBody>
+      </p:sp>
+    </p:spTree>
+    <p:extLst/>
+  </p:cSld>
+  <p:clrMapOvr>
+    <a:masterClrMapping/>
+  </p:clrMapOvr>
+</p:sldLayout>
+</file>
+
+<file path=ppt/slideLayouts/slideLayout16.xml><?xml version="1.0" encoding="utf-8"?>
+<p:sldLayout xmlns:a="http://schemas.openxmlformats.org/drawingml/2006/main" xmlns:r="http://schemas.openxmlformats.org/officeDocument/2006/relationships" xmlns:p="http://schemas.openxmlformats.org/presentationml/2006/main" type="twoTxTwoObj" preserve="1">
+  <p:cSld name="Comparison">
+    <p:spTree>
+      <p:nvGrpSpPr>
+        <p:cNvPr id="1" name=""/>
+        <p:cNvGrpSpPr/>
+        <p:nvPr/>
+      </p:nvGrpSpPr>
+      <p:grpSpPr>
+        <a:xfrm>
+          <a:off x="0" y="0"/>
+          <a:ext cx="0" cy="0"/>
+          <a:chOff x="0" y="0"/>
+          <a:chExt cx="0" cy="0"/>
+        </a:xfrm>
+      </p:grpSpPr>
+      <p:sp>
+        <p:nvSpPr>
+          <p:cNvPr id="2" name="Title 1"/>
+          <p:cNvSpPr>
+            <a:spLocks noGrp="1"/>
+          </p:cNvSpPr>
+          <p:nvPr>
+            <p:ph type="title"/>
+          </p:nvPr>
+        </p:nvSpPr>
+        <p:spPr>
+          <a:xfrm>
+            <a:off x="839788" y="365126"/>
+            <a:ext cx="10515600" cy="1325563"/>
+          </a:xfrm>
+        </p:spPr>
+        <p:txBody>
+          <a:bodyPr/>
+          <a:lstStyle/>
+          <a:p>
+            <a:r>
+              <a:rPr lang="en-US" smtClean="0"/>
+              <a:t>Click to edit Master title style</a:t>
+            </a:r>
+            <a:endParaRPr lang="en-US"/>
+          </a:p>
+        </p:txBody>
+      </p:sp>
+      <p:sp>
+        <p:nvSpPr>
+          <p:cNvPr id="3" name="Text Placeholder 2"/>
+          <p:cNvSpPr>
+            <a:spLocks noGrp="1"/>
+          </p:cNvSpPr>
+          <p:nvPr>
+            <p:ph type="body" idx="1"/>
+          </p:nvPr>
+        </p:nvSpPr>
+        <p:spPr>
+          <a:xfrm>
+            <a:off x="839789" y="1681163"/>
+            <a:ext cx="5157787" cy="823912"/>
+          </a:xfrm>
+        </p:spPr>
+        <p:txBody>
+          <a:bodyPr anchor="b"/>
+          <a:lstStyle>
+            <a:lvl1pPr marL="0" indent="0">
+              <a:buNone/>
+              <a:defRPr sz="1800" b="1"/>
+            </a:lvl1pPr>
+            <a:lvl2pPr marL="342900" indent="0">
+              <a:buNone/>
+              <a:defRPr sz="1500" b="1"/>
+            </a:lvl2pPr>
+            <a:lvl3pPr marL="685800" indent="0">
+              <a:buNone/>
+              <a:defRPr sz="1350" b="1"/>
+            </a:lvl3pPr>
+            <a:lvl4pPr marL="1028700" indent="0">
+              <a:buNone/>
+              <a:defRPr sz="1200" b="1"/>
+            </a:lvl4pPr>
+            <a:lvl5pPr marL="1371600" indent="0">
+              <a:buNone/>
+              <a:defRPr sz="1200" b="1"/>
+            </a:lvl5pPr>
+            <a:lvl6pPr marL="1714500" indent="0">
+              <a:buNone/>
+              <a:defRPr sz="1200" b="1"/>
+            </a:lvl6pPr>
+            <a:lvl7pPr marL="2057400" indent="0">
+              <a:buNone/>
+              <a:defRPr sz="1200" b="1"/>
+            </a:lvl7pPr>
+            <a:lvl8pPr marL="2400300" indent="0">
+              <a:buNone/>
+              <a:defRPr sz="1200" b="1"/>
+            </a:lvl8pPr>
+            <a:lvl9pPr marL="2743200" indent="0">
+              <a:buNone/>
+              <a:defRPr sz="1200" b="1"/>
+            </a:lvl9pPr>
+          </a:lstStyle>
+          <a:p>
+            <a:pPr lvl="0"/>
+            <a:r>
+              <a:rPr lang="en-US" smtClean="0"/>
+              <a:t>Click to edit Master text styles</a:t>
+            </a:r>
+          </a:p>
+        </p:txBody>
+      </p:sp>
+      <p:sp>
+        <p:nvSpPr>
+          <p:cNvPr id="4" name="Content Placeholder 3"/>
+          <p:cNvSpPr>
+            <a:spLocks noGrp="1"/>
+          </p:cNvSpPr>
+          <p:nvPr>
+            <p:ph sz="half" idx="2"/>
+          </p:nvPr>
+        </p:nvSpPr>
+        <p:spPr>
+          <a:xfrm>
+            <a:off x="839789" y="2505075"/>
+            <a:ext cx="5157787" cy="3684588"/>
+          </a:xfrm>
+        </p:spPr>
+        <p:txBody>
+          <a:bodyPr/>
+          <a:lstStyle/>
+          <a:p>
+            <a:pPr lvl="0"/>
+            <a:r>
+              <a:rPr lang="en-US" smtClean="0"/>
+              <a:t>Click to edit Master text styles</a:t>
+            </a:r>
+          </a:p>
+          <a:p>
+            <a:pPr lvl="1"/>
+            <a:r>
+              <a:rPr lang="en-US" smtClean="0"/>
+              <a:t>Second level</a:t>
+            </a:r>
+          </a:p>
+          <a:p>
+            <a:pPr lvl="2"/>
+            <a:r>
+              <a:rPr lang="en-US" smtClean="0"/>
+              <a:t>Third level</a:t>
+            </a:r>
+          </a:p>
+          <a:p>
+            <a:pPr lvl="3"/>
+            <a:r>
+              <a:rPr lang="en-US" smtClean="0"/>
+              <a:t>Fourth level</a:t>
+            </a:r>
+          </a:p>
+          <a:p>
+            <a:pPr lvl="4"/>
+            <a:r>
+              <a:rPr lang="en-US" smtClean="0"/>
+              <a:t>Fifth level</a:t>
+            </a:r>
+            <a:endParaRPr lang="en-US"/>
+          </a:p>
+        </p:txBody>
+      </p:sp>
+      <p:sp>
+        <p:nvSpPr>
+          <p:cNvPr id="5" name="Text Placeholder 4"/>
+          <p:cNvSpPr>
+            <a:spLocks noGrp="1"/>
+          </p:cNvSpPr>
+          <p:nvPr>
+            <p:ph type="body" sz="quarter" idx="3"/>
+          </p:nvPr>
+        </p:nvSpPr>
+        <p:spPr>
+          <a:xfrm>
+            <a:off x="6172202" y="1681163"/>
+            <a:ext cx="5183188" cy="823912"/>
+          </a:xfrm>
+        </p:spPr>
+        <p:txBody>
+          <a:bodyPr anchor="b"/>
+          <a:lstStyle>
+            <a:lvl1pPr marL="0" indent="0">
+              <a:buNone/>
+              <a:defRPr sz="1800" b="1"/>
+            </a:lvl1pPr>
+            <a:lvl2pPr marL="342900" indent="0">
+              <a:buNone/>
+              <a:defRPr sz="1500" b="1"/>
+            </a:lvl2pPr>
+            <a:lvl3pPr marL="685800" indent="0">
+              <a:buNone/>
+              <a:defRPr sz="1350" b="1"/>
+            </a:lvl3pPr>
+            <a:lvl4pPr marL="1028700" indent="0">
+              <a:buNone/>
+              <a:defRPr sz="1200" b="1"/>
+            </a:lvl4pPr>
+            <a:lvl5pPr marL="1371600" indent="0">
+              <a:buNone/>
+              <a:defRPr sz="1200" b="1"/>
+            </a:lvl5pPr>
+            <a:lvl6pPr marL="1714500" indent="0">
+              <a:buNone/>
+              <a:defRPr sz="1200" b="1"/>
+            </a:lvl6pPr>
+            <a:lvl7pPr marL="2057400" indent="0">
+              <a:buNone/>
+              <a:defRPr sz="1200" b="1"/>
+            </a:lvl7pPr>
+            <a:lvl8pPr marL="2400300" indent="0">
+              <a:buNone/>
+              <a:defRPr sz="1200" b="1"/>
+            </a:lvl8pPr>
+            <a:lvl9pPr marL="2743200" indent="0">
+              <a:buNone/>
+              <a:defRPr sz="1200" b="1"/>
+            </a:lvl9pPr>
+          </a:lstStyle>
+          <a:p>
+            <a:pPr lvl="0"/>
+            <a:r>
+              <a:rPr lang="en-US" smtClean="0"/>
+              <a:t>Click to edit Master text styles</a:t>
+            </a:r>
+          </a:p>
+        </p:txBody>
+      </p:sp>
+      <p:sp>
+        <p:nvSpPr>
+          <p:cNvPr id="6" name="Content Placeholder 5"/>
+          <p:cNvSpPr>
+            <a:spLocks noGrp="1"/>
+          </p:cNvSpPr>
+          <p:nvPr>
+            <p:ph sz="quarter" idx="4"/>
+          </p:nvPr>
+        </p:nvSpPr>
+        <p:spPr>
+          <a:xfrm>
+            <a:off x="6172202" y="2505075"/>
+            <a:ext cx="5183188" cy="3684588"/>
+          </a:xfrm>
+        </p:spPr>
+        <p:txBody>
+          <a:bodyPr/>
+          <a:lstStyle/>
+          <a:p>
+            <a:pPr lvl="0"/>
+            <a:r>
+              <a:rPr lang="en-US" smtClean="0"/>
+              <a:t>Click to edit Master text styles</a:t>
+            </a:r>
+          </a:p>
+          <a:p>
+            <a:pPr lvl="1"/>
+            <a:r>
+              <a:rPr lang="en-US" smtClean="0"/>
+              <a:t>Second level</a:t>
+            </a:r>
+          </a:p>
+          <a:p>
+            <a:pPr lvl="2"/>
+            <a:r>
+              <a:rPr lang="en-US" smtClean="0"/>
+              <a:t>Third level</a:t>
+            </a:r>
+          </a:p>
+          <a:p>
+            <a:pPr lvl="3"/>
+            <a:r>
+              <a:rPr lang="en-US" smtClean="0"/>
+              <a:t>Fourth level</a:t>
+            </a:r>
+          </a:p>
+          <a:p>
+            <a:pPr lvl="4"/>
+            <a:r>
+              <a:rPr lang="en-US" smtClean="0"/>
+              <a:t>Fifth level</a:t>
+            </a:r>
+            <a:endParaRPr lang="en-US"/>
+          </a:p>
+        </p:txBody>
+      </p:sp>
+      <p:sp>
+        <p:nvSpPr>
+          <p:cNvPr id="7" name="Date Placeholder 6"/>
+          <p:cNvSpPr>
+            <a:spLocks noGrp="1"/>
+          </p:cNvSpPr>
+          <p:nvPr>
+            <p:ph type="dt" sz="half" idx="10"/>
+          </p:nvPr>
+        </p:nvSpPr>
+        <p:spPr/>
+        <p:txBody>
+          <a:bodyPr/>
+          <a:lstStyle/>
+          <a:p>
+            <a:fld id="{92CAA8A4-0ED2-3C42-8F86-06294E9F5717}" type="datetimeFigureOut">
+              <a:rPr lang="en-US" smtClean="0">
+                <a:solidFill>
+                  <a:prstClr val="black">
+                    <a:tint val="75000"/>
+                  </a:prstClr>
+                </a:solidFill>
+              </a:rPr>
+              <a:pPr/>
+              <a:t>9/12/20</a:t>
+            </a:fld>
+            <a:endParaRPr lang="en-US">
+              <a:solidFill>
+                <a:prstClr val="black">
+                  <a:tint val="75000"/>
+                </a:prstClr>
+              </a:solidFill>
+            </a:endParaRPr>
+          </a:p>
+        </p:txBody>
+      </p:sp>
+      <p:sp>
+        <p:nvSpPr>
+          <p:cNvPr id="8" name="Footer Placeholder 7"/>
+          <p:cNvSpPr>
+            <a:spLocks noGrp="1"/>
+          </p:cNvSpPr>
+          <p:nvPr>
+            <p:ph type="ftr" sz="quarter" idx="11"/>
+          </p:nvPr>
+        </p:nvSpPr>
+        <p:spPr/>
+        <p:txBody>
+          <a:bodyPr/>
+          <a:lstStyle/>
+          <a:p>
+            <a:endParaRPr lang="en-US">
+              <a:solidFill>
+                <a:prstClr val="black">
+                  <a:tint val="75000"/>
+                </a:prstClr>
+              </a:solidFill>
+            </a:endParaRPr>
+          </a:p>
+        </p:txBody>
+      </p:sp>
+      <p:sp>
+        <p:nvSpPr>
+          <p:cNvPr id="9" name="Slide Number Placeholder 8"/>
+          <p:cNvSpPr>
+            <a:spLocks noGrp="1"/>
+          </p:cNvSpPr>
+          <p:nvPr>
+            <p:ph type="sldNum" sz="quarter" idx="12"/>
+          </p:nvPr>
+        </p:nvSpPr>
+        <p:spPr/>
+        <p:txBody>
+          <a:bodyPr/>
+          <a:lstStyle/>
+          <a:p>
+            <a:fld id="{ADCF0D4B-B936-754B-BA5E-F482D12E455A}" type="slidenum">
+              <a:rPr lang="en-US" smtClean="0">
+                <a:solidFill>
+                  <a:prstClr val="black">
+                    <a:tint val="75000"/>
+                  </a:prstClr>
+                </a:solidFill>
+              </a:rPr>
+              <a:pPr/>
+              <a:t>‹#›</a:t>
+            </a:fld>
+            <a:endParaRPr lang="en-US">
+              <a:solidFill>
+                <a:prstClr val="black">
+                  <a:tint val="75000"/>
+                </a:prstClr>
+              </a:solidFill>
+            </a:endParaRPr>
+          </a:p>
+        </p:txBody>
+      </p:sp>
+    </p:spTree>
+    <p:extLst/>
+  </p:cSld>
+  <p:clrMapOvr>
+    <a:masterClrMapping/>
+  </p:clrMapOvr>
+</p:sldLayout>
+</file>
+
+<file path=ppt/slideLayouts/slideLayout17.xml><?xml version="1.0" encoding="utf-8"?>
+<p:sldLayout xmlns:a="http://schemas.openxmlformats.org/drawingml/2006/main" xmlns:r="http://schemas.openxmlformats.org/officeDocument/2006/relationships" xmlns:p="http://schemas.openxmlformats.org/presentationml/2006/main" type="titleOnly" preserve="1">
+  <p:cSld name="Title Only">
+    <p:spTree>
+      <p:nvGrpSpPr>
+        <p:cNvPr id="1" name=""/>
+        <p:cNvGrpSpPr/>
+        <p:nvPr/>
+      </p:nvGrpSpPr>
+      <p:grpSpPr>
+        <a:xfrm>
+          <a:off x="0" y="0"/>
+          <a:ext cx="0" cy="0"/>
+          <a:chOff x="0" y="0"/>
+          <a:chExt cx="0" cy="0"/>
+        </a:xfrm>
+      </p:grpSpPr>
+      <p:sp>
+        <p:nvSpPr>
+          <p:cNvPr id="2" name="Title 1"/>
+          <p:cNvSpPr>
+            <a:spLocks noGrp="1"/>
+          </p:cNvSpPr>
+          <p:nvPr>
+            <p:ph type="title"/>
+          </p:nvPr>
+        </p:nvSpPr>
+        <p:spPr/>
+        <p:txBody>
+          <a:bodyPr/>
+          <a:lstStyle/>
+          <a:p>
+            <a:r>
+              <a:rPr lang="en-US" smtClean="0"/>
+              <a:t>Click to edit Master title style</a:t>
+            </a:r>
+            <a:endParaRPr lang="en-US"/>
+          </a:p>
+        </p:txBody>
+      </p:sp>
+      <p:sp>
+        <p:nvSpPr>
+          <p:cNvPr id="3" name="Date Placeholder 2"/>
+          <p:cNvSpPr>
+            <a:spLocks noGrp="1"/>
+          </p:cNvSpPr>
+          <p:nvPr>
+            <p:ph type="dt" sz="half" idx="10"/>
+          </p:nvPr>
+        </p:nvSpPr>
+        <p:spPr/>
+        <p:txBody>
+          <a:bodyPr/>
+          <a:lstStyle/>
+          <a:p>
+            <a:fld id="{92CAA8A4-0ED2-3C42-8F86-06294E9F5717}" type="datetimeFigureOut">
+              <a:rPr lang="en-US" smtClean="0">
+                <a:solidFill>
+                  <a:prstClr val="black">
+                    <a:tint val="75000"/>
+                  </a:prstClr>
+                </a:solidFill>
+              </a:rPr>
+              <a:pPr/>
+              <a:t>9/12/20</a:t>
+            </a:fld>
+            <a:endParaRPr lang="en-US">
+              <a:solidFill>
+                <a:prstClr val="black">
+                  <a:tint val="75000"/>
+                </a:prstClr>
+              </a:solidFill>
+            </a:endParaRPr>
+          </a:p>
+        </p:txBody>
+      </p:sp>
+      <p:sp>
+        <p:nvSpPr>
+          <p:cNvPr id="4" name="Footer Placeholder 3"/>
+          <p:cNvSpPr>
+            <a:spLocks noGrp="1"/>
+          </p:cNvSpPr>
+          <p:nvPr>
+            <p:ph type="ftr" sz="quarter" idx="11"/>
+          </p:nvPr>
+        </p:nvSpPr>
+        <p:spPr/>
+        <p:txBody>
+          <a:bodyPr/>
+          <a:lstStyle/>
+          <a:p>
+            <a:endParaRPr lang="en-US">
+              <a:solidFill>
+                <a:prstClr val="black">
+                  <a:tint val="75000"/>
+                </a:prstClr>
+              </a:solidFill>
+            </a:endParaRPr>
+          </a:p>
+        </p:txBody>
+      </p:sp>
+      <p:sp>
+        <p:nvSpPr>
+          <p:cNvPr id="5" name="Slide Number Placeholder 4"/>
+          <p:cNvSpPr>
+            <a:spLocks noGrp="1"/>
+          </p:cNvSpPr>
+          <p:nvPr>
+            <p:ph type="sldNum" sz="quarter" idx="12"/>
+          </p:nvPr>
+        </p:nvSpPr>
+        <p:spPr/>
+        <p:txBody>
+          <a:bodyPr/>
+          <a:lstStyle/>
+          <a:p>
+            <a:fld id="{ADCF0D4B-B936-754B-BA5E-F482D12E455A}" type="slidenum">
+              <a:rPr lang="en-US" smtClean="0">
+                <a:solidFill>
+                  <a:prstClr val="black">
+                    <a:tint val="75000"/>
+                  </a:prstClr>
+                </a:solidFill>
+              </a:rPr>
+              <a:pPr/>
+              <a:t>‹#›</a:t>
+            </a:fld>
+            <a:endParaRPr lang="en-US">
+              <a:solidFill>
+                <a:prstClr val="black">
+                  <a:tint val="75000"/>
+                </a:prstClr>
+              </a:solidFill>
+            </a:endParaRPr>
+          </a:p>
+        </p:txBody>
+      </p:sp>
+    </p:spTree>
+    <p:extLst/>
+  </p:cSld>
+  <p:clrMapOvr>
+    <a:masterClrMapping/>
+  </p:clrMapOvr>
+</p:sldLayout>
+</file>
+
+<file path=ppt/slideLayouts/slideLayout18.xml><?xml version="1.0" encoding="utf-8"?>
+<p:sldLayout xmlns:a="http://schemas.openxmlformats.org/drawingml/2006/main" xmlns:r="http://schemas.openxmlformats.org/officeDocument/2006/relationships" xmlns:p="http://schemas.openxmlformats.org/presentationml/2006/main" type="blank" preserve="1">
+  <p:cSld name="Blank">
+    <p:spTree>
+      <p:nvGrpSpPr>
+        <p:cNvPr id="1" name=""/>
+        <p:cNvGrpSpPr/>
+        <p:nvPr/>
+      </p:nvGrpSpPr>
+      <p:grpSpPr>
+        <a:xfrm>
+          <a:off x="0" y="0"/>
+          <a:ext cx="0" cy="0"/>
+          <a:chOff x="0" y="0"/>
+          <a:chExt cx="0" cy="0"/>
+        </a:xfrm>
+      </p:grpSpPr>
+      <p:sp>
+        <p:nvSpPr>
+          <p:cNvPr id="2" name="Date Placeholder 1"/>
+          <p:cNvSpPr>
+            <a:spLocks noGrp="1"/>
+          </p:cNvSpPr>
+          <p:nvPr>
+            <p:ph type="dt" sz="half" idx="10"/>
+          </p:nvPr>
+        </p:nvSpPr>
+        <p:spPr/>
+        <p:txBody>
+          <a:bodyPr/>
+          <a:lstStyle/>
+          <a:p>
+            <a:fld id="{92CAA8A4-0ED2-3C42-8F86-06294E9F5717}" type="datetimeFigureOut">
+              <a:rPr lang="en-US" smtClean="0">
+                <a:solidFill>
+                  <a:prstClr val="black">
+                    <a:tint val="75000"/>
+                  </a:prstClr>
+                </a:solidFill>
+              </a:rPr>
+              <a:pPr/>
+              <a:t>9/12/20</a:t>
+            </a:fld>
+            <a:endParaRPr lang="en-US">
+              <a:solidFill>
+                <a:prstClr val="black">
+                  <a:tint val="75000"/>
+                </a:prstClr>
+              </a:solidFill>
+            </a:endParaRPr>
+          </a:p>
+        </p:txBody>
+      </p:sp>
+      <p:sp>
+        <p:nvSpPr>
+          <p:cNvPr id="3" name="Footer Placeholder 2"/>
+          <p:cNvSpPr>
+            <a:spLocks noGrp="1"/>
+          </p:cNvSpPr>
+          <p:nvPr>
+            <p:ph type="ftr" sz="quarter" idx="11"/>
+          </p:nvPr>
+        </p:nvSpPr>
+        <p:spPr/>
+        <p:txBody>
+          <a:bodyPr/>
+          <a:lstStyle/>
+          <a:p>
+            <a:endParaRPr lang="en-US">
+              <a:solidFill>
+                <a:prstClr val="black">
+                  <a:tint val="75000"/>
+                </a:prstClr>
+              </a:solidFill>
+            </a:endParaRPr>
+          </a:p>
+        </p:txBody>
+      </p:sp>
+      <p:sp>
+        <p:nvSpPr>
+          <p:cNvPr id="4" name="Slide Number Placeholder 3"/>
+          <p:cNvSpPr>
+            <a:spLocks noGrp="1"/>
+          </p:cNvSpPr>
+          <p:nvPr>
+            <p:ph type="sldNum" sz="quarter" idx="12"/>
+          </p:nvPr>
+        </p:nvSpPr>
+        <p:spPr/>
+        <p:txBody>
+          <a:bodyPr/>
+          <a:lstStyle/>
+          <a:p>
+            <a:fld id="{ADCF0D4B-B936-754B-BA5E-F482D12E455A}" type="slidenum">
+              <a:rPr lang="en-US" smtClean="0">
+                <a:solidFill>
+                  <a:prstClr val="black">
+                    <a:tint val="75000"/>
+                  </a:prstClr>
+                </a:solidFill>
+              </a:rPr>
+              <a:pPr/>
+              <a:t>‹#›</a:t>
+            </a:fld>
+            <a:endParaRPr lang="en-US">
+              <a:solidFill>
+                <a:prstClr val="black">
+                  <a:tint val="75000"/>
+                </a:prstClr>
+              </a:solidFill>
+            </a:endParaRPr>
+          </a:p>
+        </p:txBody>
+      </p:sp>
+    </p:spTree>
+    <p:extLst/>
+  </p:cSld>
+  <p:clrMapOvr>
+    <a:masterClrMapping/>
+  </p:clrMapOvr>
+</p:sldLayout>
+</file>
+
+<file path=ppt/slideLayouts/slideLayout19.xml><?xml version="1.0" encoding="utf-8"?>
+<p:sldLayout xmlns:a="http://schemas.openxmlformats.org/drawingml/2006/main" xmlns:r="http://schemas.openxmlformats.org/officeDocument/2006/relationships" xmlns:p="http://schemas.openxmlformats.org/presentationml/2006/main" type="objTx" preserve="1">
+  <p:cSld name="Content with Caption">
+    <p:spTree>
+      <p:nvGrpSpPr>
+        <p:cNvPr id="1" name=""/>
+        <p:cNvGrpSpPr/>
+        <p:nvPr/>
+      </p:nvGrpSpPr>
+      <p:grpSpPr>
+        <a:xfrm>
+          <a:off x="0" y="0"/>
+          <a:ext cx="0" cy="0"/>
+          <a:chOff x="0" y="0"/>
+          <a:chExt cx="0" cy="0"/>
+        </a:xfrm>
+      </p:grpSpPr>
+      <p:sp>
+        <p:nvSpPr>
+          <p:cNvPr id="2" name="Title 1"/>
+          <p:cNvSpPr>
+            <a:spLocks noGrp="1"/>
+          </p:cNvSpPr>
+          <p:nvPr>
+            <p:ph type="title"/>
+          </p:nvPr>
+        </p:nvSpPr>
+        <p:spPr>
+          <a:xfrm>
+            <a:off x="839788" y="457200"/>
+            <a:ext cx="3932237" cy="1600200"/>
+          </a:xfrm>
+        </p:spPr>
+        <p:txBody>
+          <a:bodyPr anchor="b"/>
+          <a:lstStyle>
+            <a:lvl1pPr>
+              <a:defRPr sz="2400"/>
+            </a:lvl1pPr>
+          </a:lstStyle>
+          <a:p>
+            <a:r>
+              <a:rPr lang="en-US" smtClean="0"/>
+              <a:t>Click to edit Master title style</a:t>
+            </a:r>
+            <a:endParaRPr lang="en-US"/>
+          </a:p>
+        </p:txBody>
+      </p:sp>
+      <p:sp>
+        <p:nvSpPr>
+          <p:cNvPr id="3" name="Content Placeholder 2"/>
+          <p:cNvSpPr>
+            <a:spLocks noGrp="1"/>
+          </p:cNvSpPr>
+          <p:nvPr>
+            <p:ph idx="1"/>
+          </p:nvPr>
+        </p:nvSpPr>
+        <p:spPr>
+          <a:xfrm>
+            <a:off x="5183188" y="987427"/>
+            <a:ext cx="6172200" cy="4873625"/>
+          </a:xfrm>
+        </p:spPr>
+        <p:txBody>
+          <a:bodyPr/>
+          <a:lstStyle>
+            <a:lvl1pPr>
+              <a:defRPr sz="2400"/>
+            </a:lvl1pPr>
+            <a:lvl2pPr>
+              <a:defRPr sz="2100"/>
+            </a:lvl2pPr>
+            <a:lvl3pPr>
+              <a:defRPr sz="1800"/>
+            </a:lvl3pPr>
+            <a:lvl4pPr>
+              <a:defRPr sz="1500"/>
+            </a:lvl4pPr>
+            <a:lvl5pPr>
+              <a:defRPr sz="1500"/>
+            </a:lvl5pPr>
+            <a:lvl6pPr>
+              <a:defRPr sz="1500"/>
+            </a:lvl6pPr>
+            <a:lvl7pPr>
+              <a:defRPr sz="1500"/>
+            </a:lvl7pPr>
+            <a:lvl8pPr>
+              <a:defRPr sz="1500"/>
+            </a:lvl8pPr>
+            <a:lvl9pPr>
+              <a:defRPr sz="1500"/>
+            </a:lvl9pPr>
+          </a:lstStyle>
+          <a:p>
+            <a:pPr lvl="0"/>
+            <a:r>
+              <a:rPr lang="en-US" smtClean="0"/>
+              <a:t>Click to edit Master text styles</a:t>
+            </a:r>
+          </a:p>
+          <a:p>
+            <a:pPr lvl="1"/>
+            <a:r>
+              <a:rPr lang="en-US" smtClean="0"/>
+              <a:t>Second level</a:t>
+            </a:r>
+          </a:p>
+          <a:p>
+            <a:pPr lvl="2"/>
+            <a:r>
+              <a:rPr lang="en-US" smtClean="0"/>
+              <a:t>Third level</a:t>
+            </a:r>
+          </a:p>
+          <a:p>
+            <a:pPr lvl="3"/>
+            <a:r>
+              <a:rPr lang="en-US" smtClean="0"/>
+              <a:t>Fourth level</a:t>
+            </a:r>
+          </a:p>
+          <a:p>
+            <a:pPr lvl="4"/>
+            <a:r>
+              <a:rPr lang="en-US" smtClean="0"/>
+              <a:t>Fifth level</a:t>
+            </a:r>
+            <a:endParaRPr lang="en-US"/>
+          </a:p>
+        </p:txBody>
+      </p:sp>
+      <p:sp>
+        <p:nvSpPr>
+          <p:cNvPr id="4" name="Text Placeholder 3"/>
+          <p:cNvSpPr>
+            <a:spLocks noGrp="1"/>
+          </p:cNvSpPr>
+          <p:nvPr>
+            <p:ph type="body" sz="half" idx="2"/>
+          </p:nvPr>
+        </p:nvSpPr>
+        <p:spPr>
+          <a:xfrm>
+            <a:off x="839788" y="2057401"/>
+            <a:ext cx="3932237" cy="3811588"/>
+          </a:xfrm>
+        </p:spPr>
+        <p:txBody>
+          <a:bodyPr/>
+          <a:lstStyle>
+            <a:lvl1pPr marL="0" indent="0">
+              <a:buNone/>
+              <a:defRPr sz="1200"/>
+            </a:lvl1pPr>
+            <a:lvl2pPr marL="342900" indent="0">
+              <a:buNone/>
+              <a:defRPr sz="1050"/>
+            </a:lvl2pPr>
+            <a:lvl3pPr marL="685800" indent="0">
+              <a:buNone/>
+              <a:defRPr sz="900"/>
+            </a:lvl3pPr>
+            <a:lvl4pPr marL="1028700" indent="0">
+              <a:buNone/>
+              <a:defRPr sz="750"/>
+            </a:lvl4pPr>
+            <a:lvl5pPr marL="1371600" indent="0">
+              <a:buNone/>
+              <a:defRPr sz="750"/>
+            </a:lvl5pPr>
+            <a:lvl6pPr marL="1714500" indent="0">
+              <a:buNone/>
+              <a:defRPr sz="750"/>
+            </a:lvl6pPr>
+            <a:lvl7pPr marL="2057400" indent="0">
+              <a:buNone/>
+              <a:defRPr sz="750"/>
+            </a:lvl7pPr>
+            <a:lvl8pPr marL="2400300" indent="0">
+              <a:buNone/>
+              <a:defRPr sz="750"/>
+            </a:lvl8pPr>
+            <a:lvl9pPr marL="2743200" indent="0">
+              <a:buNone/>
+              <a:defRPr sz="750"/>
+            </a:lvl9pPr>
+          </a:lstStyle>
+          <a:p>
+            <a:pPr lvl="0"/>
+            <a:r>
+              <a:rPr lang="en-US" smtClean="0"/>
+              <a:t>Click to edit Master text styles</a:t>
+            </a:r>
+          </a:p>
+        </p:txBody>
+      </p:sp>
+      <p:sp>
+        <p:nvSpPr>
+          <p:cNvPr id="5" name="Date Placeholder 4"/>
+          <p:cNvSpPr>
+            <a:spLocks noGrp="1"/>
+          </p:cNvSpPr>
+          <p:nvPr>
+            <p:ph type="dt" sz="half" idx="10"/>
+          </p:nvPr>
+        </p:nvSpPr>
+        <p:spPr/>
+        <p:txBody>
+          <a:bodyPr/>
+          <a:lstStyle/>
+          <a:p>
+            <a:fld id="{92CAA8A4-0ED2-3C42-8F86-06294E9F5717}" type="datetimeFigureOut">
+              <a:rPr lang="en-US" smtClean="0">
+                <a:solidFill>
+                  <a:prstClr val="black">
+                    <a:tint val="75000"/>
+                  </a:prstClr>
+                </a:solidFill>
+              </a:rPr>
+              <a:pPr/>
+              <a:t>9/12/20</a:t>
+            </a:fld>
+            <a:endParaRPr lang="en-US">
+              <a:solidFill>
+                <a:prstClr val="black">
+                  <a:tint val="75000"/>
+                </a:prstClr>
+              </a:solidFill>
+            </a:endParaRPr>
+          </a:p>
+        </p:txBody>
+      </p:sp>
+      <p:sp>
+        <p:nvSpPr>
+          <p:cNvPr id="6" name="Footer Placeholder 5"/>
+          <p:cNvSpPr>
+            <a:spLocks noGrp="1"/>
+          </p:cNvSpPr>
+          <p:nvPr>
+            <p:ph type="ftr" sz="quarter" idx="11"/>
+          </p:nvPr>
+        </p:nvSpPr>
+        <p:spPr/>
+        <p:txBody>
+          <a:bodyPr/>
+          <a:lstStyle/>
+          <a:p>
+            <a:endParaRPr lang="en-US">
+              <a:solidFill>
+                <a:prstClr val="black">
+                  <a:tint val="75000"/>
+                </a:prstClr>
+              </a:solidFill>
+            </a:endParaRPr>
+          </a:p>
+        </p:txBody>
+      </p:sp>
+      <p:sp>
+        <p:nvSpPr>
+          <p:cNvPr id="7" name="Slide Number Placeholder 6"/>
+          <p:cNvSpPr>
+            <a:spLocks noGrp="1"/>
+          </p:cNvSpPr>
+          <p:nvPr>
+            <p:ph type="sldNum" sz="quarter" idx="12"/>
+          </p:nvPr>
+        </p:nvSpPr>
+        <p:spPr/>
+        <p:txBody>
+          <a:bodyPr/>
+          <a:lstStyle/>
+          <a:p>
+            <a:fld id="{ADCF0D4B-B936-754B-BA5E-F482D12E455A}" type="slidenum">
+              <a:rPr lang="en-US" smtClean="0">
+                <a:solidFill>
+                  <a:prstClr val="black">
+                    <a:tint val="75000"/>
+                  </a:prstClr>
+                </a:solidFill>
+              </a:rPr>
+              <a:pPr/>
+              <a:t>‹#›</a:t>
+            </a:fld>
+            <a:endParaRPr lang="en-US">
+              <a:solidFill>
+                <a:prstClr val="black">
+                  <a:tint val="75000"/>
+                </a:prstClr>
+              </a:solidFill>
+            </a:endParaRPr>
+          </a:p>
+        </p:txBody>
+      </p:sp>
+    </p:spTree>
+    <p:extLst/>
   </p:cSld>
   <p:clrMapOvr>
     <a:masterClrMapping/>
@@ -1787,7 +3711,7 @@
           <p:cNvPr id="2" name="Title 1">
             <a:extLst>
               <a:ext uri="{FF2B5EF4-FFF2-40B4-BE49-F238E27FC236}">
-                <a16:creationId xmlns:a16="http://schemas.microsoft.com/office/drawing/2014/main" id="{2E55494D-DDAA-DB44-ACDD-045F4E2CCEA4}"/>
+                <a16:creationId xmlns:a16="http://schemas.microsoft.com/office/drawing/2014/main" xmlns="" id="{2E55494D-DDAA-DB44-ACDD-045F4E2CCEA4}"/>
               </a:ext>
             </a:extLst>
           </p:cNvPr>
@@ -1815,7 +3739,7 @@
           <p:cNvPr id="3" name="Content Placeholder 2">
             <a:extLst>
               <a:ext uri="{FF2B5EF4-FFF2-40B4-BE49-F238E27FC236}">
-                <a16:creationId xmlns:a16="http://schemas.microsoft.com/office/drawing/2014/main" id="{1F709144-9CC0-3544-BCEC-A42596B9CCA7}"/>
+                <a16:creationId xmlns:a16="http://schemas.microsoft.com/office/drawing/2014/main" xmlns="" id="{1F709144-9CC0-3544-BCEC-A42596B9CCA7}"/>
               </a:ext>
             </a:extLst>
           </p:cNvPr>
@@ -1872,7 +3796,7 @@
           <p:cNvPr id="4" name="Date Placeholder 3">
             <a:extLst>
               <a:ext uri="{FF2B5EF4-FFF2-40B4-BE49-F238E27FC236}">
-                <a16:creationId xmlns:a16="http://schemas.microsoft.com/office/drawing/2014/main" id="{6524CB33-91E9-FA4E-A4C0-D91C60541C4C}"/>
+                <a16:creationId xmlns:a16="http://schemas.microsoft.com/office/drawing/2014/main" xmlns="" id="{6524CB33-91E9-FA4E-A4C0-D91C60541C4C}"/>
               </a:ext>
             </a:extLst>
           </p:cNvPr>
@@ -1890,7 +3814,7 @@
           <a:p>
             <a:fld id="{E389AA9D-A245-8245-B1FA-F343E2C3F01D}" type="datetimeFigureOut">
               <a:rPr lang="en-US" smtClean="0"/>
-              <a:t>6/17/20</a:t>
+              <a:t>9/12/20</a:t>
             </a:fld>
             <a:endParaRPr lang="en-US"/>
           </a:p>
@@ -1901,7 +3825,7 @@
           <p:cNvPr id="5" name="Footer Placeholder 4">
             <a:extLst>
               <a:ext uri="{FF2B5EF4-FFF2-40B4-BE49-F238E27FC236}">
-                <a16:creationId xmlns:a16="http://schemas.microsoft.com/office/drawing/2014/main" id="{E32AED04-7F27-3640-B823-C9284A132199}"/>
+                <a16:creationId xmlns:a16="http://schemas.microsoft.com/office/drawing/2014/main" xmlns="" id="{E32AED04-7F27-3640-B823-C9284A132199}"/>
               </a:ext>
             </a:extLst>
           </p:cNvPr>
@@ -1926,7 +3850,7 @@
           <p:cNvPr id="6" name="Slide Number Placeholder 5">
             <a:extLst>
               <a:ext uri="{FF2B5EF4-FFF2-40B4-BE49-F238E27FC236}">
-                <a16:creationId xmlns:a16="http://schemas.microsoft.com/office/drawing/2014/main" id="{1120C55E-E812-B246-84C8-6AEA2E402241}"/>
+                <a16:creationId xmlns:a16="http://schemas.microsoft.com/office/drawing/2014/main" xmlns="" id="{1120C55E-E812-B246-84C8-6AEA2E402241}"/>
               </a:ext>
             </a:extLst>
           </p:cNvPr>
@@ -1956,6 +3880,693 @@
         <p14:creationId xmlns:p14="http://schemas.microsoft.com/office/powerpoint/2010/main" val="2294311797"/>
       </p:ext>
     </p:extLst>
+  </p:cSld>
+  <p:clrMapOvr>
+    <a:masterClrMapping/>
+  </p:clrMapOvr>
+</p:sldLayout>
+</file>
+
+<file path=ppt/slideLayouts/slideLayout20.xml><?xml version="1.0" encoding="utf-8"?>
+<p:sldLayout xmlns:a="http://schemas.openxmlformats.org/drawingml/2006/main" xmlns:r="http://schemas.openxmlformats.org/officeDocument/2006/relationships" xmlns:p="http://schemas.openxmlformats.org/presentationml/2006/main" type="picTx" preserve="1">
+  <p:cSld name="Picture with Caption">
+    <p:spTree>
+      <p:nvGrpSpPr>
+        <p:cNvPr id="1" name=""/>
+        <p:cNvGrpSpPr/>
+        <p:nvPr/>
+      </p:nvGrpSpPr>
+      <p:grpSpPr>
+        <a:xfrm>
+          <a:off x="0" y="0"/>
+          <a:ext cx="0" cy="0"/>
+          <a:chOff x="0" y="0"/>
+          <a:chExt cx="0" cy="0"/>
+        </a:xfrm>
+      </p:grpSpPr>
+      <p:sp>
+        <p:nvSpPr>
+          <p:cNvPr id="2" name="Title 1"/>
+          <p:cNvSpPr>
+            <a:spLocks noGrp="1"/>
+          </p:cNvSpPr>
+          <p:nvPr>
+            <p:ph type="title"/>
+          </p:nvPr>
+        </p:nvSpPr>
+        <p:spPr>
+          <a:xfrm>
+            <a:off x="839788" y="457200"/>
+            <a:ext cx="3932237" cy="1600200"/>
+          </a:xfrm>
+        </p:spPr>
+        <p:txBody>
+          <a:bodyPr anchor="b"/>
+          <a:lstStyle>
+            <a:lvl1pPr>
+              <a:defRPr sz="2400"/>
+            </a:lvl1pPr>
+          </a:lstStyle>
+          <a:p>
+            <a:r>
+              <a:rPr lang="en-US" smtClean="0"/>
+              <a:t>Click to edit Master title style</a:t>
+            </a:r>
+            <a:endParaRPr lang="en-US"/>
+          </a:p>
+        </p:txBody>
+      </p:sp>
+      <p:sp>
+        <p:nvSpPr>
+          <p:cNvPr id="3" name="Picture Placeholder 2"/>
+          <p:cNvSpPr>
+            <a:spLocks noGrp="1"/>
+          </p:cNvSpPr>
+          <p:nvPr>
+            <p:ph type="pic" idx="1"/>
+          </p:nvPr>
+        </p:nvSpPr>
+        <p:spPr>
+          <a:xfrm>
+            <a:off x="5183188" y="987427"/>
+            <a:ext cx="6172200" cy="4873625"/>
+          </a:xfrm>
+        </p:spPr>
+        <p:txBody>
+          <a:bodyPr/>
+          <a:lstStyle>
+            <a:lvl1pPr marL="0" indent="0">
+              <a:buNone/>
+              <a:defRPr sz="2400"/>
+            </a:lvl1pPr>
+            <a:lvl2pPr marL="342900" indent="0">
+              <a:buNone/>
+              <a:defRPr sz="2100"/>
+            </a:lvl2pPr>
+            <a:lvl3pPr marL="685800" indent="0">
+              <a:buNone/>
+              <a:defRPr sz="1800"/>
+            </a:lvl3pPr>
+            <a:lvl4pPr marL="1028700" indent="0">
+              <a:buNone/>
+              <a:defRPr sz="1500"/>
+            </a:lvl4pPr>
+            <a:lvl5pPr marL="1371600" indent="0">
+              <a:buNone/>
+              <a:defRPr sz="1500"/>
+            </a:lvl5pPr>
+            <a:lvl6pPr marL="1714500" indent="0">
+              <a:buNone/>
+              <a:defRPr sz="1500"/>
+            </a:lvl6pPr>
+            <a:lvl7pPr marL="2057400" indent="0">
+              <a:buNone/>
+              <a:defRPr sz="1500"/>
+            </a:lvl7pPr>
+            <a:lvl8pPr marL="2400300" indent="0">
+              <a:buNone/>
+              <a:defRPr sz="1500"/>
+            </a:lvl8pPr>
+            <a:lvl9pPr marL="2743200" indent="0">
+              <a:buNone/>
+              <a:defRPr sz="1500"/>
+            </a:lvl9pPr>
+          </a:lstStyle>
+          <a:p>
+            <a:endParaRPr lang="en-US"/>
+          </a:p>
+        </p:txBody>
+      </p:sp>
+      <p:sp>
+        <p:nvSpPr>
+          <p:cNvPr id="4" name="Text Placeholder 3"/>
+          <p:cNvSpPr>
+            <a:spLocks noGrp="1"/>
+          </p:cNvSpPr>
+          <p:nvPr>
+            <p:ph type="body" sz="half" idx="2"/>
+          </p:nvPr>
+        </p:nvSpPr>
+        <p:spPr>
+          <a:xfrm>
+            <a:off x="839788" y="2057401"/>
+            <a:ext cx="3932237" cy="3811588"/>
+          </a:xfrm>
+        </p:spPr>
+        <p:txBody>
+          <a:bodyPr/>
+          <a:lstStyle>
+            <a:lvl1pPr marL="0" indent="0">
+              <a:buNone/>
+              <a:defRPr sz="1200"/>
+            </a:lvl1pPr>
+            <a:lvl2pPr marL="342900" indent="0">
+              <a:buNone/>
+              <a:defRPr sz="1050"/>
+            </a:lvl2pPr>
+            <a:lvl3pPr marL="685800" indent="0">
+              <a:buNone/>
+              <a:defRPr sz="900"/>
+            </a:lvl3pPr>
+            <a:lvl4pPr marL="1028700" indent="0">
+              <a:buNone/>
+              <a:defRPr sz="750"/>
+            </a:lvl4pPr>
+            <a:lvl5pPr marL="1371600" indent="0">
+              <a:buNone/>
+              <a:defRPr sz="750"/>
+            </a:lvl5pPr>
+            <a:lvl6pPr marL="1714500" indent="0">
+              <a:buNone/>
+              <a:defRPr sz="750"/>
+            </a:lvl6pPr>
+            <a:lvl7pPr marL="2057400" indent="0">
+              <a:buNone/>
+              <a:defRPr sz="750"/>
+            </a:lvl7pPr>
+            <a:lvl8pPr marL="2400300" indent="0">
+              <a:buNone/>
+              <a:defRPr sz="750"/>
+            </a:lvl8pPr>
+            <a:lvl9pPr marL="2743200" indent="0">
+              <a:buNone/>
+              <a:defRPr sz="750"/>
+            </a:lvl9pPr>
+          </a:lstStyle>
+          <a:p>
+            <a:pPr lvl="0"/>
+            <a:r>
+              <a:rPr lang="en-US" smtClean="0"/>
+              <a:t>Click to edit Master text styles</a:t>
+            </a:r>
+          </a:p>
+        </p:txBody>
+      </p:sp>
+      <p:sp>
+        <p:nvSpPr>
+          <p:cNvPr id="5" name="Date Placeholder 4"/>
+          <p:cNvSpPr>
+            <a:spLocks noGrp="1"/>
+          </p:cNvSpPr>
+          <p:nvPr>
+            <p:ph type="dt" sz="half" idx="10"/>
+          </p:nvPr>
+        </p:nvSpPr>
+        <p:spPr/>
+        <p:txBody>
+          <a:bodyPr/>
+          <a:lstStyle/>
+          <a:p>
+            <a:fld id="{92CAA8A4-0ED2-3C42-8F86-06294E9F5717}" type="datetimeFigureOut">
+              <a:rPr lang="en-US" smtClean="0">
+                <a:solidFill>
+                  <a:prstClr val="black">
+                    <a:tint val="75000"/>
+                  </a:prstClr>
+                </a:solidFill>
+              </a:rPr>
+              <a:pPr/>
+              <a:t>9/12/20</a:t>
+            </a:fld>
+            <a:endParaRPr lang="en-US">
+              <a:solidFill>
+                <a:prstClr val="black">
+                  <a:tint val="75000"/>
+                </a:prstClr>
+              </a:solidFill>
+            </a:endParaRPr>
+          </a:p>
+        </p:txBody>
+      </p:sp>
+      <p:sp>
+        <p:nvSpPr>
+          <p:cNvPr id="6" name="Footer Placeholder 5"/>
+          <p:cNvSpPr>
+            <a:spLocks noGrp="1"/>
+          </p:cNvSpPr>
+          <p:nvPr>
+            <p:ph type="ftr" sz="quarter" idx="11"/>
+          </p:nvPr>
+        </p:nvSpPr>
+        <p:spPr/>
+        <p:txBody>
+          <a:bodyPr/>
+          <a:lstStyle/>
+          <a:p>
+            <a:endParaRPr lang="en-US">
+              <a:solidFill>
+                <a:prstClr val="black">
+                  <a:tint val="75000"/>
+                </a:prstClr>
+              </a:solidFill>
+            </a:endParaRPr>
+          </a:p>
+        </p:txBody>
+      </p:sp>
+      <p:sp>
+        <p:nvSpPr>
+          <p:cNvPr id="7" name="Slide Number Placeholder 6"/>
+          <p:cNvSpPr>
+            <a:spLocks noGrp="1"/>
+          </p:cNvSpPr>
+          <p:nvPr>
+            <p:ph type="sldNum" sz="quarter" idx="12"/>
+          </p:nvPr>
+        </p:nvSpPr>
+        <p:spPr/>
+        <p:txBody>
+          <a:bodyPr/>
+          <a:lstStyle/>
+          <a:p>
+            <a:fld id="{ADCF0D4B-B936-754B-BA5E-F482D12E455A}" type="slidenum">
+              <a:rPr lang="en-US" smtClean="0">
+                <a:solidFill>
+                  <a:prstClr val="black">
+                    <a:tint val="75000"/>
+                  </a:prstClr>
+                </a:solidFill>
+              </a:rPr>
+              <a:pPr/>
+              <a:t>‹#›</a:t>
+            </a:fld>
+            <a:endParaRPr lang="en-US">
+              <a:solidFill>
+                <a:prstClr val="black">
+                  <a:tint val="75000"/>
+                </a:prstClr>
+              </a:solidFill>
+            </a:endParaRPr>
+          </a:p>
+        </p:txBody>
+      </p:sp>
+    </p:spTree>
+    <p:extLst/>
+  </p:cSld>
+  <p:clrMapOvr>
+    <a:masterClrMapping/>
+  </p:clrMapOvr>
+</p:sldLayout>
+</file>
+
+<file path=ppt/slideLayouts/slideLayout21.xml><?xml version="1.0" encoding="utf-8"?>
+<p:sldLayout xmlns:a="http://schemas.openxmlformats.org/drawingml/2006/main" xmlns:r="http://schemas.openxmlformats.org/officeDocument/2006/relationships" xmlns:p="http://schemas.openxmlformats.org/presentationml/2006/main" type="vertTx" preserve="1">
+  <p:cSld name="Title and Vertical Text">
+    <p:spTree>
+      <p:nvGrpSpPr>
+        <p:cNvPr id="1" name=""/>
+        <p:cNvGrpSpPr/>
+        <p:nvPr/>
+      </p:nvGrpSpPr>
+      <p:grpSpPr>
+        <a:xfrm>
+          <a:off x="0" y="0"/>
+          <a:ext cx="0" cy="0"/>
+          <a:chOff x="0" y="0"/>
+          <a:chExt cx="0" cy="0"/>
+        </a:xfrm>
+      </p:grpSpPr>
+      <p:sp>
+        <p:nvSpPr>
+          <p:cNvPr id="2" name="Title 1"/>
+          <p:cNvSpPr>
+            <a:spLocks noGrp="1"/>
+          </p:cNvSpPr>
+          <p:nvPr>
+            <p:ph type="title"/>
+          </p:nvPr>
+        </p:nvSpPr>
+        <p:spPr/>
+        <p:txBody>
+          <a:bodyPr/>
+          <a:lstStyle/>
+          <a:p>
+            <a:r>
+              <a:rPr lang="en-US" smtClean="0"/>
+              <a:t>Click to edit Master title style</a:t>
+            </a:r>
+            <a:endParaRPr lang="en-US"/>
+          </a:p>
+        </p:txBody>
+      </p:sp>
+      <p:sp>
+        <p:nvSpPr>
+          <p:cNvPr id="3" name="Vertical Text Placeholder 2"/>
+          <p:cNvSpPr>
+            <a:spLocks noGrp="1"/>
+          </p:cNvSpPr>
+          <p:nvPr>
+            <p:ph type="body" orient="vert" idx="1"/>
+          </p:nvPr>
+        </p:nvSpPr>
+        <p:spPr/>
+        <p:txBody>
+          <a:bodyPr vert="eaVert"/>
+          <a:lstStyle/>
+          <a:p>
+            <a:pPr lvl="0"/>
+            <a:r>
+              <a:rPr lang="en-US" smtClean="0"/>
+              <a:t>Click to edit Master text styles</a:t>
+            </a:r>
+          </a:p>
+          <a:p>
+            <a:pPr lvl="1"/>
+            <a:r>
+              <a:rPr lang="en-US" smtClean="0"/>
+              <a:t>Second level</a:t>
+            </a:r>
+          </a:p>
+          <a:p>
+            <a:pPr lvl="2"/>
+            <a:r>
+              <a:rPr lang="en-US" smtClean="0"/>
+              <a:t>Third level</a:t>
+            </a:r>
+          </a:p>
+          <a:p>
+            <a:pPr lvl="3"/>
+            <a:r>
+              <a:rPr lang="en-US" smtClean="0"/>
+              <a:t>Fourth level</a:t>
+            </a:r>
+          </a:p>
+          <a:p>
+            <a:pPr lvl="4"/>
+            <a:r>
+              <a:rPr lang="en-US" smtClean="0"/>
+              <a:t>Fifth level</a:t>
+            </a:r>
+            <a:endParaRPr lang="en-US"/>
+          </a:p>
+        </p:txBody>
+      </p:sp>
+      <p:sp>
+        <p:nvSpPr>
+          <p:cNvPr id="4" name="Date Placeholder 3"/>
+          <p:cNvSpPr>
+            <a:spLocks noGrp="1"/>
+          </p:cNvSpPr>
+          <p:nvPr>
+            <p:ph type="dt" sz="half" idx="10"/>
+          </p:nvPr>
+        </p:nvSpPr>
+        <p:spPr/>
+        <p:txBody>
+          <a:bodyPr/>
+          <a:lstStyle/>
+          <a:p>
+            <a:fld id="{92CAA8A4-0ED2-3C42-8F86-06294E9F5717}" type="datetimeFigureOut">
+              <a:rPr lang="en-US" smtClean="0">
+                <a:solidFill>
+                  <a:prstClr val="black">
+                    <a:tint val="75000"/>
+                  </a:prstClr>
+                </a:solidFill>
+              </a:rPr>
+              <a:pPr/>
+              <a:t>9/12/20</a:t>
+            </a:fld>
+            <a:endParaRPr lang="en-US">
+              <a:solidFill>
+                <a:prstClr val="black">
+                  <a:tint val="75000"/>
+                </a:prstClr>
+              </a:solidFill>
+            </a:endParaRPr>
+          </a:p>
+        </p:txBody>
+      </p:sp>
+      <p:sp>
+        <p:nvSpPr>
+          <p:cNvPr id="5" name="Footer Placeholder 4"/>
+          <p:cNvSpPr>
+            <a:spLocks noGrp="1"/>
+          </p:cNvSpPr>
+          <p:nvPr>
+            <p:ph type="ftr" sz="quarter" idx="11"/>
+          </p:nvPr>
+        </p:nvSpPr>
+        <p:spPr/>
+        <p:txBody>
+          <a:bodyPr/>
+          <a:lstStyle/>
+          <a:p>
+            <a:endParaRPr lang="en-US">
+              <a:solidFill>
+                <a:prstClr val="black">
+                  <a:tint val="75000"/>
+                </a:prstClr>
+              </a:solidFill>
+            </a:endParaRPr>
+          </a:p>
+        </p:txBody>
+      </p:sp>
+      <p:sp>
+        <p:nvSpPr>
+          <p:cNvPr id="6" name="Slide Number Placeholder 5"/>
+          <p:cNvSpPr>
+            <a:spLocks noGrp="1"/>
+          </p:cNvSpPr>
+          <p:nvPr>
+            <p:ph type="sldNum" sz="quarter" idx="12"/>
+          </p:nvPr>
+        </p:nvSpPr>
+        <p:spPr/>
+        <p:txBody>
+          <a:bodyPr/>
+          <a:lstStyle/>
+          <a:p>
+            <a:fld id="{ADCF0D4B-B936-754B-BA5E-F482D12E455A}" type="slidenum">
+              <a:rPr lang="en-US" smtClean="0">
+                <a:solidFill>
+                  <a:prstClr val="black">
+                    <a:tint val="75000"/>
+                  </a:prstClr>
+                </a:solidFill>
+              </a:rPr>
+              <a:pPr/>
+              <a:t>‹#›</a:t>
+            </a:fld>
+            <a:endParaRPr lang="en-US">
+              <a:solidFill>
+                <a:prstClr val="black">
+                  <a:tint val="75000"/>
+                </a:prstClr>
+              </a:solidFill>
+            </a:endParaRPr>
+          </a:p>
+        </p:txBody>
+      </p:sp>
+    </p:spTree>
+    <p:extLst/>
+  </p:cSld>
+  <p:clrMapOvr>
+    <a:masterClrMapping/>
+  </p:clrMapOvr>
+</p:sldLayout>
+</file>
+
+<file path=ppt/slideLayouts/slideLayout22.xml><?xml version="1.0" encoding="utf-8"?>
+<p:sldLayout xmlns:a="http://schemas.openxmlformats.org/drawingml/2006/main" xmlns:r="http://schemas.openxmlformats.org/officeDocument/2006/relationships" xmlns:p="http://schemas.openxmlformats.org/presentationml/2006/main" type="vertTitleAndTx" preserve="1">
+  <p:cSld name="Vertical Title and Text">
+    <p:spTree>
+      <p:nvGrpSpPr>
+        <p:cNvPr id="1" name=""/>
+        <p:cNvGrpSpPr/>
+        <p:nvPr/>
+      </p:nvGrpSpPr>
+      <p:grpSpPr>
+        <a:xfrm>
+          <a:off x="0" y="0"/>
+          <a:ext cx="0" cy="0"/>
+          <a:chOff x="0" y="0"/>
+          <a:chExt cx="0" cy="0"/>
+        </a:xfrm>
+      </p:grpSpPr>
+      <p:sp>
+        <p:nvSpPr>
+          <p:cNvPr id="2" name="Vertical Title 1"/>
+          <p:cNvSpPr>
+            <a:spLocks noGrp="1"/>
+          </p:cNvSpPr>
+          <p:nvPr>
+            <p:ph type="title" orient="vert"/>
+          </p:nvPr>
+        </p:nvSpPr>
+        <p:spPr>
+          <a:xfrm>
+            <a:off x="8724902" y="365127"/>
+            <a:ext cx="2628900" cy="5811839"/>
+          </a:xfrm>
+        </p:spPr>
+        <p:txBody>
+          <a:bodyPr vert="eaVert"/>
+          <a:lstStyle/>
+          <a:p>
+            <a:r>
+              <a:rPr lang="en-US" smtClean="0"/>
+              <a:t>Click to edit Master title style</a:t>
+            </a:r>
+            <a:endParaRPr lang="en-US"/>
+          </a:p>
+        </p:txBody>
+      </p:sp>
+      <p:sp>
+        <p:nvSpPr>
+          <p:cNvPr id="3" name="Vertical Text Placeholder 2"/>
+          <p:cNvSpPr>
+            <a:spLocks noGrp="1"/>
+          </p:cNvSpPr>
+          <p:nvPr>
+            <p:ph type="body" orient="vert" idx="1"/>
+          </p:nvPr>
+        </p:nvSpPr>
+        <p:spPr>
+          <a:xfrm>
+            <a:off x="838202" y="365127"/>
+            <a:ext cx="7734300" cy="5811839"/>
+          </a:xfrm>
+        </p:spPr>
+        <p:txBody>
+          <a:bodyPr vert="eaVert"/>
+          <a:lstStyle/>
+          <a:p>
+            <a:pPr lvl="0"/>
+            <a:r>
+              <a:rPr lang="en-US" smtClean="0"/>
+              <a:t>Click to edit Master text styles</a:t>
+            </a:r>
+          </a:p>
+          <a:p>
+            <a:pPr lvl="1"/>
+            <a:r>
+              <a:rPr lang="en-US" smtClean="0"/>
+              <a:t>Second level</a:t>
+            </a:r>
+          </a:p>
+          <a:p>
+            <a:pPr lvl="2"/>
+            <a:r>
+              <a:rPr lang="en-US" smtClean="0"/>
+              <a:t>Third level</a:t>
+            </a:r>
+          </a:p>
+          <a:p>
+            <a:pPr lvl="3"/>
+            <a:r>
+              <a:rPr lang="en-US" smtClean="0"/>
+              <a:t>Fourth level</a:t>
+            </a:r>
+          </a:p>
+          <a:p>
+            <a:pPr lvl="4"/>
+            <a:r>
+              <a:rPr lang="en-US" smtClean="0"/>
+              <a:t>Fifth level</a:t>
+            </a:r>
+            <a:endParaRPr lang="en-US"/>
+          </a:p>
+        </p:txBody>
+      </p:sp>
+      <p:sp>
+        <p:nvSpPr>
+          <p:cNvPr id="4" name="Date Placeholder 3"/>
+          <p:cNvSpPr>
+            <a:spLocks noGrp="1"/>
+          </p:cNvSpPr>
+          <p:nvPr>
+            <p:ph type="dt" sz="half" idx="10"/>
+          </p:nvPr>
+        </p:nvSpPr>
+        <p:spPr/>
+        <p:txBody>
+          <a:bodyPr/>
+          <a:lstStyle/>
+          <a:p>
+            <a:fld id="{92CAA8A4-0ED2-3C42-8F86-06294E9F5717}" type="datetimeFigureOut">
+              <a:rPr lang="en-US" smtClean="0">
+                <a:solidFill>
+                  <a:prstClr val="black">
+                    <a:tint val="75000"/>
+                  </a:prstClr>
+                </a:solidFill>
+              </a:rPr>
+              <a:pPr/>
+              <a:t>9/12/20</a:t>
+            </a:fld>
+            <a:endParaRPr lang="en-US">
+              <a:solidFill>
+                <a:prstClr val="black">
+                  <a:tint val="75000"/>
+                </a:prstClr>
+              </a:solidFill>
+            </a:endParaRPr>
+          </a:p>
+        </p:txBody>
+      </p:sp>
+      <p:sp>
+        <p:nvSpPr>
+          <p:cNvPr id="5" name="Footer Placeholder 4"/>
+          <p:cNvSpPr>
+            <a:spLocks noGrp="1"/>
+          </p:cNvSpPr>
+          <p:nvPr>
+            <p:ph type="ftr" sz="quarter" idx="11"/>
+          </p:nvPr>
+        </p:nvSpPr>
+        <p:spPr/>
+        <p:txBody>
+          <a:bodyPr/>
+          <a:lstStyle/>
+          <a:p>
+            <a:endParaRPr lang="en-US">
+              <a:solidFill>
+                <a:prstClr val="black">
+                  <a:tint val="75000"/>
+                </a:prstClr>
+              </a:solidFill>
+            </a:endParaRPr>
+          </a:p>
+        </p:txBody>
+      </p:sp>
+      <p:sp>
+        <p:nvSpPr>
+          <p:cNvPr id="6" name="Slide Number Placeholder 5"/>
+          <p:cNvSpPr>
+            <a:spLocks noGrp="1"/>
+          </p:cNvSpPr>
+          <p:nvPr>
+            <p:ph type="sldNum" sz="quarter" idx="12"/>
+          </p:nvPr>
+        </p:nvSpPr>
+        <p:spPr/>
+        <p:txBody>
+          <a:bodyPr/>
+          <a:lstStyle/>
+          <a:p>
+            <a:fld id="{ADCF0D4B-B936-754B-BA5E-F482D12E455A}" type="slidenum">
+              <a:rPr lang="en-US" smtClean="0">
+                <a:solidFill>
+                  <a:prstClr val="black">
+                    <a:tint val="75000"/>
+                  </a:prstClr>
+                </a:solidFill>
+              </a:rPr>
+              <a:pPr/>
+              <a:t>‹#›</a:t>
+            </a:fld>
+            <a:endParaRPr lang="en-US">
+              <a:solidFill>
+                <a:prstClr val="black">
+                  <a:tint val="75000"/>
+                </a:prstClr>
+              </a:solidFill>
+            </a:endParaRPr>
+          </a:p>
+        </p:txBody>
+      </p:sp>
+    </p:spTree>
+    <p:extLst/>
   </p:cSld>
   <p:clrMapOvr>
     <a:masterClrMapping/>
@@ -1985,7 +4596,7 @@
           <p:cNvPr id="2" name="Title 1">
             <a:extLst>
               <a:ext uri="{FF2B5EF4-FFF2-40B4-BE49-F238E27FC236}">
-                <a16:creationId xmlns:a16="http://schemas.microsoft.com/office/drawing/2014/main" id="{0F55F23F-BDB1-7F4B-96FF-482840FD3CCE}"/>
+                <a16:creationId xmlns:a16="http://schemas.microsoft.com/office/drawing/2014/main" xmlns="" id="{0F55F23F-BDB1-7F4B-96FF-482840FD3CCE}"/>
               </a:ext>
             </a:extLst>
           </p:cNvPr>
@@ -2022,7 +4633,7 @@
           <p:cNvPr id="3" name="Text Placeholder 2">
             <a:extLst>
               <a:ext uri="{FF2B5EF4-FFF2-40B4-BE49-F238E27FC236}">
-                <a16:creationId xmlns:a16="http://schemas.microsoft.com/office/drawing/2014/main" id="{EB4FC190-4426-6C4C-9C97-06F967C8BCCD}"/>
+                <a16:creationId xmlns:a16="http://schemas.microsoft.com/office/drawing/2014/main" xmlns="" id="{EB4FC190-4426-6C4C-9C97-06F967C8BCCD}"/>
               </a:ext>
             </a:extLst>
           </p:cNvPr>
@@ -2147,7 +4758,7 @@
           <p:cNvPr id="4" name="Date Placeholder 3">
             <a:extLst>
               <a:ext uri="{FF2B5EF4-FFF2-40B4-BE49-F238E27FC236}">
-                <a16:creationId xmlns:a16="http://schemas.microsoft.com/office/drawing/2014/main" id="{81D5A383-BF63-8541-B54D-38CE5E3EE6A9}"/>
+                <a16:creationId xmlns:a16="http://schemas.microsoft.com/office/drawing/2014/main" xmlns="" id="{81D5A383-BF63-8541-B54D-38CE5E3EE6A9}"/>
               </a:ext>
             </a:extLst>
           </p:cNvPr>
@@ -2165,7 +4776,7 @@
           <a:p>
             <a:fld id="{E389AA9D-A245-8245-B1FA-F343E2C3F01D}" type="datetimeFigureOut">
               <a:rPr lang="en-US" smtClean="0"/>
-              <a:t>6/17/20</a:t>
+              <a:t>9/12/20</a:t>
             </a:fld>
             <a:endParaRPr lang="en-US"/>
           </a:p>
@@ -2176,7 +4787,7 @@
           <p:cNvPr id="5" name="Footer Placeholder 4">
             <a:extLst>
               <a:ext uri="{FF2B5EF4-FFF2-40B4-BE49-F238E27FC236}">
-                <a16:creationId xmlns:a16="http://schemas.microsoft.com/office/drawing/2014/main" id="{FE93493E-ADA5-814F-B39F-329605710B06}"/>
+                <a16:creationId xmlns:a16="http://schemas.microsoft.com/office/drawing/2014/main" xmlns="" id="{FE93493E-ADA5-814F-B39F-329605710B06}"/>
               </a:ext>
             </a:extLst>
           </p:cNvPr>
@@ -2201,7 +4812,7 @@
           <p:cNvPr id="6" name="Slide Number Placeholder 5">
             <a:extLst>
               <a:ext uri="{FF2B5EF4-FFF2-40B4-BE49-F238E27FC236}">
-                <a16:creationId xmlns:a16="http://schemas.microsoft.com/office/drawing/2014/main" id="{28F86D13-86AE-6B4B-A90C-4697DBD7E80B}"/>
+                <a16:creationId xmlns:a16="http://schemas.microsoft.com/office/drawing/2014/main" xmlns="" id="{28F86D13-86AE-6B4B-A90C-4697DBD7E80B}"/>
               </a:ext>
             </a:extLst>
           </p:cNvPr>
@@ -2260,7 +4871,7 @@
           <p:cNvPr id="2" name="Title 1">
             <a:extLst>
               <a:ext uri="{FF2B5EF4-FFF2-40B4-BE49-F238E27FC236}">
-                <a16:creationId xmlns:a16="http://schemas.microsoft.com/office/drawing/2014/main" id="{863FBF3B-02BD-E94D-9AF9-1ECEA3C20D1C}"/>
+                <a16:creationId xmlns:a16="http://schemas.microsoft.com/office/drawing/2014/main" xmlns="" id="{863FBF3B-02BD-E94D-9AF9-1ECEA3C20D1C}"/>
               </a:ext>
             </a:extLst>
           </p:cNvPr>
@@ -2288,7 +4899,7 @@
           <p:cNvPr id="3" name="Content Placeholder 2">
             <a:extLst>
               <a:ext uri="{FF2B5EF4-FFF2-40B4-BE49-F238E27FC236}">
-                <a16:creationId xmlns:a16="http://schemas.microsoft.com/office/drawing/2014/main" id="{7E11630E-DFF3-2045-9AB8-DCED929E3E82}"/>
+                <a16:creationId xmlns:a16="http://schemas.microsoft.com/office/drawing/2014/main" xmlns="" id="{7E11630E-DFF3-2045-9AB8-DCED929E3E82}"/>
               </a:ext>
             </a:extLst>
           </p:cNvPr>
@@ -2350,7 +4961,7 @@
           <p:cNvPr id="4" name="Content Placeholder 3">
             <a:extLst>
               <a:ext uri="{FF2B5EF4-FFF2-40B4-BE49-F238E27FC236}">
-                <a16:creationId xmlns:a16="http://schemas.microsoft.com/office/drawing/2014/main" id="{66DE622E-3E7E-E44D-9D98-9F8501CBB46A}"/>
+                <a16:creationId xmlns:a16="http://schemas.microsoft.com/office/drawing/2014/main" xmlns="" id="{66DE622E-3E7E-E44D-9D98-9F8501CBB46A}"/>
               </a:ext>
             </a:extLst>
           </p:cNvPr>
@@ -2412,7 +5023,7 @@
           <p:cNvPr id="5" name="Date Placeholder 4">
             <a:extLst>
               <a:ext uri="{FF2B5EF4-FFF2-40B4-BE49-F238E27FC236}">
-                <a16:creationId xmlns:a16="http://schemas.microsoft.com/office/drawing/2014/main" id="{2E079E84-DA1E-F249-A52A-74882E3EC639}"/>
+                <a16:creationId xmlns:a16="http://schemas.microsoft.com/office/drawing/2014/main" xmlns="" id="{2E079E84-DA1E-F249-A52A-74882E3EC639}"/>
               </a:ext>
             </a:extLst>
           </p:cNvPr>
@@ -2430,7 +5041,7 @@
           <a:p>
             <a:fld id="{E389AA9D-A245-8245-B1FA-F343E2C3F01D}" type="datetimeFigureOut">
               <a:rPr lang="en-US" smtClean="0"/>
-              <a:t>6/17/20</a:t>
+              <a:t>9/12/20</a:t>
             </a:fld>
             <a:endParaRPr lang="en-US"/>
           </a:p>
@@ -2441,7 +5052,7 @@
           <p:cNvPr id="6" name="Footer Placeholder 5">
             <a:extLst>
               <a:ext uri="{FF2B5EF4-FFF2-40B4-BE49-F238E27FC236}">
-                <a16:creationId xmlns:a16="http://schemas.microsoft.com/office/drawing/2014/main" id="{4A3F0287-C6A5-674A-B46B-F00DB8F853BD}"/>
+                <a16:creationId xmlns:a16="http://schemas.microsoft.com/office/drawing/2014/main" xmlns="" id="{4A3F0287-C6A5-674A-B46B-F00DB8F853BD}"/>
               </a:ext>
             </a:extLst>
           </p:cNvPr>
@@ -2466,7 +5077,7 @@
           <p:cNvPr id="7" name="Slide Number Placeholder 6">
             <a:extLst>
               <a:ext uri="{FF2B5EF4-FFF2-40B4-BE49-F238E27FC236}">
-                <a16:creationId xmlns:a16="http://schemas.microsoft.com/office/drawing/2014/main" id="{128186AF-674A-1C4A-9450-38659B9620A5}"/>
+                <a16:creationId xmlns:a16="http://schemas.microsoft.com/office/drawing/2014/main" xmlns="" id="{128186AF-674A-1C4A-9450-38659B9620A5}"/>
               </a:ext>
             </a:extLst>
           </p:cNvPr>
@@ -2525,7 +5136,7 @@
           <p:cNvPr id="2" name="Title 1">
             <a:extLst>
               <a:ext uri="{FF2B5EF4-FFF2-40B4-BE49-F238E27FC236}">
-                <a16:creationId xmlns:a16="http://schemas.microsoft.com/office/drawing/2014/main" id="{7DB30D2B-5168-CA4A-86CF-A25BEB1EDBC6}"/>
+                <a16:creationId xmlns:a16="http://schemas.microsoft.com/office/drawing/2014/main" xmlns="" id="{7DB30D2B-5168-CA4A-86CF-A25BEB1EDBC6}"/>
               </a:ext>
             </a:extLst>
           </p:cNvPr>
@@ -2558,7 +5169,7 @@
           <p:cNvPr id="3" name="Text Placeholder 2">
             <a:extLst>
               <a:ext uri="{FF2B5EF4-FFF2-40B4-BE49-F238E27FC236}">
-                <a16:creationId xmlns:a16="http://schemas.microsoft.com/office/drawing/2014/main" id="{CA79734B-93AE-5842-8B70-69618414F534}"/>
+                <a16:creationId xmlns:a16="http://schemas.microsoft.com/office/drawing/2014/main" xmlns="" id="{CA79734B-93AE-5842-8B70-69618414F534}"/>
               </a:ext>
             </a:extLst>
           </p:cNvPr>
@@ -2629,7 +5240,7 @@
           <p:cNvPr id="4" name="Content Placeholder 3">
             <a:extLst>
               <a:ext uri="{FF2B5EF4-FFF2-40B4-BE49-F238E27FC236}">
-                <a16:creationId xmlns:a16="http://schemas.microsoft.com/office/drawing/2014/main" id="{A9031B97-C934-1045-88FA-4E94833AF748}"/>
+                <a16:creationId xmlns:a16="http://schemas.microsoft.com/office/drawing/2014/main" xmlns="" id="{A9031B97-C934-1045-88FA-4E94833AF748}"/>
               </a:ext>
             </a:extLst>
           </p:cNvPr>
@@ -2691,7 +5302,7 @@
           <p:cNvPr id="5" name="Text Placeholder 4">
             <a:extLst>
               <a:ext uri="{FF2B5EF4-FFF2-40B4-BE49-F238E27FC236}">
-                <a16:creationId xmlns:a16="http://schemas.microsoft.com/office/drawing/2014/main" id="{93D495DD-79B5-5744-A957-9A2612EDF62A}"/>
+                <a16:creationId xmlns:a16="http://schemas.microsoft.com/office/drawing/2014/main" xmlns="" id="{93D495DD-79B5-5744-A957-9A2612EDF62A}"/>
               </a:ext>
             </a:extLst>
           </p:cNvPr>
@@ -2762,7 +5373,7 @@
           <p:cNvPr id="6" name="Content Placeholder 5">
             <a:extLst>
               <a:ext uri="{FF2B5EF4-FFF2-40B4-BE49-F238E27FC236}">
-                <a16:creationId xmlns:a16="http://schemas.microsoft.com/office/drawing/2014/main" id="{ADB235EC-2E08-F044-8030-C3023954BBA3}"/>
+                <a16:creationId xmlns:a16="http://schemas.microsoft.com/office/drawing/2014/main" xmlns="" id="{ADB235EC-2E08-F044-8030-C3023954BBA3}"/>
               </a:ext>
             </a:extLst>
           </p:cNvPr>
@@ -2824,7 +5435,7 @@
           <p:cNvPr id="7" name="Date Placeholder 6">
             <a:extLst>
               <a:ext uri="{FF2B5EF4-FFF2-40B4-BE49-F238E27FC236}">
-                <a16:creationId xmlns:a16="http://schemas.microsoft.com/office/drawing/2014/main" id="{4D129B26-2B38-1345-949B-44AE0FA8D010}"/>
+                <a16:creationId xmlns:a16="http://schemas.microsoft.com/office/drawing/2014/main" xmlns="" id="{4D129B26-2B38-1345-949B-44AE0FA8D010}"/>
               </a:ext>
             </a:extLst>
           </p:cNvPr>
@@ -2842,7 +5453,7 @@
           <a:p>
             <a:fld id="{E389AA9D-A245-8245-B1FA-F343E2C3F01D}" type="datetimeFigureOut">
               <a:rPr lang="en-US" smtClean="0"/>
-              <a:t>6/17/20</a:t>
+              <a:t>9/12/20</a:t>
             </a:fld>
             <a:endParaRPr lang="en-US"/>
           </a:p>
@@ -2853,7 +5464,7 @@
           <p:cNvPr id="8" name="Footer Placeholder 7">
             <a:extLst>
               <a:ext uri="{FF2B5EF4-FFF2-40B4-BE49-F238E27FC236}">
-                <a16:creationId xmlns:a16="http://schemas.microsoft.com/office/drawing/2014/main" id="{59466BBD-CF8A-9145-9AD1-9623F65CAC17}"/>
+                <a16:creationId xmlns:a16="http://schemas.microsoft.com/office/drawing/2014/main" xmlns="" id="{59466BBD-CF8A-9145-9AD1-9623F65CAC17}"/>
               </a:ext>
             </a:extLst>
           </p:cNvPr>
@@ -2878,7 +5489,7 @@
           <p:cNvPr id="9" name="Slide Number Placeholder 8">
             <a:extLst>
               <a:ext uri="{FF2B5EF4-FFF2-40B4-BE49-F238E27FC236}">
-                <a16:creationId xmlns:a16="http://schemas.microsoft.com/office/drawing/2014/main" id="{0B558038-9343-4C4F-B795-4B8EDC06F4AD}"/>
+                <a16:creationId xmlns:a16="http://schemas.microsoft.com/office/drawing/2014/main" xmlns="" id="{0B558038-9343-4C4F-B795-4B8EDC06F4AD}"/>
               </a:ext>
             </a:extLst>
           </p:cNvPr>
@@ -2937,7 +5548,7 @@
           <p:cNvPr id="2" name="Title 1">
             <a:extLst>
               <a:ext uri="{FF2B5EF4-FFF2-40B4-BE49-F238E27FC236}">
-                <a16:creationId xmlns:a16="http://schemas.microsoft.com/office/drawing/2014/main" id="{9B295A98-597F-1047-A7B2-1477A76FC890}"/>
+                <a16:creationId xmlns:a16="http://schemas.microsoft.com/office/drawing/2014/main" xmlns="" id="{9B295A98-597F-1047-A7B2-1477A76FC890}"/>
               </a:ext>
             </a:extLst>
           </p:cNvPr>
@@ -2965,7 +5576,7 @@
           <p:cNvPr id="3" name="Date Placeholder 2">
             <a:extLst>
               <a:ext uri="{FF2B5EF4-FFF2-40B4-BE49-F238E27FC236}">
-                <a16:creationId xmlns:a16="http://schemas.microsoft.com/office/drawing/2014/main" id="{D4B4B6B9-8B8D-EF4D-9BEB-EF1445053A6F}"/>
+                <a16:creationId xmlns:a16="http://schemas.microsoft.com/office/drawing/2014/main" xmlns="" id="{D4B4B6B9-8B8D-EF4D-9BEB-EF1445053A6F}"/>
               </a:ext>
             </a:extLst>
           </p:cNvPr>
@@ -2983,7 +5594,7 @@
           <a:p>
             <a:fld id="{E389AA9D-A245-8245-B1FA-F343E2C3F01D}" type="datetimeFigureOut">
               <a:rPr lang="en-US" smtClean="0"/>
-              <a:t>6/17/20</a:t>
+              <a:t>9/12/20</a:t>
             </a:fld>
             <a:endParaRPr lang="en-US"/>
           </a:p>
@@ -2994,7 +5605,7 @@
           <p:cNvPr id="4" name="Footer Placeholder 3">
             <a:extLst>
               <a:ext uri="{FF2B5EF4-FFF2-40B4-BE49-F238E27FC236}">
-                <a16:creationId xmlns:a16="http://schemas.microsoft.com/office/drawing/2014/main" id="{E0C47C1B-7F79-CF43-BA22-1AD4E162D7B0}"/>
+                <a16:creationId xmlns:a16="http://schemas.microsoft.com/office/drawing/2014/main" xmlns="" id="{E0C47C1B-7F79-CF43-BA22-1AD4E162D7B0}"/>
               </a:ext>
             </a:extLst>
           </p:cNvPr>
@@ -3019,7 +5630,7 @@
           <p:cNvPr id="5" name="Slide Number Placeholder 4">
             <a:extLst>
               <a:ext uri="{FF2B5EF4-FFF2-40B4-BE49-F238E27FC236}">
-                <a16:creationId xmlns:a16="http://schemas.microsoft.com/office/drawing/2014/main" id="{EFB81D42-E412-B148-B037-4741F744D552}"/>
+                <a16:creationId xmlns:a16="http://schemas.microsoft.com/office/drawing/2014/main" xmlns="" id="{EFB81D42-E412-B148-B037-4741F744D552}"/>
               </a:ext>
             </a:extLst>
           </p:cNvPr>
@@ -3078,7 +5689,7 @@
           <p:cNvPr id="2" name="Date Placeholder 1">
             <a:extLst>
               <a:ext uri="{FF2B5EF4-FFF2-40B4-BE49-F238E27FC236}">
-                <a16:creationId xmlns:a16="http://schemas.microsoft.com/office/drawing/2014/main" id="{3CC03EBA-A07F-7B44-8CA5-C7DB28AE95EF}"/>
+                <a16:creationId xmlns:a16="http://schemas.microsoft.com/office/drawing/2014/main" xmlns="" id="{3CC03EBA-A07F-7B44-8CA5-C7DB28AE95EF}"/>
               </a:ext>
             </a:extLst>
           </p:cNvPr>
@@ -3096,7 +5707,7 @@
           <a:p>
             <a:fld id="{E389AA9D-A245-8245-B1FA-F343E2C3F01D}" type="datetimeFigureOut">
               <a:rPr lang="en-US" smtClean="0"/>
-              <a:t>6/17/20</a:t>
+              <a:t>9/12/20</a:t>
             </a:fld>
             <a:endParaRPr lang="en-US"/>
           </a:p>
@@ -3107,7 +5718,7 @@
           <p:cNvPr id="3" name="Footer Placeholder 2">
             <a:extLst>
               <a:ext uri="{FF2B5EF4-FFF2-40B4-BE49-F238E27FC236}">
-                <a16:creationId xmlns:a16="http://schemas.microsoft.com/office/drawing/2014/main" id="{32793365-CEC5-8C42-8428-5056757A25D2}"/>
+                <a16:creationId xmlns:a16="http://schemas.microsoft.com/office/drawing/2014/main" xmlns="" id="{32793365-CEC5-8C42-8428-5056757A25D2}"/>
               </a:ext>
             </a:extLst>
           </p:cNvPr>
@@ -3132,7 +5743,7 @@
           <p:cNvPr id="4" name="Slide Number Placeholder 3">
             <a:extLst>
               <a:ext uri="{FF2B5EF4-FFF2-40B4-BE49-F238E27FC236}">
-                <a16:creationId xmlns:a16="http://schemas.microsoft.com/office/drawing/2014/main" id="{D00C7855-C87E-4840-83B1-11830F68181E}"/>
+                <a16:creationId xmlns:a16="http://schemas.microsoft.com/office/drawing/2014/main" xmlns="" id="{D00C7855-C87E-4840-83B1-11830F68181E}"/>
               </a:ext>
             </a:extLst>
           </p:cNvPr>
@@ -3191,7 +5802,7 @@
           <p:cNvPr id="2" name="Title 1">
             <a:extLst>
               <a:ext uri="{FF2B5EF4-FFF2-40B4-BE49-F238E27FC236}">
-                <a16:creationId xmlns:a16="http://schemas.microsoft.com/office/drawing/2014/main" id="{DAD94EF5-1A70-254F-9102-5FE6EFA0BDEA}"/>
+                <a16:creationId xmlns:a16="http://schemas.microsoft.com/office/drawing/2014/main" xmlns="" id="{DAD94EF5-1A70-254F-9102-5FE6EFA0BDEA}"/>
               </a:ext>
             </a:extLst>
           </p:cNvPr>
@@ -3228,7 +5839,7 @@
           <p:cNvPr id="3" name="Content Placeholder 2">
             <a:extLst>
               <a:ext uri="{FF2B5EF4-FFF2-40B4-BE49-F238E27FC236}">
-                <a16:creationId xmlns:a16="http://schemas.microsoft.com/office/drawing/2014/main" id="{901D4F1D-C81B-9844-9963-18A908182D8C}"/>
+                <a16:creationId xmlns:a16="http://schemas.microsoft.com/office/drawing/2014/main" xmlns="" id="{901D4F1D-C81B-9844-9963-18A908182D8C}"/>
               </a:ext>
             </a:extLst>
           </p:cNvPr>
@@ -3318,7 +5929,7 @@
           <p:cNvPr id="4" name="Text Placeholder 3">
             <a:extLst>
               <a:ext uri="{FF2B5EF4-FFF2-40B4-BE49-F238E27FC236}">
-                <a16:creationId xmlns:a16="http://schemas.microsoft.com/office/drawing/2014/main" id="{3A6F232B-F970-894A-867A-7232BCC5E18F}"/>
+                <a16:creationId xmlns:a16="http://schemas.microsoft.com/office/drawing/2014/main" xmlns="" id="{3A6F232B-F970-894A-867A-7232BCC5E18F}"/>
               </a:ext>
             </a:extLst>
           </p:cNvPr>
@@ -3389,7 +6000,7 @@
           <p:cNvPr id="5" name="Date Placeholder 4">
             <a:extLst>
               <a:ext uri="{FF2B5EF4-FFF2-40B4-BE49-F238E27FC236}">
-                <a16:creationId xmlns:a16="http://schemas.microsoft.com/office/drawing/2014/main" id="{4E48B31E-E93B-F74B-995A-0D05DE3F56F4}"/>
+                <a16:creationId xmlns:a16="http://schemas.microsoft.com/office/drawing/2014/main" xmlns="" id="{4E48B31E-E93B-F74B-995A-0D05DE3F56F4}"/>
               </a:ext>
             </a:extLst>
           </p:cNvPr>
@@ -3407,7 +6018,7 @@
           <a:p>
             <a:fld id="{E389AA9D-A245-8245-B1FA-F343E2C3F01D}" type="datetimeFigureOut">
               <a:rPr lang="en-US" smtClean="0"/>
-              <a:t>6/17/20</a:t>
+              <a:t>9/12/20</a:t>
             </a:fld>
             <a:endParaRPr lang="en-US"/>
           </a:p>
@@ -3418,7 +6029,7 @@
           <p:cNvPr id="6" name="Footer Placeholder 5">
             <a:extLst>
               <a:ext uri="{FF2B5EF4-FFF2-40B4-BE49-F238E27FC236}">
-                <a16:creationId xmlns:a16="http://schemas.microsoft.com/office/drawing/2014/main" id="{87896F04-6893-A044-925C-DFC3F4F3A568}"/>
+                <a16:creationId xmlns:a16="http://schemas.microsoft.com/office/drawing/2014/main" xmlns="" id="{87896F04-6893-A044-925C-DFC3F4F3A568}"/>
               </a:ext>
             </a:extLst>
           </p:cNvPr>
@@ -3443,7 +6054,7 @@
           <p:cNvPr id="7" name="Slide Number Placeholder 6">
             <a:extLst>
               <a:ext uri="{FF2B5EF4-FFF2-40B4-BE49-F238E27FC236}">
-                <a16:creationId xmlns:a16="http://schemas.microsoft.com/office/drawing/2014/main" id="{CB7AF5CC-DFB0-274A-9218-61BE6F040EC4}"/>
+                <a16:creationId xmlns:a16="http://schemas.microsoft.com/office/drawing/2014/main" xmlns="" id="{CB7AF5CC-DFB0-274A-9218-61BE6F040EC4}"/>
               </a:ext>
             </a:extLst>
           </p:cNvPr>
@@ -3502,7 +6113,7 @@
           <p:cNvPr id="2" name="Title 1">
             <a:extLst>
               <a:ext uri="{FF2B5EF4-FFF2-40B4-BE49-F238E27FC236}">
-                <a16:creationId xmlns:a16="http://schemas.microsoft.com/office/drawing/2014/main" id="{CED204D7-5DE2-9646-9AA3-782CD58D96E3}"/>
+                <a16:creationId xmlns:a16="http://schemas.microsoft.com/office/drawing/2014/main" xmlns="" id="{CED204D7-5DE2-9646-9AA3-782CD58D96E3}"/>
               </a:ext>
             </a:extLst>
           </p:cNvPr>
@@ -3539,7 +6150,7 @@
           <p:cNvPr id="3" name="Picture Placeholder 2">
             <a:extLst>
               <a:ext uri="{FF2B5EF4-FFF2-40B4-BE49-F238E27FC236}">
-                <a16:creationId xmlns:a16="http://schemas.microsoft.com/office/drawing/2014/main" id="{B32454CE-BDBD-9D49-B6BE-E73A9D78E211}"/>
+                <a16:creationId xmlns:a16="http://schemas.microsoft.com/office/drawing/2014/main" xmlns="" id="{B32454CE-BDBD-9D49-B6BE-E73A9D78E211}"/>
               </a:ext>
             </a:extLst>
           </p:cNvPr>
@@ -3606,7 +6217,7 @@
           <p:cNvPr id="4" name="Text Placeholder 3">
             <a:extLst>
               <a:ext uri="{FF2B5EF4-FFF2-40B4-BE49-F238E27FC236}">
-                <a16:creationId xmlns:a16="http://schemas.microsoft.com/office/drawing/2014/main" id="{A34D27B6-E809-6C46-BC0A-1CE2B62E586A}"/>
+                <a16:creationId xmlns:a16="http://schemas.microsoft.com/office/drawing/2014/main" xmlns="" id="{A34D27B6-E809-6C46-BC0A-1CE2B62E586A}"/>
               </a:ext>
             </a:extLst>
           </p:cNvPr>
@@ -3677,7 +6288,7 @@
           <p:cNvPr id="5" name="Date Placeholder 4">
             <a:extLst>
               <a:ext uri="{FF2B5EF4-FFF2-40B4-BE49-F238E27FC236}">
-                <a16:creationId xmlns:a16="http://schemas.microsoft.com/office/drawing/2014/main" id="{C0FD6300-54B8-4A4F-AB8D-8DE64E519AD4}"/>
+                <a16:creationId xmlns:a16="http://schemas.microsoft.com/office/drawing/2014/main" xmlns="" id="{C0FD6300-54B8-4A4F-AB8D-8DE64E519AD4}"/>
               </a:ext>
             </a:extLst>
           </p:cNvPr>
@@ -3695,7 +6306,7 @@
           <a:p>
             <a:fld id="{E389AA9D-A245-8245-B1FA-F343E2C3F01D}" type="datetimeFigureOut">
               <a:rPr lang="en-US" smtClean="0"/>
-              <a:t>6/17/20</a:t>
+              <a:t>9/12/20</a:t>
             </a:fld>
             <a:endParaRPr lang="en-US"/>
           </a:p>
@@ -3706,7 +6317,7 @@
           <p:cNvPr id="6" name="Footer Placeholder 5">
             <a:extLst>
               <a:ext uri="{FF2B5EF4-FFF2-40B4-BE49-F238E27FC236}">
-                <a16:creationId xmlns:a16="http://schemas.microsoft.com/office/drawing/2014/main" id="{C6F2C403-04D7-994D-9AA5-BDA08226233A}"/>
+                <a16:creationId xmlns:a16="http://schemas.microsoft.com/office/drawing/2014/main" xmlns="" id="{C6F2C403-04D7-994D-9AA5-BDA08226233A}"/>
               </a:ext>
             </a:extLst>
           </p:cNvPr>
@@ -3731,7 +6342,7 @@
           <p:cNvPr id="7" name="Slide Number Placeholder 6">
             <a:extLst>
               <a:ext uri="{FF2B5EF4-FFF2-40B4-BE49-F238E27FC236}">
-                <a16:creationId xmlns:a16="http://schemas.microsoft.com/office/drawing/2014/main" id="{BF64EF09-531E-0E49-A5A0-F52A47BB2A63}"/>
+                <a16:creationId xmlns:a16="http://schemas.microsoft.com/office/drawing/2014/main" xmlns="" id="{BF64EF09-531E-0E49-A5A0-F52A47BB2A63}"/>
               </a:ext>
             </a:extLst>
           </p:cNvPr>
@@ -3795,7 +6406,7 @@
           <p:cNvPr id="2" name="Title Placeholder 1">
             <a:extLst>
               <a:ext uri="{FF2B5EF4-FFF2-40B4-BE49-F238E27FC236}">
-                <a16:creationId xmlns:a16="http://schemas.microsoft.com/office/drawing/2014/main" id="{97E5194C-F555-614C-A1E3-2421C7241E30}"/>
+                <a16:creationId xmlns:a16="http://schemas.microsoft.com/office/drawing/2014/main" xmlns="" id="{97E5194C-F555-614C-A1E3-2421C7241E30}"/>
               </a:ext>
             </a:extLst>
           </p:cNvPr>
@@ -3833,7 +6444,7 @@
           <p:cNvPr id="3" name="Text Placeholder 2">
             <a:extLst>
               <a:ext uri="{FF2B5EF4-FFF2-40B4-BE49-F238E27FC236}">
-                <a16:creationId xmlns:a16="http://schemas.microsoft.com/office/drawing/2014/main" id="{5C568EF9-6FB8-FF4C-9D8C-86BCB8DF7A81}"/>
+                <a16:creationId xmlns:a16="http://schemas.microsoft.com/office/drawing/2014/main" xmlns="" id="{5C568EF9-6FB8-FF4C-9D8C-86BCB8DF7A81}"/>
               </a:ext>
             </a:extLst>
           </p:cNvPr>
@@ -3900,7 +6511,7 @@
           <p:cNvPr id="4" name="Date Placeholder 3">
             <a:extLst>
               <a:ext uri="{FF2B5EF4-FFF2-40B4-BE49-F238E27FC236}">
-                <a16:creationId xmlns:a16="http://schemas.microsoft.com/office/drawing/2014/main" id="{8171FAA0-A6FC-C244-AE5D-4FDCA5BEBBB4}"/>
+                <a16:creationId xmlns:a16="http://schemas.microsoft.com/office/drawing/2014/main" xmlns="" id="{8171FAA0-A6FC-C244-AE5D-4FDCA5BEBBB4}"/>
               </a:ext>
             </a:extLst>
           </p:cNvPr>
@@ -3936,7 +6547,7 @@
           <a:p>
             <a:fld id="{E389AA9D-A245-8245-B1FA-F343E2C3F01D}" type="datetimeFigureOut">
               <a:rPr lang="en-US" smtClean="0"/>
-              <a:t>6/17/20</a:t>
+              <a:t>9/12/20</a:t>
             </a:fld>
             <a:endParaRPr lang="en-US"/>
           </a:p>
@@ -3947,7 +6558,7 @@
           <p:cNvPr id="5" name="Footer Placeholder 4">
             <a:extLst>
               <a:ext uri="{FF2B5EF4-FFF2-40B4-BE49-F238E27FC236}">
-                <a16:creationId xmlns:a16="http://schemas.microsoft.com/office/drawing/2014/main" id="{EE18D8E6-A126-8647-AC17-43DE5789C363}"/>
+                <a16:creationId xmlns:a16="http://schemas.microsoft.com/office/drawing/2014/main" xmlns="" id="{EE18D8E6-A126-8647-AC17-43DE5789C363}"/>
               </a:ext>
             </a:extLst>
           </p:cNvPr>
@@ -3990,7 +6601,7 @@
           <p:cNvPr id="6" name="Slide Number Placeholder 5">
             <a:extLst>
               <a:ext uri="{FF2B5EF4-FFF2-40B4-BE49-F238E27FC236}">
-                <a16:creationId xmlns:a16="http://schemas.microsoft.com/office/drawing/2014/main" id="{8BE2B199-0B49-644B-8D17-0A32406C5981}"/>
+                <a16:creationId xmlns:a16="http://schemas.microsoft.com/office/drawing/2014/main" xmlns="" id="{8BE2B199-0B49-644B-8D17-0A32406C5981}"/>
               </a:ext>
             </a:extLst>
           </p:cNvPr>
@@ -4336,6 +6947,583 @@
 </p:sldMaster>
 </file>
 
+<file path=ppt/slideMasters/slideMaster2.xml><?xml version="1.0" encoding="utf-8"?>
+<p:sldMaster xmlns:a="http://schemas.openxmlformats.org/drawingml/2006/main" xmlns:r="http://schemas.openxmlformats.org/officeDocument/2006/relationships" xmlns:p="http://schemas.openxmlformats.org/presentationml/2006/main">
+  <p:cSld>
+    <p:bg>
+      <p:bgRef idx="1001">
+        <a:schemeClr val="bg1"/>
+      </p:bgRef>
+    </p:bg>
+    <p:spTree>
+      <p:nvGrpSpPr>
+        <p:cNvPr id="1" name=""/>
+        <p:cNvGrpSpPr/>
+        <p:nvPr/>
+      </p:nvGrpSpPr>
+      <p:grpSpPr>
+        <a:xfrm>
+          <a:off x="0" y="0"/>
+          <a:ext cx="0" cy="0"/>
+          <a:chOff x="0" y="0"/>
+          <a:chExt cx="0" cy="0"/>
+        </a:xfrm>
+      </p:grpSpPr>
+      <p:sp>
+        <p:nvSpPr>
+          <p:cNvPr id="2" name="Title Placeholder 1"/>
+          <p:cNvSpPr>
+            <a:spLocks noGrp="1"/>
+          </p:cNvSpPr>
+          <p:nvPr>
+            <p:ph type="title"/>
+          </p:nvPr>
+        </p:nvSpPr>
+        <p:spPr>
+          <a:xfrm>
+            <a:off x="838200" y="365126"/>
+            <a:ext cx="10515600" cy="1325563"/>
+          </a:xfrm>
+          <a:prstGeom prst="rect">
+            <a:avLst/>
+          </a:prstGeom>
+        </p:spPr>
+        <p:txBody>
+          <a:bodyPr vert="horz" lIns="91440" tIns="45720" rIns="91440" bIns="45720" rtlCol="0" anchor="ctr">
+            <a:normAutofit/>
+          </a:bodyPr>
+          <a:lstStyle/>
+          <a:p>
+            <a:r>
+              <a:rPr lang="en-US" smtClean="0"/>
+              <a:t>Click to edit Master title style</a:t>
+            </a:r>
+            <a:endParaRPr lang="en-US"/>
+          </a:p>
+        </p:txBody>
+      </p:sp>
+      <p:sp>
+        <p:nvSpPr>
+          <p:cNvPr id="3" name="Text Placeholder 2"/>
+          <p:cNvSpPr>
+            <a:spLocks noGrp="1"/>
+          </p:cNvSpPr>
+          <p:nvPr>
+            <p:ph type="body" idx="1"/>
+          </p:nvPr>
+        </p:nvSpPr>
+        <p:spPr>
+          <a:xfrm>
+            <a:off x="838200" y="1825625"/>
+            <a:ext cx="10515600" cy="4351339"/>
+          </a:xfrm>
+          <a:prstGeom prst="rect">
+            <a:avLst/>
+          </a:prstGeom>
+        </p:spPr>
+        <p:txBody>
+          <a:bodyPr vert="horz" lIns="91440" tIns="45720" rIns="91440" bIns="45720" rtlCol="0">
+            <a:normAutofit/>
+          </a:bodyPr>
+          <a:lstStyle/>
+          <a:p>
+            <a:pPr lvl="0"/>
+            <a:r>
+              <a:rPr lang="en-US" smtClean="0"/>
+              <a:t>Click to edit Master text styles</a:t>
+            </a:r>
+          </a:p>
+          <a:p>
+            <a:pPr lvl="1"/>
+            <a:r>
+              <a:rPr lang="en-US" smtClean="0"/>
+              <a:t>Second level</a:t>
+            </a:r>
+          </a:p>
+          <a:p>
+            <a:pPr lvl="2"/>
+            <a:r>
+              <a:rPr lang="en-US" smtClean="0"/>
+              <a:t>Third level</a:t>
+            </a:r>
+          </a:p>
+          <a:p>
+            <a:pPr lvl="3"/>
+            <a:r>
+              <a:rPr lang="en-US" smtClean="0"/>
+              <a:t>Fourth level</a:t>
+            </a:r>
+          </a:p>
+          <a:p>
+            <a:pPr lvl="4"/>
+            <a:r>
+              <a:rPr lang="en-US" smtClean="0"/>
+              <a:t>Fifth level</a:t>
+            </a:r>
+            <a:endParaRPr lang="en-US"/>
+          </a:p>
+        </p:txBody>
+      </p:sp>
+      <p:sp>
+        <p:nvSpPr>
+          <p:cNvPr id="4" name="Date Placeholder 3"/>
+          <p:cNvSpPr>
+            <a:spLocks noGrp="1"/>
+          </p:cNvSpPr>
+          <p:nvPr>
+            <p:ph type="dt" sz="half" idx="2"/>
+          </p:nvPr>
+        </p:nvSpPr>
+        <p:spPr>
+          <a:xfrm>
+            <a:off x="838200" y="6356352"/>
+            <a:ext cx="2743200" cy="365125"/>
+          </a:xfrm>
+          <a:prstGeom prst="rect">
+            <a:avLst/>
+          </a:prstGeom>
+        </p:spPr>
+        <p:txBody>
+          <a:bodyPr vert="horz" lIns="91440" tIns="45720" rIns="91440" bIns="45720" rtlCol="0" anchor="ctr"/>
+          <a:lstStyle>
+            <a:lvl1pPr algn="l">
+              <a:defRPr sz="900">
+                <a:solidFill>
+                  <a:schemeClr val="tx1">
+                    <a:tint val="75000"/>
+                  </a:schemeClr>
+                </a:solidFill>
+              </a:defRPr>
+            </a:lvl1pPr>
+          </a:lstStyle>
+          <a:p>
+            <a:fld id="{92CAA8A4-0ED2-3C42-8F86-06294E9F5717}" type="datetimeFigureOut">
+              <a:rPr lang="en-US" smtClean="0">
+                <a:solidFill>
+                  <a:prstClr val="black">
+                    <a:tint val="75000"/>
+                  </a:prstClr>
+                </a:solidFill>
+                <a:sym typeface="Arial"/>
+              </a:rPr>
+              <a:pPr/>
+              <a:t>9/12/20</a:t>
+            </a:fld>
+            <a:endParaRPr lang="en-US">
+              <a:solidFill>
+                <a:prstClr val="black">
+                  <a:tint val="75000"/>
+                </a:prstClr>
+              </a:solidFill>
+              <a:sym typeface="Arial"/>
+            </a:endParaRPr>
+          </a:p>
+        </p:txBody>
+      </p:sp>
+      <p:sp>
+        <p:nvSpPr>
+          <p:cNvPr id="5" name="Footer Placeholder 4"/>
+          <p:cNvSpPr>
+            <a:spLocks noGrp="1"/>
+          </p:cNvSpPr>
+          <p:nvPr>
+            <p:ph type="ftr" sz="quarter" idx="3"/>
+          </p:nvPr>
+        </p:nvSpPr>
+        <p:spPr>
+          <a:xfrm>
+            <a:off x="4038600" y="6356352"/>
+            <a:ext cx="4114800" cy="365125"/>
+          </a:xfrm>
+          <a:prstGeom prst="rect">
+            <a:avLst/>
+          </a:prstGeom>
+        </p:spPr>
+        <p:txBody>
+          <a:bodyPr vert="horz" lIns="91440" tIns="45720" rIns="91440" bIns="45720" rtlCol="0" anchor="ctr"/>
+          <a:lstStyle>
+            <a:lvl1pPr algn="ctr">
+              <a:defRPr sz="900">
+                <a:solidFill>
+                  <a:schemeClr val="tx1">
+                    <a:tint val="75000"/>
+                  </a:schemeClr>
+                </a:solidFill>
+              </a:defRPr>
+            </a:lvl1pPr>
+          </a:lstStyle>
+          <a:p>
+            <a:endParaRPr lang="en-US">
+              <a:solidFill>
+                <a:prstClr val="black">
+                  <a:tint val="75000"/>
+                </a:prstClr>
+              </a:solidFill>
+              <a:sym typeface="Arial"/>
+            </a:endParaRPr>
+          </a:p>
+        </p:txBody>
+      </p:sp>
+      <p:sp>
+        <p:nvSpPr>
+          <p:cNvPr id="6" name="Slide Number Placeholder 5"/>
+          <p:cNvSpPr>
+            <a:spLocks noGrp="1"/>
+          </p:cNvSpPr>
+          <p:nvPr>
+            <p:ph type="sldNum" sz="quarter" idx="4"/>
+          </p:nvPr>
+        </p:nvSpPr>
+        <p:spPr>
+          <a:xfrm>
+            <a:off x="8610600" y="6356352"/>
+            <a:ext cx="2743200" cy="365125"/>
+          </a:xfrm>
+          <a:prstGeom prst="rect">
+            <a:avLst/>
+          </a:prstGeom>
+        </p:spPr>
+        <p:txBody>
+          <a:bodyPr vert="horz" lIns="91440" tIns="45720" rIns="91440" bIns="45720" rtlCol="0" anchor="ctr"/>
+          <a:lstStyle>
+            <a:lvl1pPr algn="r">
+              <a:defRPr sz="900">
+                <a:solidFill>
+                  <a:schemeClr val="tx1">
+                    <a:tint val="75000"/>
+                  </a:schemeClr>
+                </a:solidFill>
+              </a:defRPr>
+            </a:lvl1pPr>
+          </a:lstStyle>
+          <a:p>
+            <a:fld id="{ADCF0D4B-B936-754B-BA5E-F482D12E455A}" type="slidenum">
+              <a:rPr lang="en-US" smtClean="0">
+                <a:solidFill>
+                  <a:prstClr val="black">
+                    <a:tint val="75000"/>
+                  </a:prstClr>
+                </a:solidFill>
+                <a:sym typeface="Arial"/>
+              </a:rPr>
+              <a:pPr/>
+              <a:t>‹#›</a:t>
+            </a:fld>
+            <a:endParaRPr lang="en-US">
+              <a:solidFill>
+                <a:prstClr val="black">
+                  <a:tint val="75000"/>
+                </a:prstClr>
+              </a:solidFill>
+              <a:sym typeface="Arial"/>
+            </a:endParaRPr>
+          </a:p>
+        </p:txBody>
+      </p:sp>
+    </p:spTree>
+    <p:extLst>
+      <p:ext uri="{BB962C8B-B14F-4D97-AF65-F5344CB8AC3E}">
+        <p14:creationId xmlns:p14="http://schemas.microsoft.com/office/powerpoint/2010/main" val="2093945195"/>
+      </p:ext>
+    </p:extLst>
+  </p:cSld>
+  <p:clrMap bg1="lt1" tx1="dk1" bg2="lt2" tx2="dk2" accent1="accent1" accent2="accent2" accent3="accent3" accent4="accent4" accent5="accent5" accent6="accent6" hlink="hlink" folHlink="folHlink"/>
+  <p:sldLayoutIdLst>
+    <p:sldLayoutId id="2147483661" r:id="rId1"/>
+    <p:sldLayoutId id="2147483662" r:id="rId2"/>
+    <p:sldLayoutId id="2147483663" r:id="rId3"/>
+    <p:sldLayoutId id="2147483664" r:id="rId4"/>
+    <p:sldLayoutId id="2147483665" r:id="rId5"/>
+    <p:sldLayoutId id="2147483666" r:id="rId6"/>
+    <p:sldLayoutId id="2147483667" r:id="rId7"/>
+    <p:sldLayoutId id="2147483668" r:id="rId8"/>
+    <p:sldLayoutId id="2147483669" r:id="rId9"/>
+    <p:sldLayoutId id="2147483670" r:id="rId10"/>
+    <p:sldLayoutId id="2147483671" r:id="rId11"/>
+  </p:sldLayoutIdLst>
+  <p:txStyles>
+    <p:titleStyle>
+      <a:lvl1pPr algn="l" defTabSz="685800" rtl="0" eaLnBrk="1" latinLnBrk="0" hangingPunct="1">
+        <a:lnSpc>
+          <a:spcPct val="90000"/>
+        </a:lnSpc>
+        <a:spcBef>
+          <a:spcPct val="0"/>
+        </a:spcBef>
+        <a:buNone/>
+        <a:defRPr sz="3300" kern="1200">
+          <a:solidFill>
+            <a:schemeClr val="tx1"/>
+          </a:solidFill>
+          <a:latin typeface="+mj-lt"/>
+          <a:ea typeface="+mj-ea"/>
+          <a:cs typeface="+mj-cs"/>
+        </a:defRPr>
+      </a:lvl1pPr>
+    </p:titleStyle>
+    <p:bodyStyle>
+      <a:lvl1pPr marL="171450" indent="-171450" algn="l" defTabSz="685800" rtl="0" eaLnBrk="1" latinLnBrk="0" hangingPunct="1">
+        <a:lnSpc>
+          <a:spcPct val="90000"/>
+        </a:lnSpc>
+        <a:spcBef>
+          <a:spcPts val="750"/>
+        </a:spcBef>
+        <a:buFont typeface="Arial"/>
+        <a:buChar char="•"/>
+        <a:defRPr sz="2100" kern="1200">
+          <a:solidFill>
+            <a:schemeClr val="tx1"/>
+          </a:solidFill>
+          <a:latin typeface="+mn-lt"/>
+          <a:ea typeface="+mn-ea"/>
+          <a:cs typeface="+mn-cs"/>
+        </a:defRPr>
+      </a:lvl1pPr>
+      <a:lvl2pPr marL="514350" indent="-171450" algn="l" defTabSz="685800" rtl="0" eaLnBrk="1" latinLnBrk="0" hangingPunct="1">
+        <a:lnSpc>
+          <a:spcPct val="90000"/>
+        </a:lnSpc>
+        <a:spcBef>
+          <a:spcPts val="375"/>
+        </a:spcBef>
+        <a:buFont typeface="Arial"/>
+        <a:buChar char="•"/>
+        <a:defRPr sz="1800" kern="1200">
+          <a:solidFill>
+            <a:schemeClr val="tx1"/>
+          </a:solidFill>
+          <a:latin typeface="+mn-lt"/>
+          <a:ea typeface="+mn-ea"/>
+          <a:cs typeface="+mn-cs"/>
+        </a:defRPr>
+      </a:lvl2pPr>
+      <a:lvl3pPr marL="857250" indent="-171450" algn="l" defTabSz="685800" rtl="0" eaLnBrk="1" latinLnBrk="0" hangingPunct="1">
+        <a:lnSpc>
+          <a:spcPct val="90000"/>
+        </a:lnSpc>
+        <a:spcBef>
+          <a:spcPts val="375"/>
+        </a:spcBef>
+        <a:buFont typeface="Arial"/>
+        <a:buChar char="•"/>
+        <a:defRPr sz="1500" kern="1200">
+          <a:solidFill>
+            <a:schemeClr val="tx1"/>
+          </a:solidFill>
+          <a:latin typeface="+mn-lt"/>
+          <a:ea typeface="+mn-ea"/>
+          <a:cs typeface="+mn-cs"/>
+        </a:defRPr>
+      </a:lvl3pPr>
+      <a:lvl4pPr marL="1200150" indent="-171450" algn="l" defTabSz="685800" rtl="0" eaLnBrk="1" latinLnBrk="0" hangingPunct="1">
+        <a:lnSpc>
+          <a:spcPct val="90000"/>
+        </a:lnSpc>
+        <a:spcBef>
+          <a:spcPts val="375"/>
+        </a:spcBef>
+        <a:buFont typeface="Arial"/>
+        <a:buChar char="•"/>
+        <a:defRPr sz="1350" kern="1200">
+          <a:solidFill>
+            <a:schemeClr val="tx1"/>
+          </a:solidFill>
+          <a:latin typeface="+mn-lt"/>
+          <a:ea typeface="+mn-ea"/>
+          <a:cs typeface="+mn-cs"/>
+        </a:defRPr>
+      </a:lvl4pPr>
+      <a:lvl5pPr marL="1543050" indent="-171450" algn="l" defTabSz="685800" rtl="0" eaLnBrk="1" latinLnBrk="0" hangingPunct="1">
+        <a:lnSpc>
+          <a:spcPct val="90000"/>
+        </a:lnSpc>
+        <a:spcBef>
+          <a:spcPts val="375"/>
+        </a:spcBef>
+        <a:buFont typeface="Arial"/>
+        <a:buChar char="•"/>
+        <a:defRPr sz="1350" kern="1200">
+          <a:solidFill>
+            <a:schemeClr val="tx1"/>
+          </a:solidFill>
+          <a:latin typeface="+mn-lt"/>
+          <a:ea typeface="+mn-ea"/>
+          <a:cs typeface="+mn-cs"/>
+        </a:defRPr>
+      </a:lvl5pPr>
+      <a:lvl6pPr marL="1885950" indent="-171450" algn="l" defTabSz="685800" rtl="0" eaLnBrk="1" latinLnBrk="0" hangingPunct="1">
+        <a:lnSpc>
+          <a:spcPct val="90000"/>
+        </a:lnSpc>
+        <a:spcBef>
+          <a:spcPts val="375"/>
+        </a:spcBef>
+        <a:buFont typeface="Arial"/>
+        <a:buChar char="•"/>
+        <a:defRPr sz="1350" kern="1200">
+          <a:solidFill>
+            <a:schemeClr val="tx1"/>
+          </a:solidFill>
+          <a:latin typeface="+mn-lt"/>
+          <a:ea typeface="+mn-ea"/>
+          <a:cs typeface="+mn-cs"/>
+        </a:defRPr>
+      </a:lvl6pPr>
+      <a:lvl7pPr marL="2228850" indent="-171450" algn="l" defTabSz="685800" rtl="0" eaLnBrk="1" latinLnBrk="0" hangingPunct="1">
+        <a:lnSpc>
+          <a:spcPct val="90000"/>
+        </a:lnSpc>
+        <a:spcBef>
+          <a:spcPts val="375"/>
+        </a:spcBef>
+        <a:buFont typeface="Arial"/>
+        <a:buChar char="•"/>
+        <a:defRPr sz="1350" kern="1200">
+          <a:solidFill>
+            <a:schemeClr val="tx1"/>
+          </a:solidFill>
+          <a:latin typeface="+mn-lt"/>
+          <a:ea typeface="+mn-ea"/>
+          <a:cs typeface="+mn-cs"/>
+        </a:defRPr>
+      </a:lvl7pPr>
+      <a:lvl8pPr marL="2571750" indent="-171450" algn="l" defTabSz="685800" rtl="0" eaLnBrk="1" latinLnBrk="0" hangingPunct="1">
+        <a:lnSpc>
+          <a:spcPct val="90000"/>
+        </a:lnSpc>
+        <a:spcBef>
+          <a:spcPts val="375"/>
+        </a:spcBef>
+        <a:buFont typeface="Arial"/>
+        <a:buChar char="•"/>
+        <a:defRPr sz="1350" kern="1200">
+          <a:solidFill>
+            <a:schemeClr val="tx1"/>
+          </a:solidFill>
+          <a:latin typeface="+mn-lt"/>
+          <a:ea typeface="+mn-ea"/>
+          <a:cs typeface="+mn-cs"/>
+        </a:defRPr>
+      </a:lvl8pPr>
+      <a:lvl9pPr marL="2914650" indent="-171450" algn="l" defTabSz="685800" rtl="0" eaLnBrk="1" latinLnBrk="0" hangingPunct="1">
+        <a:lnSpc>
+          <a:spcPct val="90000"/>
+        </a:lnSpc>
+        <a:spcBef>
+          <a:spcPts val="375"/>
+        </a:spcBef>
+        <a:buFont typeface="Arial"/>
+        <a:buChar char="•"/>
+        <a:defRPr sz="1350" kern="1200">
+          <a:solidFill>
+            <a:schemeClr val="tx1"/>
+          </a:solidFill>
+          <a:latin typeface="+mn-lt"/>
+          <a:ea typeface="+mn-ea"/>
+          <a:cs typeface="+mn-cs"/>
+        </a:defRPr>
+      </a:lvl9pPr>
+    </p:bodyStyle>
+    <p:otherStyle>
+      <a:defPPr>
+        <a:defRPr lang="en-US"/>
+      </a:defPPr>
+      <a:lvl1pPr marL="0" algn="l" defTabSz="685800" rtl="0" eaLnBrk="1" latinLnBrk="0" hangingPunct="1">
+        <a:defRPr sz="1350" kern="1200">
+          <a:solidFill>
+            <a:schemeClr val="tx1"/>
+          </a:solidFill>
+          <a:latin typeface="+mn-lt"/>
+          <a:ea typeface="+mn-ea"/>
+          <a:cs typeface="+mn-cs"/>
+        </a:defRPr>
+      </a:lvl1pPr>
+      <a:lvl2pPr marL="342900" algn="l" defTabSz="685800" rtl="0" eaLnBrk="1" latinLnBrk="0" hangingPunct="1">
+        <a:defRPr sz="1350" kern="1200">
+          <a:solidFill>
+            <a:schemeClr val="tx1"/>
+          </a:solidFill>
+          <a:latin typeface="+mn-lt"/>
+          <a:ea typeface="+mn-ea"/>
+          <a:cs typeface="+mn-cs"/>
+        </a:defRPr>
+      </a:lvl2pPr>
+      <a:lvl3pPr marL="685800" algn="l" defTabSz="685800" rtl="0" eaLnBrk="1" latinLnBrk="0" hangingPunct="1">
+        <a:defRPr sz="1350" kern="1200">
+          <a:solidFill>
+            <a:schemeClr val="tx1"/>
+          </a:solidFill>
+          <a:latin typeface="+mn-lt"/>
+          <a:ea typeface="+mn-ea"/>
+          <a:cs typeface="+mn-cs"/>
+        </a:defRPr>
+      </a:lvl3pPr>
+      <a:lvl4pPr marL="1028700" algn="l" defTabSz="685800" rtl="0" eaLnBrk="1" latinLnBrk="0" hangingPunct="1">
+        <a:defRPr sz="1350" kern="1200">
+          <a:solidFill>
+            <a:schemeClr val="tx1"/>
+          </a:solidFill>
+          <a:latin typeface="+mn-lt"/>
+          <a:ea typeface="+mn-ea"/>
+          <a:cs typeface="+mn-cs"/>
+        </a:defRPr>
+      </a:lvl4pPr>
+      <a:lvl5pPr marL="1371600" algn="l" defTabSz="685800" rtl="0" eaLnBrk="1" latinLnBrk="0" hangingPunct="1">
+        <a:defRPr sz="1350" kern="1200">
+          <a:solidFill>
+            <a:schemeClr val="tx1"/>
+          </a:solidFill>
+          <a:latin typeface="+mn-lt"/>
+          <a:ea typeface="+mn-ea"/>
+          <a:cs typeface="+mn-cs"/>
+        </a:defRPr>
+      </a:lvl5pPr>
+      <a:lvl6pPr marL="1714500" algn="l" defTabSz="685800" rtl="0" eaLnBrk="1" latinLnBrk="0" hangingPunct="1">
+        <a:defRPr sz="1350" kern="1200">
+          <a:solidFill>
+            <a:schemeClr val="tx1"/>
+          </a:solidFill>
+          <a:latin typeface="+mn-lt"/>
+          <a:ea typeface="+mn-ea"/>
+          <a:cs typeface="+mn-cs"/>
+        </a:defRPr>
+      </a:lvl6pPr>
+      <a:lvl7pPr marL="2057400" algn="l" defTabSz="685800" rtl="0" eaLnBrk="1" latinLnBrk="0" hangingPunct="1">
+        <a:defRPr sz="1350" kern="1200">
+          <a:solidFill>
+            <a:schemeClr val="tx1"/>
+          </a:solidFill>
+          <a:latin typeface="+mn-lt"/>
+          <a:ea typeface="+mn-ea"/>
+          <a:cs typeface="+mn-cs"/>
+        </a:defRPr>
+      </a:lvl7pPr>
+      <a:lvl8pPr marL="2400300" algn="l" defTabSz="685800" rtl="0" eaLnBrk="1" latinLnBrk="0" hangingPunct="1">
+        <a:defRPr sz="1350" kern="1200">
+          <a:solidFill>
+            <a:schemeClr val="tx1"/>
+          </a:solidFill>
+          <a:latin typeface="+mn-lt"/>
+          <a:ea typeface="+mn-ea"/>
+          <a:cs typeface="+mn-cs"/>
+        </a:defRPr>
+      </a:lvl8pPr>
+      <a:lvl9pPr marL="2743200" algn="l" defTabSz="685800" rtl="0" eaLnBrk="1" latinLnBrk="0" hangingPunct="1">
+        <a:defRPr sz="1350" kern="1200">
+          <a:solidFill>
+            <a:schemeClr val="tx1"/>
+          </a:solidFill>
+          <a:latin typeface="+mn-lt"/>
+          <a:ea typeface="+mn-ea"/>
+          <a:cs typeface="+mn-cs"/>
+        </a:defRPr>
+      </a:lvl9pPr>
+    </p:otherStyle>
+  </p:txStyles>
+</p:sldMaster>
+</file>
+
 <file path=ppt/slides/slide1.xml><?xml version="1.0" encoding="utf-8"?>
 <p:sld xmlns:a="http://schemas.openxmlformats.org/drawingml/2006/main" xmlns:r="http://schemas.openxmlformats.org/officeDocument/2006/relationships" xmlns:p="http://schemas.openxmlformats.org/presentationml/2006/main">
   <p:cSld>
@@ -4355,13 +7543,7 @@
       </p:grpSpPr>
       <p:sp>
         <p:nvSpPr>
-          <p:cNvPr id="2" name="Title 1">
-            <a:extLst>
-              <a:ext uri="{FF2B5EF4-FFF2-40B4-BE49-F238E27FC236}">
-                <a16:creationId xmlns:a16="http://schemas.microsoft.com/office/drawing/2014/main" id="{CE2B43CE-BF7B-5B42-B6BF-F3FAA26A6B26}"/>
-              </a:ext>
-            </a:extLst>
-          </p:cNvPr>
+          <p:cNvPr id="2" name="Title 1"/>
           <p:cNvSpPr>
             <a:spLocks noGrp="1"/>
           </p:cNvSpPr>
@@ -4369,63 +7551,214 @@
             <p:ph type="ctrTitle"/>
           </p:nvPr>
         </p:nvSpPr>
-        <p:spPr/>
-        <p:txBody>
-          <a:bodyPr/>
-          <a:lstStyle/>
-          <a:p>
-            <a:r>
-              <a:rPr lang="en-US" dirty="0"/>
-              <a:t>Types of Parallel Work:</a:t>
+        <p:spPr>
+          <a:xfrm>
+            <a:off x="754743" y="0"/>
+            <a:ext cx="10682514" cy="6858000"/>
+          </a:xfrm>
+        </p:spPr>
+        <p:txBody>
+          <a:bodyPr anchor="ctr">
+            <a:noAutofit/>
+          </a:bodyPr>
+          <a:lstStyle/>
+          <a:p>
+            <a:pPr algn="l" fontAlgn="ctr">
+              <a:lnSpc>
+                <a:spcPct val="150000"/>
+              </a:lnSpc>
+            </a:pPr>
+            <a:r>
+              <a:rPr lang="en-US" sz="3600" b="1" dirty="0" smtClean="0">
+                <a:latin typeface="Times New Roman" charset="0"/>
+                <a:ea typeface="Times New Roman" charset="0"/>
+                <a:cs typeface="Times New Roman" charset="0"/>
+              </a:rPr>
+              <a:t>Blue Waters Petascale Semester Curriculum v1.0</a:t>
+            </a:r>
+            <a:r>
+              <a:rPr lang="en-US" sz="3600" dirty="0" smtClean="0">
+                <a:latin typeface="Times New Roman" charset="0"/>
+                <a:ea typeface="Times New Roman" charset="0"/>
+                <a:cs typeface="Times New Roman" charset="0"/>
+              </a:rPr>
+              <a:t/>
             </a:r>
             <a:br>
-              <a:rPr lang="en-US" dirty="0"/>
+              <a:rPr lang="en-US" sz="3600" dirty="0" smtClean="0">
+                <a:latin typeface="Times New Roman" charset="0"/>
+                <a:ea typeface="Times New Roman" charset="0"/>
+                <a:cs typeface="Times New Roman" charset="0"/>
+              </a:rPr>
             </a:br>
             <a:r>
-              <a:rPr lang="en-US" dirty="0"/>
-              <a:t>Data and Task Parallelism</a:t>
-            </a:r>
-          </a:p>
-        </p:txBody>
-      </p:sp>
-      <p:sp>
-        <p:nvSpPr>
-          <p:cNvPr id="3" name="Subtitle 2">
-            <a:extLst>
-              <a:ext uri="{FF2B5EF4-FFF2-40B4-BE49-F238E27FC236}">
-                <a16:creationId xmlns:a16="http://schemas.microsoft.com/office/drawing/2014/main" id="{6141AC8B-A8A7-9A48-B200-34ED2EBF3E8B}"/>
-              </a:ext>
-            </a:extLst>
-          </p:cNvPr>
-          <p:cNvSpPr>
-            <a:spLocks noGrp="1"/>
-          </p:cNvSpPr>
-          <p:nvPr>
-            <p:ph type="subTitle" idx="1"/>
-          </p:nvPr>
-        </p:nvSpPr>
-        <p:spPr/>
-        <p:txBody>
-          <a:bodyPr/>
-          <a:lstStyle/>
-          <a:p>
-            <a:r>
-              <a:rPr lang="en-US"/>
-              <a:t>Module 2.1</a:t>
-            </a:r>
-          </a:p>
-          <a:p>
-            <a:r>
-              <a:rPr lang="en-US" dirty="0"/>
-              <a:t>Peter J. Hawrylak</a:t>
-            </a:r>
+              <a:rPr lang="en-US" sz="3600" b="1" dirty="0" smtClean="0">
+                <a:latin typeface="Times New Roman" charset="0"/>
+                <a:ea typeface="Times New Roman" charset="0"/>
+                <a:cs typeface="Times New Roman" charset="0"/>
+              </a:rPr>
+              <a:t>Unit </a:t>
+            </a:r>
+            <a:r>
+              <a:rPr lang="en-US" sz="3600" b="1" dirty="0" smtClean="0">
+                <a:latin typeface="Times New Roman" charset="0"/>
+                <a:ea typeface="Times New Roman" charset="0"/>
+                <a:cs typeface="Times New Roman" charset="0"/>
+              </a:rPr>
+              <a:t>2</a:t>
+            </a:r>
+            <a:r>
+              <a:rPr lang="en-US" sz="3600" b="1" dirty="0">
+                <a:latin typeface="Times New Roman" charset="0"/>
+                <a:ea typeface="Times New Roman" charset="0"/>
+                <a:cs typeface="Times New Roman" charset="0"/>
+              </a:rPr>
+              <a:t>: Parallel Computing Concepts</a:t>
+            </a:r>
+            <a:r>
+              <a:rPr lang="en-US" sz="3600" dirty="0" smtClean="0">
+                <a:latin typeface="Times New Roman" charset="0"/>
+                <a:ea typeface="Times New Roman" charset="0"/>
+                <a:cs typeface="Times New Roman" charset="0"/>
+              </a:rPr>
+              <a:t/>
+            </a:r>
+            <a:br>
+              <a:rPr lang="en-US" sz="3600" dirty="0" smtClean="0">
+                <a:latin typeface="Times New Roman" charset="0"/>
+                <a:ea typeface="Times New Roman" charset="0"/>
+                <a:cs typeface="Times New Roman" charset="0"/>
+              </a:rPr>
+            </a:br>
+            <a:r>
+              <a:rPr lang="en-US" sz="3600" b="1" dirty="0" smtClean="0">
+                <a:latin typeface="Times New Roman" charset="0"/>
+                <a:ea typeface="Times New Roman" charset="0"/>
+                <a:cs typeface="Times New Roman" charset="0"/>
+              </a:rPr>
+              <a:t>Lesson </a:t>
+            </a:r>
+            <a:r>
+              <a:rPr lang="en-US" sz="3600" b="1" dirty="0">
+                <a:latin typeface="Times New Roman" charset="0"/>
+                <a:ea typeface="Times New Roman" charset="0"/>
+                <a:cs typeface="Times New Roman" charset="0"/>
+              </a:rPr>
+              <a:t>1: Types of Parallel </a:t>
+            </a:r>
+            <a:r>
+              <a:rPr lang="en-US" sz="3600" b="1" dirty="0" smtClean="0">
+                <a:latin typeface="Times New Roman" charset="0"/>
+                <a:ea typeface="Times New Roman" charset="0"/>
+                <a:cs typeface="Times New Roman" charset="0"/>
+              </a:rPr>
+              <a:t>Work:</a:t>
+            </a:r>
+            <a:br>
+              <a:rPr lang="en-US" sz="3600" b="1" dirty="0" smtClean="0">
+                <a:latin typeface="Times New Roman" charset="0"/>
+                <a:ea typeface="Times New Roman" charset="0"/>
+                <a:cs typeface="Times New Roman" charset="0"/>
+              </a:rPr>
+            </a:br>
+            <a:r>
+              <a:rPr lang="en-US" sz="3600" b="1" dirty="0" smtClean="0">
+                <a:latin typeface="Times New Roman" charset="0"/>
+                <a:ea typeface="Times New Roman" charset="0"/>
+                <a:cs typeface="Times New Roman" charset="0"/>
+              </a:rPr>
+              <a:t>     Data </a:t>
+            </a:r>
+            <a:r>
+              <a:rPr lang="en-US" sz="3600" b="1" dirty="0">
+                <a:latin typeface="Times New Roman" charset="0"/>
+                <a:ea typeface="Times New Roman" charset="0"/>
+                <a:cs typeface="Times New Roman" charset="0"/>
+              </a:rPr>
+              <a:t>and Task </a:t>
+            </a:r>
+            <a:r>
+              <a:rPr lang="en-US" sz="3600" b="1" dirty="0" smtClean="0">
+                <a:latin typeface="Times New Roman" charset="0"/>
+                <a:ea typeface="Times New Roman" charset="0"/>
+                <a:cs typeface="Times New Roman" charset="0"/>
+              </a:rPr>
+              <a:t>Parallelism</a:t>
+            </a:r>
+            <a:r>
+              <a:rPr lang="en-US" sz="3600" b="1" dirty="0" smtClean="0">
+                <a:latin typeface="Times New Roman" charset="0"/>
+                <a:ea typeface="Times New Roman" charset="0"/>
+                <a:cs typeface="Times New Roman" charset="0"/>
+              </a:rPr>
+              <a:t/>
+            </a:r>
+            <a:br>
+              <a:rPr lang="en-US" sz="3600" b="1" dirty="0" smtClean="0">
+                <a:latin typeface="Times New Roman" charset="0"/>
+                <a:ea typeface="Times New Roman" charset="0"/>
+                <a:cs typeface="Times New Roman" charset="0"/>
+              </a:rPr>
+            </a:br>
+            <a:r>
+              <a:rPr lang="en-US" sz="3600" i="1" dirty="0" smtClean="0">
+                <a:latin typeface="Times New Roman" charset="0"/>
+                <a:ea typeface="Times New Roman" charset="0"/>
+                <a:cs typeface="Times New Roman" charset="0"/>
+              </a:rPr>
+              <a:t>Developed by </a:t>
+            </a:r>
+            <a:r>
+              <a:rPr lang="en-US" sz="3600" i="1" dirty="0">
+                <a:latin typeface="Times New Roman" charset="0"/>
+                <a:ea typeface="Times New Roman" charset="0"/>
+                <a:cs typeface="Times New Roman" charset="0"/>
+              </a:rPr>
+              <a:t>Peter J. </a:t>
+            </a:r>
+            <a:r>
+              <a:rPr lang="en-US" sz="3600" i="1" dirty="0" err="1">
+                <a:latin typeface="Times New Roman" charset="0"/>
+                <a:ea typeface="Times New Roman" charset="0"/>
+                <a:cs typeface="Times New Roman" charset="0"/>
+              </a:rPr>
+              <a:t>Hawrylak</a:t>
+            </a:r>
+            <a:r>
+              <a:rPr lang="en-US" sz="3600" i="1" dirty="0">
+                <a:latin typeface="Times New Roman" charset="0"/>
+                <a:ea typeface="Times New Roman" charset="0"/>
+                <a:cs typeface="Times New Roman" charset="0"/>
+              </a:rPr>
+              <a:t/>
+            </a:r>
+            <a:br>
+              <a:rPr lang="en-US" sz="3600" i="1" dirty="0">
+                <a:latin typeface="Times New Roman" charset="0"/>
+                <a:ea typeface="Times New Roman" charset="0"/>
+                <a:cs typeface="Times New Roman" charset="0"/>
+              </a:rPr>
+            </a:br>
+            <a:r>
+              <a:rPr lang="en-US" sz="3600" i="1" dirty="0" smtClean="0">
+                <a:latin typeface="Times New Roman" charset="0"/>
+                <a:ea typeface="Times New Roman" charset="0"/>
+                <a:cs typeface="Times New Roman" charset="0"/>
+              </a:rPr>
+              <a:t>for the Shodor Education Foundation, Inc.</a:t>
+            </a:r>
+            <a:endParaRPr lang="en-US" sz="3600" i="1" dirty="0">
+              <a:latin typeface="Times New Roman" charset="0"/>
+              <a:ea typeface="Times New Roman" charset="0"/>
+              <a:cs typeface="Times New Roman" charset="0"/>
+            </a:endParaRPr>
           </a:p>
         </p:txBody>
       </p:sp>
     </p:spTree>
     <p:extLst>
       <p:ext uri="{BB962C8B-B14F-4D97-AF65-F5344CB8AC3E}">
-        <p14:creationId xmlns:p14="http://schemas.microsoft.com/office/powerpoint/2010/main" val="4230576654"/>
+        <p14:creationId xmlns:p14="http://schemas.microsoft.com/office/powerpoint/2010/main" val="1560612184"/>
       </p:ext>
     </p:extLst>
   </p:cSld>
@@ -4454,85 +7787,227 @@
       </p:grpSpPr>
       <p:sp>
         <p:nvSpPr>
-          <p:cNvPr id="2" name="Title 1">
-            <a:extLst>
-              <a:ext uri="{FF2B5EF4-FFF2-40B4-BE49-F238E27FC236}">
-                <a16:creationId xmlns:a16="http://schemas.microsoft.com/office/drawing/2014/main" id="{95D21527-C946-AA4A-A86B-64672A9C4062}"/>
-              </a:ext>
-            </a:extLst>
-          </p:cNvPr>
-          <p:cNvSpPr>
-            <a:spLocks noGrp="1"/>
-          </p:cNvSpPr>
-          <p:nvPr>
-            <p:ph type="title"/>
-          </p:nvPr>
-        </p:nvSpPr>
-        <p:spPr/>
-        <p:txBody>
-          <a:bodyPr/>
-          <a:lstStyle/>
-          <a:p>
-            <a:r>
-              <a:rPr lang="en-US" dirty="0"/>
-              <a:t>Module Learning Objectives</a:t>
-            </a:r>
-          </a:p>
-        </p:txBody>
-      </p:sp>
-      <p:sp>
-        <p:nvSpPr>
-          <p:cNvPr id="3" name="Content Placeholder 2">
-            <a:extLst>
-              <a:ext uri="{FF2B5EF4-FFF2-40B4-BE49-F238E27FC236}">
-                <a16:creationId xmlns:a16="http://schemas.microsoft.com/office/drawing/2014/main" id="{0C25DB49-A89F-5B4E-AD0A-943BBE5D864B}"/>
-              </a:ext>
-            </a:extLst>
-          </p:cNvPr>
-          <p:cNvSpPr>
-            <a:spLocks noGrp="1"/>
-          </p:cNvSpPr>
-          <p:nvPr>
-            <p:ph idx="1"/>
-          </p:nvPr>
-        </p:nvSpPr>
-        <p:spPr/>
-        <p:txBody>
-          <a:bodyPr/>
-          <a:lstStyle/>
-          <a:p>
-            <a:r>
-              <a:rPr lang="en-US" dirty="0"/>
-              <a:t>Define data parallelism and describe an example of data parallelism.</a:t>
-            </a:r>
-          </a:p>
-          <a:p>
-            <a:r>
-              <a:rPr lang="en-US" dirty="0"/>
-              <a:t>Define task parallelism and describe an example of task parallelism.</a:t>
-            </a:r>
-          </a:p>
-          <a:p>
-            <a:r>
-              <a:rPr lang="en-US" dirty="0"/>
-              <a:t>Justify data parallelism aspects of a given problem.</a:t>
-            </a:r>
-          </a:p>
-          <a:p>
-            <a:r>
-              <a:rPr lang="en-US" dirty="0"/>
-              <a:t>Justify task parallelism aspects of a given problem.</a:t>
-            </a:r>
-          </a:p>
-          <a:p>
-            <a:endParaRPr lang="en-US" dirty="0"/>
+          <p:cNvPr id="2" name="Title 1"/>
+          <p:cNvSpPr>
+            <a:spLocks noGrp="1"/>
+          </p:cNvSpPr>
+          <p:nvPr>
+            <p:ph type="ctrTitle"/>
+          </p:nvPr>
+        </p:nvSpPr>
+        <p:spPr>
+          <a:xfrm>
+            <a:off x="754743" y="0"/>
+            <a:ext cx="10682514" cy="6858000"/>
+          </a:xfrm>
+        </p:spPr>
+        <p:txBody>
+          <a:bodyPr anchor="ctr">
+            <a:noAutofit/>
+          </a:bodyPr>
+          <a:lstStyle/>
+          <a:p>
+            <a:pPr algn="l" fontAlgn="ctr"/>
+            <a:r>
+              <a:rPr lang="en-US" sz="2800" dirty="0" smtClean="0">
+                <a:latin typeface="Times New Roman" charset="0"/>
+                <a:ea typeface="Times New Roman" charset="0"/>
+                <a:cs typeface="Times New Roman" charset="0"/>
+              </a:rPr>
+              <a:t>Except where otherwise noted, this work by</a:t>
+            </a:r>
+            <a:br>
+              <a:rPr lang="en-US" sz="2800" dirty="0" smtClean="0">
+                <a:latin typeface="Times New Roman" charset="0"/>
+                <a:ea typeface="Times New Roman" charset="0"/>
+                <a:cs typeface="Times New Roman" charset="0"/>
+              </a:rPr>
+            </a:br>
+            <a:r>
+              <a:rPr lang="en-US" sz="2800" dirty="0" smtClean="0">
+                <a:latin typeface="Times New Roman" charset="0"/>
+                <a:ea typeface="Times New Roman" charset="0"/>
+                <a:cs typeface="Times New Roman" charset="0"/>
+              </a:rPr>
+              <a:t>The Shodor Education Foundation, Inc. is licensed under</a:t>
+            </a:r>
+            <a:br>
+              <a:rPr lang="en-US" sz="2800" dirty="0" smtClean="0">
+                <a:latin typeface="Times New Roman" charset="0"/>
+                <a:ea typeface="Times New Roman" charset="0"/>
+                <a:cs typeface="Times New Roman" charset="0"/>
+              </a:rPr>
+            </a:br>
+            <a:r>
+              <a:rPr lang="en-US" sz="2800" dirty="0" smtClean="0">
+                <a:latin typeface="Times New Roman" charset="0"/>
+                <a:ea typeface="Times New Roman" charset="0"/>
+                <a:cs typeface="Times New Roman" charset="0"/>
+              </a:rPr>
+              <a:t>CC BY-NC 4.0. To view a copy of this license, visit </a:t>
+            </a:r>
+            <a:r>
+              <a:rPr lang="en-US" sz="2800" dirty="0" smtClean="0">
+                <a:latin typeface="Times New Roman" charset="0"/>
+                <a:ea typeface="Times New Roman" charset="0"/>
+                <a:cs typeface="Times New Roman" charset="0"/>
+                <a:hlinkClick r:id="rId2"/>
+              </a:rPr>
+              <a:t>https://creativecommons.org/licenses/by-nc/4.0</a:t>
+            </a:r>
+            <a:r>
+              <a:rPr lang="en-US" sz="2800" dirty="0" smtClean="0">
+                <a:latin typeface="Times New Roman" charset="0"/>
+                <a:ea typeface="Times New Roman" charset="0"/>
+                <a:cs typeface="Times New Roman" charset="0"/>
+              </a:rPr>
+              <a:t/>
+            </a:r>
+            <a:br>
+              <a:rPr lang="en-US" sz="2800" dirty="0" smtClean="0">
+                <a:latin typeface="Times New Roman" charset="0"/>
+                <a:ea typeface="Times New Roman" charset="0"/>
+                <a:cs typeface="Times New Roman" charset="0"/>
+              </a:rPr>
+            </a:br>
+            <a:r>
+              <a:rPr lang="en-US" sz="2800" dirty="0" smtClean="0">
+                <a:latin typeface="Times New Roman" charset="0"/>
+                <a:ea typeface="Times New Roman" charset="0"/>
+                <a:cs typeface="Times New Roman" charset="0"/>
+              </a:rPr>
+              <a:t/>
+            </a:r>
+            <a:br>
+              <a:rPr lang="en-US" sz="2800" dirty="0" smtClean="0">
+                <a:latin typeface="Times New Roman" charset="0"/>
+                <a:ea typeface="Times New Roman" charset="0"/>
+                <a:cs typeface="Times New Roman" charset="0"/>
+              </a:rPr>
+            </a:br>
+            <a:r>
+              <a:rPr lang="en-US" sz="2800" dirty="0" smtClean="0">
+                <a:latin typeface="Times New Roman" charset="0"/>
+                <a:ea typeface="Times New Roman" charset="0"/>
+                <a:cs typeface="Times New Roman" charset="0"/>
+              </a:rPr>
+              <a:t>Browse and search the full curriculum at </a:t>
+            </a:r>
+            <a:r>
+              <a:rPr lang="en-US" sz="2800" dirty="0" smtClean="0">
+                <a:latin typeface="Times New Roman" charset="0"/>
+                <a:ea typeface="Times New Roman" charset="0"/>
+                <a:cs typeface="Times New Roman" charset="0"/>
+                <a:hlinkClick r:id="rId3"/>
+              </a:rPr>
+              <a:t>http://shodor.org/petascale/materials/semester-curriculum</a:t>
+            </a:r>
+            <a:r>
+              <a:rPr lang="en-US" sz="2800" dirty="0" smtClean="0">
+                <a:latin typeface="Times New Roman" charset="0"/>
+                <a:ea typeface="Times New Roman" charset="0"/>
+                <a:cs typeface="Times New Roman" charset="0"/>
+              </a:rPr>
+              <a:t/>
+            </a:r>
+            <a:br>
+              <a:rPr lang="en-US" sz="2800" dirty="0" smtClean="0">
+                <a:latin typeface="Times New Roman" charset="0"/>
+                <a:ea typeface="Times New Roman" charset="0"/>
+                <a:cs typeface="Times New Roman" charset="0"/>
+              </a:rPr>
+            </a:br>
+            <a:r>
+              <a:rPr lang="en-US" sz="2800" dirty="0" smtClean="0">
+                <a:latin typeface="Times New Roman" charset="0"/>
+                <a:ea typeface="Times New Roman" charset="0"/>
+                <a:cs typeface="Times New Roman" charset="0"/>
+              </a:rPr>
+              <a:t/>
+            </a:r>
+            <a:br>
+              <a:rPr lang="en-US" sz="2800" dirty="0" smtClean="0">
+                <a:latin typeface="Times New Roman" charset="0"/>
+                <a:ea typeface="Times New Roman" charset="0"/>
+                <a:cs typeface="Times New Roman" charset="0"/>
+              </a:rPr>
+            </a:br>
+            <a:r>
+              <a:rPr lang="en-US" sz="2800" dirty="0" smtClean="0">
+                <a:latin typeface="Times New Roman" charset="0"/>
+                <a:ea typeface="Times New Roman" charset="0"/>
+                <a:cs typeface="Times New Roman" charset="0"/>
+              </a:rPr>
+              <a:t>We welcome your improvements! You can submit your proposed changes to this material and the rest of the curriculum in our GitHub repository at </a:t>
+            </a:r>
+            <a:r>
+              <a:rPr lang="en-US" sz="2800" dirty="0" smtClean="0">
+                <a:latin typeface="Times New Roman" charset="0"/>
+                <a:ea typeface="Times New Roman" charset="0"/>
+                <a:cs typeface="Times New Roman" charset="0"/>
+                <a:hlinkClick r:id="rId4"/>
+              </a:rPr>
+              <a:t>https://github.com/shodor-education/petascale-semester-curriculum</a:t>
+            </a:r>
+            <a:r>
+              <a:rPr lang="en-US" sz="2800" dirty="0" smtClean="0">
+                <a:latin typeface="Times New Roman" charset="0"/>
+                <a:ea typeface="Times New Roman" charset="0"/>
+                <a:cs typeface="Times New Roman" charset="0"/>
+              </a:rPr>
+              <a:t/>
+            </a:r>
+            <a:br>
+              <a:rPr lang="en-US" sz="2800" dirty="0" smtClean="0">
+                <a:latin typeface="Times New Roman" charset="0"/>
+                <a:ea typeface="Times New Roman" charset="0"/>
+                <a:cs typeface="Times New Roman" charset="0"/>
+              </a:rPr>
+            </a:br>
+            <a:r>
+              <a:rPr lang="en-US" sz="2800" dirty="0" smtClean="0">
+                <a:latin typeface="Times New Roman" charset="0"/>
+                <a:ea typeface="Times New Roman" charset="0"/>
+                <a:cs typeface="Times New Roman" charset="0"/>
+              </a:rPr>
+              <a:t/>
+            </a:r>
+            <a:br>
+              <a:rPr lang="en-US" sz="2800" dirty="0" smtClean="0">
+                <a:latin typeface="Times New Roman" charset="0"/>
+                <a:ea typeface="Times New Roman" charset="0"/>
+                <a:cs typeface="Times New Roman" charset="0"/>
+              </a:rPr>
+            </a:br>
+            <a:r>
+              <a:rPr lang="en-US" sz="2800" dirty="0" smtClean="0">
+                <a:latin typeface="Times New Roman" charset="0"/>
+                <a:ea typeface="Times New Roman" charset="0"/>
+                <a:cs typeface="Times New Roman" charset="0"/>
+              </a:rPr>
+              <a:t>We want to hear from you! Please let us know your experiences using this material by sending email to </a:t>
+            </a:r>
+            <a:r>
+              <a:rPr lang="en-US" sz="2800" dirty="0" smtClean="0">
+                <a:latin typeface="Times New Roman" charset="0"/>
+                <a:ea typeface="Times New Roman" charset="0"/>
+                <a:cs typeface="Times New Roman" charset="0"/>
+                <a:hlinkClick r:id="rId5"/>
+              </a:rPr>
+              <a:t>petascale@shodor.org</a:t>
+            </a:r>
+            <a:endParaRPr lang="en-US" sz="3600" dirty="0">
+              <a:latin typeface="Times New Roman" charset="0"/>
+              <a:ea typeface="Times New Roman" charset="0"/>
+              <a:cs typeface="Times New Roman" charset="0"/>
+            </a:endParaRPr>
           </a:p>
         </p:txBody>
       </p:sp>
     </p:spTree>
     <p:extLst>
       <p:ext uri="{BB962C8B-B14F-4D97-AF65-F5344CB8AC3E}">
-        <p14:creationId xmlns:p14="http://schemas.microsoft.com/office/powerpoint/2010/main" val="3204156972"/>
+        <p14:creationId xmlns:p14="http://schemas.microsoft.com/office/powerpoint/2010/main" val="1991195677"/>
       </p:ext>
     </p:extLst>
   </p:cSld>
@@ -4564,7 +8039,7 @@
           <p:cNvPr id="2" name="Title 1">
             <a:extLst>
               <a:ext uri="{FF2B5EF4-FFF2-40B4-BE49-F238E27FC236}">
-                <a16:creationId xmlns:a16="http://schemas.microsoft.com/office/drawing/2014/main" id="{6B80C641-2826-EA40-96C2-AC7D61132915}"/>
+                <a16:creationId xmlns:a16="http://schemas.microsoft.com/office/drawing/2014/main" xmlns="" id="{95D21527-C946-AA4A-A86B-64672A9C4062}"/>
               </a:ext>
             </a:extLst>
           </p:cNvPr>
@@ -4581,8 +8056,16 @@
           <a:lstStyle/>
           <a:p>
             <a:r>
+              <a:rPr lang="en-US" dirty="0" smtClean="0"/>
+              <a:t>Lesson </a:t>
+            </a:r>
+            <a:r>
+              <a:rPr lang="en-US" dirty="0" smtClean="0"/>
+              <a:t>Learning </a:t>
+            </a:r>
+            <a:r>
               <a:rPr lang="en-US" dirty="0"/>
-              <a:t>Data Parallelism</a:t>
+              <a:t>Objectives</a:t>
             </a:r>
           </a:p>
         </p:txBody>
@@ -4592,7 +8075,7 @@
           <p:cNvPr id="3" name="Content Placeholder 2">
             <a:extLst>
               <a:ext uri="{FF2B5EF4-FFF2-40B4-BE49-F238E27FC236}">
-                <a16:creationId xmlns:a16="http://schemas.microsoft.com/office/drawing/2014/main" id="{1B7A09BD-F786-5F42-93F6-4659653DCA06}"/>
+                <a16:creationId xmlns:a16="http://schemas.microsoft.com/office/drawing/2014/main" xmlns="" id="{0C25DB49-A89F-5B4E-AD0A-943BBE5D864B}"/>
               </a:ext>
             </a:extLst>
           </p:cNvPr>
@@ -4603,158 +8086,43 @@
             <p:ph idx="1"/>
           </p:nvPr>
         </p:nvSpPr>
-        <p:spPr>
-          <a:xfrm>
-            <a:off x="838200" y="1825625"/>
-            <a:ext cx="6106610" cy="4351338"/>
-          </a:xfrm>
-        </p:spPr>
+        <p:spPr/>
         <p:txBody>
           <a:bodyPr/>
           <a:lstStyle/>
           <a:p>
             <a:r>
               <a:rPr lang="en-US" dirty="0"/>
-              <a:t>Data Parallelism</a:t>
-            </a:r>
-          </a:p>
-          <a:p>
-            <a:pPr lvl="1"/>
+              <a:t>Define data parallelism and describe an example of data parallelism.</a:t>
+            </a:r>
+          </a:p>
+          <a:p>
             <a:r>
               <a:rPr lang="en-US" dirty="0"/>
-              <a:t>Each processing element performs the same (or nearly same) computation on a small piece of the larger problem.</a:t>
-            </a:r>
-          </a:p>
-          <a:p>
-            <a:pPr lvl="1"/>
+              <a:t>Define task parallelism and describe an example of task parallelism.</a:t>
+            </a:r>
+          </a:p>
+          <a:p>
             <a:r>
               <a:rPr lang="en-US" dirty="0"/>
-              <a:t>Problem is broken down into smaller chunks and each processing element performs the same task on one chunk of the larger problem.</a:t>
-            </a:r>
-          </a:p>
-          <a:p>
-            <a:pPr lvl="1"/>
+              <a:t>Justify data parallelism aspects of a given problem.</a:t>
+            </a:r>
+          </a:p>
+          <a:p>
+            <a:r>
+              <a:rPr lang="en-US" dirty="0"/>
+              <a:t>Justify task parallelism aspects of a given problem.</a:t>
+            </a:r>
+          </a:p>
+          <a:p>
             <a:endParaRPr lang="en-US" dirty="0"/>
-          </a:p>
-        </p:txBody>
-      </p:sp>
-      <p:pic>
-        <p:nvPicPr>
-          <p:cNvPr id="4" name="image11.jpg">
-            <a:extLst>
-              <a:ext uri="{FF2B5EF4-FFF2-40B4-BE49-F238E27FC236}">
-                <a16:creationId xmlns:a16="http://schemas.microsoft.com/office/drawing/2014/main" id="{CBB09214-24FF-EE40-9887-76F1051A24A0}"/>
-              </a:ext>
-            </a:extLst>
-          </p:cNvPr>
-          <p:cNvPicPr>
-            <a:picLocks noChangeAspect="1"/>
-          </p:cNvPicPr>
-          <p:nvPr/>
-        </p:nvPicPr>
-        <p:blipFill rotWithShape="1">
-          <a:blip r:embed="rId3"/>
-          <a:srcRect l="7733" t="4277" r="26211" b="2386"/>
-          <a:stretch/>
-        </p:blipFill>
-        <p:spPr>
-          <a:xfrm>
-            <a:off x="7341790" y="2194957"/>
-            <a:ext cx="4299731" cy="4556700"/>
-          </a:xfrm>
-          <a:prstGeom prst="rect">
-            <a:avLst/>
-          </a:prstGeom>
-          <a:ln/>
-        </p:spPr>
-      </p:pic>
-      <p:sp>
-        <p:nvSpPr>
-          <p:cNvPr id="5" name="TextBox 4">
-            <a:extLst>
-              <a:ext uri="{FF2B5EF4-FFF2-40B4-BE49-F238E27FC236}">
-                <a16:creationId xmlns:a16="http://schemas.microsoft.com/office/drawing/2014/main" id="{152D77FD-82C1-5047-89B4-8DC88C35AFE0}"/>
-              </a:ext>
-            </a:extLst>
-          </p:cNvPr>
-          <p:cNvSpPr txBox="1"/>
-          <p:nvPr/>
-        </p:nvSpPr>
-        <p:spPr>
-          <a:xfrm>
-            <a:off x="7209538" y="1456293"/>
-            <a:ext cx="4431983" cy="738664"/>
-          </a:xfrm>
-          <a:prstGeom prst="rect">
-            <a:avLst/>
-          </a:prstGeom>
-          <a:noFill/>
-        </p:spPr>
-        <p:txBody>
-          <a:bodyPr wrap="none" rtlCol="0">
-            <a:spAutoFit/>
-          </a:bodyPr>
-          <a:lstStyle/>
-          <a:p>
-            <a:r>
-              <a:rPr lang="en-US" sz="2400" dirty="0"/>
-              <a:t>Building an addition table for 0-9: </a:t>
-            </a:r>
-          </a:p>
-          <a:p>
-            <a:r>
-              <a:rPr lang="en-US" dirty="0"/>
-              <a:t>(Adding a bunch of numbers together.)</a:t>
-            </a:r>
-          </a:p>
-        </p:txBody>
-      </p:sp>
-      <p:sp>
-        <p:nvSpPr>
-          <p:cNvPr id="6" name="TextBox 5">
-            <a:extLst>
-              <a:ext uri="{FF2B5EF4-FFF2-40B4-BE49-F238E27FC236}">
-                <a16:creationId xmlns:a16="http://schemas.microsoft.com/office/drawing/2014/main" id="{54AF32F3-3F93-1348-A4E9-7763756F8567}"/>
-              </a:ext>
-            </a:extLst>
-          </p:cNvPr>
-          <p:cNvSpPr txBox="1"/>
-          <p:nvPr/>
-        </p:nvSpPr>
-        <p:spPr>
-          <a:xfrm>
-            <a:off x="4559774" y="5401707"/>
-            <a:ext cx="2649764" cy="461665"/>
-          </a:xfrm>
-          <a:prstGeom prst="rect">
-            <a:avLst/>
-          </a:prstGeom>
-          <a:noFill/>
-        </p:spPr>
-        <p:txBody>
-          <a:bodyPr wrap="none" rtlCol="0">
-            <a:spAutoFit/>
-          </a:bodyPr>
-          <a:lstStyle/>
-          <a:p>
-            <a:r>
-              <a:rPr lang="en-US" sz="2400" dirty="0"/>
-              <a:t>Data Parallelism  </a:t>
-            </a:r>
-            <a:r>
-              <a:rPr lang="en-US" sz="2400" dirty="0">
-                <a:sym typeface="Wingdings" pitchFamily="2" charset="2"/>
-              </a:rPr>
-              <a:t></a:t>
-            </a:r>
-            <a:endParaRPr lang="en-US" sz="2400" dirty="0"/>
           </a:p>
         </p:txBody>
       </p:sp>
     </p:spTree>
     <p:extLst>
       <p:ext uri="{BB962C8B-B14F-4D97-AF65-F5344CB8AC3E}">
-        <p14:creationId xmlns:p14="http://schemas.microsoft.com/office/powerpoint/2010/main" val="3153223642"/>
+        <p14:creationId xmlns:p14="http://schemas.microsoft.com/office/powerpoint/2010/main" val="3204156972"/>
       </p:ext>
     </p:extLst>
   </p:cSld>
@@ -4786,7 +8154,7 @@
           <p:cNvPr id="2" name="Title 1">
             <a:extLst>
               <a:ext uri="{FF2B5EF4-FFF2-40B4-BE49-F238E27FC236}">
-                <a16:creationId xmlns:a16="http://schemas.microsoft.com/office/drawing/2014/main" id="{3777F6A6-10FF-D948-A97C-D7D5FC234AFF}"/>
+                <a16:creationId xmlns:a16="http://schemas.microsoft.com/office/drawing/2014/main" xmlns="" id="{6B80C641-2826-EA40-96C2-AC7D61132915}"/>
               </a:ext>
             </a:extLst>
           </p:cNvPr>
@@ -4804,7 +8172,7 @@
           <a:p>
             <a:r>
               <a:rPr lang="en-US" dirty="0"/>
-              <a:t>Task Parallelism</a:t>
+              <a:t>Data Parallelism</a:t>
             </a:r>
           </a:p>
         </p:txBody>
@@ -4814,7 +8182,7 @@
           <p:cNvPr id="3" name="Content Placeholder 2">
             <a:extLst>
               <a:ext uri="{FF2B5EF4-FFF2-40B4-BE49-F238E27FC236}">
-                <a16:creationId xmlns:a16="http://schemas.microsoft.com/office/drawing/2014/main" id="{9B1C5DFF-3BAA-504D-8C7B-6B24939B056F}"/>
+                <a16:creationId xmlns:a16="http://schemas.microsoft.com/office/drawing/2014/main" xmlns="" id="{1B7A09BD-F786-5F42-93F6-4659653DCA06}"/>
               </a:ext>
             </a:extLst>
           </p:cNvPr>
@@ -4828,7 +8196,7 @@
         <p:spPr>
           <a:xfrm>
             <a:off x="838200" y="1825625"/>
-            <a:ext cx="6814625" cy="4351338"/>
+            <a:ext cx="6106610" cy="4351338"/>
           </a:xfrm>
         </p:spPr>
         <p:txBody>
@@ -4837,39 +8205,146 @@
           <a:p>
             <a:r>
               <a:rPr lang="en-US" dirty="0"/>
-              <a:t>Task Parallelism</a:t>
+              <a:t>Data Parallelism</a:t>
             </a:r>
           </a:p>
           <a:p>
             <a:pPr lvl="1"/>
             <a:r>
               <a:rPr lang="en-US" dirty="0"/>
-              <a:t>Each processing element performs one task in solving the larger problem.</a:t>
+              <a:t>Each processing element performs the same (or nearly same) computation on a small piece of the larger problem.</a:t>
             </a:r>
           </a:p>
           <a:p>
             <a:pPr lvl="1"/>
             <a:r>
               <a:rPr lang="en-US" dirty="0"/>
-              <a:t>Each task handles all of the problem data set</a:t>
+              <a:t>Problem is broken down into smaller chunks and each processing element performs the same task on one chunk of the larger problem.</a:t>
             </a:r>
           </a:p>
           <a:p>
             <a:pPr lvl="1"/>
+            <a:endParaRPr lang="en-US" dirty="0"/>
+          </a:p>
+        </p:txBody>
+      </p:sp>
+      <p:pic>
+        <p:nvPicPr>
+          <p:cNvPr id="4" name="image11.jpg">
+            <a:extLst>
+              <a:ext uri="{FF2B5EF4-FFF2-40B4-BE49-F238E27FC236}">
+                <a16:creationId xmlns:a16="http://schemas.microsoft.com/office/drawing/2014/main" xmlns="" id="{CBB09214-24FF-EE40-9887-76F1051A24A0}"/>
+              </a:ext>
+            </a:extLst>
+          </p:cNvPr>
+          <p:cNvPicPr>
+            <a:picLocks noChangeAspect="1"/>
+          </p:cNvPicPr>
+          <p:nvPr/>
+        </p:nvPicPr>
+        <p:blipFill rotWithShape="1">
+          <a:blip r:embed="rId3"/>
+          <a:srcRect l="7733" t="4277" r="26211" b="2386"/>
+          <a:stretch/>
+        </p:blipFill>
+        <p:spPr>
+          <a:xfrm>
+            <a:off x="7341790" y="2194957"/>
+            <a:ext cx="4299731" cy="4556700"/>
+          </a:xfrm>
+          <a:prstGeom prst="rect">
+            <a:avLst/>
+          </a:prstGeom>
+          <a:ln/>
+        </p:spPr>
+      </p:pic>
+      <p:sp>
+        <p:nvSpPr>
+          <p:cNvPr id="5" name="TextBox 4">
+            <a:extLst>
+              <a:ext uri="{FF2B5EF4-FFF2-40B4-BE49-F238E27FC236}">
+                <a16:creationId xmlns:a16="http://schemas.microsoft.com/office/drawing/2014/main" xmlns="" id="{152D77FD-82C1-5047-89B4-8DC88C35AFE0}"/>
+              </a:ext>
+            </a:extLst>
+          </p:cNvPr>
+          <p:cNvSpPr txBox="1"/>
+          <p:nvPr/>
+        </p:nvSpPr>
+        <p:spPr>
+          <a:xfrm>
+            <a:off x="7209538" y="1456293"/>
+            <a:ext cx="4431983" cy="738664"/>
+          </a:xfrm>
+          <a:prstGeom prst="rect">
+            <a:avLst/>
+          </a:prstGeom>
+          <a:noFill/>
+        </p:spPr>
+        <p:txBody>
+          <a:bodyPr wrap="none" rtlCol="0">
+            <a:spAutoFit/>
+          </a:bodyPr>
+          <a:lstStyle/>
+          <a:p>
+            <a:r>
+              <a:rPr lang="en-US" sz="2400" dirty="0"/>
+              <a:t>Building an addition table for 0-9: </a:t>
+            </a:r>
+          </a:p>
+          <a:p>
             <a:r>
               <a:rPr lang="en-US" dirty="0"/>
-              <a:t>Assembly line type process</a:t>
-            </a:r>
-          </a:p>
-          <a:p>
-            <a:endParaRPr lang="en-US" dirty="0"/>
+              <a:t>(Adding a bunch of numbers together.)</a:t>
+            </a:r>
+          </a:p>
+        </p:txBody>
+      </p:sp>
+      <p:sp>
+        <p:nvSpPr>
+          <p:cNvPr id="6" name="TextBox 5">
+            <a:extLst>
+              <a:ext uri="{FF2B5EF4-FFF2-40B4-BE49-F238E27FC236}">
+                <a16:creationId xmlns:a16="http://schemas.microsoft.com/office/drawing/2014/main" xmlns="" id="{54AF32F3-3F93-1348-A4E9-7763756F8567}"/>
+              </a:ext>
+            </a:extLst>
+          </p:cNvPr>
+          <p:cNvSpPr txBox="1"/>
+          <p:nvPr/>
+        </p:nvSpPr>
+        <p:spPr>
+          <a:xfrm>
+            <a:off x="4559774" y="5401707"/>
+            <a:ext cx="2649764" cy="461665"/>
+          </a:xfrm>
+          <a:prstGeom prst="rect">
+            <a:avLst/>
+          </a:prstGeom>
+          <a:noFill/>
+        </p:spPr>
+        <p:txBody>
+          <a:bodyPr wrap="none" rtlCol="0">
+            <a:spAutoFit/>
+          </a:bodyPr>
+          <a:lstStyle/>
+          <a:p>
+            <a:r>
+              <a:rPr lang="en-US" sz="2400" dirty="0"/>
+              <a:t>Data Parallelism  </a:t>
+            </a:r>
+            <a:r>
+              <a:rPr lang="en-US" sz="2400" dirty="0">
+                <a:sym typeface="Wingdings" pitchFamily="2" charset="2"/>
+              </a:rPr>
+              <a:t></a:t>
+            </a:r>
+            <a:endParaRPr lang="en-US" sz="2400" dirty="0"/>
           </a:p>
         </p:txBody>
       </p:sp>
     </p:spTree>
     <p:extLst>
       <p:ext uri="{BB962C8B-B14F-4D97-AF65-F5344CB8AC3E}">
-        <p14:creationId xmlns:p14="http://schemas.microsoft.com/office/powerpoint/2010/main" val="3695369690"/>
+        <p14:creationId xmlns:p14="http://schemas.microsoft.com/office/powerpoint/2010/main" val="3153223642"/>
       </p:ext>
     </p:extLst>
   </p:cSld>
@@ -4901,7 +8376,7 @@
           <p:cNvPr id="2" name="Title 1">
             <a:extLst>
               <a:ext uri="{FF2B5EF4-FFF2-40B4-BE49-F238E27FC236}">
-                <a16:creationId xmlns:a16="http://schemas.microsoft.com/office/drawing/2014/main" id="{815A418C-CE0D-6843-BD08-8663DD324EEE}"/>
+                <a16:creationId xmlns:a16="http://schemas.microsoft.com/office/drawing/2014/main" xmlns="" id="{3777F6A6-10FF-D948-A97C-D7D5FC234AFF}"/>
               </a:ext>
             </a:extLst>
           </p:cNvPr>
@@ -4919,6 +8394,121 @@
           <a:p>
             <a:r>
               <a:rPr lang="en-US" dirty="0"/>
+              <a:t>Task Parallelism</a:t>
+            </a:r>
+          </a:p>
+        </p:txBody>
+      </p:sp>
+      <p:sp>
+        <p:nvSpPr>
+          <p:cNvPr id="3" name="Content Placeholder 2">
+            <a:extLst>
+              <a:ext uri="{FF2B5EF4-FFF2-40B4-BE49-F238E27FC236}">
+                <a16:creationId xmlns:a16="http://schemas.microsoft.com/office/drawing/2014/main" xmlns="" id="{9B1C5DFF-3BAA-504D-8C7B-6B24939B056F}"/>
+              </a:ext>
+            </a:extLst>
+          </p:cNvPr>
+          <p:cNvSpPr>
+            <a:spLocks noGrp="1"/>
+          </p:cNvSpPr>
+          <p:nvPr>
+            <p:ph idx="1"/>
+          </p:nvPr>
+        </p:nvSpPr>
+        <p:spPr>
+          <a:xfrm>
+            <a:off x="838200" y="1825625"/>
+            <a:ext cx="6814625" cy="4351338"/>
+          </a:xfrm>
+        </p:spPr>
+        <p:txBody>
+          <a:bodyPr/>
+          <a:lstStyle/>
+          <a:p>
+            <a:r>
+              <a:rPr lang="en-US" dirty="0"/>
+              <a:t>Task Parallelism</a:t>
+            </a:r>
+          </a:p>
+          <a:p>
+            <a:pPr lvl="1"/>
+            <a:r>
+              <a:rPr lang="en-US" dirty="0"/>
+              <a:t>Each processing element performs one task in solving the larger problem.</a:t>
+            </a:r>
+          </a:p>
+          <a:p>
+            <a:pPr lvl="1"/>
+            <a:r>
+              <a:rPr lang="en-US" dirty="0"/>
+              <a:t>Each task handles all of the problem data set</a:t>
+            </a:r>
+          </a:p>
+          <a:p>
+            <a:pPr lvl="1"/>
+            <a:r>
+              <a:rPr lang="en-US" dirty="0"/>
+              <a:t>Assembly line type process</a:t>
+            </a:r>
+          </a:p>
+          <a:p>
+            <a:endParaRPr lang="en-US" dirty="0"/>
+          </a:p>
+        </p:txBody>
+      </p:sp>
+    </p:spTree>
+    <p:extLst>
+      <p:ext uri="{BB962C8B-B14F-4D97-AF65-F5344CB8AC3E}">
+        <p14:creationId xmlns:p14="http://schemas.microsoft.com/office/powerpoint/2010/main" val="3695369690"/>
+      </p:ext>
+    </p:extLst>
+  </p:cSld>
+  <p:clrMapOvr>
+    <a:masterClrMapping/>
+  </p:clrMapOvr>
+</p:sld>
+</file>
+
+<file path=ppt/slides/slide6.xml><?xml version="1.0" encoding="utf-8"?>
+<p:sld xmlns:a="http://schemas.openxmlformats.org/drawingml/2006/main" xmlns:r="http://schemas.openxmlformats.org/officeDocument/2006/relationships" xmlns:p="http://schemas.openxmlformats.org/presentationml/2006/main">
+  <p:cSld>
+    <p:spTree>
+      <p:nvGrpSpPr>
+        <p:cNvPr id="1" name=""/>
+        <p:cNvGrpSpPr/>
+        <p:nvPr/>
+      </p:nvGrpSpPr>
+      <p:grpSpPr>
+        <a:xfrm>
+          <a:off x="0" y="0"/>
+          <a:ext cx="0" cy="0"/>
+          <a:chOff x="0" y="0"/>
+          <a:chExt cx="0" cy="0"/>
+        </a:xfrm>
+      </p:grpSpPr>
+      <p:sp>
+        <p:nvSpPr>
+          <p:cNvPr id="2" name="Title 1">
+            <a:extLst>
+              <a:ext uri="{FF2B5EF4-FFF2-40B4-BE49-F238E27FC236}">
+                <a16:creationId xmlns:a16="http://schemas.microsoft.com/office/drawing/2014/main" xmlns="" id="{815A418C-CE0D-6843-BD08-8663DD324EEE}"/>
+              </a:ext>
+            </a:extLst>
+          </p:cNvPr>
+          <p:cNvSpPr>
+            <a:spLocks noGrp="1"/>
+          </p:cNvSpPr>
+          <p:nvPr>
+            <p:ph type="title"/>
+          </p:nvPr>
+        </p:nvSpPr>
+        <p:spPr/>
+        <p:txBody>
+          <a:bodyPr/>
+          <a:lstStyle/>
+          <a:p>
+            <a:r>
+              <a:rPr lang="en-US" dirty="0"/>
               <a:t>Example 1 – Data or task parallel?  Why?</a:t>
             </a:r>
           </a:p>
@@ -4929,7 +8519,7 @@
           <p:cNvPr id="4" name="Content Placeholder 3">
             <a:extLst>
               <a:ext uri="{FF2B5EF4-FFF2-40B4-BE49-F238E27FC236}">
-                <a16:creationId xmlns:a16="http://schemas.microsoft.com/office/drawing/2014/main" id="{D146D73B-D740-4D4C-8C00-FA96CB3B5BDA}"/>
+                <a16:creationId xmlns:a16="http://schemas.microsoft.com/office/drawing/2014/main" xmlns="" id="{D146D73B-D740-4D4C-8C00-FA96CB3B5BDA}"/>
               </a:ext>
             </a:extLst>
           </p:cNvPr>
@@ -5006,7 +8596,7 @@
           <p:cNvPr id="6" name="image10.png">
             <a:extLst>
               <a:ext uri="{FF2B5EF4-FFF2-40B4-BE49-F238E27FC236}">
-                <a16:creationId xmlns:a16="http://schemas.microsoft.com/office/drawing/2014/main" id="{87B7ECC4-4F76-0747-85F8-A09931904905}"/>
+                <a16:creationId xmlns:a16="http://schemas.microsoft.com/office/drawing/2014/main" xmlns="" id="{87B7ECC4-4F76-0747-85F8-A09931904905}"/>
               </a:ext>
             </a:extLst>
           </p:cNvPr>
@@ -5044,98 +8634,6 @@
 </p:sld>
 </file>
 
-<file path=ppt/slides/slide6.xml><?xml version="1.0" encoding="utf-8"?>
-<p:sld xmlns:a="http://schemas.openxmlformats.org/drawingml/2006/main" xmlns:r="http://schemas.openxmlformats.org/officeDocument/2006/relationships" xmlns:p="http://schemas.openxmlformats.org/presentationml/2006/main">
-  <p:cSld>
-    <p:spTree>
-      <p:nvGrpSpPr>
-        <p:cNvPr id="1" name=""/>
-        <p:cNvGrpSpPr/>
-        <p:nvPr/>
-      </p:nvGrpSpPr>
-      <p:grpSpPr>
-        <a:xfrm>
-          <a:off x="0" y="0"/>
-          <a:ext cx="0" cy="0"/>
-          <a:chOff x="0" y="0"/>
-          <a:chExt cx="0" cy="0"/>
-        </a:xfrm>
-      </p:grpSpPr>
-      <p:sp>
-        <p:nvSpPr>
-          <p:cNvPr id="2" name="Title 1">
-            <a:extLst>
-              <a:ext uri="{FF2B5EF4-FFF2-40B4-BE49-F238E27FC236}">
-                <a16:creationId xmlns:a16="http://schemas.microsoft.com/office/drawing/2014/main" id="{6A3515B8-2697-0846-9963-9F933047D5EB}"/>
-              </a:ext>
-            </a:extLst>
-          </p:cNvPr>
-          <p:cNvSpPr>
-            <a:spLocks noGrp="1"/>
-          </p:cNvSpPr>
-          <p:nvPr>
-            <p:ph type="title"/>
-          </p:nvPr>
-        </p:nvSpPr>
-        <p:spPr/>
-        <p:txBody>
-          <a:bodyPr/>
-          <a:lstStyle/>
-          <a:p>
-            <a:r>
-              <a:rPr lang="en-US" dirty="0"/>
-              <a:t>Example 2 - Data or task parallel?  Why?</a:t>
-            </a:r>
-          </a:p>
-        </p:txBody>
-      </p:sp>
-      <p:sp>
-        <p:nvSpPr>
-          <p:cNvPr id="3" name="Content Placeholder 2">
-            <a:extLst>
-              <a:ext uri="{FF2B5EF4-FFF2-40B4-BE49-F238E27FC236}">
-                <a16:creationId xmlns:a16="http://schemas.microsoft.com/office/drawing/2014/main" id="{C8ACE87D-CECF-924B-95A7-B8962E469AFA}"/>
-              </a:ext>
-            </a:extLst>
-          </p:cNvPr>
-          <p:cNvSpPr>
-            <a:spLocks noGrp="1"/>
-          </p:cNvSpPr>
-          <p:nvPr>
-            <p:ph sz="half" idx="1"/>
-          </p:nvPr>
-        </p:nvSpPr>
-        <p:spPr/>
-        <p:txBody>
-          <a:bodyPr/>
-          <a:lstStyle/>
-          <a:p>
-            <a:r>
-              <a:rPr lang="en-US" dirty="0"/>
-              <a:t>Need to build 50 computers for a lab</a:t>
-            </a:r>
-          </a:p>
-          <a:p>
-            <a:r>
-              <a:rPr lang="en-US" dirty="0"/>
-              <a:t>IT has a team of 5</a:t>
-            </a:r>
-          </a:p>
-        </p:txBody>
-      </p:sp>
-    </p:spTree>
-    <p:extLst>
-      <p:ext uri="{BB962C8B-B14F-4D97-AF65-F5344CB8AC3E}">
-        <p14:creationId xmlns:p14="http://schemas.microsoft.com/office/powerpoint/2010/main" val="2600551025"/>
-      </p:ext>
-    </p:extLst>
-  </p:cSld>
-  <p:clrMapOvr>
-    <a:masterClrMapping/>
-  </p:clrMapOvr>
-</p:sld>
-</file>
-
 <file path=ppt/slides/slide7.xml><?xml version="1.0" encoding="utf-8"?>
 <p:sld xmlns:a="http://schemas.openxmlformats.org/drawingml/2006/main" xmlns:r="http://schemas.openxmlformats.org/officeDocument/2006/relationships" xmlns:p="http://schemas.openxmlformats.org/presentationml/2006/main">
   <p:cSld>
@@ -5158,7 +8656,7 @@
           <p:cNvPr id="2" name="Title 1">
             <a:extLst>
               <a:ext uri="{FF2B5EF4-FFF2-40B4-BE49-F238E27FC236}">
-                <a16:creationId xmlns:a16="http://schemas.microsoft.com/office/drawing/2014/main" id="{5EEE1811-4B8A-8440-8ACA-FBEDC727DF34}"/>
+                <a16:creationId xmlns:a16="http://schemas.microsoft.com/office/drawing/2014/main" xmlns="" id="{6A3515B8-2697-0846-9963-9F933047D5EB}"/>
               </a:ext>
             </a:extLst>
           </p:cNvPr>
@@ -5176,7 +8674,7 @@
           <a:p>
             <a:r>
               <a:rPr lang="en-US" dirty="0"/>
-              <a:t>Example 3 - Data or task parallel?  Why?</a:t>
+              <a:t>Example 2 - Data or task parallel?  Why?</a:t>
             </a:r>
           </a:p>
         </p:txBody>
@@ -5186,7 +8684,7 @@
           <p:cNvPr id="3" name="Content Placeholder 2">
             <a:extLst>
               <a:ext uri="{FF2B5EF4-FFF2-40B4-BE49-F238E27FC236}">
-                <a16:creationId xmlns:a16="http://schemas.microsoft.com/office/drawing/2014/main" id="{ADB45017-CE2B-B543-AD5C-EEDAAA6D88CF}"/>
+                <a16:creationId xmlns:a16="http://schemas.microsoft.com/office/drawing/2014/main" xmlns="" id="{C8ACE87D-CECF-924B-95A7-B8962E469AFA}"/>
               </a:ext>
             </a:extLst>
           </p:cNvPr>
@@ -5204,285 +8702,21 @@
           <a:p>
             <a:r>
               <a:rPr lang="en-US" dirty="0"/>
-              <a:t>Matrix multiplication</a:t>
+              <a:t>Need to build 50 computers for a lab</a:t>
             </a:r>
           </a:p>
           <a:p>
             <a:r>
               <a:rPr lang="en-US" dirty="0"/>
-              <a:t>Multiply 2 </a:t>
-            </a:r>
-            <a:r>
-              <a:rPr lang="en-US" i="1" dirty="0"/>
-              <a:t>n</a:t>
-            </a:r>
-            <a:r>
-              <a:rPr lang="en-US" dirty="0"/>
-              <a:t> x </a:t>
-            </a:r>
-            <a:r>
-              <a:rPr lang="en-US" i="1" dirty="0"/>
-              <a:t>n </a:t>
-            </a:r>
-            <a:r>
-              <a:rPr lang="en-US" dirty="0"/>
-              <a:t>matrices</a:t>
-            </a:r>
-          </a:p>
-        </p:txBody>
-      </p:sp>
-      <p:sp>
-        <p:nvSpPr>
-          <p:cNvPr id="5" name="Rectangle 4">
-            <a:extLst>
-              <a:ext uri="{FF2B5EF4-FFF2-40B4-BE49-F238E27FC236}">
-                <a16:creationId xmlns:a16="http://schemas.microsoft.com/office/drawing/2014/main" id="{27AAB4D5-2A5C-3940-A7A9-7FE1CBF0250D}"/>
-              </a:ext>
-            </a:extLst>
-          </p:cNvPr>
-          <p:cNvSpPr/>
-          <p:nvPr/>
-        </p:nvSpPr>
-        <p:spPr>
-          <a:xfrm>
-            <a:off x="1519311" y="3319975"/>
-            <a:ext cx="3756074" cy="2856988"/>
-          </a:xfrm>
-          <a:prstGeom prst="rect">
-            <a:avLst/>
-          </a:prstGeom>
-        </p:spPr>
-        <p:style>
-          <a:lnRef idx="2">
-            <a:schemeClr val="accent3">
-              <a:shade val="50000"/>
-            </a:schemeClr>
-          </a:lnRef>
-          <a:fillRef idx="1">
-            <a:schemeClr val="accent3"/>
-          </a:fillRef>
-          <a:effectRef idx="0">
-            <a:schemeClr val="accent3"/>
-          </a:effectRef>
-          <a:fontRef idx="minor">
-            <a:schemeClr val="lt1"/>
-          </a:fontRef>
-        </p:style>
-        <p:txBody>
-          <a:bodyPr rtlCol="0" anchor="ctr"/>
-          <a:lstStyle/>
-          <a:p>
-            <a:pPr algn="ctr"/>
-            <a:r>
-              <a:rPr lang="en-US" i="1" dirty="0"/>
-              <a:t>n</a:t>
-            </a:r>
-            <a:r>
-              <a:rPr lang="en-US" dirty="0"/>
-              <a:t> x </a:t>
-            </a:r>
-            <a:r>
-              <a:rPr lang="en-US" i="1" dirty="0"/>
-              <a:t>n</a:t>
-            </a:r>
-          </a:p>
-        </p:txBody>
-      </p:sp>
-      <p:sp>
-        <p:nvSpPr>
-          <p:cNvPr id="7" name="Rectangle 6">
-            <a:extLst>
-              <a:ext uri="{FF2B5EF4-FFF2-40B4-BE49-F238E27FC236}">
-                <a16:creationId xmlns:a16="http://schemas.microsoft.com/office/drawing/2014/main" id="{8EF7996A-AABC-9C42-A76C-CA219B4DE974}"/>
-              </a:ext>
-            </a:extLst>
-          </p:cNvPr>
-          <p:cNvSpPr/>
-          <p:nvPr/>
-        </p:nvSpPr>
-        <p:spPr>
-          <a:xfrm>
-            <a:off x="1519311" y="3319975"/>
-            <a:ext cx="3756074" cy="337625"/>
-          </a:xfrm>
-          <a:prstGeom prst="rect">
-            <a:avLst/>
-          </a:prstGeom>
-        </p:spPr>
-        <p:style>
-          <a:lnRef idx="2">
-            <a:schemeClr val="dk1">
-              <a:shade val="50000"/>
-            </a:schemeClr>
-          </a:lnRef>
-          <a:fillRef idx="1">
-            <a:schemeClr val="dk1"/>
-          </a:fillRef>
-          <a:effectRef idx="0">
-            <a:schemeClr val="dk1"/>
-          </a:effectRef>
-          <a:fontRef idx="minor">
-            <a:schemeClr val="lt1"/>
-          </a:fontRef>
-        </p:style>
-        <p:txBody>
-          <a:bodyPr rtlCol="0" anchor="ctr"/>
-          <a:lstStyle/>
-          <a:p>
-            <a:pPr algn="ctr"/>
-            <a:r>
-              <a:rPr lang="en-US" dirty="0"/>
-              <a:t>Row</a:t>
-            </a:r>
-          </a:p>
-        </p:txBody>
-      </p:sp>
-      <p:sp>
-        <p:nvSpPr>
-          <p:cNvPr id="8" name="Rectangle 7">
-            <a:extLst>
-              <a:ext uri="{FF2B5EF4-FFF2-40B4-BE49-F238E27FC236}">
-                <a16:creationId xmlns:a16="http://schemas.microsoft.com/office/drawing/2014/main" id="{E464FC21-9604-A143-872D-B7B08A9DAA9F}"/>
-              </a:ext>
-            </a:extLst>
-          </p:cNvPr>
-          <p:cNvSpPr/>
-          <p:nvPr/>
-        </p:nvSpPr>
-        <p:spPr>
-          <a:xfrm>
-            <a:off x="6172202" y="3319975"/>
-            <a:ext cx="3756074" cy="2856988"/>
-          </a:xfrm>
-          <a:prstGeom prst="rect">
-            <a:avLst/>
-          </a:prstGeom>
-        </p:spPr>
-        <p:style>
-          <a:lnRef idx="2">
-            <a:schemeClr val="accent3">
-              <a:shade val="50000"/>
-            </a:schemeClr>
-          </a:lnRef>
-          <a:fillRef idx="1">
-            <a:schemeClr val="accent3"/>
-          </a:fillRef>
-          <a:effectRef idx="0">
-            <a:schemeClr val="accent3"/>
-          </a:effectRef>
-          <a:fontRef idx="minor">
-            <a:schemeClr val="lt1"/>
-          </a:fontRef>
-        </p:style>
-        <p:txBody>
-          <a:bodyPr rtlCol="0" anchor="ctr"/>
-          <a:lstStyle/>
-          <a:p>
-            <a:pPr algn="ctr"/>
-            <a:r>
-              <a:rPr lang="en-US" i="1" dirty="0"/>
-              <a:t>n</a:t>
-            </a:r>
-            <a:r>
-              <a:rPr lang="en-US" dirty="0"/>
-              <a:t> x </a:t>
-            </a:r>
-            <a:r>
-              <a:rPr lang="en-US" i="1" dirty="0"/>
-              <a:t>n</a:t>
-            </a:r>
-          </a:p>
-        </p:txBody>
-      </p:sp>
-      <p:sp>
-        <p:nvSpPr>
-          <p:cNvPr id="9" name="Rectangle 8">
-            <a:extLst>
-              <a:ext uri="{FF2B5EF4-FFF2-40B4-BE49-F238E27FC236}">
-                <a16:creationId xmlns:a16="http://schemas.microsoft.com/office/drawing/2014/main" id="{0CF0AA78-AA68-0040-8F06-9F19EBEEA09F}"/>
-              </a:ext>
-            </a:extLst>
-          </p:cNvPr>
-          <p:cNvSpPr/>
-          <p:nvPr/>
-        </p:nvSpPr>
-        <p:spPr>
-          <a:xfrm>
-            <a:off x="6172202" y="3319975"/>
-            <a:ext cx="341140" cy="2856988"/>
-          </a:xfrm>
-          <a:prstGeom prst="rect">
-            <a:avLst/>
-          </a:prstGeom>
-        </p:spPr>
-        <p:style>
-          <a:lnRef idx="2">
-            <a:schemeClr val="dk1">
-              <a:shade val="50000"/>
-            </a:schemeClr>
-          </a:lnRef>
-          <a:fillRef idx="1">
-            <a:schemeClr val="dk1"/>
-          </a:fillRef>
-          <a:effectRef idx="0">
-            <a:schemeClr val="dk1"/>
-          </a:effectRef>
-          <a:fontRef idx="minor">
-            <a:schemeClr val="lt1"/>
-          </a:fontRef>
-        </p:style>
-        <p:txBody>
-          <a:bodyPr rtlCol="0" anchor="ctr"/>
-          <a:lstStyle/>
-          <a:p>
-            <a:pPr algn="ctr"/>
-            <a:r>
-              <a:rPr lang="en-US" dirty="0"/>
-              <a:t>Column</a:t>
-            </a:r>
-          </a:p>
-        </p:txBody>
-      </p:sp>
-      <p:sp>
-        <p:nvSpPr>
-          <p:cNvPr id="10" name="TextBox 9">
-            <a:extLst>
-              <a:ext uri="{FF2B5EF4-FFF2-40B4-BE49-F238E27FC236}">
-                <a16:creationId xmlns:a16="http://schemas.microsoft.com/office/drawing/2014/main" id="{DA0F844B-4EEE-D742-8C02-F5C88A2DECD2}"/>
-              </a:ext>
-            </a:extLst>
-          </p:cNvPr>
-          <p:cNvSpPr txBox="1"/>
-          <p:nvPr/>
-        </p:nvSpPr>
-        <p:spPr>
-          <a:xfrm>
-            <a:off x="5560234" y="4425303"/>
-            <a:ext cx="396262" cy="646331"/>
-          </a:xfrm>
-          <a:prstGeom prst="rect">
-            <a:avLst/>
-          </a:prstGeom>
-          <a:noFill/>
-        </p:spPr>
-        <p:txBody>
-          <a:bodyPr wrap="none" rtlCol="0">
-            <a:spAutoFit/>
-          </a:bodyPr>
-          <a:lstStyle/>
-          <a:p>
-            <a:r>
-              <a:rPr lang="en-US" sz="3600" b="1" dirty="0"/>
-              <a:t>x</a:t>
-            </a:r>
-            <a:endParaRPr lang="en-US" b="1" dirty="0"/>
+              <a:t>IT has a team of 5</a:t>
+            </a:r>
           </a:p>
         </p:txBody>
       </p:sp>
     </p:spTree>
     <p:extLst>
       <p:ext uri="{BB962C8B-B14F-4D97-AF65-F5344CB8AC3E}">
-        <p14:creationId xmlns:p14="http://schemas.microsoft.com/office/powerpoint/2010/main" val="2110380010"/>
+        <p14:creationId xmlns:p14="http://schemas.microsoft.com/office/powerpoint/2010/main" val="2600551025"/>
       </p:ext>
     </p:extLst>
   </p:cSld>
@@ -5514,7 +8748,7 @@
           <p:cNvPr id="2" name="Title 1">
             <a:extLst>
               <a:ext uri="{FF2B5EF4-FFF2-40B4-BE49-F238E27FC236}">
-                <a16:creationId xmlns:a16="http://schemas.microsoft.com/office/drawing/2014/main" id="{FB9BFDEB-DE6A-984A-B311-6B9B650F1C57}"/>
+                <a16:creationId xmlns:a16="http://schemas.microsoft.com/office/drawing/2014/main" xmlns="" id="{5EEE1811-4B8A-8440-8ACA-FBEDC727DF34}"/>
               </a:ext>
             </a:extLst>
           </p:cNvPr>
@@ -5532,6 +8766,362 @@
           <a:p>
             <a:r>
               <a:rPr lang="en-US" dirty="0"/>
+              <a:t>Example 3 - Data or task parallel?  Why?</a:t>
+            </a:r>
+          </a:p>
+        </p:txBody>
+      </p:sp>
+      <p:sp>
+        <p:nvSpPr>
+          <p:cNvPr id="3" name="Content Placeholder 2">
+            <a:extLst>
+              <a:ext uri="{FF2B5EF4-FFF2-40B4-BE49-F238E27FC236}">
+                <a16:creationId xmlns:a16="http://schemas.microsoft.com/office/drawing/2014/main" xmlns="" id="{ADB45017-CE2B-B543-AD5C-EEDAAA6D88CF}"/>
+              </a:ext>
+            </a:extLst>
+          </p:cNvPr>
+          <p:cNvSpPr>
+            <a:spLocks noGrp="1"/>
+          </p:cNvSpPr>
+          <p:nvPr>
+            <p:ph sz="half" idx="1"/>
+          </p:nvPr>
+        </p:nvSpPr>
+        <p:spPr/>
+        <p:txBody>
+          <a:bodyPr/>
+          <a:lstStyle/>
+          <a:p>
+            <a:r>
+              <a:rPr lang="en-US" dirty="0"/>
+              <a:t>Matrix multiplication</a:t>
+            </a:r>
+          </a:p>
+          <a:p>
+            <a:r>
+              <a:rPr lang="en-US" dirty="0"/>
+              <a:t>Multiply 2 </a:t>
+            </a:r>
+            <a:r>
+              <a:rPr lang="en-US" i="1" dirty="0"/>
+              <a:t>n</a:t>
+            </a:r>
+            <a:r>
+              <a:rPr lang="en-US" dirty="0"/>
+              <a:t> x </a:t>
+            </a:r>
+            <a:r>
+              <a:rPr lang="en-US" i="1" dirty="0"/>
+              <a:t>n </a:t>
+            </a:r>
+            <a:r>
+              <a:rPr lang="en-US" dirty="0"/>
+              <a:t>matrices</a:t>
+            </a:r>
+          </a:p>
+        </p:txBody>
+      </p:sp>
+      <p:sp>
+        <p:nvSpPr>
+          <p:cNvPr id="5" name="Rectangle 4">
+            <a:extLst>
+              <a:ext uri="{FF2B5EF4-FFF2-40B4-BE49-F238E27FC236}">
+                <a16:creationId xmlns:a16="http://schemas.microsoft.com/office/drawing/2014/main" xmlns="" id="{27AAB4D5-2A5C-3940-A7A9-7FE1CBF0250D}"/>
+              </a:ext>
+            </a:extLst>
+          </p:cNvPr>
+          <p:cNvSpPr/>
+          <p:nvPr/>
+        </p:nvSpPr>
+        <p:spPr>
+          <a:xfrm>
+            <a:off x="1519311" y="3319975"/>
+            <a:ext cx="3756074" cy="2856988"/>
+          </a:xfrm>
+          <a:prstGeom prst="rect">
+            <a:avLst/>
+          </a:prstGeom>
+        </p:spPr>
+        <p:style>
+          <a:lnRef idx="2">
+            <a:schemeClr val="accent3">
+              <a:shade val="50000"/>
+            </a:schemeClr>
+          </a:lnRef>
+          <a:fillRef idx="1">
+            <a:schemeClr val="accent3"/>
+          </a:fillRef>
+          <a:effectRef idx="0">
+            <a:schemeClr val="accent3"/>
+          </a:effectRef>
+          <a:fontRef idx="minor">
+            <a:schemeClr val="lt1"/>
+          </a:fontRef>
+        </p:style>
+        <p:txBody>
+          <a:bodyPr rtlCol="0" anchor="ctr"/>
+          <a:lstStyle/>
+          <a:p>
+            <a:pPr algn="ctr"/>
+            <a:r>
+              <a:rPr lang="en-US" i="1" dirty="0"/>
+              <a:t>n</a:t>
+            </a:r>
+            <a:r>
+              <a:rPr lang="en-US" dirty="0"/>
+              <a:t> x </a:t>
+            </a:r>
+            <a:r>
+              <a:rPr lang="en-US" i="1" dirty="0"/>
+              <a:t>n</a:t>
+            </a:r>
+          </a:p>
+        </p:txBody>
+      </p:sp>
+      <p:sp>
+        <p:nvSpPr>
+          <p:cNvPr id="7" name="Rectangle 6">
+            <a:extLst>
+              <a:ext uri="{FF2B5EF4-FFF2-40B4-BE49-F238E27FC236}">
+                <a16:creationId xmlns:a16="http://schemas.microsoft.com/office/drawing/2014/main" xmlns="" id="{8EF7996A-AABC-9C42-A76C-CA219B4DE974}"/>
+              </a:ext>
+            </a:extLst>
+          </p:cNvPr>
+          <p:cNvSpPr/>
+          <p:nvPr/>
+        </p:nvSpPr>
+        <p:spPr>
+          <a:xfrm>
+            <a:off x="1519311" y="3319975"/>
+            <a:ext cx="3756074" cy="337625"/>
+          </a:xfrm>
+          <a:prstGeom prst="rect">
+            <a:avLst/>
+          </a:prstGeom>
+        </p:spPr>
+        <p:style>
+          <a:lnRef idx="2">
+            <a:schemeClr val="dk1">
+              <a:shade val="50000"/>
+            </a:schemeClr>
+          </a:lnRef>
+          <a:fillRef idx="1">
+            <a:schemeClr val="dk1"/>
+          </a:fillRef>
+          <a:effectRef idx="0">
+            <a:schemeClr val="dk1"/>
+          </a:effectRef>
+          <a:fontRef idx="minor">
+            <a:schemeClr val="lt1"/>
+          </a:fontRef>
+        </p:style>
+        <p:txBody>
+          <a:bodyPr rtlCol="0" anchor="ctr"/>
+          <a:lstStyle/>
+          <a:p>
+            <a:pPr algn="ctr"/>
+            <a:r>
+              <a:rPr lang="en-US" dirty="0"/>
+              <a:t>Row</a:t>
+            </a:r>
+          </a:p>
+        </p:txBody>
+      </p:sp>
+      <p:sp>
+        <p:nvSpPr>
+          <p:cNvPr id="8" name="Rectangle 7">
+            <a:extLst>
+              <a:ext uri="{FF2B5EF4-FFF2-40B4-BE49-F238E27FC236}">
+                <a16:creationId xmlns:a16="http://schemas.microsoft.com/office/drawing/2014/main" xmlns="" id="{E464FC21-9604-A143-872D-B7B08A9DAA9F}"/>
+              </a:ext>
+            </a:extLst>
+          </p:cNvPr>
+          <p:cNvSpPr/>
+          <p:nvPr/>
+        </p:nvSpPr>
+        <p:spPr>
+          <a:xfrm>
+            <a:off x="6172202" y="3319975"/>
+            <a:ext cx="3756074" cy="2856988"/>
+          </a:xfrm>
+          <a:prstGeom prst="rect">
+            <a:avLst/>
+          </a:prstGeom>
+        </p:spPr>
+        <p:style>
+          <a:lnRef idx="2">
+            <a:schemeClr val="accent3">
+              <a:shade val="50000"/>
+            </a:schemeClr>
+          </a:lnRef>
+          <a:fillRef idx="1">
+            <a:schemeClr val="accent3"/>
+          </a:fillRef>
+          <a:effectRef idx="0">
+            <a:schemeClr val="accent3"/>
+          </a:effectRef>
+          <a:fontRef idx="minor">
+            <a:schemeClr val="lt1"/>
+          </a:fontRef>
+        </p:style>
+        <p:txBody>
+          <a:bodyPr rtlCol="0" anchor="ctr"/>
+          <a:lstStyle/>
+          <a:p>
+            <a:pPr algn="ctr"/>
+            <a:r>
+              <a:rPr lang="en-US" i="1" dirty="0"/>
+              <a:t>n</a:t>
+            </a:r>
+            <a:r>
+              <a:rPr lang="en-US" dirty="0"/>
+              <a:t> x </a:t>
+            </a:r>
+            <a:r>
+              <a:rPr lang="en-US" i="1" dirty="0"/>
+              <a:t>n</a:t>
+            </a:r>
+          </a:p>
+        </p:txBody>
+      </p:sp>
+      <p:sp>
+        <p:nvSpPr>
+          <p:cNvPr id="9" name="Rectangle 8">
+            <a:extLst>
+              <a:ext uri="{FF2B5EF4-FFF2-40B4-BE49-F238E27FC236}">
+                <a16:creationId xmlns:a16="http://schemas.microsoft.com/office/drawing/2014/main" xmlns="" id="{0CF0AA78-AA68-0040-8F06-9F19EBEEA09F}"/>
+              </a:ext>
+            </a:extLst>
+          </p:cNvPr>
+          <p:cNvSpPr/>
+          <p:nvPr/>
+        </p:nvSpPr>
+        <p:spPr>
+          <a:xfrm>
+            <a:off x="6172202" y="3319975"/>
+            <a:ext cx="341140" cy="2856988"/>
+          </a:xfrm>
+          <a:prstGeom prst="rect">
+            <a:avLst/>
+          </a:prstGeom>
+        </p:spPr>
+        <p:style>
+          <a:lnRef idx="2">
+            <a:schemeClr val="dk1">
+              <a:shade val="50000"/>
+            </a:schemeClr>
+          </a:lnRef>
+          <a:fillRef idx="1">
+            <a:schemeClr val="dk1"/>
+          </a:fillRef>
+          <a:effectRef idx="0">
+            <a:schemeClr val="dk1"/>
+          </a:effectRef>
+          <a:fontRef idx="minor">
+            <a:schemeClr val="lt1"/>
+          </a:fontRef>
+        </p:style>
+        <p:txBody>
+          <a:bodyPr rtlCol="0" anchor="ctr"/>
+          <a:lstStyle/>
+          <a:p>
+            <a:pPr algn="ctr"/>
+            <a:r>
+              <a:rPr lang="en-US" dirty="0"/>
+              <a:t>Column</a:t>
+            </a:r>
+          </a:p>
+        </p:txBody>
+      </p:sp>
+      <p:sp>
+        <p:nvSpPr>
+          <p:cNvPr id="10" name="TextBox 9">
+            <a:extLst>
+              <a:ext uri="{FF2B5EF4-FFF2-40B4-BE49-F238E27FC236}">
+                <a16:creationId xmlns:a16="http://schemas.microsoft.com/office/drawing/2014/main" xmlns="" id="{DA0F844B-4EEE-D742-8C02-F5C88A2DECD2}"/>
+              </a:ext>
+            </a:extLst>
+          </p:cNvPr>
+          <p:cNvSpPr txBox="1"/>
+          <p:nvPr/>
+        </p:nvSpPr>
+        <p:spPr>
+          <a:xfrm>
+            <a:off x="5560234" y="4425303"/>
+            <a:ext cx="396262" cy="646331"/>
+          </a:xfrm>
+          <a:prstGeom prst="rect">
+            <a:avLst/>
+          </a:prstGeom>
+          <a:noFill/>
+        </p:spPr>
+        <p:txBody>
+          <a:bodyPr wrap="none" rtlCol="0">
+            <a:spAutoFit/>
+          </a:bodyPr>
+          <a:lstStyle/>
+          <a:p>
+            <a:r>
+              <a:rPr lang="en-US" sz="3600" b="1" dirty="0"/>
+              <a:t>x</a:t>
+            </a:r>
+            <a:endParaRPr lang="en-US" b="1" dirty="0"/>
+          </a:p>
+        </p:txBody>
+      </p:sp>
+    </p:spTree>
+    <p:extLst>
+      <p:ext uri="{BB962C8B-B14F-4D97-AF65-F5344CB8AC3E}">
+        <p14:creationId xmlns:p14="http://schemas.microsoft.com/office/powerpoint/2010/main" val="2110380010"/>
+      </p:ext>
+    </p:extLst>
+  </p:cSld>
+  <p:clrMapOvr>
+    <a:masterClrMapping/>
+  </p:clrMapOvr>
+</p:sld>
+</file>
+
+<file path=ppt/slides/slide9.xml><?xml version="1.0" encoding="utf-8"?>
+<p:sld xmlns:a="http://schemas.openxmlformats.org/drawingml/2006/main" xmlns:r="http://schemas.openxmlformats.org/officeDocument/2006/relationships" xmlns:p="http://schemas.openxmlformats.org/presentationml/2006/main">
+  <p:cSld>
+    <p:spTree>
+      <p:nvGrpSpPr>
+        <p:cNvPr id="1" name=""/>
+        <p:cNvGrpSpPr/>
+        <p:nvPr/>
+      </p:nvGrpSpPr>
+      <p:grpSpPr>
+        <a:xfrm>
+          <a:off x="0" y="0"/>
+          <a:ext cx="0" cy="0"/>
+          <a:chOff x="0" y="0"/>
+          <a:chExt cx="0" cy="0"/>
+        </a:xfrm>
+      </p:grpSpPr>
+      <p:sp>
+        <p:nvSpPr>
+          <p:cNvPr id="2" name="Title 1">
+            <a:extLst>
+              <a:ext uri="{FF2B5EF4-FFF2-40B4-BE49-F238E27FC236}">
+                <a16:creationId xmlns:a16="http://schemas.microsoft.com/office/drawing/2014/main" xmlns="" id="{FB9BFDEB-DE6A-984A-B311-6B9B650F1C57}"/>
+              </a:ext>
+            </a:extLst>
+          </p:cNvPr>
+          <p:cNvSpPr>
+            <a:spLocks noGrp="1"/>
+          </p:cNvSpPr>
+          <p:nvPr>
+            <p:ph type="title"/>
+          </p:nvPr>
+        </p:nvSpPr>
+        <p:spPr/>
+        <p:txBody>
+          <a:bodyPr/>
+          <a:lstStyle/>
+          <a:p>
+            <a:r>
+              <a:rPr lang="en-US" dirty="0"/>
               <a:t>Summary</a:t>
             </a:r>
           </a:p>
@@ -5542,7 +9132,7 @@
           <p:cNvPr id="5" name="Content Placeholder 4">
             <a:extLst>
               <a:ext uri="{FF2B5EF4-FFF2-40B4-BE49-F238E27FC236}">
-                <a16:creationId xmlns:a16="http://schemas.microsoft.com/office/drawing/2014/main" id="{1E3300B2-A75A-E345-A31B-F6AEF80B18DE}"/>
+                <a16:creationId xmlns:a16="http://schemas.microsoft.com/office/drawing/2014/main" xmlns="" id="{1E3300B2-A75A-E345-A31B-F6AEF80B18DE}"/>
               </a:ext>
             </a:extLst>
           </p:cNvPr>
@@ -5922,6 +9512,267 @@
 </file>
 
 <file path=ppt/theme/theme2.xml><?xml version="1.0" encoding="utf-8"?>
+<a:theme xmlns:a="http://schemas.openxmlformats.org/drawingml/2006/main" name="1_Office Theme">
+  <a:themeElements>
+    <a:clrScheme name="Office">
+      <a:dk1>
+        <a:sysClr val="windowText" lastClr="000000"/>
+      </a:dk1>
+      <a:lt1>
+        <a:sysClr val="window" lastClr="FFFFFF"/>
+      </a:lt1>
+      <a:dk2>
+        <a:srgbClr val="44546A"/>
+      </a:dk2>
+      <a:lt2>
+        <a:srgbClr val="E7E6E6"/>
+      </a:lt2>
+      <a:accent1>
+        <a:srgbClr val="4472C4"/>
+      </a:accent1>
+      <a:accent2>
+        <a:srgbClr val="ED7D31"/>
+      </a:accent2>
+      <a:accent3>
+        <a:srgbClr val="A5A5A5"/>
+      </a:accent3>
+      <a:accent4>
+        <a:srgbClr val="FFC000"/>
+      </a:accent4>
+      <a:accent5>
+        <a:srgbClr val="5B9BD5"/>
+      </a:accent5>
+      <a:accent6>
+        <a:srgbClr val="70AD47"/>
+      </a:accent6>
+      <a:hlink>
+        <a:srgbClr val="0563C1"/>
+      </a:hlink>
+      <a:folHlink>
+        <a:srgbClr val="954F72"/>
+      </a:folHlink>
+    </a:clrScheme>
+    <a:fontScheme name="Office">
+      <a:majorFont>
+        <a:latin typeface="Calibri Light" panose="020F0302020204030204"/>
+        <a:ea typeface=""/>
+        <a:cs typeface=""/>
+        <a:font script="Jpan" typeface="Yu Gothic Light"/>
+        <a:font script="Hang" typeface="맑은 고딕"/>
+        <a:font script="Hans" typeface="DengXian Light"/>
+        <a:font script="Hant" typeface="新細明體"/>
+        <a:font script="Arab" typeface="Times New Roman"/>
+        <a:font script="Hebr" typeface="Times New Roman"/>
+        <a:font script="Thai" typeface="Angsana New"/>
+        <a:font script="Ethi" typeface="Nyala"/>
+        <a:font script="Beng" typeface="Vrinda"/>
+        <a:font script="Gujr" typeface="Shruti"/>
+        <a:font script="Khmr" typeface="MoolBoran"/>
+        <a:font script="Knda" typeface="Tunga"/>
+        <a:font script="Guru" typeface="Raavi"/>
+        <a:font script="Cans" typeface="Euphemia"/>
+        <a:font script="Cher" typeface="Plantagenet Cherokee"/>
+        <a:font script="Yiii" typeface="Microsoft Yi Baiti"/>
+        <a:font script="Tibt" typeface="Microsoft Himalaya"/>
+        <a:font script="Thaa" typeface="MV Boli"/>
+        <a:font script="Deva" typeface="Mangal"/>
+        <a:font script="Telu" typeface="Gautami"/>
+        <a:font script="Taml" typeface="Latha"/>
+        <a:font script="Syrc" typeface="Estrangelo Edessa"/>
+        <a:font script="Orya" typeface="Kalinga"/>
+        <a:font script="Mlym" typeface="Kartika"/>
+        <a:font script="Laoo" typeface="DokChampa"/>
+        <a:font script="Sinh" typeface="Iskoola Pota"/>
+        <a:font script="Mong" typeface="Mongolian Baiti"/>
+        <a:font script="Viet" typeface="Times New Roman"/>
+        <a:font script="Uigh" typeface="Microsoft Uighur"/>
+        <a:font script="Geor" typeface="Sylfaen"/>
+      </a:majorFont>
+      <a:minorFont>
+        <a:latin typeface="Calibri" panose="020F0502020204030204"/>
+        <a:ea typeface=""/>
+        <a:cs typeface=""/>
+        <a:font script="Jpan" typeface="Yu Gothic"/>
+        <a:font script="Hang" typeface="맑은 고딕"/>
+        <a:font script="Hans" typeface="DengXian"/>
+        <a:font script="Hant" typeface="新細明體"/>
+        <a:font script="Arab" typeface="Arial"/>
+        <a:font script="Hebr" typeface="Arial"/>
+        <a:font script="Thai" typeface="Cordia New"/>
+        <a:font script="Ethi" typeface="Nyala"/>
+        <a:font script="Beng" typeface="Vrinda"/>
+        <a:font script="Gujr" typeface="Shruti"/>
+        <a:font script="Khmr" typeface="DaunPenh"/>
+        <a:font script="Knda" typeface="Tunga"/>
+        <a:font script="Guru" typeface="Raavi"/>
+        <a:font script="Cans" typeface="Euphemia"/>
+        <a:font script="Cher" typeface="Plantagenet Cherokee"/>
+        <a:font script="Yiii" typeface="Microsoft Yi Baiti"/>
+        <a:font script="Tibt" typeface="Microsoft Himalaya"/>
+        <a:font script="Thaa" typeface="MV Boli"/>
+        <a:font script="Deva" typeface="Mangal"/>
+        <a:font script="Telu" typeface="Gautami"/>
+        <a:font script="Taml" typeface="Latha"/>
+        <a:font script="Syrc" typeface="Estrangelo Edessa"/>
+        <a:font script="Orya" typeface="Kalinga"/>
+        <a:font script="Mlym" typeface="Kartika"/>
+        <a:font script="Laoo" typeface="DokChampa"/>
+        <a:font script="Sinh" typeface="Iskoola Pota"/>
+        <a:font script="Mong" typeface="Mongolian Baiti"/>
+        <a:font script="Viet" typeface="Arial"/>
+        <a:font script="Uigh" typeface="Microsoft Uighur"/>
+        <a:font script="Geor" typeface="Sylfaen"/>
+      </a:minorFont>
+    </a:fontScheme>
+    <a:fmtScheme name="Office">
+      <a:fillStyleLst>
+        <a:solidFill>
+          <a:schemeClr val="phClr"/>
+        </a:solidFill>
+        <a:gradFill rotWithShape="1">
+          <a:gsLst>
+            <a:gs pos="0">
+              <a:schemeClr val="phClr">
+                <a:lumMod val="110000"/>
+                <a:satMod val="105000"/>
+                <a:tint val="67000"/>
+              </a:schemeClr>
+            </a:gs>
+            <a:gs pos="50000">
+              <a:schemeClr val="phClr">
+                <a:lumMod val="105000"/>
+                <a:satMod val="103000"/>
+                <a:tint val="73000"/>
+              </a:schemeClr>
+            </a:gs>
+            <a:gs pos="100000">
+              <a:schemeClr val="phClr">
+                <a:lumMod val="105000"/>
+                <a:satMod val="109000"/>
+                <a:tint val="81000"/>
+              </a:schemeClr>
+            </a:gs>
+          </a:gsLst>
+          <a:lin ang="5400000" scaled="0"/>
+        </a:gradFill>
+        <a:gradFill rotWithShape="1">
+          <a:gsLst>
+            <a:gs pos="0">
+              <a:schemeClr val="phClr">
+                <a:satMod val="103000"/>
+                <a:lumMod val="102000"/>
+                <a:tint val="94000"/>
+              </a:schemeClr>
+            </a:gs>
+            <a:gs pos="50000">
+              <a:schemeClr val="phClr">
+                <a:satMod val="110000"/>
+                <a:lumMod val="100000"/>
+                <a:shade val="100000"/>
+              </a:schemeClr>
+            </a:gs>
+            <a:gs pos="100000">
+              <a:schemeClr val="phClr">
+                <a:lumMod val="99000"/>
+                <a:satMod val="120000"/>
+                <a:shade val="78000"/>
+              </a:schemeClr>
+            </a:gs>
+          </a:gsLst>
+          <a:lin ang="5400000" scaled="0"/>
+        </a:gradFill>
+      </a:fillStyleLst>
+      <a:lnStyleLst>
+        <a:ln w="6350" cap="flat" cmpd="sng" algn="ctr">
+          <a:solidFill>
+            <a:schemeClr val="phClr"/>
+          </a:solidFill>
+          <a:prstDash val="solid"/>
+          <a:miter lim="800000"/>
+        </a:ln>
+        <a:ln w="12700" cap="flat" cmpd="sng" algn="ctr">
+          <a:solidFill>
+            <a:schemeClr val="phClr"/>
+          </a:solidFill>
+          <a:prstDash val="solid"/>
+          <a:miter lim="800000"/>
+        </a:ln>
+        <a:ln w="19050" cap="flat" cmpd="sng" algn="ctr">
+          <a:solidFill>
+            <a:schemeClr val="phClr"/>
+          </a:solidFill>
+          <a:prstDash val="solid"/>
+          <a:miter lim="800000"/>
+        </a:ln>
+      </a:lnStyleLst>
+      <a:effectStyleLst>
+        <a:effectStyle>
+          <a:effectLst/>
+        </a:effectStyle>
+        <a:effectStyle>
+          <a:effectLst/>
+        </a:effectStyle>
+        <a:effectStyle>
+          <a:effectLst>
+            <a:outerShdw blurRad="57150" dist="19050" dir="5400000" algn="ctr" rotWithShape="0">
+              <a:srgbClr val="000000">
+                <a:alpha val="63000"/>
+              </a:srgbClr>
+            </a:outerShdw>
+          </a:effectLst>
+        </a:effectStyle>
+      </a:effectStyleLst>
+      <a:bgFillStyleLst>
+        <a:solidFill>
+          <a:schemeClr val="phClr"/>
+        </a:solidFill>
+        <a:solidFill>
+          <a:schemeClr val="phClr">
+            <a:tint val="95000"/>
+            <a:satMod val="170000"/>
+          </a:schemeClr>
+        </a:solidFill>
+        <a:gradFill rotWithShape="1">
+          <a:gsLst>
+            <a:gs pos="0">
+              <a:schemeClr val="phClr">
+                <a:tint val="93000"/>
+                <a:satMod val="150000"/>
+                <a:shade val="98000"/>
+                <a:lumMod val="102000"/>
+              </a:schemeClr>
+            </a:gs>
+            <a:gs pos="50000">
+              <a:schemeClr val="phClr">
+                <a:tint val="98000"/>
+                <a:satMod val="130000"/>
+                <a:shade val="90000"/>
+                <a:lumMod val="103000"/>
+              </a:schemeClr>
+            </a:gs>
+            <a:gs pos="100000">
+              <a:schemeClr val="phClr">
+                <a:shade val="63000"/>
+                <a:satMod val="120000"/>
+              </a:schemeClr>
+            </a:gs>
+          </a:gsLst>
+          <a:lin ang="5400000" scaled="0"/>
+        </a:gradFill>
+      </a:bgFillStyleLst>
+    </a:fmtScheme>
+  </a:themeElements>
+  <a:objectDefaults/>
+  <a:extraClrSchemeLst/>
+  <a:extLst>
+    <a:ext uri="{05A4C25C-085E-4340-85A3-A5531E510DB2}">
+      <thm15:themeFamily xmlns:thm15="http://schemas.microsoft.com/office/thememl/2012/main" name="Office Theme" id="{62F939B6-93AF-4DB8-9C6B-D6C7DFDC589F}" vid="{4A3C46E8-61CC-4603-A589-7422A47A8E4A}"/>
+    </a:ext>
+  </a:extLst>
+</a:theme>
+</file>
+
+<file path=ppt/theme/theme3.xml><?xml version="1.0" encoding="utf-8"?>
 <a:theme xmlns:a="http://schemas.openxmlformats.org/drawingml/2006/main" name="Office Theme">
   <a:themeElements>
     <a:clrScheme name="Office">

--- a/units/2/lessons/1/resources/petascale-lesson-2.1-slides.pptx
+++ b/units/2/lessons/1/resources/petascale-lesson-2.1-slides.pptx
@@ -10,7 +10,7 @@
   </p:notesMasterIdLst>
   <p:sldIdLst>
     <p:sldId id="266" r:id="rId3"/>
-    <p:sldId id="267" r:id="rId4"/>
+    <p:sldId id="268" r:id="rId4"/>
     <p:sldId id="257" r:id="rId5"/>
     <p:sldId id="258" r:id="rId6"/>
     <p:sldId id="259" r:id="rId7"/>
@@ -121,7 +121,7 @@
       <p15:sldGuideLst xmlns:p15="http://schemas.microsoft.com/office/powerpoint/2012/main"/>
     </p:ext>
     <p:ext uri="http://customooxmlschemas.google.com/">
-      <go:slidesCustomData xmlns:go="http://customooxmlschemas.google.com/" xmlns:p15="http://schemas.microsoft.com/office/powerpoint/2012/main" xmlns="" roundtripDataSignature="AMtx7mhjSgRlE9C6u6EdzSfIjC8I+/qzYg==" r:id="rId16"/>
+      <go:slidesCustomData xmlns="" xmlns:p15="http://schemas.microsoft.com/office/powerpoint/2012/main" xmlns:go="http://customooxmlschemas.google.com/" roundtripDataSignature="AMtx7mhjSgRlE9C6u6EdzSfIjC8I+/qzYg==" r:id="rId16"/>
     </p:ext>
   </p:extLst>
 </p:presentation>
@@ -143,7 +143,7 @@
         <p15:threadingInfo xmlns:p15="http://schemas.microsoft.com/office/powerpoint/2012/main" timeZoneBias="0"/>
       </p:ext>
       <p:ext uri="http://customooxmlschemas.google.com/">
-        <go:slidesCustomData xmlns:go="http://customooxmlschemas.google.com/" xmlns:p15="http://schemas.microsoft.com/office/powerpoint/2012/main" xmlns="" commentPostId="AAAAGq7_CV0"/>
+        <go:slidesCustomData xmlns="" xmlns:p15="http://schemas.microsoft.com/office/powerpoint/2012/main" xmlns:go="http://customooxmlschemas.google.com/" commentPostId="AAAAGq7_CV0"/>
       </p:ext>
     </p:extLst>
   </p:cm>
@@ -160,7 +160,7 @@
         <p15:threadingInfo xmlns:p15="http://schemas.microsoft.com/office/powerpoint/2012/main" timeZoneBias="0"/>
       </p:ext>
       <p:ext uri="http://customooxmlschemas.google.com/">
-        <go:slidesCustomData xmlns:go="http://customooxmlschemas.google.com/" xmlns:p15="http://schemas.microsoft.com/office/powerpoint/2012/main" xmlns="" commentPostId="AAAAGq7_CWM"/>
+        <go:slidesCustomData xmlns="" xmlns:p15="http://schemas.microsoft.com/office/powerpoint/2012/main" xmlns:go="http://customooxmlschemas.google.com/" commentPostId="AAAAGq7_CWM"/>
       </p:ext>
     </p:extLst>
   </p:cm>
@@ -177,7 +177,7 @@
         <p15:threadingInfo xmlns:p15="http://schemas.microsoft.com/office/powerpoint/2012/main" timeZoneBias="0"/>
       </p:ext>
       <p:ext uri="http://customooxmlschemas.google.com/">
-        <go:slidesCustomData xmlns:go="http://customooxmlschemas.google.com/" xmlns:p15="http://schemas.microsoft.com/office/powerpoint/2012/main" xmlns="" commentPostId="AAAAGq7_CWE"/>
+        <go:slidesCustomData xmlns="" xmlns:p15="http://schemas.microsoft.com/office/powerpoint/2012/main" xmlns:go="http://customooxmlschemas.google.com/" commentPostId="AAAAGq7_CWE"/>
       </p:ext>
     </p:extLst>
   </p:cm>
@@ -266,7 +266,7 @@
           <a:p>
             <a:fld id="{5CBF2A87-9387-EB42-B173-5ABD7500A47C}" type="datetimeFigureOut">
               <a:rPr lang="en-US" smtClean="0"/>
-              <a:t>9/12/20</a:t>
+              <a:t>10/11/20</a:t>
             </a:fld>
             <a:endParaRPr lang="en-US"/>
           </a:p>
@@ -1164,7 +1164,7 @@
           <p:cNvPr id="2" name="Title 1">
             <a:extLst>
               <a:ext uri="{FF2B5EF4-FFF2-40B4-BE49-F238E27FC236}">
-                <a16:creationId xmlns:a16="http://schemas.microsoft.com/office/drawing/2014/main" xmlns="" id="{4154FF00-6C1D-4547-8A0C-5087ACDA336B}"/>
+                <a16:creationId xmlns="" xmlns:a16="http://schemas.microsoft.com/office/drawing/2014/main" id="{4154FF00-6C1D-4547-8A0C-5087ACDA336B}"/>
               </a:ext>
             </a:extLst>
           </p:cNvPr>
@@ -1201,7 +1201,7 @@
           <p:cNvPr id="3" name="Subtitle 2">
             <a:extLst>
               <a:ext uri="{FF2B5EF4-FFF2-40B4-BE49-F238E27FC236}">
-                <a16:creationId xmlns:a16="http://schemas.microsoft.com/office/drawing/2014/main" xmlns="" id="{750EE6CE-15DD-614F-AB4A-E3A06297484D}"/>
+                <a16:creationId xmlns="" xmlns:a16="http://schemas.microsoft.com/office/drawing/2014/main" id="{750EE6CE-15DD-614F-AB4A-E3A06297484D}"/>
               </a:ext>
             </a:extLst>
           </p:cNvPr>
@@ -1271,7 +1271,7 @@
           <p:cNvPr id="4" name="Date Placeholder 3">
             <a:extLst>
               <a:ext uri="{FF2B5EF4-FFF2-40B4-BE49-F238E27FC236}">
-                <a16:creationId xmlns:a16="http://schemas.microsoft.com/office/drawing/2014/main" xmlns="" id="{DB7DEBA0-59D7-3C47-98D9-71CBD5EF029A}"/>
+                <a16:creationId xmlns="" xmlns:a16="http://schemas.microsoft.com/office/drawing/2014/main" id="{DB7DEBA0-59D7-3C47-98D9-71CBD5EF029A}"/>
               </a:ext>
             </a:extLst>
           </p:cNvPr>
@@ -1289,7 +1289,7 @@
           <a:p>
             <a:fld id="{E389AA9D-A245-8245-B1FA-F343E2C3F01D}" type="datetimeFigureOut">
               <a:rPr lang="en-US" smtClean="0"/>
-              <a:t>9/12/20</a:t>
+              <a:t>10/11/20</a:t>
             </a:fld>
             <a:endParaRPr lang="en-US"/>
           </a:p>
@@ -1300,7 +1300,7 @@
           <p:cNvPr id="5" name="Footer Placeholder 4">
             <a:extLst>
               <a:ext uri="{FF2B5EF4-FFF2-40B4-BE49-F238E27FC236}">
-                <a16:creationId xmlns:a16="http://schemas.microsoft.com/office/drawing/2014/main" xmlns="" id="{41F018F2-98BE-4843-BCC2-987D23BDDACA}"/>
+                <a16:creationId xmlns="" xmlns:a16="http://schemas.microsoft.com/office/drawing/2014/main" id="{41F018F2-98BE-4843-BCC2-987D23BDDACA}"/>
               </a:ext>
             </a:extLst>
           </p:cNvPr>
@@ -1325,7 +1325,7 @@
           <p:cNvPr id="6" name="Slide Number Placeholder 5">
             <a:extLst>
               <a:ext uri="{FF2B5EF4-FFF2-40B4-BE49-F238E27FC236}">
-                <a16:creationId xmlns:a16="http://schemas.microsoft.com/office/drawing/2014/main" xmlns="" id="{2947633B-CED6-9042-BCE5-20D730690570}"/>
+                <a16:creationId xmlns="" xmlns:a16="http://schemas.microsoft.com/office/drawing/2014/main" id="{2947633B-CED6-9042-BCE5-20D730690570}"/>
               </a:ext>
             </a:extLst>
           </p:cNvPr>
@@ -1384,7 +1384,7 @@
           <p:cNvPr id="2" name="Title 1">
             <a:extLst>
               <a:ext uri="{FF2B5EF4-FFF2-40B4-BE49-F238E27FC236}">
-                <a16:creationId xmlns:a16="http://schemas.microsoft.com/office/drawing/2014/main" xmlns="" id="{1145828A-6EA7-9B49-AF1C-45BCA8F1DB23}"/>
+                <a16:creationId xmlns="" xmlns:a16="http://schemas.microsoft.com/office/drawing/2014/main" id="{1145828A-6EA7-9B49-AF1C-45BCA8F1DB23}"/>
               </a:ext>
             </a:extLst>
           </p:cNvPr>
@@ -1412,7 +1412,7 @@
           <p:cNvPr id="3" name="Vertical Text Placeholder 2">
             <a:extLst>
               <a:ext uri="{FF2B5EF4-FFF2-40B4-BE49-F238E27FC236}">
-                <a16:creationId xmlns:a16="http://schemas.microsoft.com/office/drawing/2014/main" xmlns="" id="{AEA57A97-638C-2D4C-B984-B944923DCB75}"/>
+                <a16:creationId xmlns="" xmlns:a16="http://schemas.microsoft.com/office/drawing/2014/main" id="{AEA57A97-638C-2D4C-B984-B944923DCB75}"/>
               </a:ext>
             </a:extLst>
           </p:cNvPr>
@@ -1469,7 +1469,7 @@
           <p:cNvPr id="4" name="Date Placeholder 3">
             <a:extLst>
               <a:ext uri="{FF2B5EF4-FFF2-40B4-BE49-F238E27FC236}">
-                <a16:creationId xmlns:a16="http://schemas.microsoft.com/office/drawing/2014/main" xmlns="" id="{EBE56020-F746-FF46-8F8F-76EB174B2866}"/>
+                <a16:creationId xmlns="" xmlns:a16="http://schemas.microsoft.com/office/drawing/2014/main" id="{EBE56020-F746-FF46-8F8F-76EB174B2866}"/>
               </a:ext>
             </a:extLst>
           </p:cNvPr>
@@ -1487,7 +1487,7 @@
           <a:p>
             <a:fld id="{E389AA9D-A245-8245-B1FA-F343E2C3F01D}" type="datetimeFigureOut">
               <a:rPr lang="en-US" smtClean="0"/>
-              <a:t>9/12/20</a:t>
+              <a:t>10/11/20</a:t>
             </a:fld>
             <a:endParaRPr lang="en-US"/>
           </a:p>
@@ -1498,7 +1498,7 @@
           <p:cNvPr id="5" name="Footer Placeholder 4">
             <a:extLst>
               <a:ext uri="{FF2B5EF4-FFF2-40B4-BE49-F238E27FC236}">
-                <a16:creationId xmlns:a16="http://schemas.microsoft.com/office/drawing/2014/main" xmlns="" id="{1F8B489C-E6A8-5349-B3AB-41D4DF239ECF}"/>
+                <a16:creationId xmlns="" xmlns:a16="http://schemas.microsoft.com/office/drawing/2014/main" id="{1F8B489C-E6A8-5349-B3AB-41D4DF239ECF}"/>
               </a:ext>
             </a:extLst>
           </p:cNvPr>
@@ -1523,7 +1523,7 @@
           <p:cNvPr id="6" name="Slide Number Placeholder 5">
             <a:extLst>
               <a:ext uri="{FF2B5EF4-FFF2-40B4-BE49-F238E27FC236}">
-                <a16:creationId xmlns:a16="http://schemas.microsoft.com/office/drawing/2014/main" xmlns="" id="{C6B8E5CF-9F22-7347-9597-A71F500254A6}"/>
+                <a16:creationId xmlns="" xmlns:a16="http://schemas.microsoft.com/office/drawing/2014/main" id="{C6B8E5CF-9F22-7347-9597-A71F500254A6}"/>
               </a:ext>
             </a:extLst>
           </p:cNvPr>
@@ -1582,7 +1582,7 @@
           <p:cNvPr id="2" name="Vertical Title 1">
             <a:extLst>
               <a:ext uri="{FF2B5EF4-FFF2-40B4-BE49-F238E27FC236}">
-                <a16:creationId xmlns:a16="http://schemas.microsoft.com/office/drawing/2014/main" xmlns="" id="{FDACEA32-B942-2248-B85F-572F92F0A9F0}"/>
+                <a16:creationId xmlns="" xmlns:a16="http://schemas.microsoft.com/office/drawing/2014/main" id="{FDACEA32-B942-2248-B85F-572F92F0A9F0}"/>
               </a:ext>
             </a:extLst>
           </p:cNvPr>
@@ -1615,7 +1615,7 @@
           <p:cNvPr id="3" name="Vertical Text Placeholder 2">
             <a:extLst>
               <a:ext uri="{FF2B5EF4-FFF2-40B4-BE49-F238E27FC236}">
-                <a16:creationId xmlns:a16="http://schemas.microsoft.com/office/drawing/2014/main" xmlns="" id="{4BB564C5-497A-744B-819E-B6649B83A81D}"/>
+                <a16:creationId xmlns="" xmlns:a16="http://schemas.microsoft.com/office/drawing/2014/main" id="{4BB564C5-497A-744B-819E-B6649B83A81D}"/>
               </a:ext>
             </a:extLst>
           </p:cNvPr>
@@ -1677,7 +1677,7 @@
           <p:cNvPr id="4" name="Date Placeholder 3">
             <a:extLst>
               <a:ext uri="{FF2B5EF4-FFF2-40B4-BE49-F238E27FC236}">
-                <a16:creationId xmlns:a16="http://schemas.microsoft.com/office/drawing/2014/main" xmlns="" id="{EE709782-4DE3-2347-BA98-0C3372D9F652}"/>
+                <a16:creationId xmlns="" xmlns:a16="http://schemas.microsoft.com/office/drawing/2014/main" id="{EE709782-4DE3-2347-BA98-0C3372D9F652}"/>
               </a:ext>
             </a:extLst>
           </p:cNvPr>
@@ -1695,7 +1695,7 @@
           <a:p>
             <a:fld id="{E389AA9D-A245-8245-B1FA-F343E2C3F01D}" type="datetimeFigureOut">
               <a:rPr lang="en-US" smtClean="0"/>
-              <a:t>9/12/20</a:t>
+              <a:t>10/11/20</a:t>
             </a:fld>
             <a:endParaRPr lang="en-US"/>
           </a:p>
@@ -1706,7 +1706,7 @@
           <p:cNvPr id="5" name="Footer Placeholder 4">
             <a:extLst>
               <a:ext uri="{FF2B5EF4-FFF2-40B4-BE49-F238E27FC236}">
-                <a16:creationId xmlns:a16="http://schemas.microsoft.com/office/drawing/2014/main" xmlns="" id="{8625CD21-2409-1440-980D-CF27E5CEB256}"/>
+                <a16:creationId xmlns="" xmlns:a16="http://schemas.microsoft.com/office/drawing/2014/main" id="{8625CD21-2409-1440-980D-CF27E5CEB256}"/>
               </a:ext>
             </a:extLst>
           </p:cNvPr>
@@ -1731,7 +1731,7 @@
           <p:cNvPr id="6" name="Slide Number Placeholder 5">
             <a:extLst>
               <a:ext uri="{FF2B5EF4-FFF2-40B4-BE49-F238E27FC236}">
-                <a16:creationId xmlns:a16="http://schemas.microsoft.com/office/drawing/2014/main" xmlns="" id="{E41D5F59-DA90-3B4B-838D-6B96648F8B90}"/>
+                <a16:creationId xmlns="" xmlns:a16="http://schemas.microsoft.com/office/drawing/2014/main" id="{E41D5F59-DA90-3B4B-838D-6B96648F8B90}"/>
               </a:ext>
             </a:extLst>
           </p:cNvPr>
@@ -1906,7 +1906,7 @@
                 </a:solidFill>
               </a:rPr>
               <a:pPr/>
-              <a:t>9/12/20</a:t>
+              <a:t>10/11/20</a:t>
             </a:fld>
             <a:endParaRPr lang="en-US">
               <a:solidFill>
@@ -2104,7 +2104,7 @@
                 </a:solidFill>
               </a:rPr>
               <a:pPr/>
-              <a:t>9/12/20</a:t>
+              <a:t>10/11/20</a:t>
             </a:fld>
             <a:endParaRPr lang="en-US">
               <a:solidFill>
@@ -2378,7 +2378,7 @@
                 </a:solidFill>
               </a:rPr>
               <a:pPr/>
-              <a:t>9/12/20</a:t>
+              <a:t>10/11/20</a:t>
             </a:fld>
             <a:endParaRPr lang="en-US">
               <a:solidFill>
@@ -2638,7 +2638,7 @@
                 </a:solidFill>
               </a:rPr>
               <a:pPr/>
-              <a:t>9/12/20</a:t>
+              <a:t>10/11/20</a:t>
             </a:fld>
             <a:endParaRPr lang="en-US">
               <a:solidFill>
@@ -3033,7 +3033,7 @@
                 </a:solidFill>
               </a:rPr>
               <a:pPr/>
-              <a:t>9/12/20</a:t>
+              <a:t>10/11/20</a:t>
             </a:fld>
             <a:endParaRPr lang="en-US">
               <a:solidFill>
@@ -3179,7 +3179,7 @@
                 </a:solidFill>
               </a:rPr>
               <a:pPr/>
-              <a:t>9/12/20</a:t>
+              <a:t>10/11/20</a:t>
             </a:fld>
             <a:endParaRPr lang="en-US">
               <a:solidFill>
@@ -3302,7 +3302,7 @@
                 </a:solidFill>
               </a:rPr>
               <a:pPr/>
-              <a:t>9/12/20</a:t>
+              <a:t>10/11/20</a:t>
             </a:fld>
             <a:endParaRPr lang="en-US">
               <a:solidFill>
@@ -3607,7 +3607,7 @@
                 </a:solidFill>
               </a:rPr>
               <a:pPr/>
-              <a:t>9/12/20</a:t>
+              <a:t>10/11/20</a:t>
             </a:fld>
             <a:endParaRPr lang="en-US">
               <a:solidFill>
@@ -3711,7 +3711,7 @@
           <p:cNvPr id="2" name="Title 1">
             <a:extLst>
               <a:ext uri="{FF2B5EF4-FFF2-40B4-BE49-F238E27FC236}">
-                <a16:creationId xmlns:a16="http://schemas.microsoft.com/office/drawing/2014/main" xmlns="" id="{2E55494D-DDAA-DB44-ACDD-045F4E2CCEA4}"/>
+                <a16:creationId xmlns="" xmlns:a16="http://schemas.microsoft.com/office/drawing/2014/main" id="{2E55494D-DDAA-DB44-ACDD-045F4E2CCEA4}"/>
               </a:ext>
             </a:extLst>
           </p:cNvPr>
@@ -3739,7 +3739,7 @@
           <p:cNvPr id="3" name="Content Placeholder 2">
             <a:extLst>
               <a:ext uri="{FF2B5EF4-FFF2-40B4-BE49-F238E27FC236}">
-                <a16:creationId xmlns:a16="http://schemas.microsoft.com/office/drawing/2014/main" xmlns="" id="{1F709144-9CC0-3544-BCEC-A42596B9CCA7}"/>
+                <a16:creationId xmlns="" xmlns:a16="http://schemas.microsoft.com/office/drawing/2014/main" id="{1F709144-9CC0-3544-BCEC-A42596B9CCA7}"/>
               </a:ext>
             </a:extLst>
           </p:cNvPr>
@@ -3796,7 +3796,7 @@
           <p:cNvPr id="4" name="Date Placeholder 3">
             <a:extLst>
               <a:ext uri="{FF2B5EF4-FFF2-40B4-BE49-F238E27FC236}">
-                <a16:creationId xmlns:a16="http://schemas.microsoft.com/office/drawing/2014/main" xmlns="" id="{6524CB33-91E9-FA4E-A4C0-D91C60541C4C}"/>
+                <a16:creationId xmlns="" xmlns:a16="http://schemas.microsoft.com/office/drawing/2014/main" id="{6524CB33-91E9-FA4E-A4C0-D91C60541C4C}"/>
               </a:ext>
             </a:extLst>
           </p:cNvPr>
@@ -3814,7 +3814,7 @@
           <a:p>
             <a:fld id="{E389AA9D-A245-8245-B1FA-F343E2C3F01D}" type="datetimeFigureOut">
               <a:rPr lang="en-US" smtClean="0"/>
-              <a:t>9/12/20</a:t>
+              <a:t>10/11/20</a:t>
             </a:fld>
             <a:endParaRPr lang="en-US"/>
           </a:p>
@@ -3825,7 +3825,7 @@
           <p:cNvPr id="5" name="Footer Placeholder 4">
             <a:extLst>
               <a:ext uri="{FF2B5EF4-FFF2-40B4-BE49-F238E27FC236}">
-                <a16:creationId xmlns:a16="http://schemas.microsoft.com/office/drawing/2014/main" xmlns="" id="{E32AED04-7F27-3640-B823-C9284A132199}"/>
+                <a16:creationId xmlns="" xmlns:a16="http://schemas.microsoft.com/office/drawing/2014/main" id="{E32AED04-7F27-3640-B823-C9284A132199}"/>
               </a:ext>
             </a:extLst>
           </p:cNvPr>
@@ -3850,7 +3850,7 @@
           <p:cNvPr id="6" name="Slide Number Placeholder 5">
             <a:extLst>
               <a:ext uri="{FF2B5EF4-FFF2-40B4-BE49-F238E27FC236}">
-                <a16:creationId xmlns:a16="http://schemas.microsoft.com/office/drawing/2014/main" xmlns="" id="{1120C55E-E812-B246-84C8-6AEA2E402241}"/>
+                <a16:creationId xmlns="" xmlns:a16="http://schemas.microsoft.com/office/drawing/2014/main" id="{1120C55E-E812-B246-84C8-6AEA2E402241}"/>
               </a:ext>
             </a:extLst>
           </p:cNvPr>
@@ -4086,7 +4086,7 @@
                 </a:solidFill>
               </a:rPr>
               <a:pPr/>
-              <a:t>9/12/20</a:t>
+              <a:t>10/11/20</a:t>
             </a:fld>
             <a:endParaRPr lang="en-US">
               <a:solidFill>
@@ -4284,7 +4284,7 @@
                 </a:solidFill>
               </a:rPr>
               <a:pPr/>
-              <a:t>9/12/20</a:t>
+              <a:t>10/11/20</a:t>
             </a:fld>
             <a:endParaRPr lang="en-US">
               <a:solidFill>
@@ -4492,7 +4492,7 @@
                 </a:solidFill>
               </a:rPr>
               <a:pPr/>
-              <a:t>9/12/20</a:t>
+              <a:t>10/11/20</a:t>
             </a:fld>
             <a:endParaRPr lang="en-US">
               <a:solidFill>
@@ -4596,7 +4596,7 @@
           <p:cNvPr id="2" name="Title 1">
             <a:extLst>
               <a:ext uri="{FF2B5EF4-FFF2-40B4-BE49-F238E27FC236}">
-                <a16:creationId xmlns:a16="http://schemas.microsoft.com/office/drawing/2014/main" xmlns="" id="{0F55F23F-BDB1-7F4B-96FF-482840FD3CCE}"/>
+                <a16:creationId xmlns="" xmlns:a16="http://schemas.microsoft.com/office/drawing/2014/main" id="{0F55F23F-BDB1-7F4B-96FF-482840FD3CCE}"/>
               </a:ext>
             </a:extLst>
           </p:cNvPr>
@@ -4633,7 +4633,7 @@
           <p:cNvPr id="3" name="Text Placeholder 2">
             <a:extLst>
               <a:ext uri="{FF2B5EF4-FFF2-40B4-BE49-F238E27FC236}">
-                <a16:creationId xmlns:a16="http://schemas.microsoft.com/office/drawing/2014/main" xmlns="" id="{EB4FC190-4426-6C4C-9C97-06F967C8BCCD}"/>
+                <a16:creationId xmlns="" xmlns:a16="http://schemas.microsoft.com/office/drawing/2014/main" id="{EB4FC190-4426-6C4C-9C97-06F967C8BCCD}"/>
               </a:ext>
             </a:extLst>
           </p:cNvPr>
@@ -4758,7 +4758,7 @@
           <p:cNvPr id="4" name="Date Placeholder 3">
             <a:extLst>
               <a:ext uri="{FF2B5EF4-FFF2-40B4-BE49-F238E27FC236}">
-                <a16:creationId xmlns:a16="http://schemas.microsoft.com/office/drawing/2014/main" xmlns="" id="{81D5A383-BF63-8541-B54D-38CE5E3EE6A9}"/>
+                <a16:creationId xmlns="" xmlns:a16="http://schemas.microsoft.com/office/drawing/2014/main" id="{81D5A383-BF63-8541-B54D-38CE5E3EE6A9}"/>
               </a:ext>
             </a:extLst>
           </p:cNvPr>
@@ -4776,7 +4776,7 @@
           <a:p>
             <a:fld id="{E389AA9D-A245-8245-B1FA-F343E2C3F01D}" type="datetimeFigureOut">
               <a:rPr lang="en-US" smtClean="0"/>
-              <a:t>9/12/20</a:t>
+              <a:t>10/11/20</a:t>
             </a:fld>
             <a:endParaRPr lang="en-US"/>
           </a:p>
@@ -4787,7 +4787,7 @@
           <p:cNvPr id="5" name="Footer Placeholder 4">
             <a:extLst>
               <a:ext uri="{FF2B5EF4-FFF2-40B4-BE49-F238E27FC236}">
-                <a16:creationId xmlns:a16="http://schemas.microsoft.com/office/drawing/2014/main" xmlns="" id="{FE93493E-ADA5-814F-B39F-329605710B06}"/>
+                <a16:creationId xmlns="" xmlns:a16="http://schemas.microsoft.com/office/drawing/2014/main" id="{FE93493E-ADA5-814F-B39F-329605710B06}"/>
               </a:ext>
             </a:extLst>
           </p:cNvPr>
@@ -4812,7 +4812,7 @@
           <p:cNvPr id="6" name="Slide Number Placeholder 5">
             <a:extLst>
               <a:ext uri="{FF2B5EF4-FFF2-40B4-BE49-F238E27FC236}">
-                <a16:creationId xmlns:a16="http://schemas.microsoft.com/office/drawing/2014/main" xmlns="" id="{28F86D13-86AE-6B4B-A90C-4697DBD7E80B}"/>
+                <a16:creationId xmlns="" xmlns:a16="http://schemas.microsoft.com/office/drawing/2014/main" id="{28F86D13-86AE-6B4B-A90C-4697DBD7E80B}"/>
               </a:ext>
             </a:extLst>
           </p:cNvPr>
@@ -4871,7 +4871,7 @@
           <p:cNvPr id="2" name="Title 1">
             <a:extLst>
               <a:ext uri="{FF2B5EF4-FFF2-40B4-BE49-F238E27FC236}">
-                <a16:creationId xmlns:a16="http://schemas.microsoft.com/office/drawing/2014/main" xmlns="" id="{863FBF3B-02BD-E94D-9AF9-1ECEA3C20D1C}"/>
+                <a16:creationId xmlns="" xmlns:a16="http://schemas.microsoft.com/office/drawing/2014/main" id="{863FBF3B-02BD-E94D-9AF9-1ECEA3C20D1C}"/>
               </a:ext>
             </a:extLst>
           </p:cNvPr>
@@ -4899,7 +4899,7 @@
           <p:cNvPr id="3" name="Content Placeholder 2">
             <a:extLst>
               <a:ext uri="{FF2B5EF4-FFF2-40B4-BE49-F238E27FC236}">
-                <a16:creationId xmlns:a16="http://schemas.microsoft.com/office/drawing/2014/main" xmlns="" id="{7E11630E-DFF3-2045-9AB8-DCED929E3E82}"/>
+                <a16:creationId xmlns="" xmlns:a16="http://schemas.microsoft.com/office/drawing/2014/main" id="{7E11630E-DFF3-2045-9AB8-DCED929E3E82}"/>
               </a:ext>
             </a:extLst>
           </p:cNvPr>
@@ -4961,7 +4961,7 @@
           <p:cNvPr id="4" name="Content Placeholder 3">
             <a:extLst>
               <a:ext uri="{FF2B5EF4-FFF2-40B4-BE49-F238E27FC236}">
-                <a16:creationId xmlns:a16="http://schemas.microsoft.com/office/drawing/2014/main" xmlns="" id="{66DE622E-3E7E-E44D-9D98-9F8501CBB46A}"/>
+                <a16:creationId xmlns="" xmlns:a16="http://schemas.microsoft.com/office/drawing/2014/main" id="{66DE622E-3E7E-E44D-9D98-9F8501CBB46A}"/>
               </a:ext>
             </a:extLst>
           </p:cNvPr>
@@ -5023,7 +5023,7 @@
           <p:cNvPr id="5" name="Date Placeholder 4">
             <a:extLst>
               <a:ext uri="{FF2B5EF4-FFF2-40B4-BE49-F238E27FC236}">
-                <a16:creationId xmlns:a16="http://schemas.microsoft.com/office/drawing/2014/main" xmlns="" id="{2E079E84-DA1E-F249-A52A-74882E3EC639}"/>
+                <a16:creationId xmlns="" xmlns:a16="http://schemas.microsoft.com/office/drawing/2014/main" id="{2E079E84-DA1E-F249-A52A-74882E3EC639}"/>
               </a:ext>
             </a:extLst>
           </p:cNvPr>
@@ -5041,7 +5041,7 @@
           <a:p>
             <a:fld id="{E389AA9D-A245-8245-B1FA-F343E2C3F01D}" type="datetimeFigureOut">
               <a:rPr lang="en-US" smtClean="0"/>
-              <a:t>9/12/20</a:t>
+              <a:t>10/11/20</a:t>
             </a:fld>
             <a:endParaRPr lang="en-US"/>
           </a:p>
@@ -5052,7 +5052,7 @@
           <p:cNvPr id="6" name="Footer Placeholder 5">
             <a:extLst>
               <a:ext uri="{FF2B5EF4-FFF2-40B4-BE49-F238E27FC236}">
-                <a16:creationId xmlns:a16="http://schemas.microsoft.com/office/drawing/2014/main" xmlns="" id="{4A3F0287-C6A5-674A-B46B-F00DB8F853BD}"/>
+                <a16:creationId xmlns="" xmlns:a16="http://schemas.microsoft.com/office/drawing/2014/main" id="{4A3F0287-C6A5-674A-B46B-F00DB8F853BD}"/>
               </a:ext>
             </a:extLst>
           </p:cNvPr>
@@ -5077,7 +5077,7 @@
           <p:cNvPr id="7" name="Slide Number Placeholder 6">
             <a:extLst>
               <a:ext uri="{FF2B5EF4-FFF2-40B4-BE49-F238E27FC236}">
-                <a16:creationId xmlns:a16="http://schemas.microsoft.com/office/drawing/2014/main" xmlns="" id="{128186AF-674A-1C4A-9450-38659B9620A5}"/>
+                <a16:creationId xmlns="" xmlns:a16="http://schemas.microsoft.com/office/drawing/2014/main" id="{128186AF-674A-1C4A-9450-38659B9620A5}"/>
               </a:ext>
             </a:extLst>
           </p:cNvPr>
@@ -5136,7 +5136,7 @@
           <p:cNvPr id="2" name="Title 1">
             <a:extLst>
               <a:ext uri="{FF2B5EF4-FFF2-40B4-BE49-F238E27FC236}">
-                <a16:creationId xmlns:a16="http://schemas.microsoft.com/office/drawing/2014/main" xmlns="" id="{7DB30D2B-5168-CA4A-86CF-A25BEB1EDBC6}"/>
+                <a16:creationId xmlns="" xmlns:a16="http://schemas.microsoft.com/office/drawing/2014/main" id="{7DB30D2B-5168-CA4A-86CF-A25BEB1EDBC6}"/>
               </a:ext>
             </a:extLst>
           </p:cNvPr>
@@ -5169,7 +5169,7 @@
           <p:cNvPr id="3" name="Text Placeholder 2">
             <a:extLst>
               <a:ext uri="{FF2B5EF4-FFF2-40B4-BE49-F238E27FC236}">
-                <a16:creationId xmlns:a16="http://schemas.microsoft.com/office/drawing/2014/main" xmlns="" id="{CA79734B-93AE-5842-8B70-69618414F534}"/>
+                <a16:creationId xmlns="" xmlns:a16="http://schemas.microsoft.com/office/drawing/2014/main" id="{CA79734B-93AE-5842-8B70-69618414F534}"/>
               </a:ext>
             </a:extLst>
           </p:cNvPr>
@@ -5240,7 +5240,7 @@
           <p:cNvPr id="4" name="Content Placeholder 3">
             <a:extLst>
               <a:ext uri="{FF2B5EF4-FFF2-40B4-BE49-F238E27FC236}">
-                <a16:creationId xmlns:a16="http://schemas.microsoft.com/office/drawing/2014/main" xmlns="" id="{A9031B97-C934-1045-88FA-4E94833AF748}"/>
+                <a16:creationId xmlns="" xmlns:a16="http://schemas.microsoft.com/office/drawing/2014/main" id="{A9031B97-C934-1045-88FA-4E94833AF748}"/>
               </a:ext>
             </a:extLst>
           </p:cNvPr>
@@ -5302,7 +5302,7 @@
           <p:cNvPr id="5" name="Text Placeholder 4">
             <a:extLst>
               <a:ext uri="{FF2B5EF4-FFF2-40B4-BE49-F238E27FC236}">
-                <a16:creationId xmlns:a16="http://schemas.microsoft.com/office/drawing/2014/main" xmlns="" id="{93D495DD-79B5-5744-A957-9A2612EDF62A}"/>
+                <a16:creationId xmlns="" xmlns:a16="http://schemas.microsoft.com/office/drawing/2014/main" id="{93D495DD-79B5-5744-A957-9A2612EDF62A}"/>
               </a:ext>
             </a:extLst>
           </p:cNvPr>
@@ -5373,7 +5373,7 @@
           <p:cNvPr id="6" name="Content Placeholder 5">
             <a:extLst>
               <a:ext uri="{FF2B5EF4-FFF2-40B4-BE49-F238E27FC236}">
-                <a16:creationId xmlns:a16="http://schemas.microsoft.com/office/drawing/2014/main" xmlns="" id="{ADB235EC-2E08-F044-8030-C3023954BBA3}"/>
+                <a16:creationId xmlns="" xmlns:a16="http://schemas.microsoft.com/office/drawing/2014/main" id="{ADB235EC-2E08-F044-8030-C3023954BBA3}"/>
               </a:ext>
             </a:extLst>
           </p:cNvPr>
@@ -5435,7 +5435,7 @@
           <p:cNvPr id="7" name="Date Placeholder 6">
             <a:extLst>
               <a:ext uri="{FF2B5EF4-FFF2-40B4-BE49-F238E27FC236}">
-                <a16:creationId xmlns:a16="http://schemas.microsoft.com/office/drawing/2014/main" xmlns="" id="{4D129B26-2B38-1345-949B-44AE0FA8D010}"/>
+                <a16:creationId xmlns="" xmlns:a16="http://schemas.microsoft.com/office/drawing/2014/main" id="{4D129B26-2B38-1345-949B-44AE0FA8D010}"/>
               </a:ext>
             </a:extLst>
           </p:cNvPr>
@@ -5453,7 +5453,7 @@
           <a:p>
             <a:fld id="{E389AA9D-A245-8245-B1FA-F343E2C3F01D}" type="datetimeFigureOut">
               <a:rPr lang="en-US" smtClean="0"/>
-              <a:t>9/12/20</a:t>
+              <a:t>10/11/20</a:t>
             </a:fld>
             <a:endParaRPr lang="en-US"/>
           </a:p>
@@ -5464,7 +5464,7 @@
           <p:cNvPr id="8" name="Footer Placeholder 7">
             <a:extLst>
               <a:ext uri="{FF2B5EF4-FFF2-40B4-BE49-F238E27FC236}">
-                <a16:creationId xmlns:a16="http://schemas.microsoft.com/office/drawing/2014/main" xmlns="" id="{59466BBD-CF8A-9145-9AD1-9623F65CAC17}"/>
+                <a16:creationId xmlns="" xmlns:a16="http://schemas.microsoft.com/office/drawing/2014/main" id="{59466BBD-CF8A-9145-9AD1-9623F65CAC17}"/>
               </a:ext>
             </a:extLst>
           </p:cNvPr>
@@ -5489,7 +5489,7 @@
           <p:cNvPr id="9" name="Slide Number Placeholder 8">
             <a:extLst>
               <a:ext uri="{FF2B5EF4-FFF2-40B4-BE49-F238E27FC236}">
-                <a16:creationId xmlns:a16="http://schemas.microsoft.com/office/drawing/2014/main" xmlns="" id="{0B558038-9343-4C4F-B795-4B8EDC06F4AD}"/>
+                <a16:creationId xmlns="" xmlns:a16="http://schemas.microsoft.com/office/drawing/2014/main" id="{0B558038-9343-4C4F-B795-4B8EDC06F4AD}"/>
               </a:ext>
             </a:extLst>
           </p:cNvPr>
@@ -5548,7 +5548,7 @@
           <p:cNvPr id="2" name="Title 1">
             <a:extLst>
               <a:ext uri="{FF2B5EF4-FFF2-40B4-BE49-F238E27FC236}">
-                <a16:creationId xmlns:a16="http://schemas.microsoft.com/office/drawing/2014/main" xmlns="" id="{9B295A98-597F-1047-A7B2-1477A76FC890}"/>
+                <a16:creationId xmlns="" xmlns:a16="http://schemas.microsoft.com/office/drawing/2014/main" id="{9B295A98-597F-1047-A7B2-1477A76FC890}"/>
               </a:ext>
             </a:extLst>
           </p:cNvPr>
@@ -5576,7 +5576,7 @@
           <p:cNvPr id="3" name="Date Placeholder 2">
             <a:extLst>
               <a:ext uri="{FF2B5EF4-FFF2-40B4-BE49-F238E27FC236}">
-                <a16:creationId xmlns:a16="http://schemas.microsoft.com/office/drawing/2014/main" xmlns="" id="{D4B4B6B9-8B8D-EF4D-9BEB-EF1445053A6F}"/>
+                <a16:creationId xmlns="" xmlns:a16="http://schemas.microsoft.com/office/drawing/2014/main" id="{D4B4B6B9-8B8D-EF4D-9BEB-EF1445053A6F}"/>
               </a:ext>
             </a:extLst>
           </p:cNvPr>
@@ -5594,7 +5594,7 @@
           <a:p>
             <a:fld id="{E389AA9D-A245-8245-B1FA-F343E2C3F01D}" type="datetimeFigureOut">
               <a:rPr lang="en-US" smtClean="0"/>
-              <a:t>9/12/20</a:t>
+              <a:t>10/11/20</a:t>
             </a:fld>
             <a:endParaRPr lang="en-US"/>
           </a:p>
@@ -5605,7 +5605,7 @@
           <p:cNvPr id="4" name="Footer Placeholder 3">
             <a:extLst>
               <a:ext uri="{FF2B5EF4-FFF2-40B4-BE49-F238E27FC236}">
-                <a16:creationId xmlns:a16="http://schemas.microsoft.com/office/drawing/2014/main" xmlns="" id="{E0C47C1B-7F79-CF43-BA22-1AD4E162D7B0}"/>
+                <a16:creationId xmlns="" xmlns:a16="http://schemas.microsoft.com/office/drawing/2014/main" id="{E0C47C1B-7F79-CF43-BA22-1AD4E162D7B0}"/>
               </a:ext>
             </a:extLst>
           </p:cNvPr>
@@ -5630,7 +5630,7 @@
           <p:cNvPr id="5" name="Slide Number Placeholder 4">
             <a:extLst>
               <a:ext uri="{FF2B5EF4-FFF2-40B4-BE49-F238E27FC236}">
-                <a16:creationId xmlns:a16="http://schemas.microsoft.com/office/drawing/2014/main" xmlns="" id="{EFB81D42-E412-B148-B037-4741F744D552}"/>
+                <a16:creationId xmlns="" xmlns:a16="http://schemas.microsoft.com/office/drawing/2014/main" id="{EFB81D42-E412-B148-B037-4741F744D552}"/>
               </a:ext>
             </a:extLst>
           </p:cNvPr>
@@ -5689,7 +5689,7 @@
           <p:cNvPr id="2" name="Date Placeholder 1">
             <a:extLst>
               <a:ext uri="{FF2B5EF4-FFF2-40B4-BE49-F238E27FC236}">
-                <a16:creationId xmlns:a16="http://schemas.microsoft.com/office/drawing/2014/main" xmlns="" id="{3CC03EBA-A07F-7B44-8CA5-C7DB28AE95EF}"/>
+                <a16:creationId xmlns="" xmlns:a16="http://schemas.microsoft.com/office/drawing/2014/main" id="{3CC03EBA-A07F-7B44-8CA5-C7DB28AE95EF}"/>
               </a:ext>
             </a:extLst>
           </p:cNvPr>
@@ -5707,7 +5707,7 @@
           <a:p>
             <a:fld id="{E389AA9D-A245-8245-B1FA-F343E2C3F01D}" type="datetimeFigureOut">
               <a:rPr lang="en-US" smtClean="0"/>
-              <a:t>9/12/20</a:t>
+              <a:t>10/11/20</a:t>
             </a:fld>
             <a:endParaRPr lang="en-US"/>
           </a:p>
@@ -5718,7 +5718,7 @@
           <p:cNvPr id="3" name="Footer Placeholder 2">
             <a:extLst>
               <a:ext uri="{FF2B5EF4-FFF2-40B4-BE49-F238E27FC236}">
-                <a16:creationId xmlns:a16="http://schemas.microsoft.com/office/drawing/2014/main" xmlns="" id="{32793365-CEC5-8C42-8428-5056757A25D2}"/>
+                <a16:creationId xmlns="" xmlns:a16="http://schemas.microsoft.com/office/drawing/2014/main" id="{32793365-CEC5-8C42-8428-5056757A25D2}"/>
               </a:ext>
             </a:extLst>
           </p:cNvPr>
@@ -5743,7 +5743,7 @@
           <p:cNvPr id="4" name="Slide Number Placeholder 3">
             <a:extLst>
               <a:ext uri="{FF2B5EF4-FFF2-40B4-BE49-F238E27FC236}">
-                <a16:creationId xmlns:a16="http://schemas.microsoft.com/office/drawing/2014/main" xmlns="" id="{D00C7855-C87E-4840-83B1-11830F68181E}"/>
+                <a16:creationId xmlns="" xmlns:a16="http://schemas.microsoft.com/office/drawing/2014/main" id="{D00C7855-C87E-4840-83B1-11830F68181E}"/>
               </a:ext>
             </a:extLst>
           </p:cNvPr>
@@ -5802,7 +5802,7 @@
           <p:cNvPr id="2" name="Title 1">
             <a:extLst>
               <a:ext uri="{FF2B5EF4-FFF2-40B4-BE49-F238E27FC236}">
-                <a16:creationId xmlns:a16="http://schemas.microsoft.com/office/drawing/2014/main" xmlns="" id="{DAD94EF5-1A70-254F-9102-5FE6EFA0BDEA}"/>
+                <a16:creationId xmlns="" xmlns:a16="http://schemas.microsoft.com/office/drawing/2014/main" id="{DAD94EF5-1A70-254F-9102-5FE6EFA0BDEA}"/>
               </a:ext>
             </a:extLst>
           </p:cNvPr>
@@ -5839,7 +5839,7 @@
           <p:cNvPr id="3" name="Content Placeholder 2">
             <a:extLst>
               <a:ext uri="{FF2B5EF4-FFF2-40B4-BE49-F238E27FC236}">
-                <a16:creationId xmlns:a16="http://schemas.microsoft.com/office/drawing/2014/main" xmlns="" id="{901D4F1D-C81B-9844-9963-18A908182D8C}"/>
+                <a16:creationId xmlns="" xmlns:a16="http://schemas.microsoft.com/office/drawing/2014/main" id="{901D4F1D-C81B-9844-9963-18A908182D8C}"/>
               </a:ext>
             </a:extLst>
           </p:cNvPr>
@@ -5929,7 +5929,7 @@
           <p:cNvPr id="4" name="Text Placeholder 3">
             <a:extLst>
               <a:ext uri="{FF2B5EF4-FFF2-40B4-BE49-F238E27FC236}">
-                <a16:creationId xmlns:a16="http://schemas.microsoft.com/office/drawing/2014/main" xmlns="" id="{3A6F232B-F970-894A-867A-7232BCC5E18F}"/>
+                <a16:creationId xmlns="" xmlns:a16="http://schemas.microsoft.com/office/drawing/2014/main" id="{3A6F232B-F970-894A-867A-7232BCC5E18F}"/>
               </a:ext>
             </a:extLst>
           </p:cNvPr>
@@ -6000,7 +6000,7 @@
           <p:cNvPr id="5" name="Date Placeholder 4">
             <a:extLst>
               <a:ext uri="{FF2B5EF4-FFF2-40B4-BE49-F238E27FC236}">
-                <a16:creationId xmlns:a16="http://schemas.microsoft.com/office/drawing/2014/main" xmlns="" id="{4E48B31E-E93B-F74B-995A-0D05DE3F56F4}"/>
+                <a16:creationId xmlns="" xmlns:a16="http://schemas.microsoft.com/office/drawing/2014/main" id="{4E48B31E-E93B-F74B-995A-0D05DE3F56F4}"/>
               </a:ext>
             </a:extLst>
           </p:cNvPr>
@@ -6018,7 +6018,7 @@
           <a:p>
             <a:fld id="{E389AA9D-A245-8245-B1FA-F343E2C3F01D}" type="datetimeFigureOut">
               <a:rPr lang="en-US" smtClean="0"/>
-              <a:t>9/12/20</a:t>
+              <a:t>10/11/20</a:t>
             </a:fld>
             <a:endParaRPr lang="en-US"/>
           </a:p>
@@ -6029,7 +6029,7 @@
           <p:cNvPr id="6" name="Footer Placeholder 5">
             <a:extLst>
               <a:ext uri="{FF2B5EF4-FFF2-40B4-BE49-F238E27FC236}">
-                <a16:creationId xmlns:a16="http://schemas.microsoft.com/office/drawing/2014/main" xmlns="" id="{87896F04-6893-A044-925C-DFC3F4F3A568}"/>
+                <a16:creationId xmlns="" xmlns:a16="http://schemas.microsoft.com/office/drawing/2014/main" id="{87896F04-6893-A044-925C-DFC3F4F3A568}"/>
               </a:ext>
             </a:extLst>
           </p:cNvPr>
@@ -6054,7 +6054,7 @@
           <p:cNvPr id="7" name="Slide Number Placeholder 6">
             <a:extLst>
               <a:ext uri="{FF2B5EF4-FFF2-40B4-BE49-F238E27FC236}">
-                <a16:creationId xmlns:a16="http://schemas.microsoft.com/office/drawing/2014/main" xmlns="" id="{CB7AF5CC-DFB0-274A-9218-61BE6F040EC4}"/>
+                <a16:creationId xmlns="" xmlns:a16="http://schemas.microsoft.com/office/drawing/2014/main" id="{CB7AF5CC-DFB0-274A-9218-61BE6F040EC4}"/>
               </a:ext>
             </a:extLst>
           </p:cNvPr>
@@ -6113,7 +6113,7 @@
           <p:cNvPr id="2" name="Title 1">
             <a:extLst>
               <a:ext uri="{FF2B5EF4-FFF2-40B4-BE49-F238E27FC236}">
-                <a16:creationId xmlns:a16="http://schemas.microsoft.com/office/drawing/2014/main" xmlns="" id="{CED204D7-5DE2-9646-9AA3-782CD58D96E3}"/>
+                <a16:creationId xmlns="" xmlns:a16="http://schemas.microsoft.com/office/drawing/2014/main" id="{CED204D7-5DE2-9646-9AA3-782CD58D96E3}"/>
               </a:ext>
             </a:extLst>
           </p:cNvPr>
@@ -6150,7 +6150,7 @@
           <p:cNvPr id="3" name="Picture Placeholder 2">
             <a:extLst>
               <a:ext uri="{FF2B5EF4-FFF2-40B4-BE49-F238E27FC236}">
-                <a16:creationId xmlns:a16="http://schemas.microsoft.com/office/drawing/2014/main" xmlns="" id="{B32454CE-BDBD-9D49-B6BE-E73A9D78E211}"/>
+                <a16:creationId xmlns="" xmlns:a16="http://schemas.microsoft.com/office/drawing/2014/main" id="{B32454CE-BDBD-9D49-B6BE-E73A9D78E211}"/>
               </a:ext>
             </a:extLst>
           </p:cNvPr>
@@ -6217,7 +6217,7 @@
           <p:cNvPr id="4" name="Text Placeholder 3">
             <a:extLst>
               <a:ext uri="{FF2B5EF4-FFF2-40B4-BE49-F238E27FC236}">
-                <a16:creationId xmlns:a16="http://schemas.microsoft.com/office/drawing/2014/main" xmlns="" id="{A34D27B6-E809-6C46-BC0A-1CE2B62E586A}"/>
+                <a16:creationId xmlns="" xmlns:a16="http://schemas.microsoft.com/office/drawing/2014/main" id="{A34D27B6-E809-6C46-BC0A-1CE2B62E586A}"/>
               </a:ext>
             </a:extLst>
           </p:cNvPr>
@@ -6288,7 +6288,7 @@
           <p:cNvPr id="5" name="Date Placeholder 4">
             <a:extLst>
               <a:ext uri="{FF2B5EF4-FFF2-40B4-BE49-F238E27FC236}">
-                <a16:creationId xmlns:a16="http://schemas.microsoft.com/office/drawing/2014/main" xmlns="" id="{C0FD6300-54B8-4A4F-AB8D-8DE64E519AD4}"/>
+                <a16:creationId xmlns="" xmlns:a16="http://schemas.microsoft.com/office/drawing/2014/main" id="{C0FD6300-54B8-4A4F-AB8D-8DE64E519AD4}"/>
               </a:ext>
             </a:extLst>
           </p:cNvPr>
@@ -6306,7 +6306,7 @@
           <a:p>
             <a:fld id="{E389AA9D-A245-8245-B1FA-F343E2C3F01D}" type="datetimeFigureOut">
               <a:rPr lang="en-US" smtClean="0"/>
-              <a:t>9/12/20</a:t>
+              <a:t>10/11/20</a:t>
             </a:fld>
             <a:endParaRPr lang="en-US"/>
           </a:p>
@@ -6317,7 +6317,7 @@
           <p:cNvPr id="6" name="Footer Placeholder 5">
             <a:extLst>
               <a:ext uri="{FF2B5EF4-FFF2-40B4-BE49-F238E27FC236}">
-                <a16:creationId xmlns:a16="http://schemas.microsoft.com/office/drawing/2014/main" xmlns="" id="{C6F2C403-04D7-994D-9AA5-BDA08226233A}"/>
+                <a16:creationId xmlns="" xmlns:a16="http://schemas.microsoft.com/office/drawing/2014/main" id="{C6F2C403-04D7-994D-9AA5-BDA08226233A}"/>
               </a:ext>
             </a:extLst>
           </p:cNvPr>
@@ -6342,7 +6342,7 @@
           <p:cNvPr id="7" name="Slide Number Placeholder 6">
             <a:extLst>
               <a:ext uri="{FF2B5EF4-FFF2-40B4-BE49-F238E27FC236}">
-                <a16:creationId xmlns:a16="http://schemas.microsoft.com/office/drawing/2014/main" xmlns="" id="{BF64EF09-531E-0E49-A5A0-F52A47BB2A63}"/>
+                <a16:creationId xmlns="" xmlns:a16="http://schemas.microsoft.com/office/drawing/2014/main" id="{BF64EF09-531E-0E49-A5A0-F52A47BB2A63}"/>
               </a:ext>
             </a:extLst>
           </p:cNvPr>
@@ -6406,7 +6406,7 @@
           <p:cNvPr id="2" name="Title Placeholder 1">
             <a:extLst>
               <a:ext uri="{FF2B5EF4-FFF2-40B4-BE49-F238E27FC236}">
-                <a16:creationId xmlns:a16="http://schemas.microsoft.com/office/drawing/2014/main" xmlns="" id="{97E5194C-F555-614C-A1E3-2421C7241E30}"/>
+                <a16:creationId xmlns="" xmlns:a16="http://schemas.microsoft.com/office/drawing/2014/main" id="{97E5194C-F555-614C-A1E3-2421C7241E30}"/>
               </a:ext>
             </a:extLst>
           </p:cNvPr>
@@ -6444,7 +6444,7 @@
           <p:cNvPr id="3" name="Text Placeholder 2">
             <a:extLst>
               <a:ext uri="{FF2B5EF4-FFF2-40B4-BE49-F238E27FC236}">
-                <a16:creationId xmlns:a16="http://schemas.microsoft.com/office/drawing/2014/main" xmlns="" id="{5C568EF9-6FB8-FF4C-9D8C-86BCB8DF7A81}"/>
+                <a16:creationId xmlns="" xmlns:a16="http://schemas.microsoft.com/office/drawing/2014/main" id="{5C568EF9-6FB8-FF4C-9D8C-86BCB8DF7A81}"/>
               </a:ext>
             </a:extLst>
           </p:cNvPr>
@@ -6511,7 +6511,7 @@
           <p:cNvPr id="4" name="Date Placeholder 3">
             <a:extLst>
               <a:ext uri="{FF2B5EF4-FFF2-40B4-BE49-F238E27FC236}">
-                <a16:creationId xmlns:a16="http://schemas.microsoft.com/office/drawing/2014/main" xmlns="" id="{8171FAA0-A6FC-C244-AE5D-4FDCA5BEBBB4}"/>
+                <a16:creationId xmlns="" xmlns:a16="http://schemas.microsoft.com/office/drawing/2014/main" id="{8171FAA0-A6FC-C244-AE5D-4FDCA5BEBBB4}"/>
               </a:ext>
             </a:extLst>
           </p:cNvPr>
@@ -6547,7 +6547,7 @@
           <a:p>
             <a:fld id="{E389AA9D-A245-8245-B1FA-F343E2C3F01D}" type="datetimeFigureOut">
               <a:rPr lang="en-US" smtClean="0"/>
-              <a:t>9/12/20</a:t>
+              <a:t>10/11/20</a:t>
             </a:fld>
             <a:endParaRPr lang="en-US"/>
           </a:p>
@@ -6558,7 +6558,7 @@
           <p:cNvPr id="5" name="Footer Placeholder 4">
             <a:extLst>
               <a:ext uri="{FF2B5EF4-FFF2-40B4-BE49-F238E27FC236}">
-                <a16:creationId xmlns:a16="http://schemas.microsoft.com/office/drawing/2014/main" xmlns="" id="{EE18D8E6-A126-8647-AC17-43DE5789C363}"/>
+                <a16:creationId xmlns="" xmlns:a16="http://schemas.microsoft.com/office/drawing/2014/main" id="{EE18D8E6-A126-8647-AC17-43DE5789C363}"/>
               </a:ext>
             </a:extLst>
           </p:cNvPr>
@@ -6601,7 +6601,7 @@
           <p:cNvPr id="6" name="Slide Number Placeholder 5">
             <a:extLst>
               <a:ext uri="{FF2B5EF4-FFF2-40B4-BE49-F238E27FC236}">
-                <a16:creationId xmlns:a16="http://schemas.microsoft.com/office/drawing/2014/main" xmlns="" id="{8BE2B199-0B49-644B-8D17-0A32406C5981}"/>
+                <a16:creationId xmlns="" xmlns:a16="http://schemas.microsoft.com/office/drawing/2014/main" id="{8BE2B199-0B49-644B-8D17-0A32406C5981}"/>
               </a:ext>
             </a:extLst>
           </p:cNvPr>
@@ -7107,7 +7107,7 @@
                 <a:sym typeface="Arial"/>
               </a:rPr>
               <a:pPr/>
-              <a:t>9/12/20</a:t>
+              <a:t>10/11/20</a:t>
             </a:fld>
             <a:endParaRPr lang="en-US">
               <a:solidFill>
@@ -7597,15 +7597,7 @@
                 <a:ea typeface="Times New Roman" charset="0"/>
                 <a:cs typeface="Times New Roman" charset="0"/>
               </a:rPr>
-              <a:t>Unit </a:t>
-            </a:r>
-            <a:r>
-              <a:rPr lang="en-US" sz="3600" b="1" dirty="0" smtClean="0">
-                <a:latin typeface="Times New Roman" charset="0"/>
-                <a:ea typeface="Times New Roman" charset="0"/>
-                <a:cs typeface="Times New Roman" charset="0"/>
-              </a:rPr>
-              <a:t>2</a:t>
+              <a:t>Unit 2</a:t>
             </a:r>
             <a:r>
               <a:rPr lang="en-US" sz="3600" b="1" dirty="0">
@@ -7684,14 +7676,6 @@
                 <a:cs typeface="Times New Roman" charset="0"/>
               </a:rPr>
               <a:t>Parallelism</a:t>
-            </a:r>
-            <a:r>
-              <a:rPr lang="en-US" sz="3600" b="1" dirty="0" smtClean="0">
-                <a:latin typeface="Times New Roman" charset="0"/>
-                <a:ea typeface="Times New Roman" charset="0"/>
-                <a:cs typeface="Times New Roman" charset="0"/>
-              </a:rPr>
-              <a:t/>
             </a:r>
             <a:br>
               <a:rPr lang="en-US" sz="3600" b="1" dirty="0" smtClean="0">
@@ -7798,7 +7782,7 @@
         <p:spPr>
           <a:xfrm>
             <a:off x="754743" y="0"/>
-            <a:ext cx="10682514" cy="6858000"/>
+            <a:ext cx="10682515" cy="6858000"/>
           </a:xfrm>
         </p:spPr>
         <p:txBody>
@@ -7809,7 +7793,7 @@
           <a:p>
             <a:pPr algn="l" fontAlgn="ctr"/>
             <a:r>
-              <a:rPr lang="en-US" sz="2800" dirty="0" smtClean="0">
+              <a:rPr lang="en-US" sz="2800" dirty="0">
                 <a:latin typeface="Times New Roman" charset="0"/>
                 <a:ea typeface="Times New Roman" charset="0"/>
                 <a:cs typeface="Times New Roman" charset="0"/>
@@ -7817,14 +7801,14 @@
               <a:t>Except where otherwise noted, this work by</a:t>
             </a:r>
             <a:br>
-              <a:rPr lang="en-US" sz="2800" dirty="0" smtClean="0">
+              <a:rPr lang="en-US" sz="2800" dirty="0">
                 <a:latin typeface="Times New Roman" charset="0"/>
                 <a:ea typeface="Times New Roman" charset="0"/>
                 <a:cs typeface="Times New Roman" charset="0"/>
               </a:rPr>
             </a:br>
             <a:r>
-              <a:rPr lang="en-US" sz="2800" dirty="0" smtClean="0">
+              <a:rPr lang="en-US" sz="2800" dirty="0">
                 <a:latin typeface="Times New Roman" charset="0"/>
                 <a:ea typeface="Times New Roman" charset="0"/>
                 <a:cs typeface="Times New Roman" charset="0"/>
@@ -7832,31 +7816,56 @@
               <a:t>The Shodor Education Foundation, Inc. is licensed under</a:t>
             </a:r>
             <a:br>
-              <a:rPr lang="en-US" sz="2800" dirty="0" smtClean="0">
+              <a:rPr lang="en-US" sz="2800" dirty="0">
                 <a:latin typeface="Times New Roman" charset="0"/>
                 <a:ea typeface="Times New Roman" charset="0"/>
                 <a:cs typeface="Times New Roman" charset="0"/>
               </a:rPr>
             </a:br>
             <a:r>
-              <a:rPr lang="en-US" sz="2800" dirty="0" smtClean="0">
+              <a:rPr lang="en-US" sz="2800" dirty="0">
                 <a:latin typeface="Times New Roman" charset="0"/>
                 <a:ea typeface="Times New Roman" charset="0"/>
                 <a:cs typeface="Times New Roman" charset="0"/>
               </a:rPr>
-              <a:t>CC BY-NC 4.0. To view a copy of this license, visit </a:t>
-            </a:r>
-            <a:r>
-              <a:rPr lang="en-US" sz="2800" dirty="0" smtClean="0">
+              <a:t>CC </a:t>
+            </a:r>
+            <a:r>
+              <a:rPr lang="en-US" sz="2800" dirty="0">
+                <a:latin typeface="Times New Roman" charset="0"/>
+                <a:ea typeface="Times New Roman" charset="0"/>
+                <a:cs typeface="Times New Roman" charset="0"/>
+              </a:rPr>
+              <a:t>BY-SA </a:t>
+            </a:r>
+            <a:r>
+              <a:rPr lang="en-US" sz="2800" dirty="0">
+                <a:latin typeface="Times New Roman" charset="0"/>
+                <a:ea typeface="Times New Roman" charset="0"/>
+                <a:cs typeface="Times New Roman" charset="0"/>
+              </a:rPr>
+              <a:t>4.0. To view a copy of this license, visit </a:t>
+            </a:r>
+            <a:r>
+              <a:rPr lang="en-US" sz="2800" dirty="0">
                 <a:latin typeface="Times New Roman" charset="0"/>
                 <a:ea typeface="Times New Roman" charset="0"/>
                 <a:cs typeface="Times New Roman" charset="0"/>
                 <a:hlinkClick r:id="rId2"/>
               </a:rPr>
-              <a:t>https://creativecommons.org/licenses/by-nc/4.0</a:t>
-            </a:r>
-            <a:r>
-              <a:rPr lang="en-US" sz="2800" dirty="0" smtClean="0">
+              <a:t>https://</a:t>
+            </a:r>
+            <a:r>
+              <a:rPr lang="en-US" sz="2800" dirty="0">
+                <a:latin typeface="Times New Roman" charset="0"/>
+                <a:ea typeface="Times New Roman" charset="0"/>
+                <a:cs typeface="Times New Roman" charset="0"/>
+                <a:hlinkClick r:id="rId2"/>
+              </a:rPr>
+              <a:t>creativecommons.org/licenses/by-sa/4.0</a:t>
+            </a:r>
+            <a:r>
+              <a:rPr lang="en-US" sz="2800" dirty="0">
                 <a:latin typeface="Times New Roman" charset="0"/>
                 <a:ea typeface="Times New Roman" charset="0"/>
                 <a:cs typeface="Times New Roman" charset="0"/>
@@ -7864,14 +7873,14 @@
               <a:t/>
             </a:r>
             <a:br>
-              <a:rPr lang="en-US" sz="2800" dirty="0" smtClean="0">
+              <a:rPr lang="en-US" sz="2800" dirty="0">
                 <a:latin typeface="Times New Roman" charset="0"/>
                 <a:ea typeface="Times New Roman" charset="0"/>
                 <a:cs typeface="Times New Roman" charset="0"/>
               </a:rPr>
             </a:br>
             <a:r>
-              <a:rPr lang="en-US" sz="2800" dirty="0" smtClean="0">
+              <a:rPr lang="en-US" sz="2800" dirty="0">
                 <a:latin typeface="Times New Roman" charset="0"/>
                 <a:ea typeface="Times New Roman" charset="0"/>
                 <a:cs typeface="Times New Roman" charset="0"/>
@@ -7879,14 +7888,14 @@
               <a:t/>
             </a:r>
             <a:br>
-              <a:rPr lang="en-US" sz="2800" dirty="0" smtClean="0">
+              <a:rPr lang="en-US" sz="2800" dirty="0">
                 <a:latin typeface="Times New Roman" charset="0"/>
                 <a:ea typeface="Times New Roman" charset="0"/>
                 <a:cs typeface="Times New Roman" charset="0"/>
               </a:rPr>
             </a:br>
             <a:r>
-              <a:rPr lang="en-US" sz="2800" dirty="0" smtClean="0">
+              <a:rPr lang="en-US" sz="2800" dirty="0">
                 <a:latin typeface="Times New Roman" charset="0"/>
                 <a:ea typeface="Times New Roman" charset="0"/>
                 <a:cs typeface="Times New Roman" charset="0"/>
@@ -7894,7 +7903,7 @@
               <a:t>Browse and search the full curriculum at </a:t>
             </a:r>
             <a:r>
-              <a:rPr lang="en-US" sz="2800" dirty="0" smtClean="0">
+              <a:rPr lang="en-US" sz="2800" dirty="0">
                 <a:latin typeface="Times New Roman" charset="0"/>
                 <a:ea typeface="Times New Roman" charset="0"/>
                 <a:cs typeface="Times New Roman" charset="0"/>
@@ -7903,7 +7912,7 @@
               <a:t>http://shodor.org/petascale/materials/semester-curriculum</a:t>
             </a:r>
             <a:r>
-              <a:rPr lang="en-US" sz="2800" dirty="0" smtClean="0">
+              <a:rPr lang="en-US" sz="2800" dirty="0">
                 <a:latin typeface="Times New Roman" charset="0"/>
                 <a:ea typeface="Times New Roman" charset="0"/>
                 <a:cs typeface="Times New Roman" charset="0"/>
@@ -7911,14 +7920,14 @@
               <a:t/>
             </a:r>
             <a:br>
-              <a:rPr lang="en-US" sz="2800" dirty="0" smtClean="0">
+              <a:rPr lang="en-US" sz="2800" dirty="0">
                 <a:latin typeface="Times New Roman" charset="0"/>
                 <a:ea typeface="Times New Roman" charset="0"/>
                 <a:cs typeface="Times New Roman" charset="0"/>
               </a:rPr>
             </a:br>
             <a:r>
-              <a:rPr lang="en-US" sz="2800" dirty="0" smtClean="0">
+              <a:rPr lang="en-US" sz="2800" dirty="0">
                 <a:latin typeface="Times New Roman" charset="0"/>
                 <a:ea typeface="Times New Roman" charset="0"/>
                 <a:cs typeface="Times New Roman" charset="0"/>
@@ -7926,14 +7935,14 @@
               <a:t/>
             </a:r>
             <a:br>
-              <a:rPr lang="en-US" sz="2800" dirty="0" smtClean="0">
+              <a:rPr lang="en-US" sz="2800" dirty="0">
                 <a:latin typeface="Times New Roman" charset="0"/>
                 <a:ea typeface="Times New Roman" charset="0"/>
                 <a:cs typeface="Times New Roman" charset="0"/>
               </a:rPr>
             </a:br>
             <a:r>
-              <a:rPr lang="en-US" sz="2800" dirty="0" smtClean="0">
+              <a:rPr lang="en-US" sz="2800" dirty="0">
                 <a:latin typeface="Times New Roman" charset="0"/>
                 <a:ea typeface="Times New Roman" charset="0"/>
                 <a:cs typeface="Times New Roman" charset="0"/>
@@ -7941,7 +7950,7 @@
               <a:t>We welcome your improvements! You can submit your proposed changes to this material and the rest of the curriculum in our GitHub repository at </a:t>
             </a:r>
             <a:r>
-              <a:rPr lang="en-US" sz="2800" dirty="0" smtClean="0">
+              <a:rPr lang="en-US" sz="2800" dirty="0">
                 <a:latin typeface="Times New Roman" charset="0"/>
                 <a:ea typeface="Times New Roman" charset="0"/>
                 <a:cs typeface="Times New Roman" charset="0"/>
@@ -7950,7 +7959,7 @@
               <a:t>https://github.com/shodor-education/petascale-semester-curriculum</a:t>
             </a:r>
             <a:r>
-              <a:rPr lang="en-US" sz="2800" dirty="0" smtClean="0">
+              <a:rPr lang="en-US" sz="2800" dirty="0">
                 <a:latin typeface="Times New Roman" charset="0"/>
                 <a:ea typeface="Times New Roman" charset="0"/>
                 <a:cs typeface="Times New Roman" charset="0"/>
@@ -7958,14 +7967,14 @@
               <a:t/>
             </a:r>
             <a:br>
-              <a:rPr lang="en-US" sz="2800" dirty="0" smtClean="0">
+              <a:rPr lang="en-US" sz="2800" dirty="0">
                 <a:latin typeface="Times New Roman" charset="0"/>
                 <a:ea typeface="Times New Roman" charset="0"/>
                 <a:cs typeface="Times New Roman" charset="0"/>
               </a:rPr>
             </a:br>
             <a:r>
-              <a:rPr lang="en-US" sz="2800" dirty="0" smtClean="0">
+              <a:rPr lang="en-US" sz="2800" dirty="0">
                 <a:latin typeface="Times New Roman" charset="0"/>
                 <a:ea typeface="Times New Roman" charset="0"/>
                 <a:cs typeface="Times New Roman" charset="0"/>
@@ -7973,14 +7982,14 @@
               <a:t/>
             </a:r>
             <a:br>
-              <a:rPr lang="en-US" sz="2800" dirty="0" smtClean="0">
+              <a:rPr lang="en-US" sz="2800" dirty="0">
                 <a:latin typeface="Times New Roman" charset="0"/>
                 <a:ea typeface="Times New Roman" charset="0"/>
                 <a:cs typeface="Times New Roman" charset="0"/>
               </a:rPr>
             </a:br>
             <a:r>
-              <a:rPr lang="en-US" sz="2800" dirty="0" smtClean="0">
+              <a:rPr lang="en-US" sz="2800" dirty="0">
                 <a:latin typeface="Times New Roman" charset="0"/>
                 <a:ea typeface="Times New Roman" charset="0"/>
                 <a:cs typeface="Times New Roman" charset="0"/>
@@ -7988,7 +7997,7 @@
               <a:t>We want to hear from you! Please let us know your experiences using this material by sending email to </a:t>
             </a:r>
             <a:r>
-              <a:rPr lang="en-US" sz="2800" dirty="0" smtClean="0">
+              <a:rPr lang="en-US" sz="2800" dirty="0">
                 <a:latin typeface="Times New Roman" charset="0"/>
                 <a:ea typeface="Times New Roman" charset="0"/>
                 <a:cs typeface="Times New Roman" charset="0"/>
@@ -8007,7 +8016,7 @@
     </p:spTree>
     <p:extLst>
       <p:ext uri="{BB962C8B-B14F-4D97-AF65-F5344CB8AC3E}">
-        <p14:creationId xmlns:p14="http://schemas.microsoft.com/office/powerpoint/2010/main" val="1991195677"/>
+        <p14:creationId xmlns:p14="http://schemas.microsoft.com/office/powerpoint/2010/main" val="976467074"/>
       </p:ext>
     </p:extLst>
   </p:cSld>
@@ -8039,7 +8048,7 @@
           <p:cNvPr id="2" name="Title 1">
             <a:extLst>
               <a:ext uri="{FF2B5EF4-FFF2-40B4-BE49-F238E27FC236}">
-                <a16:creationId xmlns:a16="http://schemas.microsoft.com/office/drawing/2014/main" xmlns="" id="{95D21527-C946-AA4A-A86B-64672A9C4062}"/>
+                <a16:creationId xmlns="" xmlns:a16="http://schemas.microsoft.com/office/drawing/2014/main" id="{95D21527-C946-AA4A-A86B-64672A9C4062}"/>
               </a:ext>
             </a:extLst>
           </p:cNvPr>
@@ -8057,11 +8066,7 @@
           <a:p>
             <a:r>
               <a:rPr lang="en-US" dirty="0" smtClean="0"/>
-              <a:t>Lesson </a:t>
-            </a:r>
-            <a:r>
-              <a:rPr lang="en-US" dirty="0" smtClean="0"/>
-              <a:t>Learning </a:t>
+              <a:t>Lesson Learning </a:t>
             </a:r>
             <a:r>
               <a:rPr lang="en-US" dirty="0"/>
@@ -8075,7 +8080,7 @@
           <p:cNvPr id="3" name="Content Placeholder 2">
             <a:extLst>
               <a:ext uri="{FF2B5EF4-FFF2-40B4-BE49-F238E27FC236}">
-                <a16:creationId xmlns:a16="http://schemas.microsoft.com/office/drawing/2014/main" xmlns="" id="{0C25DB49-A89F-5B4E-AD0A-943BBE5D864B}"/>
+                <a16:creationId xmlns="" xmlns:a16="http://schemas.microsoft.com/office/drawing/2014/main" id="{0C25DB49-A89F-5B4E-AD0A-943BBE5D864B}"/>
               </a:ext>
             </a:extLst>
           </p:cNvPr>
@@ -8154,7 +8159,7 @@
           <p:cNvPr id="2" name="Title 1">
             <a:extLst>
               <a:ext uri="{FF2B5EF4-FFF2-40B4-BE49-F238E27FC236}">
-                <a16:creationId xmlns:a16="http://schemas.microsoft.com/office/drawing/2014/main" xmlns="" id="{6B80C641-2826-EA40-96C2-AC7D61132915}"/>
+                <a16:creationId xmlns="" xmlns:a16="http://schemas.microsoft.com/office/drawing/2014/main" id="{6B80C641-2826-EA40-96C2-AC7D61132915}"/>
               </a:ext>
             </a:extLst>
           </p:cNvPr>
@@ -8182,7 +8187,7 @@
           <p:cNvPr id="3" name="Content Placeholder 2">
             <a:extLst>
               <a:ext uri="{FF2B5EF4-FFF2-40B4-BE49-F238E27FC236}">
-                <a16:creationId xmlns:a16="http://schemas.microsoft.com/office/drawing/2014/main" xmlns="" id="{1B7A09BD-F786-5F42-93F6-4659653DCA06}"/>
+                <a16:creationId xmlns="" xmlns:a16="http://schemas.microsoft.com/office/drawing/2014/main" id="{1B7A09BD-F786-5F42-93F6-4659653DCA06}"/>
               </a:ext>
             </a:extLst>
           </p:cNvPr>
@@ -8233,7 +8238,7 @@
           <p:cNvPr id="4" name="image11.jpg">
             <a:extLst>
               <a:ext uri="{FF2B5EF4-FFF2-40B4-BE49-F238E27FC236}">
-                <a16:creationId xmlns:a16="http://schemas.microsoft.com/office/drawing/2014/main" xmlns="" id="{CBB09214-24FF-EE40-9887-76F1051A24A0}"/>
+                <a16:creationId xmlns="" xmlns:a16="http://schemas.microsoft.com/office/drawing/2014/main" id="{CBB09214-24FF-EE40-9887-76F1051A24A0}"/>
               </a:ext>
             </a:extLst>
           </p:cNvPr>
@@ -8263,7 +8268,7 @@
           <p:cNvPr id="5" name="TextBox 4">
             <a:extLst>
               <a:ext uri="{FF2B5EF4-FFF2-40B4-BE49-F238E27FC236}">
-                <a16:creationId xmlns:a16="http://schemas.microsoft.com/office/drawing/2014/main" xmlns="" id="{152D77FD-82C1-5047-89B4-8DC88C35AFE0}"/>
+                <a16:creationId xmlns="" xmlns:a16="http://schemas.microsoft.com/office/drawing/2014/main" id="{152D77FD-82C1-5047-89B4-8DC88C35AFE0}"/>
               </a:ext>
             </a:extLst>
           </p:cNvPr>
@@ -8304,7 +8309,7 @@
           <p:cNvPr id="6" name="TextBox 5">
             <a:extLst>
               <a:ext uri="{FF2B5EF4-FFF2-40B4-BE49-F238E27FC236}">
-                <a16:creationId xmlns:a16="http://schemas.microsoft.com/office/drawing/2014/main" xmlns="" id="{54AF32F3-3F93-1348-A4E9-7763756F8567}"/>
+                <a16:creationId xmlns="" xmlns:a16="http://schemas.microsoft.com/office/drawing/2014/main" id="{54AF32F3-3F93-1348-A4E9-7763756F8567}"/>
               </a:ext>
             </a:extLst>
           </p:cNvPr>
@@ -8376,7 +8381,7 @@
           <p:cNvPr id="2" name="Title 1">
             <a:extLst>
               <a:ext uri="{FF2B5EF4-FFF2-40B4-BE49-F238E27FC236}">
-                <a16:creationId xmlns:a16="http://schemas.microsoft.com/office/drawing/2014/main" xmlns="" id="{3777F6A6-10FF-D948-A97C-D7D5FC234AFF}"/>
+                <a16:creationId xmlns="" xmlns:a16="http://schemas.microsoft.com/office/drawing/2014/main" id="{3777F6A6-10FF-D948-A97C-D7D5FC234AFF}"/>
               </a:ext>
             </a:extLst>
           </p:cNvPr>
@@ -8404,7 +8409,7 @@
           <p:cNvPr id="3" name="Content Placeholder 2">
             <a:extLst>
               <a:ext uri="{FF2B5EF4-FFF2-40B4-BE49-F238E27FC236}">
-                <a16:creationId xmlns:a16="http://schemas.microsoft.com/office/drawing/2014/main" xmlns="" id="{9B1C5DFF-3BAA-504D-8C7B-6B24939B056F}"/>
+                <a16:creationId xmlns="" xmlns:a16="http://schemas.microsoft.com/office/drawing/2014/main" id="{9B1C5DFF-3BAA-504D-8C7B-6B24939B056F}"/>
               </a:ext>
             </a:extLst>
           </p:cNvPr>
@@ -8491,7 +8496,7 @@
           <p:cNvPr id="2" name="Title 1">
             <a:extLst>
               <a:ext uri="{FF2B5EF4-FFF2-40B4-BE49-F238E27FC236}">
-                <a16:creationId xmlns:a16="http://schemas.microsoft.com/office/drawing/2014/main" xmlns="" id="{815A418C-CE0D-6843-BD08-8663DD324EEE}"/>
+                <a16:creationId xmlns="" xmlns:a16="http://schemas.microsoft.com/office/drawing/2014/main" id="{815A418C-CE0D-6843-BD08-8663DD324EEE}"/>
               </a:ext>
             </a:extLst>
           </p:cNvPr>
@@ -8519,7 +8524,7 @@
           <p:cNvPr id="4" name="Content Placeholder 3">
             <a:extLst>
               <a:ext uri="{FF2B5EF4-FFF2-40B4-BE49-F238E27FC236}">
-                <a16:creationId xmlns:a16="http://schemas.microsoft.com/office/drawing/2014/main" xmlns="" id="{D146D73B-D740-4D4C-8C00-FA96CB3B5BDA}"/>
+                <a16:creationId xmlns="" xmlns:a16="http://schemas.microsoft.com/office/drawing/2014/main" id="{D146D73B-D740-4D4C-8C00-FA96CB3B5BDA}"/>
               </a:ext>
             </a:extLst>
           </p:cNvPr>
@@ -8596,7 +8601,7 @@
           <p:cNvPr id="6" name="image10.png">
             <a:extLst>
               <a:ext uri="{FF2B5EF4-FFF2-40B4-BE49-F238E27FC236}">
-                <a16:creationId xmlns:a16="http://schemas.microsoft.com/office/drawing/2014/main" xmlns="" id="{87B7ECC4-4F76-0747-85F8-A09931904905}"/>
+                <a16:creationId xmlns="" xmlns:a16="http://schemas.microsoft.com/office/drawing/2014/main" id="{87B7ECC4-4F76-0747-85F8-A09931904905}"/>
               </a:ext>
             </a:extLst>
           </p:cNvPr>
@@ -8656,7 +8661,7 @@
           <p:cNvPr id="2" name="Title 1">
             <a:extLst>
               <a:ext uri="{FF2B5EF4-FFF2-40B4-BE49-F238E27FC236}">
-                <a16:creationId xmlns:a16="http://schemas.microsoft.com/office/drawing/2014/main" xmlns="" id="{6A3515B8-2697-0846-9963-9F933047D5EB}"/>
+                <a16:creationId xmlns="" xmlns:a16="http://schemas.microsoft.com/office/drawing/2014/main" id="{6A3515B8-2697-0846-9963-9F933047D5EB}"/>
               </a:ext>
             </a:extLst>
           </p:cNvPr>
@@ -8684,7 +8689,7 @@
           <p:cNvPr id="3" name="Content Placeholder 2">
             <a:extLst>
               <a:ext uri="{FF2B5EF4-FFF2-40B4-BE49-F238E27FC236}">
-                <a16:creationId xmlns:a16="http://schemas.microsoft.com/office/drawing/2014/main" xmlns="" id="{C8ACE87D-CECF-924B-95A7-B8962E469AFA}"/>
+                <a16:creationId xmlns="" xmlns:a16="http://schemas.microsoft.com/office/drawing/2014/main" id="{C8ACE87D-CECF-924B-95A7-B8962E469AFA}"/>
               </a:ext>
             </a:extLst>
           </p:cNvPr>
@@ -8748,7 +8753,7 @@
           <p:cNvPr id="2" name="Title 1">
             <a:extLst>
               <a:ext uri="{FF2B5EF4-FFF2-40B4-BE49-F238E27FC236}">
-                <a16:creationId xmlns:a16="http://schemas.microsoft.com/office/drawing/2014/main" xmlns="" id="{5EEE1811-4B8A-8440-8ACA-FBEDC727DF34}"/>
+                <a16:creationId xmlns="" xmlns:a16="http://schemas.microsoft.com/office/drawing/2014/main" id="{5EEE1811-4B8A-8440-8ACA-FBEDC727DF34}"/>
               </a:ext>
             </a:extLst>
           </p:cNvPr>
@@ -8776,7 +8781,7 @@
           <p:cNvPr id="3" name="Content Placeholder 2">
             <a:extLst>
               <a:ext uri="{FF2B5EF4-FFF2-40B4-BE49-F238E27FC236}">
-                <a16:creationId xmlns:a16="http://schemas.microsoft.com/office/drawing/2014/main" xmlns="" id="{ADB45017-CE2B-B543-AD5C-EEDAAA6D88CF}"/>
+                <a16:creationId xmlns="" xmlns:a16="http://schemas.microsoft.com/office/drawing/2014/main" id="{ADB45017-CE2B-B543-AD5C-EEDAAA6D88CF}"/>
               </a:ext>
             </a:extLst>
           </p:cNvPr>
@@ -8826,7 +8831,7 @@
           <p:cNvPr id="5" name="Rectangle 4">
             <a:extLst>
               <a:ext uri="{FF2B5EF4-FFF2-40B4-BE49-F238E27FC236}">
-                <a16:creationId xmlns:a16="http://schemas.microsoft.com/office/drawing/2014/main" xmlns="" id="{27AAB4D5-2A5C-3940-A7A9-7FE1CBF0250D}"/>
+                <a16:creationId xmlns="" xmlns:a16="http://schemas.microsoft.com/office/drawing/2014/main" id="{27AAB4D5-2A5C-3940-A7A9-7FE1CBF0250D}"/>
               </a:ext>
             </a:extLst>
           </p:cNvPr>
@@ -8883,7 +8888,7 @@
           <p:cNvPr id="7" name="Rectangle 6">
             <a:extLst>
               <a:ext uri="{FF2B5EF4-FFF2-40B4-BE49-F238E27FC236}">
-                <a16:creationId xmlns:a16="http://schemas.microsoft.com/office/drawing/2014/main" xmlns="" id="{8EF7996A-AABC-9C42-A76C-CA219B4DE974}"/>
+                <a16:creationId xmlns="" xmlns:a16="http://schemas.microsoft.com/office/drawing/2014/main" id="{8EF7996A-AABC-9C42-A76C-CA219B4DE974}"/>
               </a:ext>
             </a:extLst>
           </p:cNvPr>
@@ -8932,7 +8937,7 @@
           <p:cNvPr id="8" name="Rectangle 7">
             <a:extLst>
               <a:ext uri="{FF2B5EF4-FFF2-40B4-BE49-F238E27FC236}">
-                <a16:creationId xmlns:a16="http://schemas.microsoft.com/office/drawing/2014/main" xmlns="" id="{E464FC21-9604-A143-872D-B7B08A9DAA9F}"/>
+                <a16:creationId xmlns="" xmlns:a16="http://schemas.microsoft.com/office/drawing/2014/main" id="{E464FC21-9604-A143-872D-B7B08A9DAA9F}"/>
               </a:ext>
             </a:extLst>
           </p:cNvPr>
@@ -8989,7 +8994,7 @@
           <p:cNvPr id="9" name="Rectangle 8">
             <a:extLst>
               <a:ext uri="{FF2B5EF4-FFF2-40B4-BE49-F238E27FC236}">
-                <a16:creationId xmlns:a16="http://schemas.microsoft.com/office/drawing/2014/main" xmlns="" id="{0CF0AA78-AA68-0040-8F06-9F19EBEEA09F}"/>
+                <a16:creationId xmlns="" xmlns:a16="http://schemas.microsoft.com/office/drawing/2014/main" id="{0CF0AA78-AA68-0040-8F06-9F19EBEEA09F}"/>
               </a:ext>
             </a:extLst>
           </p:cNvPr>
@@ -9038,7 +9043,7 @@
           <p:cNvPr id="10" name="TextBox 9">
             <a:extLst>
               <a:ext uri="{FF2B5EF4-FFF2-40B4-BE49-F238E27FC236}">
-                <a16:creationId xmlns:a16="http://schemas.microsoft.com/office/drawing/2014/main" xmlns="" id="{DA0F844B-4EEE-D742-8C02-F5C88A2DECD2}"/>
+                <a16:creationId xmlns="" xmlns:a16="http://schemas.microsoft.com/office/drawing/2014/main" id="{DA0F844B-4EEE-D742-8C02-F5C88A2DECD2}"/>
               </a:ext>
             </a:extLst>
           </p:cNvPr>
@@ -9104,7 +9109,7 @@
           <p:cNvPr id="2" name="Title 1">
             <a:extLst>
               <a:ext uri="{FF2B5EF4-FFF2-40B4-BE49-F238E27FC236}">
-                <a16:creationId xmlns:a16="http://schemas.microsoft.com/office/drawing/2014/main" xmlns="" id="{FB9BFDEB-DE6A-984A-B311-6B9B650F1C57}"/>
+                <a16:creationId xmlns="" xmlns:a16="http://schemas.microsoft.com/office/drawing/2014/main" id="{FB9BFDEB-DE6A-984A-B311-6B9B650F1C57}"/>
               </a:ext>
             </a:extLst>
           </p:cNvPr>
@@ -9132,7 +9137,7 @@
           <p:cNvPr id="5" name="Content Placeholder 4">
             <a:extLst>
               <a:ext uri="{FF2B5EF4-FFF2-40B4-BE49-F238E27FC236}">
-                <a16:creationId xmlns:a16="http://schemas.microsoft.com/office/drawing/2014/main" xmlns="" id="{1E3300B2-A75A-E345-A31B-F6AEF80B18DE}"/>
+                <a16:creationId xmlns="" xmlns:a16="http://schemas.microsoft.com/office/drawing/2014/main" id="{1E3300B2-A75A-E345-A31B-F6AEF80B18DE}"/>
               </a:ext>
             </a:extLst>
           </p:cNvPr>

--- a/units/2/lessons/1/resources/petascale-lesson-2.1-slides.pptx
+++ b/units/2/lessons/1/resources/petascale-lesson-2.1-slides.pptx
@@ -121,7 +121,7 @@
       <p15:sldGuideLst xmlns:p15="http://schemas.microsoft.com/office/powerpoint/2012/main"/>
     </p:ext>
     <p:ext uri="http://customooxmlschemas.google.com/">
-      <go:slidesCustomData xmlns="" xmlns:p15="http://schemas.microsoft.com/office/powerpoint/2012/main" xmlns:go="http://customooxmlschemas.google.com/" roundtripDataSignature="AMtx7mhjSgRlE9C6u6EdzSfIjC8I+/qzYg==" r:id="rId16"/>
+      <go:slidesCustomData xmlns:go="http://customooxmlschemas.google.com/" xmlns:p15="http://schemas.microsoft.com/office/powerpoint/2012/main" xmlns="" roundtripDataSignature="AMtx7mhjSgRlE9C6u6EdzSfIjC8I+/qzYg==" r:id="rId16"/>
     </p:ext>
   </p:extLst>
 </p:presentation>
@@ -131,57 +131,6 @@
 <p:cmAuthorLst xmlns:a="http://schemas.openxmlformats.org/drawingml/2006/main" xmlns:r="http://schemas.openxmlformats.org/officeDocument/2006/relationships" xmlns:p="http://schemas.openxmlformats.org/presentationml/2006/main">
   <p:cmAuthor id="0" name="Anonymous" initials="" lastIdx="3" clrIdx="0"/>
 </p:cmAuthorLst>
-</file>
-
-<file path=ppt/comments/comment1.xml><?xml version="1.0" encoding="utf-8"?>
-<p:cmLst xmlns:a="http://schemas.openxmlformats.org/drawingml/2006/main" xmlns:r="http://schemas.openxmlformats.org/officeDocument/2006/relationships" xmlns:p="http://schemas.openxmlformats.org/presentationml/2006/main">
-  <p:cm authorId="0" dt="2020-06-27T22:22:15.796" idx="1">
-    <p:pos x="2936" y="3480"/>
-    <p:text>The symbol next to this term is showing as a question mark in a box. Is that what should be showing?</p:text>
-    <p:extLst>
-      <p:ext uri="{C676402C-5697-4E1C-873F-D02D1690AC5C}">
-        <p15:threadingInfo xmlns:p15="http://schemas.microsoft.com/office/powerpoint/2012/main" timeZoneBias="0"/>
-      </p:ext>
-      <p:ext uri="http://customooxmlschemas.google.com/">
-        <go:slidesCustomData xmlns="" xmlns:p15="http://schemas.microsoft.com/office/powerpoint/2012/main" xmlns:go="http://customooxmlschemas.google.com/" commentPostId="AAAAGq7_CV0"/>
-      </p:ext>
-    </p:extLst>
-  </p:cm>
-</p:cmLst>
-</file>
-
-<file path=ppt/comments/comment2.xml><?xml version="1.0" encoding="utf-8"?>
-<p:cmLst xmlns:a="http://schemas.openxmlformats.org/drawingml/2006/main" xmlns:r="http://schemas.openxmlformats.org/officeDocument/2006/relationships" xmlns:p="http://schemas.openxmlformats.org/presentationml/2006/main">
-  <p:cm authorId="0" dt="2020-06-27T22:25:39.723" idx="2">
-    <p:pos x="3677" y="1219"/>
-    <p:text>Maybe add a little more detail to this slide.</p:text>
-    <p:extLst>
-      <p:ext uri="{C676402C-5697-4E1C-873F-D02D1690AC5C}">
-        <p15:threadingInfo xmlns:p15="http://schemas.microsoft.com/office/powerpoint/2012/main" timeZoneBias="0"/>
-      </p:ext>
-      <p:ext uri="http://customooxmlschemas.google.com/">
-        <go:slidesCustomData xmlns="" xmlns:p15="http://schemas.microsoft.com/office/powerpoint/2012/main" xmlns:go="http://customooxmlschemas.google.com/" commentPostId="AAAAGq7_CWM"/>
-      </p:ext>
-    </p:extLst>
-  </p:cm>
-</p:cmLst>
-</file>
-
-<file path=ppt/comments/comment3.xml><?xml version="1.0" encoding="utf-8"?>
-<p:cmLst xmlns:a="http://schemas.openxmlformats.org/drawingml/2006/main" xmlns:r="http://schemas.openxmlformats.org/officeDocument/2006/relationships" xmlns:p="http://schemas.openxmlformats.org/presentationml/2006/main">
-  <p:cm authorId="0" dt="2020-06-27T22:24:34.952" idx="3">
-    <p:pos x="2333" y="470"/>
-    <p:text>I might suggest to write the summary slightly different, since it is basically just a copy of the outline slide. Summarize it in a reworded way.</p:text>
-    <p:extLst>
-      <p:ext uri="{C676402C-5697-4E1C-873F-D02D1690AC5C}">
-        <p15:threadingInfo xmlns:p15="http://schemas.microsoft.com/office/powerpoint/2012/main" timeZoneBias="0"/>
-      </p:ext>
-      <p:ext uri="http://customooxmlschemas.google.com/">
-        <go:slidesCustomData xmlns="" xmlns:p15="http://schemas.microsoft.com/office/powerpoint/2012/main" xmlns:go="http://customooxmlschemas.google.com/" commentPostId="AAAAGq7_CWE"/>
-      </p:ext>
-    </p:extLst>
-  </p:cm>
-</p:cmLst>
 </file>
 
 <file path=ppt/notesMasters/notesMaster1.xml><?xml version="1.0" encoding="utf-8"?>
@@ -266,7 +215,7 @@
           <a:p>
             <a:fld id="{5CBF2A87-9387-EB42-B173-5ABD7500A47C}" type="datetimeFigureOut">
               <a:rPr lang="en-US" smtClean="0"/>
-              <a:t>10/11/20</a:t>
+              <a:t>11/16/20</a:t>
             </a:fld>
             <a:endParaRPr lang="en-US"/>
           </a:p>
@@ -1164,7 +1113,7 @@
           <p:cNvPr id="2" name="Title 1">
             <a:extLst>
               <a:ext uri="{FF2B5EF4-FFF2-40B4-BE49-F238E27FC236}">
-                <a16:creationId xmlns="" xmlns:a16="http://schemas.microsoft.com/office/drawing/2014/main" id="{4154FF00-6C1D-4547-8A0C-5087ACDA336B}"/>
+                <a16:creationId xmlns:a16="http://schemas.microsoft.com/office/drawing/2014/main" xmlns="" id="{4154FF00-6C1D-4547-8A0C-5087ACDA336B}"/>
               </a:ext>
             </a:extLst>
           </p:cNvPr>
@@ -1201,7 +1150,7 @@
           <p:cNvPr id="3" name="Subtitle 2">
             <a:extLst>
               <a:ext uri="{FF2B5EF4-FFF2-40B4-BE49-F238E27FC236}">
-                <a16:creationId xmlns="" xmlns:a16="http://schemas.microsoft.com/office/drawing/2014/main" id="{750EE6CE-15DD-614F-AB4A-E3A06297484D}"/>
+                <a16:creationId xmlns:a16="http://schemas.microsoft.com/office/drawing/2014/main" xmlns="" id="{750EE6CE-15DD-614F-AB4A-E3A06297484D}"/>
               </a:ext>
             </a:extLst>
           </p:cNvPr>
@@ -1271,7 +1220,7 @@
           <p:cNvPr id="4" name="Date Placeholder 3">
             <a:extLst>
               <a:ext uri="{FF2B5EF4-FFF2-40B4-BE49-F238E27FC236}">
-                <a16:creationId xmlns="" xmlns:a16="http://schemas.microsoft.com/office/drawing/2014/main" id="{DB7DEBA0-59D7-3C47-98D9-71CBD5EF029A}"/>
+                <a16:creationId xmlns:a16="http://schemas.microsoft.com/office/drawing/2014/main" xmlns="" id="{DB7DEBA0-59D7-3C47-98D9-71CBD5EF029A}"/>
               </a:ext>
             </a:extLst>
           </p:cNvPr>
@@ -1289,7 +1238,7 @@
           <a:p>
             <a:fld id="{E389AA9D-A245-8245-B1FA-F343E2C3F01D}" type="datetimeFigureOut">
               <a:rPr lang="en-US" smtClean="0"/>
-              <a:t>10/11/20</a:t>
+              <a:t>11/16/20</a:t>
             </a:fld>
             <a:endParaRPr lang="en-US"/>
           </a:p>
@@ -1300,7 +1249,7 @@
           <p:cNvPr id="5" name="Footer Placeholder 4">
             <a:extLst>
               <a:ext uri="{FF2B5EF4-FFF2-40B4-BE49-F238E27FC236}">
-                <a16:creationId xmlns="" xmlns:a16="http://schemas.microsoft.com/office/drawing/2014/main" id="{41F018F2-98BE-4843-BCC2-987D23BDDACA}"/>
+                <a16:creationId xmlns:a16="http://schemas.microsoft.com/office/drawing/2014/main" xmlns="" id="{41F018F2-98BE-4843-BCC2-987D23BDDACA}"/>
               </a:ext>
             </a:extLst>
           </p:cNvPr>
@@ -1325,7 +1274,7 @@
           <p:cNvPr id="6" name="Slide Number Placeholder 5">
             <a:extLst>
               <a:ext uri="{FF2B5EF4-FFF2-40B4-BE49-F238E27FC236}">
-                <a16:creationId xmlns="" xmlns:a16="http://schemas.microsoft.com/office/drawing/2014/main" id="{2947633B-CED6-9042-BCE5-20D730690570}"/>
+                <a16:creationId xmlns:a16="http://schemas.microsoft.com/office/drawing/2014/main" xmlns="" id="{2947633B-CED6-9042-BCE5-20D730690570}"/>
               </a:ext>
             </a:extLst>
           </p:cNvPr>
@@ -1384,7 +1333,7 @@
           <p:cNvPr id="2" name="Title 1">
             <a:extLst>
               <a:ext uri="{FF2B5EF4-FFF2-40B4-BE49-F238E27FC236}">
-                <a16:creationId xmlns="" xmlns:a16="http://schemas.microsoft.com/office/drawing/2014/main" id="{1145828A-6EA7-9B49-AF1C-45BCA8F1DB23}"/>
+                <a16:creationId xmlns:a16="http://schemas.microsoft.com/office/drawing/2014/main" xmlns="" id="{1145828A-6EA7-9B49-AF1C-45BCA8F1DB23}"/>
               </a:ext>
             </a:extLst>
           </p:cNvPr>
@@ -1412,7 +1361,7 @@
           <p:cNvPr id="3" name="Vertical Text Placeholder 2">
             <a:extLst>
               <a:ext uri="{FF2B5EF4-FFF2-40B4-BE49-F238E27FC236}">
-                <a16:creationId xmlns="" xmlns:a16="http://schemas.microsoft.com/office/drawing/2014/main" id="{AEA57A97-638C-2D4C-B984-B944923DCB75}"/>
+                <a16:creationId xmlns:a16="http://schemas.microsoft.com/office/drawing/2014/main" xmlns="" id="{AEA57A97-638C-2D4C-B984-B944923DCB75}"/>
               </a:ext>
             </a:extLst>
           </p:cNvPr>
@@ -1469,7 +1418,7 @@
           <p:cNvPr id="4" name="Date Placeholder 3">
             <a:extLst>
               <a:ext uri="{FF2B5EF4-FFF2-40B4-BE49-F238E27FC236}">
-                <a16:creationId xmlns="" xmlns:a16="http://schemas.microsoft.com/office/drawing/2014/main" id="{EBE56020-F746-FF46-8F8F-76EB174B2866}"/>
+                <a16:creationId xmlns:a16="http://schemas.microsoft.com/office/drawing/2014/main" xmlns="" id="{EBE56020-F746-FF46-8F8F-76EB174B2866}"/>
               </a:ext>
             </a:extLst>
           </p:cNvPr>
@@ -1487,7 +1436,7 @@
           <a:p>
             <a:fld id="{E389AA9D-A245-8245-B1FA-F343E2C3F01D}" type="datetimeFigureOut">
               <a:rPr lang="en-US" smtClean="0"/>
-              <a:t>10/11/20</a:t>
+              <a:t>11/16/20</a:t>
             </a:fld>
             <a:endParaRPr lang="en-US"/>
           </a:p>
@@ -1498,7 +1447,7 @@
           <p:cNvPr id="5" name="Footer Placeholder 4">
             <a:extLst>
               <a:ext uri="{FF2B5EF4-FFF2-40B4-BE49-F238E27FC236}">
-                <a16:creationId xmlns="" xmlns:a16="http://schemas.microsoft.com/office/drawing/2014/main" id="{1F8B489C-E6A8-5349-B3AB-41D4DF239ECF}"/>
+                <a16:creationId xmlns:a16="http://schemas.microsoft.com/office/drawing/2014/main" xmlns="" id="{1F8B489C-E6A8-5349-B3AB-41D4DF239ECF}"/>
               </a:ext>
             </a:extLst>
           </p:cNvPr>
@@ -1523,7 +1472,7 @@
           <p:cNvPr id="6" name="Slide Number Placeholder 5">
             <a:extLst>
               <a:ext uri="{FF2B5EF4-FFF2-40B4-BE49-F238E27FC236}">
-                <a16:creationId xmlns="" xmlns:a16="http://schemas.microsoft.com/office/drawing/2014/main" id="{C6B8E5CF-9F22-7347-9597-A71F500254A6}"/>
+                <a16:creationId xmlns:a16="http://schemas.microsoft.com/office/drawing/2014/main" xmlns="" id="{C6B8E5CF-9F22-7347-9597-A71F500254A6}"/>
               </a:ext>
             </a:extLst>
           </p:cNvPr>
@@ -1582,7 +1531,7 @@
           <p:cNvPr id="2" name="Vertical Title 1">
             <a:extLst>
               <a:ext uri="{FF2B5EF4-FFF2-40B4-BE49-F238E27FC236}">
-                <a16:creationId xmlns="" xmlns:a16="http://schemas.microsoft.com/office/drawing/2014/main" id="{FDACEA32-B942-2248-B85F-572F92F0A9F0}"/>
+                <a16:creationId xmlns:a16="http://schemas.microsoft.com/office/drawing/2014/main" xmlns="" id="{FDACEA32-B942-2248-B85F-572F92F0A9F0}"/>
               </a:ext>
             </a:extLst>
           </p:cNvPr>
@@ -1615,7 +1564,7 @@
           <p:cNvPr id="3" name="Vertical Text Placeholder 2">
             <a:extLst>
               <a:ext uri="{FF2B5EF4-FFF2-40B4-BE49-F238E27FC236}">
-                <a16:creationId xmlns="" xmlns:a16="http://schemas.microsoft.com/office/drawing/2014/main" id="{4BB564C5-497A-744B-819E-B6649B83A81D}"/>
+                <a16:creationId xmlns:a16="http://schemas.microsoft.com/office/drawing/2014/main" xmlns="" id="{4BB564C5-497A-744B-819E-B6649B83A81D}"/>
               </a:ext>
             </a:extLst>
           </p:cNvPr>
@@ -1677,7 +1626,7 @@
           <p:cNvPr id="4" name="Date Placeholder 3">
             <a:extLst>
               <a:ext uri="{FF2B5EF4-FFF2-40B4-BE49-F238E27FC236}">
-                <a16:creationId xmlns="" xmlns:a16="http://schemas.microsoft.com/office/drawing/2014/main" id="{EE709782-4DE3-2347-BA98-0C3372D9F652}"/>
+                <a16:creationId xmlns:a16="http://schemas.microsoft.com/office/drawing/2014/main" xmlns="" id="{EE709782-4DE3-2347-BA98-0C3372D9F652}"/>
               </a:ext>
             </a:extLst>
           </p:cNvPr>
@@ -1695,7 +1644,7 @@
           <a:p>
             <a:fld id="{E389AA9D-A245-8245-B1FA-F343E2C3F01D}" type="datetimeFigureOut">
               <a:rPr lang="en-US" smtClean="0"/>
-              <a:t>10/11/20</a:t>
+              <a:t>11/16/20</a:t>
             </a:fld>
             <a:endParaRPr lang="en-US"/>
           </a:p>
@@ -1706,7 +1655,7 @@
           <p:cNvPr id="5" name="Footer Placeholder 4">
             <a:extLst>
               <a:ext uri="{FF2B5EF4-FFF2-40B4-BE49-F238E27FC236}">
-                <a16:creationId xmlns="" xmlns:a16="http://schemas.microsoft.com/office/drawing/2014/main" id="{8625CD21-2409-1440-980D-CF27E5CEB256}"/>
+                <a16:creationId xmlns:a16="http://schemas.microsoft.com/office/drawing/2014/main" xmlns="" id="{8625CD21-2409-1440-980D-CF27E5CEB256}"/>
               </a:ext>
             </a:extLst>
           </p:cNvPr>
@@ -1731,7 +1680,7 @@
           <p:cNvPr id="6" name="Slide Number Placeholder 5">
             <a:extLst>
               <a:ext uri="{FF2B5EF4-FFF2-40B4-BE49-F238E27FC236}">
-                <a16:creationId xmlns="" xmlns:a16="http://schemas.microsoft.com/office/drawing/2014/main" id="{E41D5F59-DA90-3B4B-838D-6B96648F8B90}"/>
+                <a16:creationId xmlns:a16="http://schemas.microsoft.com/office/drawing/2014/main" xmlns="" id="{E41D5F59-DA90-3B4B-838D-6B96648F8B90}"/>
               </a:ext>
             </a:extLst>
           </p:cNvPr>
@@ -1906,7 +1855,7 @@
                 </a:solidFill>
               </a:rPr>
               <a:pPr/>
-              <a:t>10/11/20</a:t>
+              <a:t>11/16/20</a:t>
             </a:fld>
             <a:endParaRPr lang="en-US">
               <a:solidFill>
@@ -2104,7 +2053,7 @@
                 </a:solidFill>
               </a:rPr>
               <a:pPr/>
-              <a:t>10/11/20</a:t>
+              <a:t>11/16/20</a:t>
             </a:fld>
             <a:endParaRPr lang="en-US">
               <a:solidFill>
@@ -2378,7 +2327,7 @@
                 </a:solidFill>
               </a:rPr>
               <a:pPr/>
-              <a:t>10/11/20</a:t>
+              <a:t>11/16/20</a:t>
             </a:fld>
             <a:endParaRPr lang="en-US">
               <a:solidFill>
@@ -2638,7 +2587,7 @@
                 </a:solidFill>
               </a:rPr>
               <a:pPr/>
-              <a:t>10/11/20</a:t>
+              <a:t>11/16/20</a:t>
             </a:fld>
             <a:endParaRPr lang="en-US">
               <a:solidFill>
@@ -3033,7 +2982,7 @@
                 </a:solidFill>
               </a:rPr>
               <a:pPr/>
-              <a:t>10/11/20</a:t>
+              <a:t>11/16/20</a:t>
             </a:fld>
             <a:endParaRPr lang="en-US">
               <a:solidFill>
@@ -3179,7 +3128,7 @@
                 </a:solidFill>
               </a:rPr>
               <a:pPr/>
-              <a:t>10/11/20</a:t>
+              <a:t>11/16/20</a:t>
             </a:fld>
             <a:endParaRPr lang="en-US">
               <a:solidFill>
@@ -3302,7 +3251,7 @@
                 </a:solidFill>
               </a:rPr>
               <a:pPr/>
-              <a:t>10/11/20</a:t>
+              <a:t>11/16/20</a:t>
             </a:fld>
             <a:endParaRPr lang="en-US">
               <a:solidFill>
@@ -3607,7 +3556,7 @@
                 </a:solidFill>
               </a:rPr>
               <a:pPr/>
-              <a:t>10/11/20</a:t>
+              <a:t>11/16/20</a:t>
             </a:fld>
             <a:endParaRPr lang="en-US">
               <a:solidFill>
@@ -3711,7 +3660,7 @@
           <p:cNvPr id="2" name="Title 1">
             <a:extLst>
               <a:ext uri="{FF2B5EF4-FFF2-40B4-BE49-F238E27FC236}">
-                <a16:creationId xmlns="" xmlns:a16="http://schemas.microsoft.com/office/drawing/2014/main" id="{2E55494D-DDAA-DB44-ACDD-045F4E2CCEA4}"/>
+                <a16:creationId xmlns:a16="http://schemas.microsoft.com/office/drawing/2014/main" xmlns="" id="{2E55494D-DDAA-DB44-ACDD-045F4E2CCEA4}"/>
               </a:ext>
             </a:extLst>
           </p:cNvPr>
@@ -3739,7 +3688,7 @@
           <p:cNvPr id="3" name="Content Placeholder 2">
             <a:extLst>
               <a:ext uri="{FF2B5EF4-FFF2-40B4-BE49-F238E27FC236}">
-                <a16:creationId xmlns="" xmlns:a16="http://schemas.microsoft.com/office/drawing/2014/main" id="{1F709144-9CC0-3544-BCEC-A42596B9CCA7}"/>
+                <a16:creationId xmlns:a16="http://schemas.microsoft.com/office/drawing/2014/main" xmlns="" id="{1F709144-9CC0-3544-BCEC-A42596B9CCA7}"/>
               </a:ext>
             </a:extLst>
           </p:cNvPr>
@@ -3796,7 +3745,7 @@
           <p:cNvPr id="4" name="Date Placeholder 3">
             <a:extLst>
               <a:ext uri="{FF2B5EF4-FFF2-40B4-BE49-F238E27FC236}">
-                <a16:creationId xmlns="" xmlns:a16="http://schemas.microsoft.com/office/drawing/2014/main" id="{6524CB33-91E9-FA4E-A4C0-D91C60541C4C}"/>
+                <a16:creationId xmlns:a16="http://schemas.microsoft.com/office/drawing/2014/main" xmlns="" id="{6524CB33-91E9-FA4E-A4C0-D91C60541C4C}"/>
               </a:ext>
             </a:extLst>
           </p:cNvPr>
@@ -3814,7 +3763,7 @@
           <a:p>
             <a:fld id="{E389AA9D-A245-8245-B1FA-F343E2C3F01D}" type="datetimeFigureOut">
               <a:rPr lang="en-US" smtClean="0"/>
-              <a:t>10/11/20</a:t>
+              <a:t>11/16/20</a:t>
             </a:fld>
             <a:endParaRPr lang="en-US"/>
           </a:p>
@@ -3825,7 +3774,7 @@
           <p:cNvPr id="5" name="Footer Placeholder 4">
             <a:extLst>
               <a:ext uri="{FF2B5EF4-FFF2-40B4-BE49-F238E27FC236}">
-                <a16:creationId xmlns="" xmlns:a16="http://schemas.microsoft.com/office/drawing/2014/main" id="{E32AED04-7F27-3640-B823-C9284A132199}"/>
+                <a16:creationId xmlns:a16="http://schemas.microsoft.com/office/drawing/2014/main" xmlns="" id="{E32AED04-7F27-3640-B823-C9284A132199}"/>
               </a:ext>
             </a:extLst>
           </p:cNvPr>
@@ -3850,7 +3799,7 @@
           <p:cNvPr id="6" name="Slide Number Placeholder 5">
             <a:extLst>
               <a:ext uri="{FF2B5EF4-FFF2-40B4-BE49-F238E27FC236}">
-                <a16:creationId xmlns="" xmlns:a16="http://schemas.microsoft.com/office/drawing/2014/main" id="{1120C55E-E812-B246-84C8-6AEA2E402241}"/>
+                <a16:creationId xmlns:a16="http://schemas.microsoft.com/office/drawing/2014/main" xmlns="" id="{1120C55E-E812-B246-84C8-6AEA2E402241}"/>
               </a:ext>
             </a:extLst>
           </p:cNvPr>
@@ -4086,7 +4035,7 @@
                 </a:solidFill>
               </a:rPr>
               <a:pPr/>
-              <a:t>10/11/20</a:t>
+              <a:t>11/16/20</a:t>
             </a:fld>
             <a:endParaRPr lang="en-US">
               <a:solidFill>
@@ -4284,7 +4233,7 @@
                 </a:solidFill>
               </a:rPr>
               <a:pPr/>
-              <a:t>10/11/20</a:t>
+              <a:t>11/16/20</a:t>
             </a:fld>
             <a:endParaRPr lang="en-US">
               <a:solidFill>
@@ -4492,7 +4441,7 @@
                 </a:solidFill>
               </a:rPr>
               <a:pPr/>
-              <a:t>10/11/20</a:t>
+              <a:t>11/16/20</a:t>
             </a:fld>
             <a:endParaRPr lang="en-US">
               <a:solidFill>
@@ -4596,7 +4545,7 @@
           <p:cNvPr id="2" name="Title 1">
             <a:extLst>
               <a:ext uri="{FF2B5EF4-FFF2-40B4-BE49-F238E27FC236}">
-                <a16:creationId xmlns="" xmlns:a16="http://schemas.microsoft.com/office/drawing/2014/main" id="{0F55F23F-BDB1-7F4B-96FF-482840FD3CCE}"/>
+                <a16:creationId xmlns:a16="http://schemas.microsoft.com/office/drawing/2014/main" xmlns="" id="{0F55F23F-BDB1-7F4B-96FF-482840FD3CCE}"/>
               </a:ext>
             </a:extLst>
           </p:cNvPr>
@@ -4633,7 +4582,7 @@
           <p:cNvPr id="3" name="Text Placeholder 2">
             <a:extLst>
               <a:ext uri="{FF2B5EF4-FFF2-40B4-BE49-F238E27FC236}">
-                <a16:creationId xmlns="" xmlns:a16="http://schemas.microsoft.com/office/drawing/2014/main" id="{EB4FC190-4426-6C4C-9C97-06F967C8BCCD}"/>
+                <a16:creationId xmlns:a16="http://schemas.microsoft.com/office/drawing/2014/main" xmlns="" id="{EB4FC190-4426-6C4C-9C97-06F967C8BCCD}"/>
               </a:ext>
             </a:extLst>
           </p:cNvPr>
@@ -4758,7 +4707,7 @@
           <p:cNvPr id="4" name="Date Placeholder 3">
             <a:extLst>
               <a:ext uri="{FF2B5EF4-FFF2-40B4-BE49-F238E27FC236}">
-                <a16:creationId xmlns="" xmlns:a16="http://schemas.microsoft.com/office/drawing/2014/main" id="{81D5A383-BF63-8541-B54D-38CE5E3EE6A9}"/>
+                <a16:creationId xmlns:a16="http://schemas.microsoft.com/office/drawing/2014/main" xmlns="" id="{81D5A383-BF63-8541-B54D-38CE5E3EE6A9}"/>
               </a:ext>
             </a:extLst>
           </p:cNvPr>
@@ -4776,7 +4725,7 @@
           <a:p>
             <a:fld id="{E389AA9D-A245-8245-B1FA-F343E2C3F01D}" type="datetimeFigureOut">
               <a:rPr lang="en-US" smtClean="0"/>
-              <a:t>10/11/20</a:t>
+              <a:t>11/16/20</a:t>
             </a:fld>
             <a:endParaRPr lang="en-US"/>
           </a:p>
@@ -4787,7 +4736,7 @@
           <p:cNvPr id="5" name="Footer Placeholder 4">
             <a:extLst>
               <a:ext uri="{FF2B5EF4-FFF2-40B4-BE49-F238E27FC236}">
-                <a16:creationId xmlns="" xmlns:a16="http://schemas.microsoft.com/office/drawing/2014/main" id="{FE93493E-ADA5-814F-B39F-329605710B06}"/>
+                <a16:creationId xmlns:a16="http://schemas.microsoft.com/office/drawing/2014/main" xmlns="" id="{FE93493E-ADA5-814F-B39F-329605710B06}"/>
               </a:ext>
             </a:extLst>
           </p:cNvPr>
@@ -4812,7 +4761,7 @@
           <p:cNvPr id="6" name="Slide Number Placeholder 5">
             <a:extLst>
               <a:ext uri="{FF2B5EF4-FFF2-40B4-BE49-F238E27FC236}">
-                <a16:creationId xmlns="" xmlns:a16="http://schemas.microsoft.com/office/drawing/2014/main" id="{28F86D13-86AE-6B4B-A90C-4697DBD7E80B}"/>
+                <a16:creationId xmlns:a16="http://schemas.microsoft.com/office/drawing/2014/main" xmlns="" id="{28F86D13-86AE-6B4B-A90C-4697DBD7E80B}"/>
               </a:ext>
             </a:extLst>
           </p:cNvPr>
@@ -4871,7 +4820,7 @@
           <p:cNvPr id="2" name="Title 1">
             <a:extLst>
               <a:ext uri="{FF2B5EF4-FFF2-40B4-BE49-F238E27FC236}">
-                <a16:creationId xmlns="" xmlns:a16="http://schemas.microsoft.com/office/drawing/2014/main" id="{863FBF3B-02BD-E94D-9AF9-1ECEA3C20D1C}"/>
+                <a16:creationId xmlns:a16="http://schemas.microsoft.com/office/drawing/2014/main" xmlns="" id="{863FBF3B-02BD-E94D-9AF9-1ECEA3C20D1C}"/>
               </a:ext>
             </a:extLst>
           </p:cNvPr>
@@ -4899,7 +4848,7 @@
           <p:cNvPr id="3" name="Content Placeholder 2">
             <a:extLst>
               <a:ext uri="{FF2B5EF4-FFF2-40B4-BE49-F238E27FC236}">
-                <a16:creationId xmlns="" xmlns:a16="http://schemas.microsoft.com/office/drawing/2014/main" id="{7E11630E-DFF3-2045-9AB8-DCED929E3E82}"/>
+                <a16:creationId xmlns:a16="http://schemas.microsoft.com/office/drawing/2014/main" xmlns="" id="{7E11630E-DFF3-2045-9AB8-DCED929E3E82}"/>
               </a:ext>
             </a:extLst>
           </p:cNvPr>
@@ -4961,7 +4910,7 @@
           <p:cNvPr id="4" name="Content Placeholder 3">
             <a:extLst>
               <a:ext uri="{FF2B5EF4-FFF2-40B4-BE49-F238E27FC236}">
-                <a16:creationId xmlns="" xmlns:a16="http://schemas.microsoft.com/office/drawing/2014/main" id="{66DE622E-3E7E-E44D-9D98-9F8501CBB46A}"/>
+                <a16:creationId xmlns:a16="http://schemas.microsoft.com/office/drawing/2014/main" xmlns="" id="{66DE622E-3E7E-E44D-9D98-9F8501CBB46A}"/>
               </a:ext>
             </a:extLst>
           </p:cNvPr>
@@ -5023,7 +4972,7 @@
           <p:cNvPr id="5" name="Date Placeholder 4">
             <a:extLst>
               <a:ext uri="{FF2B5EF4-FFF2-40B4-BE49-F238E27FC236}">
-                <a16:creationId xmlns="" xmlns:a16="http://schemas.microsoft.com/office/drawing/2014/main" id="{2E079E84-DA1E-F249-A52A-74882E3EC639}"/>
+                <a16:creationId xmlns:a16="http://schemas.microsoft.com/office/drawing/2014/main" xmlns="" id="{2E079E84-DA1E-F249-A52A-74882E3EC639}"/>
               </a:ext>
             </a:extLst>
           </p:cNvPr>
@@ -5041,7 +4990,7 @@
           <a:p>
             <a:fld id="{E389AA9D-A245-8245-B1FA-F343E2C3F01D}" type="datetimeFigureOut">
               <a:rPr lang="en-US" smtClean="0"/>
-              <a:t>10/11/20</a:t>
+              <a:t>11/16/20</a:t>
             </a:fld>
             <a:endParaRPr lang="en-US"/>
           </a:p>
@@ -5052,7 +5001,7 @@
           <p:cNvPr id="6" name="Footer Placeholder 5">
             <a:extLst>
               <a:ext uri="{FF2B5EF4-FFF2-40B4-BE49-F238E27FC236}">
-                <a16:creationId xmlns="" xmlns:a16="http://schemas.microsoft.com/office/drawing/2014/main" id="{4A3F0287-C6A5-674A-B46B-F00DB8F853BD}"/>
+                <a16:creationId xmlns:a16="http://schemas.microsoft.com/office/drawing/2014/main" xmlns="" id="{4A3F0287-C6A5-674A-B46B-F00DB8F853BD}"/>
               </a:ext>
             </a:extLst>
           </p:cNvPr>
@@ -5077,7 +5026,7 @@
           <p:cNvPr id="7" name="Slide Number Placeholder 6">
             <a:extLst>
               <a:ext uri="{FF2B5EF4-FFF2-40B4-BE49-F238E27FC236}">
-                <a16:creationId xmlns="" xmlns:a16="http://schemas.microsoft.com/office/drawing/2014/main" id="{128186AF-674A-1C4A-9450-38659B9620A5}"/>
+                <a16:creationId xmlns:a16="http://schemas.microsoft.com/office/drawing/2014/main" xmlns="" id="{128186AF-674A-1C4A-9450-38659B9620A5}"/>
               </a:ext>
             </a:extLst>
           </p:cNvPr>
@@ -5136,7 +5085,7 @@
           <p:cNvPr id="2" name="Title 1">
             <a:extLst>
               <a:ext uri="{FF2B5EF4-FFF2-40B4-BE49-F238E27FC236}">
-                <a16:creationId xmlns="" xmlns:a16="http://schemas.microsoft.com/office/drawing/2014/main" id="{7DB30D2B-5168-CA4A-86CF-A25BEB1EDBC6}"/>
+                <a16:creationId xmlns:a16="http://schemas.microsoft.com/office/drawing/2014/main" xmlns="" id="{7DB30D2B-5168-CA4A-86CF-A25BEB1EDBC6}"/>
               </a:ext>
             </a:extLst>
           </p:cNvPr>
@@ -5169,7 +5118,7 @@
           <p:cNvPr id="3" name="Text Placeholder 2">
             <a:extLst>
               <a:ext uri="{FF2B5EF4-FFF2-40B4-BE49-F238E27FC236}">
-                <a16:creationId xmlns="" xmlns:a16="http://schemas.microsoft.com/office/drawing/2014/main" id="{CA79734B-93AE-5842-8B70-69618414F534}"/>
+                <a16:creationId xmlns:a16="http://schemas.microsoft.com/office/drawing/2014/main" xmlns="" id="{CA79734B-93AE-5842-8B70-69618414F534}"/>
               </a:ext>
             </a:extLst>
           </p:cNvPr>
@@ -5240,7 +5189,7 @@
           <p:cNvPr id="4" name="Content Placeholder 3">
             <a:extLst>
               <a:ext uri="{FF2B5EF4-FFF2-40B4-BE49-F238E27FC236}">
-                <a16:creationId xmlns="" xmlns:a16="http://schemas.microsoft.com/office/drawing/2014/main" id="{A9031B97-C934-1045-88FA-4E94833AF748}"/>
+                <a16:creationId xmlns:a16="http://schemas.microsoft.com/office/drawing/2014/main" xmlns="" id="{A9031B97-C934-1045-88FA-4E94833AF748}"/>
               </a:ext>
             </a:extLst>
           </p:cNvPr>
@@ -5302,7 +5251,7 @@
           <p:cNvPr id="5" name="Text Placeholder 4">
             <a:extLst>
               <a:ext uri="{FF2B5EF4-FFF2-40B4-BE49-F238E27FC236}">
-                <a16:creationId xmlns="" xmlns:a16="http://schemas.microsoft.com/office/drawing/2014/main" id="{93D495DD-79B5-5744-A957-9A2612EDF62A}"/>
+                <a16:creationId xmlns:a16="http://schemas.microsoft.com/office/drawing/2014/main" xmlns="" id="{93D495DD-79B5-5744-A957-9A2612EDF62A}"/>
               </a:ext>
             </a:extLst>
           </p:cNvPr>
@@ -5373,7 +5322,7 @@
           <p:cNvPr id="6" name="Content Placeholder 5">
             <a:extLst>
               <a:ext uri="{FF2B5EF4-FFF2-40B4-BE49-F238E27FC236}">
-                <a16:creationId xmlns="" xmlns:a16="http://schemas.microsoft.com/office/drawing/2014/main" id="{ADB235EC-2E08-F044-8030-C3023954BBA3}"/>
+                <a16:creationId xmlns:a16="http://schemas.microsoft.com/office/drawing/2014/main" xmlns="" id="{ADB235EC-2E08-F044-8030-C3023954BBA3}"/>
               </a:ext>
             </a:extLst>
           </p:cNvPr>
@@ -5435,7 +5384,7 @@
           <p:cNvPr id="7" name="Date Placeholder 6">
             <a:extLst>
               <a:ext uri="{FF2B5EF4-FFF2-40B4-BE49-F238E27FC236}">
-                <a16:creationId xmlns="" xmlns:a16="http://schemas.microsoft.com/office/drawing/2014/main" id="{4D129B26-2B38-1345-949B-44AE0FA8D010}"/>
+                <a16:creationId xmlns:a16="http://schemas.microsoft.com/office/drawing/2014/main" xmlns="" id="{4D129B26-2B38-1345-949B-44AE0FA8D010}"/>
               </a:ext>
             </a:extLst>
           </p:cNvPr>
@@ -5453,7 +5402,7 @@
           <a:p>
             <a:fld id="{E389AA9D-A245-8245-B1FA-F343E2C3F01D}" type="datetimeFigureOut">
               <a:rPr lang="en-US" smtClean="0"/>
-              <a:t>10/11/20</a:t>
+              <a:t>11/16/20</a:t>
             </a:fld>
             <a:endParaRPr lang="en-US"/>
           </a:p>
@@ -5464,7 +5413,7 @@
           <p:cNvPr id="8" name="Footer Placeholder 7">
             <a:extLst>
               <a:ext uri="{FF2B5EF4-FFF2-40B4-BE49-F238E27FC236}">
-                <a16:creationId xmlns="" xmlns:a16="http://schemas.microsoft.com/office/drawing/2014/main" id="{59466BBD-CF8A-9145-9AD1-9623F65CAC17}"/>
+                <a16:creationId xmlns:a16="http://schemas.microsoft.com/office/drawing/2014/main" xmlns="" id="{59466BBD-CF8A-9145-9AD1-9623F65CAC17}"/>
               </a:ext>
             </a:extLst>
           </p:cNvPr>
@@ -5489,7 +5438,7 @@
           <p:cNvPr id="9" name="Slide Number Placeholder 8">
             <a:extLst>
               <a:ext uri="{FF2B5EF4-FFF2-40B4-BE49-F238E27FC236}">
-                <a16:creationId xmlns="" xmlns:a16="http://schemas.microsoft.com/office/drawing/2014/main" id="{0B558038-9343-4C4F-B795-4B8EDC06F4AD}"/>
+                <a16:creationId xmlns:a16="http://schemas.microsoft.com/office/drawing/2014/main" xmlns="" id="{0B558038-9343-4C4F-B795-4B8EDC06F4AD}"/>
               </a:ext>
             </a:extLst>
           </p:cNvPr>
@@ -5548,7 +5497,7 @@
           <p:cNvPr id="2" name="Title 1">
             <a:extLst>
               <a:ext uri="{FF2B5EF4-FFF2-40B4-BE49-F238E27FC236}">
-                <a16:creationId xmlns="" xmlns:a16="http://schemas.microsoft.com/office/drawing/2014/main" id="{9B295A98-597F-1047-A7B2-1477A76FC890}"/>
+                <a16:creationId xmlns:a16="http://schemas.microsoft.com/office/drawing/2014/main" xmlns="" id="{9B295A98-597F-1047-A7B2-1477A76FC890}"/>
               </a:ext>
             </a:extLst>
           </p:cNvPr>
@@ -5576,7 +5525,7 @@
           <p:cNvPr id="3" name="Date Placeholder 2">
             <a:extLst>
               <a:ext uri="{FF2B5EF4-FFF2-40B4-BE49-F238E27FC236}">
-                <a16:creationId xmlns="" xmlns:a16="http://schemas.microsoft.com/office/drawing/2014/main" id="{D4B4B6B9-8B8D-EF4D-9BEB-EF1445053A6F}"/>
+                <a16:creationId xmlns:a16="http://schemas.microsoft.com/office/drawing/2014/main" xmlns="" id="{D4B4B6B9-8B8D-EF4D-9BEB-EF1445053A6F}"/>
               </a:ext>
             </a:extLst>
           </p:cNvPr>
@@ -5594,7 +5543,7 @@
           <a:p>
             <a:fld id="{E389AA9D-A245-8245-B1FA-F343E2C3F01D}" type="datetimeFigureOut">
               <a:rPr lang="en-US" smtClean="0"/>
-              <a:t>10/11/20</a:t>
+              <a:t>11/16/20</a:t>
             </a:fld>
             <a:endParaRPr lang="en-US"/>
           </a:p>
@@ -5605,7 +5554,7 @@
           <p:cNvPr id="4" name="Footer Placeholder 3">
             <a:extLst>
               <a:ext uri="{FF2B5EF4-FFF2-40B4-BE49-F238E27FC236}">
-                <a16:creationId xmlns="" xmlns:a16="http://schemas.microsoft.com/office/drawing/2014/main" id="{E0C47C1B-7F79-CF43-BA22-1AD4E162D7B0}"/>
+                <a16:creationId xmlns:a16="http://schemas.microsoft.com/office/drawing/2014/main" xmlns="" id="{E0C47C1B-7F79-CF43-BA22-1AD4E162D7B0}"/>
               </a:ext>
             </a:extLst>
           </p:cNvPr>
@@ -5630,7 +5579,7 @@
           <p:cNvPr id="5" name="Slide Number Placeholder 4">
             <a:extLst>
               <a:ext uri="{FF2B5EF4-FFF2-40B4-BE49-F238E27FC236}">
-                <a16:creationId xmlns="" xmlns:a16="http://schemas.microsoft.com/office/drawing/2014/main" id="{EFB81D42-E412-B148-B037-4741F744D552}"/>
+                <a16:creationId xmlns:a16="http://schemas.microsoft.com/office/drawing/2014/main" xmlns="" id="{EFB81D42-E412-B148-B037-4741F744D552}"/>
               </a:ext>
             </a:extLst>
           </p:cNvPr>
@@ -5689,7 +5638,7 @@
           <p:cNvPr id="2" name="Date Placeholder 1">
             <a:extLst>
               <a:ext uri="{FF2B5EF4-FFF2-40B4-BE49-F238E27FC236}">
-                <a16:creationId xmlns="" xmlns:a16="http://schemas.microsoft.com/office/drawing/2014/main" id="{3CC03EBA-A07F-7B44-8CA5-C7DB28AE95EF}"/>
+                <a16:creationId xmlns:a16="http://schemas.microsoft.com/office/drawing/2014/main" xmlns="" id="{3CC03EBA-A07F-7B44-8CA5-C7DB28AE95EF}"/>
               </a:ext>
             </a:extLst>
           </p:cNvPr>
@@ -5707,7 +5656,7 @@
           <a:p>
             <a:fld id="{E389AA9D-A245-8245-B1FA-F343E2C3F01D}" type="datetimeFigureOut">
               <a:rPr lang="en-US" smtClean="0"/>
-              <a:t>10/11/20</a:t>
+              <a:t>11/16/20</a:t>
             </a:fld>
             <a:endParaRPr lang="en-US"/>
           </a:p>
@@ -5718,7 +5667,7 @@
           <p:cNvPr id="3" name="Footer Placeholder 2">
             <a:extLst>
               <a:ext uri="{FF2B5EF4-FFF2-40B4-BE49-F238E27FC236}">
-                <a16:creationId xmlns="" xmlns:a16="http://schemas.microsoft.com/office/drawing/2014/main" id="{32793365-CEC5-8C42-8428-5056757A25D2}"/>
+                <a16:creationId xmlns:a16="http://schemas.microsoft.com/office/drawing/2014/main" xmlns="" id="{32793365-CEC5-8C42-8428-5056757A25D2}"/>
               </a:ext>
             </a:extLst>
           </p:cNvPr>
@@ -5743,7 +5692,7 @@
           <p:cNvPr id="4" name="Slide Number Placeholder 3">
             <a:extLst>
               <a:ext uri="{FF2B5EF4-FFF2-40B4-BE49-F238E27FC236}">
-                <a16:creationId xmlns="" xmlns:a16="http://schemas.microsoft.com/office/drawing/2014/main" id="{D00C7855-C87E-4840-83B1-11830F68181E}"/>
+                <a16:creationId xmlns:a16="http://schemas.microsoft.com/office/drawing/2014/main" xmlns="" id="{D00C7855-C87E-4840-83B1-11830F68181E}"/>
               </a:ext>
             </a:extLst>
           </p:cNvPr>
@@ -5802,7 +5751,7 @@
           <p:cNvPr id="2" name="Title 1">
             <a:extLst>
               <a:ext uri="{FF2B5EF4-FFF2-40B4-BE49-F238E27FC236}">
-                <a16:creationId xmlns="" xmlns:a16="http://schemas.microsoft.com/office/drawing/2014/main" id="{DAD94EF5-1A70-254F-9102-5FE6EFA0BDEA}"/>
+                <a16:creationId xmlns:a16="http://schemas.microsoft.com/office/drawing/2014/main" xmlns="" id="{DAD94EF5-1A70-254F-9102-5FE6EFA0BDEA}"/>
               </a:ext>
             </a:extLst>
           </p:cNvPr>
@@ -5839,7 +5788,7 @@
           <p:cNvPr id="3" name="Content Placeholder 2">
             <a:extLst>
               <a:ext uri="{FF2B5EF4-FFF2-40B4-BE49-F238E27FC236}">
-                <a16:creationId xmlns="" xmlns:a16="http://schemas.microsoft.com/office/drawing/2014/main" id="{901D4F1D-C81B-9844-9963-18A908182D8C}"/>
+                <a16:creationId xmlns:a16="http://schemas.microsoft.com/office/drawing/2014/main" xmlns="" id="{901D4F1D-C81B-9844-9963-18A908182D8C}"/>
               </a:ext>
             </a:extLst>
           </p:cNvPr>
@@ -5929,7 +5878,7 @@
           <p:cNvPr id="4" name="Text Placeholder 3">
             <a:extLst>
               <a:ext uri="{FF2B5EF4-FFF2-40B4-BE49-F238E27FC236}">
-                <a16:creationId xmlns="" xmlns:a16="http://schemas.microsoft.com/office/drawing/2014/main" id="{3A6F232B-F970-894A-867A-7232BCC5E18F}"/>
+                <a16:creationId xmlns:a16="http://schemas.microsoft.com/office/drawing/2014/main" xmlns="" id="{3A6F232B-F970-894A-867A-7232BCC5E18F}"/>
               </a:ext>
             </a:extLst>
           </p:cNvPr>
@@ -6000,7 +5949,7 @@
           <p:cNvPr id="5" name="Date Placeholder 4">
             <a:extLst>
               <a:ext uri="{FF2B5EF4-FFF2-40B4-BE49-F238E27FC236}">
-                <a16:creationId xmlns="" xmlns:a16="http://schemas.microsoft.com/office/drawing/2014/main" id="{4E48B31E-E93B-F74B-995A-0D05DE3F56F4}"/>
+                <a16:creationId xmlns:a16="http://schemas.microsoft.com/office/drawing/2014/main" xmlns="" id="{4E48B31E-E93B-F74B-995A-0D05DE3F56F4}"/>
               </a:ext>
             </a:extLst>
           </p:cNvPr>
@@ -6018,7 +5967,7 @@
           <a:p>
             <a:fld id="{E389AA9D-A245-8245-B1FA-F343E2C3F01D}" type="datetimeFigureOut">
               <a:rPr lang="en-US" smtClean="0"/>
-              <a:t>10/11/20</a:t>
+              <a:t>11/16/20</a:t>
             </a:fld>
             <a:endParaRPr lang="en-US"/>
           </a:p>
@@ -6029,7 +5978,7 @@
           <p:cNvPr id="6" name="Footer Placeholder 5">
             <a:extLst>
               <a:ext uri="{FF2B5EF4-FFF2-40B4-BE49-F238E27FC236}">
-                <a16:creationId xmlns="" xmlns:a16="http://schemas.microsoft.com/office/drawing/2014/main" id="{87896F04-6893-A044-925C-DFC3F4F3A568}"/>
+                <a16:creationId xmlns:a16="http://schemas.microsoft.com/office/drawing/2014/main" xmlns="" id="{87896F04-6893-A044-925C-DFC3F4F3A568}"/>
               </a:ext>
             </a:extLst>
           </p:cNvPr>
@@ -6054,7 +6003,7 @@
           <p:cNvPr id="7" name="Slide Number Placeholder 6">
             <a:extLst>
               <a:ext uri="{FF2B5EF4-FFF2-40B4-BE49-F238E27FC236}">
-                <a16:creationId xmlns="" xmlns:a16="http://schemas.microsoft.com/office/drawing/2014/main" id="{CB7AF5CC-DFB0-274A-9218-61BE6F040EC4}"/>
+                <a16:creationId xmlns:a16="http://schemas.microsoft.com/office/drawing/2014/main" xmlns="" id="{CB7AF5CC-DFB0-274A-9218-61BE6F040EC4}"/>
               </a:ext>
             </a:extLst>
           </p:cNvPr>
@@ -6113,7 +6062,7 @@
           <p:cNvPr id="2" name="Title 1">
             <a:extLst>
               <a:ext uri="{FF2B5EF4-FFF2-40B4-BE49-F238E27FC236}">
-                <a16:creationId xmlns="" xmlns:a16="http://schemas.microsoft.com/office/drawing/2014/main" id="{CED204D7-5DE2-9646-9AA3-782CD58D96E3}"/>
+                <a16:creationId xmlns:a16="http://schemas.microsoft.com/office/drawing/2014/main" xmlns="" id="{CED204D7-5DE2-9646-9AA3-782CD58D96E3}"/>
               </a:ext>
             </a:extLst>
           </p:cNvPr>
@@ -6150,7 +6099,7 @@
           <p:cNvPr id="3" name="Picture Placeholder 2">
             <a:extLst>
               <a:ext uri="{FF2B5EF4-FFF2-40B4-BE49-F238E27FC236}">
-                <a16:creationId xmlns="" xmlns:a16="http://schemas.microsoft.com/office/drawing/2014/main" id="{B32454CE-BDBD-9D49-B6BE-E73A9D78E211}"/>
+                <a16:creationId xmlns:a16="http://schemas.microsoft.com/office/drawing/2014/main" xmlns="" id="{B32454CE-BDBD-9D49-B6BE-E73A9D78E211}"/>
               </a:ext>
             </a:extLst>
           </p:cNvPr>
@@ -6217,7 +6166,7 @@
           <p:cNvPr id="4" name="Text Placeholder 3">
             <a:extLst>
               <a:ext uri="{FF2B5EF4-FFF2-40B4-BE49-F238E27FC236}">
-                <a16:creationId xmlns="" xmlns:a16="http://schemas.microsoft.com/office/drawing/2014/main" id="{A34D27B6-E809-6C46-BC0A-1CE2B62E586A}"/>
+                <a16:creationId xmlns:a16="http://schemas.microsoft.com/office/drawing/2014/main" xmlns="" id="{A34D27B6-E809-6C46-BC0A-1CE2B62E586A}"/>
               </a:ext>
             </a:extLst>
           </p:cNvPr>
@@ -6288,7 +6237,7 @@
           <p:cNvPr id="5" name="Date Placeholder 4">
             <a:extLst>
               <a:ext uri="{FF2B5EF4-FFF2-40B4-BE49-F238E27FC236}">
-                <a16:creationId xmlns="" xmlns:a16="http://schemas.microsoft.com/office/drawing/2014/main" id="{C0FD6300-54B8-4A4F-AB8D-8DE64E519AD4}"/>
+                <a16:creationId xmlns:a16="http://schemas.microsoft.com/office/drawing/2014/main" xmlns="" id="{C0FD6300-54B8-4A4F-AB8D-8DE64E519AD4}"/>
               </a:ext>
             </a:extLst>
           </p:cNvPr>
@@ -6306,7 +6255,7 @@
           <a:p>
             <a:fld id="{E389AA9D-A245-8245-B1FA-F343E2C3F01D}" type="datetimeFigureOut">
               <a:rPr lang="en-US" smtClean="0"/>
-              <a:t>10/11/20</a:t>
+              <a:t>11/16/20</a:t>
             </a:fld>
             <a:endParaRPr lang="en-US"/>
           </a:p>
@@ -6317,7 +6266,7 @@
           <p:cNvPr id="6" name="Footer Placeholder 5">
             <a:extLst>
               <a:ext uri="{FF2B5EF4-FFF2-40B4-BE49-F238E27FC236}">
-                <a16:creationId xmlns="" xmlns:a16="http://schemas.microsoft.com/office/drawing/2014/main" id="{C6F2C403-04D7-994D-9AA5-BDA08226233A}"/>
+                <a16:creationId xmlns:a16="http://schemas.microsoft.com/office/drawing/2014/main" xmlns="" id="{C6F2C403-04D7-994D-9AA5-BDA08226233A}"/>
               </a:ext>
             </a:extLst>
           </p:cNvPr>
@@ -6342,7 +6291,7 @@
           <p:cNvPr id="7" name="Slide Number Placeholder 6">
             <a:extLst>
               <a:ext uri="{FF2B5EF4-FFF2-40B4-BE49-F238E27FC236}">
-                <a16:creationId xmlns="" xmlns:a16="http://schemas.microsoft.com/office/drawing/2014/main" id="{BF64EF09-531E-0E49-A5A0-F52A47BB2A63}"/>
+                <a16:creationId xmlns:a16="http://schemas.microsoft.com/office/drawing/2014/main" xmlns="" id="{BF64EF09-531E-0E49-A5A0-F52A47BB2A63}"/>
               </a:ext>
             </a:extLst>
           </p:cNvPr>
@@ -6406,7 +6355,7 @@
           <p:cNvPr id="2" name="Title Placeholder 1">
             <a:extLst>
               <a:ext uri="{FF2B5EF4-FFF2-40B4-BE49-F238E27FC236}">
-                <a16:creationId xmlns="" xmlns:a16="http://schemas.microsoft.com/office/drawing/2014/main" id="{97E5194C-F555-614C-A1E3-2421C7241E30}"/>
+                <a16:creationId xmlns:a16="http://schemas.microsoft.com/office/drawing/2014/main" xmlns="" id="{97E5194C-F555-614C-A1E3-2421C7241E30}"/>
               </a:ext>
             </a:extLst>
           </p:cNvPr>
@@ -6444,7 +6393,7 @@
           <p:cNvPr id="3" name="Text Placeholder 2">
             <a:extLst>
               <a:ext uri="{FF2B5EF4-FFF2-40B4-BE49-F238E27FC236}">
-                <a16:creationId xmlns="" xmlns:a16="http://schemas.microsoft.com/office/drawing/2014/main" id="{5C568EF9-6FB8-FF4C-9D8C-86BCB8DF7A81}"/>
+                <a16:creationId xmlns:a16="http://schemas.microsoft.com/office/drawing/2014/main" xmlns="" id="{5C568EF9-6FB8-FF4C-9D8C-86BCB8DF7A81}"/>
               </a:ext>
             </a:extLst>
           </p:cNvPr>
@@ -6511,7 +6460,7 @@
           <p:cNvPr id="4" name="Date Placeholder 3">
             <a:extLst>
               <a:ext uri="{FF2B5EF4-FFF2-40B4-BE49-F238E27FC236}">
-                <a16:creationId xmlns="" xmlns:a16="http://schemas.microsoft.com/office/drawing/2014/main" id="{8171FAA0-A6FC-C244-AE5D-4FDCA5BEBBB4}"/>
+                <a16:creationId xmlns:a16="http://schemas.microsoft.com/office/drawing/2014/main" xmlns="" id="{8171FAA0-A6FC-C244-AE5D-4FDCA5BEBBB4}"/>
               </a:ext>
             </a:extLst>
           </p:cNvPr>
@@ -6547,7 +6496,7 @@
           <a:p>
             <a:fld id="{E389AA9D-A245-8245-B1FA-F343E2C3F01D}" type="datetimeFigureOut">
               <a:rPr lang="en-US" smtClean="0"/>
-              <a:t>10/11/20</a:t>
+              <a:t>11/16/20</a:t>
             </a:fld>
             <a:endParaRPr lang="en-US"/>
           </a:p>
@@ -6558,7 +6507,7 @@
           <p:cNvPr id="5" name="Footer Placeholder 4">
             <a:extLst>
               <a:ext uri="{FF2B5EF4-FFF2-40B4-BE49-F238E27FC236}">
-                <a16:creationId xmlns="" xmlns:a16="http://schemas.microsoft.com/office/drawing/2014/main" id="{EE18D8E6-A126-8647-AC17-43DE5789C363}"/>
+                <a16:creationId xmlns:a16="http://schemas.microsoft.com/office/drawing/2014/main" xmlns="" id="{EE18D8E6-A126-8647-AC17-43DE5789C363}"/>
               </a:ext>
             </a:extLst>
           </p:cNvPr>
@@ -6601,7 +6550,7 @@
           <p:cNvPr id="6" name="Slide Number Placeholder 5">
             <a:extLst>
               <a:ext uri="{FF2B5EF4-FFF2-40B4-BE49-F238E27FC236}">
-                <a16:creationId xmlns="" xmlns:a16="http://schemas.microsoft.com/office/drawing/2014/main" id="{8BE2B199-0B49-644B-8D17-0A32406C5981}"/>
+                <a16:creationId xmlns:a16="http://schemas.microsoft.com/office/drawing/2014/main" xmlns="" id="{8BE2B199-0B49-644B-8D17-0A32406C5981}"/>
               </a:ext>
             </a:extLst>
           </p:cNvPr>
@@ -7107,7 +7056,7 @@
                 <a:sym typeface="Arial"/>
               </a:rPr>
               <a:pPr/>
-              <a:t>10/11/20</a:t>
+              <a:t>11/16/20</a:t>
             </a:fld>
             <a:endParaRPr lang="en-US">
               <a:solidFill>
@@ -7828,23 +7777,7 @@
                 <a:ea typeface="Times New Roman" charset="0"/>
                 <a:cs typeface="Times New Roman" charset="0"/>
               </a:rPr>
-              <a:t>CC </a:t>
-            </a:r>
-            <a:r>
-              <a:rPr lang="en-US" sz="2800" dirty="0">
-                <a:latin typeface="Times New Roman" charset="0"/>
-                <a:ea typeface="Times New Roman" charset="0"/>
-                <a:cs typeface="Times New Roman" charset="0"/>
-              </a:rPr>
-              <a:t>BY-SA </a:t>
-            </a:r>
-            <a:r>
-              <a:rPr lang="en-US" sz="2800" dirty="0">
-                <a:latin typeface="Times New Roman" charset="0"/>
-                <a:ea typeface="Times New Roman" charset="0"/>
-                <a:cs typeface="Times New Roman" charset="0"/>
-              </a:rPr>
-              <a:t>4.0. To view a copy of this license, visit </a:t>
+              <a:t>CC BY-SA 4.0. To view a copy of this license, visit </a:t>
             </a:r>
             <a:r>
               <a:rPr lang="en-US" sz="2800" dirty="0">
@@ -7853,16 +7786,7 @@
                 <a:cs typeface="Times New Roman" charset="0"/>
                 <a:hlinkClick r:id="rId2"/>
               </a:rPr>
-              <a:t>https://</a:t>
-            </a:r>
-            <a:r>
-              <a:rPr lang="en-US" sz="2800" dirty="0">
-                <a:latin typeface="Times New Roman" charset="0"/>
-                <a:ea typeface="Times New Roman" charset="0"/>
-                <a:cs typeface="Times New Roman" charset="0"/>
-                <a:hlinkClick r:id="rId2"/>
-              </a:rPr>
-              <a:t>creativecommons.org/licenses/by-sa/4.0</a:t>
+              <a:t>https://creativecommons.org/licenses/by-sa/4.0</a:t>
             </a:r>
             <a:r>
               <a:rPr lang="en-US" sz="2800" dirty="0">
@@ -8048,7 +7972,7 @@
           <p:cNvPr id="2" name="Title 1">
             <a:extLst>
               <a:ext uri="{FF2B5EF4-FFF2-40B4-BE49-F238E27FC236}">
-                <a16:creationId xmlns="" xmlns:a16="http://schemas.microsoft.com/office/drawing/2014/main" id="{95D21527-C946-AA4A-A86B-64672A9C4062}"/>
+                <a16:creationId xmlns:a16="http://schemas.microsoft.com/office/drawing/2014/main" xmlns="" id="{95D21527-C946-AA4A-A86B-64672A9C4062}"/>
               </a:ext>
             </a:extLst>
           </p:cNvPr>
@@ -8080,7 +8004,7 @@
           <p:cNvPr id="3" name="Content Placeholder 2">
             <a:extLst>
               <a:ext uri="{FF2B5EF4-FFF2-40B4-BE49-F238E27FC236}">
-                <a16:creationId xmlns="" xmlns:a16="http://schemas.microsoft.com/office/drawing/2014/main" id="{0C25DB49-A89F-5B4E-AD0A-943BBE5D864B}"/>
+                <a16:creationId xmlns:a16="http://schemas.microsoft.com/office/drawing/2014/main" xmlns="" id="{0C25DB49-A89F-5B4E-AD0A-943BBE5D864B}"/>
               </a:ext>
             </a:extLst>
           </p:cNvPr>
@@ -8159,7 +8083,7 @@
           <p:cNvPr id="2" name="Title 1">
             <a:extLst>
               <a:ext uri="{FF2B5EF4-FFF2-40B4-BE49-F238E27FC236}">
-                <a16:creationId xmlns="" xmlns:a16="http://schemas.microsoft.com/office/drawing/2014/main" id="{6B80C641-2826-EA40-96C2-AC7D61132915}"/>
+                <a16:creationId xmlns:a16="http://schemas.microsoft.com/office/drawing/2014/main" xmlns="" id="{6B80C641-2826-EA40-96C2-AC7D61132915}"/>
               </a:ext>
             </a:extLst>
           </p:cNvPr>
@@ -8187,7 +8111,7 @@
           <p:cNvPr id="3" name="Content Placeholder 2">
             <a:extLst>
               <a:ext uri="{FF2B5EF4-FFF2-40B4-BE49-F238E27FC236}">
-                <a16:creationId xmlns="" xmlns:a16="http://schemas.microsoft.com/office/drawing/2014/main" id="{1B7A09BD-F786-5F42-93F6-4659653DCA06}"/>
+                <a16:creationId xmlns:a16="http://schemas.microsoft.com/office/drawing/2014/main" xmlns="" id="{1B7A09BD-F786-5F42-93F6-4659653DCA06}"/>
               </a:ext>
             </a:extLst>
           </p:cNvPr>
@@ -8238,7 +8162,7 @@
           <p:cNvPr id="4" name="image11.jpg">
             <a:extLst>
               <a:ext uri="{FF2B5EF4-FFF2-40B4-BE49-F238E27FC236}">
-                <a16:creationId xmlns="" xmlns:a16="http://schemas.microsoft.com/office/drawing/2014/main" id="{CBB09214-24FF-EE40-9887-76F1051A24A0}"/>
+                <a16:creationId xmlns:a16="http://schemas.microsoft.com/office/drawing/2014/main" xmlns="" id="{CBB09214-24FF-EE40-9887-76F1051A24A0}"/>
               </a:ext>
             </a:extLst>
           </p:cNvPr>
@@ -8268,7 +8192,7 @@
           <p:cNvPr id="5" name="TextBox 4">
             <a:extLst>
               <a:ext uri="{FF2B5EF4-FFF2-40B4-BE49-F238E27FC236}">
-                <a16:creationId xmlns="" xmlns:a16="http://schemas.microsoft.com/office/drawing/2014/main" id="{152D77FD-82C1-5047-89B4-8DC88C35AFE0}"/>
+                <a16:creationId xmlns:a16="http://schemas.microsoft.com/office/drawing/2014/main" xmlns="" id="{152D77FD-82C1-5047-89B4-8DC88C35AFE0}"/>
               </a:ext>
             </a:extLst>
           </p:cNvPr>
@@ -8309,7 +8233,7 @@
           <p:cNvPr id="6" name="TextBox 5">
             <a:extLst>
               <a:ext uri="{FF2B5EF4-FFF2-40B4-BE49-F238E27FC236}">
-                <a16:creationId xmlns="" xmlns:a16="http://schemas.microsoft.com/office/drawing/2014/main" id="{54AF32F3-3F93-1348-A4E9-7763756F8567}"/>
+                <a16:creationId xmlns:a16="http://schemas.microsoft.com/office/drawing/2014/main" xmlns="" id="{54AF32F3-3F93-1348-A4E9-7763756F8567}"/>
               </a:ext>
             </a:extLst>
           </p:cNvPr>
@@ -8381,7 +8305,7 @@
           <p:cNvPr id="2" name="Title 1">
             <a:extLst>
               <a:ext uri="{FF2B5EF4-FFF2-40B4-BE49-F238E27FC236}">
-                <a16:creationId xmlns="" xmlns:a16="http://schemas.microsoft.com/office/drawing/2014/main" id="{3777F6A6-10FF-D948-A97C-D7D5FC234AFF}"/>
+                <a16:creationId xmlns:a16="http://schemas.microsoft.com/office/drawing/2014/main" xmlns="" id="{3777F6A6-10FF-D948-A97C-D7D5FC234AFF}"/>
               </a:ext>
             </a:extLst>
           </p:cNvPr>
@@ -8409,7 +8333,7 @@
           <p:cNvPr id="3" name="Content Placeholder 2">
             <a:extLst>
               <a:ext uri="{FF2B5EF4-FFF2-40B4-BE49-F238E27FC236}">
-                <a16:creationId xmlns="" xmlns:a16="http://schemas.microsoft.com/office/drawing/2014/main" id="{9B1C5DFF-3BAA-504D-8C7B-6B24939B056F}"/>
+                <a16:creationId xmlns:a16="http://schemas.microsoft.com/office/drawing/2014/main" xmlns="" id="{9B1C5DFF-3BAA-504D-8C7B-6B24939B056F}"/>
               </a:ext>
             </a:extLst>
           </p:cNvPr>
@@ -8496,7 +8420,7 @@
           <p:cNvPr id="2" name="Title 1">
             <a:extLst>
               <a:ext uri="{FF2B5EF4-FFF2-40B4-BE49-F238E27FC236}">
-                <a16:creationId xmlns="" xmlns:a16="http://schemas.microsoft.com/office/drawing/2014/main" id="{815A418C-CE0D-6843-BD08-8663DD324EEE}"/>
+                <a16:creationId xmlns:a16="http://schemas.microsoft.com/office/drawing/2014/main" xmlns="" id="{815A418C-CE0D-6843-BD08-8663DD324EEE}"/>
               </a:ext>
             </a:extLst>
           </p:cNvPr>
@@ -8524,7 +8448,7 @@
           <p:cNvPr id="4" name="Content Placeholder 3">
             <a:extLst>
               <a:ext uri="{FF2B5EF4-FFF2-40B4-BE49-F238E27FC236}">
-                <a16:creationId xmlns="" xmlns:a16="http://schemas.microsoft.com/office/drawing/2014/main" id="{D146D73B-D740-4D4C-8C00-FA96CB3B5BDA}"/>
+                <a16:creationId xmlns:a16="http://schemas.microsoft.com/office/drawing/2014/main" xmlns="" id="{D146D73B-D740-4D4C-8C00-FA96CB3B5BDA}"/>
               </a:ext>
             </a:extLst>
           </p:cNvPr>
@@ -8598,34 +8522,146 @@
       </p:sp>
       <p:pic>
         <p:nvPicPr>
-          <p:cNvPr id="6" name="image10.png">
-            <a:extLst>
-              <a:ext uri="{FF2B5EF4-FFF2-40B4-BE49-F238E27FC236}">
-                <a16:creationId xmlns="" xmlns:a16="http://schemas.microsoft.com/office/drawing/2014/main" id="{87B7ECC4-4F76-0747-85F8-A09931904905}"/>
-              </a:ext>
-            </a:extLst>
-          </p:cNvPr>
-          <p:cNvPicPr/>
+          <p:cNvPr id="1026" name="Picture 2" descr="ile:Andromeda Galaxy (with h-alpha).jpg"/>
+          <p:cNvPicPr>
+            <a:picLocks noChangeAspect="1" noChangeArrowheads="1"/>
+          </p:cNvPicPr>
           <p:nvPr/>
         </p:nvPicPr>
         <p:blipFill>
-          <a:blip r:embed="rId3"/>
+          <a:blip r:embed="rId3">
+            <a:extLst>
+              <a:ext uri="{28A0092B-C50C-407E-A947-70E740481C1C}">
+                <a14:useLocalDpi xmlns:a14="http://schemas.microsoft.com/office/drawing/2010/main" val="0"/>
+              </a:ext>
+            </a:extLst>
+          </a:blip>
           <a:srcRect/>
           <a:stretch>
             <a:fillRect/>
           </a:stretch>
         </p:blipFill>
-        <p:spPr>
+        <p:spPr bwMode="auto">
           <a:xfrm>
-            <a:off x="6490334" y="1825624"/>
-            <a:ext cx="4711065" cy="3832225"/>
+            <a:off x="6330462" y="1825625"/>
+            <a:ext cx="5023338" cy="3302844"/>
           </a:xfrm>
           <a:prstGeom prst="rect">
             <a:avLst/>
           </a:prstGeom>
-          <a:ln/>
+          <a:noFill/>
+          <a:extLst>
+            <a:ext uri="{909E8E84-426E-40DD-AFC4-6F175D3DCCD1}">
+              <a14:hiddenFill xmlns:a14="http://schemas.microsoft.com/office/drawing/2010/main">
+                <a:solidFill>
+                  <a:srgbClr val="FFFFFF"/>
+                </a:solidFill>
+              </a14:hiddenFill>
+            </a:ext>
+          </a:extLst>
         </p:spPr>
       </p:pic>
+      <p:sp>
+        <p:nvSpPr>
+          <p:cNvPr id="7" name="Google Shape;114;p16"/>
+          <p:cNvSpPr txBox="1"/>
+          <p:nvPr/>
+        </p:nvSpPr>
+        <p:spPr>
+          <a:xfrm>
+            <a:off x="6248400" y="5128469"/>
+            <a:ext cx="5105400" cy="705765"/>
+          </a:xfrm>
+          <a:prstGeom prst="rect">
+            <a:avLst/>
+          </a:prstGeom>
+          <a:noFill/>
+          <a:ln>
+            <a:noFill/>
+          </a:ln>
+        </p:spPr>
+        <p:txBody>
+          <a:bodyPr spcFirstLastPara="1" wrap="square" lIns="91425" tIns="91425" rIns="91425" bIns="91425" anchor="t" anchorCtr="0">
+            <a:noAutofit/>
+          </a:bodyPr>
+          <a:lstStyle/>
+          <a:p>
+            <a:pPr lvl="0"/>
+            <a:r>
+              <a:rPr lang="en-US" sz="1200" dirty="0" smtClean="0">
+                <a:latin typeface="Roboto"/>
+                <a:ea typeface="Roboto"/>
+                <a:cs typeface="Roboto"/>
+                <a:sym typeface="Roboto"/>
+              </a:rPr>
+              <a:t>Image: </a:t>
+            </a:r>
+            <a:r>
+              <a:rPr lang="en-US" sz="1200" dirty="0" smtClean="0">
+                <a:latin typeface="Roboto"/>
+                <a:ea typeface="Roboto"/>
+                <a:cs typeface="Roboto"/>
+                <a:sym typeface="Roboto"/>
+                <a:hlinkClick r:id="rId4"/>
+              </a:rPr>
+              <a:t>M31, the Andromeda Galaxy (now with h-alpha)</a:t>
+            </a:r>
+            <a:r>
+              <a:rPr lang="en-US" sz="1200" dirty="0" smtClean="0">
+                <a:latin typeface="Roboto"/>
+                <a:ea typeface="Roboto"/>
+                <a:cs typeface="Roboto"/>
+                <a:sym typeface="Roboto"/>
+              </a:rPr>
+              <a:t> by </a:t>
+            </a:r>
+            <a:r>
+              <a:rPr lang="en-US" sz="1200" dirty="0" smtClean="0">
+                <a:latin typeface="Roboto"/>
+                <a:ea typeface="Roboto"/>
+                <a:cs typeface="Roboto"/>
+                <a:sym typeface="Roboto"/>
+                <a:hlinkClick r:id="rId5"/>
+              </a:rPr>
+              <a:t>Adam Evans</a:t>
+            </a:r>
+            <a:r>
+              <a:rPr lang="en-US" sz="1200" dirty="0" smtClean="0">
+                <a:latin typeface="Roboto"/>
+                <a:ea typeface="Roboto"/>
+                <a:cs typeface="Roboto"/>
+                <a:sym typeface="Roboto"/>
+              </a:rPr>
+              <a:t> </a:t>
+            </a:r>
+            <a:r>
+              <a:rPr lang="en-US" sz="1200" dirty="0" smtClean="0">
+                <a:latin typeface="Roboto"/>
+                <a:ea typeface="Roboto"/>
+                <a:cs typeface="Roboto"/>
+                <a:sym typeface="Roboto"/>
+              </a:rPr>
+              <a:t>is licensed under </a:t>
+            </a:r>
+            <a:r>
+              <a:rPr lang="mr-IN" sz="1200" dirty="0" smtClean="0">
+                <a:latin typeface="Roboto"/>
+                <a:ea typeface="Roboto"/>
+                <a:cs typeface="Roboto"/>
+                <a:sym typeface="Roboto"/>
+                <a:hlinkClick r:id="rId6"/>
+              </a:rPr>
+              <a:t>CC BY-SA 3.0</a:t>
+            </a:r>
+            <a:endParaRPr sz="1200" dirty="0">
+              <a:latin typeface="Roboto"/>
+              <a:ea typeface="Roboto"/>
+              <a:cs typeface="Roboto"/>
+              <a:sym typeface="Roboto"/>
+            </a:endParaRPr>
+          </a:p>
+        </p:txBody>
+      </p:sp>
     </p:spTree>
     <p:extLst>
       <p:ext uri="{BB962C8B-B14F-4D97-AF65-F5344CB8AC3E}">
@@ -8661,7 +8697,7 @@
           <p:cNvPr id="2" name="Title 1">
             <a:extLst>
               <a:ext uri="{FF2B5EF4-FFF2-40B4-BE49-F238E27FC236}">
-                <a16:creationId xmlns="" xmlns:a16="http://schemas.microsoft.com/office/drawing/2014/main" id="{6A3515B8-2697-0846-9963-9F933047D5EB}"/>
+                <a16:creationId xmlns:a16="http://schemas.microsoft.com/office/drawing/2014/main" xmlns="" id="{6A3515B8-2697-0846-9963-9F933047D5EB}"/>
               </a:ext>
             </a:extLst>
           </p:cNvPr>
@@ -8689,7 +8725,7 @@
           <p:cNvPr id="3" name="Content Placeholder 2">
             <a:extLst>
               <a:ext uri="{FF2B5EF4-FFF2-40B4-BE49-F238E27FC236}">
-                <a16:creationId xmlns="" xmlns:a16="http://schemas.microsoft.com/office/drawing/2014/main" id="{C8ACE87D-CECF-924B-95A7-B8962E469AFA}"/>
+                <a16:creationId xmlns:a16="http://schemas.microsoft.com/office/drawing/2014/main" xmlns="" id="{C8ACE87D-CECF-924B-95A7-B8962E469AFA}"/>
               </a:ext>
             </a:extLst>
           </p:cNvPr>
@@ -8753,7 +8789,7 @@
           <p:cNvPr id="2" name="Title 1">
             <a:extLst>
               <a:ext uri="{FF2B5EF4-FFF2-40B4-BE49-F238E27FC236}">
-                <a16:creationId xmlns="" xmlns:a16="http://schemas.microsoft.com/office/drawing/2014/main" id="{5EEE1811-4B8A-8440-8ACA-FBEDC727DF34}"/>
+                <a16:creationId xmlns:a16="http://schemas.microsoft.com/office/drawing/2014/main" xmlns="" id="{5EEE1811-4B8A-8440-8ACA-FBEDC727DF34}"/>
               </a:ext>
             </a:extLst>
           </p:cNvPr>
@@ -8781,7 +8817,7 @@
           <p:cNvPr id="3" name="Content Placeholder 2">
             <a:extLst>
               <a:ext uri="{FF2B5EF4-FFF2-40B4-BE49-F238E27FC236}">
-                <a16:creationId xmlns="" xmlns:a16="http://schemas.microsoft.com/office/drawing/2014/main" id="{ADB45017-CE2B-B543-AD5C-EEDAAA6D88CF}"/>
+                <a16:creationId xmlns:a16="http://schemas.microsoft.com/office/drawing/2014/main" xmlns="" id="{ADB45017-CE2B-B543-AD5C-EEDAAA6D88CF}"/>
               </a:ext>
             </a:extLst>
           </p:cNvPr>
@@ -8831,7 +8867,7 @@
           <p:cNvPr id="5" name="Rectangle 4">
             <a:extLst>
               <a:ext uri="{FF2B5EF4-FFF2-40B4-BE49-F238E27FC236}">
-                <a16:creationId xmlns="" xmlns:a16="http://schemas.microsoft.com/office/drawing/2014/main" id="{27AAB4D5-2A5C-3940-A7A9-7FE1CBF0250D}"/>
+                <a16:creationId xmlns:a16="http://schemas.microsoft.com/office/drawing/2014/main" xmlns="" id="{27AAB4D5-2A5C-3940-A7A9-7FE1CBF0250D}"/>
               </a:ext>
             </a:extLst>
           </p:cNvPr>
@@ -8888,7 +8924,7 @@
           <p:cNvPr id="7" name="Rectangle 6">
             <a:extLst>
               <a:ext uri="{FF2B5EF4-FFF2-40B4-BE49-F238E27FC236}">
-                <a16:creationId xmlns="" xmlns:a16="http://schemas.microsoft.com/office/drawing/2014/main" id="{8EF7996A-AABC-9C42-A76C-CA219B4DE974}"/>
+                <a16:creationId xmlns:a16="http://schemas.microsoft.com/office/drawing/2014/main" xmlns="" id="{8EF7996A-AABC-9C42-A76C-CA219B4DE974}"/>
               </a:ext>
             </a:extLst>
           </p:cNvPr>
@@ -8937,7 +8973,7 @@
           <p:cNvPr id="8" name="Rectangle 7">
             <a:extLst>
               <a:ext uri="{FF2B5EF4-FFF2-40B4-BE49-F238E27FC236}">
-                <a16:creationId xmlns="" xmlns:a16="http://schemas.microsoft.com/office/drawing/2014/main" id="{E464FC21-9604-A143-872D-B7B08A9DAA9F}"/>
+                <a16:creationId xmlns:a16="http://schemas.microsoft.com/office/drawing/2014/main" xmlns="" id="{E464FC21-9604-A143-872D-B7B08A9DAA9F}"/>
               </a:ext>
             </a:extLst>
           </p:cNvPr>
@@ -8994,7 +9030,7 @@
           <p:cNvPr id="9" name="Rectangle 8">
             <a:extLst>
               <a:ext uri="{FF2B5EF4-FFF2-40B4-BE49-F238E27FC236}">
-                <a16:creationId xmlns="" xmlns:a16="http://schemas.microsoft.com/office/drawing/2014/main" id="{0CF0AA78-AA68-0040-8F06-9F19EBEEA09F}"/>
+                <a16:creationId xmlns:a16="http://schemas.microsoft.com/office/drawing/2014/main" xmlns="" id="{0CF0AA78-AA68-0040-8F06-9F19EBEEA09F}"/>
               </a:ext>
             </a:extLst>
           </p:cNvPr>
@@ -9043,7 +9079,7 @@
           <p:cNvPr id="10" name="TextBox 9">
             <a:extLst>
               <a:ext uri="{FF2B5EF4-FFF2-40B4-BE49-F238E27FC236}">
-                <a16:creationId xmlns="" xmlns:a16="http://schemas.microsoft.com/office/drawing/2014/main" id="{DA0F844B-4EEE-D742-8C02-F5C88A2DECD2}"/>
+                <a16:creationId xmlns:a16="http://schemas.microsoft.com/office/drawing/2014/main" xmlns="" id="{DA0F844B-4EEE-D742-8C02-F5C88A2DECD2}"/>
               </a:ext>
             </a:extLst>
           </p:cNvPr>
@@ -9109,7 +9145,7 @@
           <p:cNvPr id="2" name="Title 1">
             <a:extLst>
               <a:ext uri="{FF2B5EF4-FFF2-40B4-BE49-F238E27FC236}">
-                <a16:creationId xmlns="" xmlns:a16="http://schemas.microsoft.com/office/drawing/2014/main" id="{FB9BFDEB-DE6A-984A-B311-6B9B650F1C57}"/>
+                <a16:creationId xmlns:a16="http://schemas.microsoft.com/office/drawing/2014/main" xmlns="" id="{FB9BFDEB-DE6A-984A-B311-6B9B650F1C57}"/>
               </a:ext>
             </a:extLst>
           </p:cNvPr>
@@ -9137,7 +9173,7 @@
           <p:cNvPr id="5" name="Content Placeholder 4">
             <a:extLst>
               <a:ext uri="{FF2B5EF4-FFF2-40B4-BE49-F238E27FC236}">
-                <a16:creationId xmlns="" xmlns:a16="http://schemas.microsoft.com/office/drawing/2014/main" id="{1E3300B2-A75A-E345-A31B-F6AEF80B18DE}"/>
+                <a16:creationId xmlns:a16="http://schemas.microsoft.com/office/drawing/2014/main" xmlns="" id="{1E3300B2-A75A-E345-A31B-F6AEF80B18DE}"/>
               </a:ext>
             </a:extLst>
           </p:cNvPr>
